--- a/Seminar/視障輔助教材轉檔研討會/投影片.pptx
+++ b/Seminar/視障輔助教材轉檔研討會/投影片.pptx
@@ -6,11 +6,39 @@
   </p:sldMasterIdLst>
   <p:sldIdLst>
     <p:sldId id="256" r:id="rId2"/>
-    <p:sldId id="257" r:id="rId3"/>
-    <p:sldId id="260" r:id="rId4"/>
-    <p:sldId id="258" r:id="rId5"/>
-    <p:sldId id="259" r:id="rId6"/>
-    <p:sldId id="261" r:id="rId7"/>
+    <p:sldId id="275" r:id="rId3"/>
+    <p:sldId id="257" r:id="rId4"/>
+    <p:sldId id="260" r:id="rId5"/>
+    <p:sldId id="262" r:id="rId6"/>
+    <p:sldId id="258" r:id="rId7"/>
+    <p:sldId id="263" r:id="rId8"/>
+    <p:sldId id="261" r:id="rId9"/>
+    <p:sldId id="259" r:id="rId10"/>
+    <p:sldId id="277" r:id="rId11"/>
+    <p:sldId id="268" r:id="rId12"/>
+    <p:sldId id="269" r:id="rId13"/>
+    <p:sldId id="270" r:id="rId14"/>
+    <p:sldId id="285" r:id="rId15"/>
+    <p:sldId id="279" r:id="rId16"/>
+    <p:sldId id="286" r:id="rId17"/>
+    <p:sldId id="280" r:id="rId18"/>
+    <p:sldId id="287" r:id="rId19"/>
+    <p:sldId id="281" r:id="rId20"/>
+    <p:sldId id="288" r:id="rId21"/>
+    <p:sldId id="278" r:id="rId22"/>
+    <p:sldId id="271" r:id="rId23"/>
+    <p:sldId id="272" r:id="rId24"/>
+    <p:sldId id="289" r:id="rId25"/>
+    <p:sldId id="274" r:id="rId26"/>
+    <p:sldId id="282" r:id="rId27"/>
+    <p:sldId id="273" r:id="rId28"/>
+    <p:sldId id="276" r:id="rId29"/>
+    <p:sldId id="265" r:id="rId30"/>
+    <p:sldId id="264" r:id="rId31"/>
+    <p:sldId id="266" r:id="rId32"/>
+    <p:sldId id="267" r:id="rId33"/>
+    <p:sldId id="283" r:id="rId34"/>
+    <p:sldId id="284" r:id="rId35"/>
   </p:sldIdLst>
   <p:sldSz cx="12192000" cy="6858000"/>
   <p:notesSz cx="6858000" cy="9144000"/>
@@ -992,12 +1020,12 @@
           <a:bodyPr anchor="b"/>
           <a:lstStyle>
             <a:lvl1pPr>
-              <a:defRPr sz="6000"/>
+              <a:defRPr sz="6000" b="1"/>
             </a:lvl1pPr>
           </a:lstStyle>
           <a:p>
             <a:r>
-              <a:rPr lang="zh-TW" altLang="en-US"/>
+              <a:rPr lang="zh-TW" altLang="en-US" dirty="0"/>
               <a:t>按一下以編輯母片標題樣式</a:t>
             </a:r>
           </a:p>
@@ -3361,8 +3389,15 @@
           <a:lstStyle/>
           <a:p>
             <a:r>
-              <a:rPr lang="zh-TW" altLang="en-US" dirty="0"/>
-              <a:t>視障教材轉譯</a:t>
+              <a:rPr lang="zh-TW" altLang="en-US" b="1" dirty="0"/>
+              <a:t>視障輔助教材轉譯</a:t>
+            </a:r>
+            <a:br>
+              <a:rPr lang="en-US" altLang="zh-TW" b="1" dirty="0"/>
+            </a:br>
+            <a:r>
+              <a:rPr lang="zh-TW" altLang="en-US" b="1" dirty="0"/>
+              <a:t>工具與操作示範</a:t>
             </a:r>
           </a:p>
         </p:txBody>
@@ -3383,12 +3418,20 @@
             <p:ph type="subTitle" idx="1"/>
           </p:nvPr>
         </p:nvSpPr>
-        <p:spPr/>
-        <p:txBody>
-          <a:bodyPr/>
-          <a:lstStyle/>
-          <a:p>
-            <a:endParaRPr lang="zh-TW" altLang="en-US"/>
+        <p:spPr>
+          <a:xfrm>
+            <a:off x="1524000" y="4258235"/>
+            <a:ext cx="9144000" cy="699248"/>
+          </a:xfrm>
+        </p:spPr>
+        <p:txBody>
+          <a:bodyPr/>
+          <a:lstStyle/>
+          <a:p>
+            <a:r>
+              <a:rPr lang="zh-TW" altLang="en-US" dirty="0"/>
+              <a:t>陳淑萍、蔡煥麟</a:t>
+            </a:r>
           </a:p>
         </p:txBody>
       </p:sp>
@@ -3396,6 +3439,1778 @@
     <p:extLst>
       <p:ext uri="{BB962C8B-B14F-4D97-AF65-F5344CB8AC3E}">
         <p14:creationId xmlns:p14="http://schemas.microsoft.com/office/powerpoint/2010/main" val="1901179572"/>
+      </p:ext>
+    </p:extLst>
+  </p:cSld>
+  <p:clrMapOvr>
+    <a:masterClrMapping/>
+  </p:clrMapOvr>
+</p:sld>
+</file>
+
+<file path=ppt/slides/slide10.xml><?xml version="1.0" encoding="utf-8"?>
+<p:sld xmlns:a="http://schemas.openxmlformats.org/drawingml/2006/main" xmlns:r="http://schemas.openxmlformats.org/officeDocument/2006/relationships" xmlns:p="http://schemas.openxmlformats.org/presentationml/2006/main">
+  <p:cSld>
+    <p:spTree>
+      <p:nvGrpSpPr>
+        <p:cNvPr id="1" name=""/>
+        <p:cNvGrpSpPr/>
+        <p:nvPr/>
+      </p:nvGrpSpPr>
+      <p:grpSpPr>
+        <a:xfrm>
+          <a:off x="0" y="0"/>
+          <a:ext cx="0" cy="0"/>
+          <a:chOff x="0" y="0"/>
+          <a:chExt cx="0" cy="0"/>
+        </a:xfrm>
+      </p:grpSpPr>
+      <p:sp>
+        <p:nvSpPr>
+          <p:cNvPr id="2" name="標題 1">
+            <a:extLst>
+              <a:ext uri="{FF2B5EF4-FFF2-40B4-BE49-F238E27FC236}">
+                <a16:creationId xmlns:a16="http://schemas.microsoft.com/office/drawing/2014/main" id="{2589D886-831A-47BB-8B33-479AB58A01F6}"/>
+              </a:ext>
+            </a:extLst>
+          </p:cNvPr>
+          <p:cNvSpPr>
+            <a:spLocks noGrp="1"/>
+          </p:cNvSpPr>
+          <p:nvPr>
+            <p:ph type="title"/>
+          </p:nvPr>
+        </p:nvSpPr>
+        <p:spPr/>
+        <p:txBody>
+          <a:bodyPr/>
+          <a:lstStyle/>
+          <a:p>
+            <a:r>
+              <a:rPr lang="zh-TW" altLang="en-US" dirty="0"/>
+              <a:t>練習 </a:t>
+            </a:r>
+            <a:r>
+              <a:rPr lang="en-US" altLang="zh-TW" dirty="0"/>
+              <a:t>1</a:t>
+            </a:r>
+            <a:r>
+              <a:rPr lang="zh-TW" altLang="en-US" dirty="0"/>
+              <a:t>：</a:t>
+            </a:r>
+            <a:r>
+              <a:rPr lang="en-US" altLang="zh-TW" dirty="0"/>
+              <a:t>PDF </a:t>
+            </a:r>
+            <a:r>
+              <a:rPr lang="zh-TW" altLang="en-US" dirty="0"/>
+              <a:t>局部頁面圖文辨識</a:t>
+            </a:r>
+          </a:p>
+        </p:txBody>
+      </p:sp>
+      <p:sp>
+        <p:nvSpPr>
+          <p:cNvPr id="3" name="內容版面配置區 2">
+            <a:extLst>
+              <a:ext uri="{FF2B5EF4-FFF2-40B4-BE49-F238E27FC236}">
+                <a16:creationId xmlns:a16="http://schemas.microsoft.com/office/drawing/2014/main" id="{457F43BF-8986-45F2-A2E0-5B8BC7942C40}"/>
+              </a:ext>
+            </a:extLst>
+          </p:cNvPr>
+          <p:cNvSpPr>
+            <a:spLocks noGrp="1"/>
+          </p:cNvSpPr>
+          <p:nvPr>
+            <p:ph idx="1"/>
+          </p:nvPr>
+        </p:nvSpPr>
+        <p:spPr/>
+        <p:txBody>
+          <a:bodyPr/>
+          <a:lstStyle/>
+          <a:p>
+            <a:r>
+              <a:rPr lang="zh-TW" altLang="en-US" dirty="0"/>
+              <a:t>檔案：</a:t>
+            </a:r>
+            <a:r>
+              <a:rPr lang="zh-TW" altLang="en-US" dirty="0">
+                <a:hlinkClick r:id="rId2"/>
+              </a:rPr>
+              <a:t>文字是圖</a:t>
+            </a:r>
+            <a:r>
+              <a:rPr lang="en-US" altLang="zh-TW" dirty="0">
+                <a:hlinkClick r:id="rId2"/>
+              </a:rPr>
+              <a:t>.pdf</a:t>
+            </a:r>
+            <a:endParaRPr lang="en-US" altLang="zh-TW" dirty="0"/>
+          </a:p>
+          <a:p>
+            <a:r>
+              <a:rPr lang="zh-TW" altLang="en-US" dirty="0"/>
+              <a:t>擷取 </a:t>
+            </a:r>
+            <a:r>
+              <a:rPr lang="en-US" altLang="zh-TW" dirty="0"/>
+              <a:t>pdf </a:t>
+            </a:r>
+            <a:r>
+              <a:rPr lang="zh-TW" altLang="en-US" dirty="0"/>
+              <a:t>文件中的以下區塊，然後辨識成文字，貼到記事本。</a:t>
+            </a:r>
+          </a:p>
+        </p:txBody>
+      </p:sp>
+      <p:pic>
+        <p:nvPicPr>
+          <p:cNvPr id="5" name="圖片 4">
+            <a:extLst>
+              <a:ext uri="{FF2B5EF4-FFF2-40B4-BE49-F238E27FC236}">
+                <a16:creationId xmlns:a16="http://schemas.microsoft.com/office/drawing/2014/main" id="{6418D33B-6925-4383-AEB1-776934CAD5F9}"/>
+              </a:ext>
+            </a:extLst>
+          </p:cNvPr>
+          <p:cNvPicPr>
+            <a:picLocks noChangeAspect="1"/>
+          </p:cNvPicPr>
+          <p:nvPr/>
+        </p:nvPicPr>
+        <p:blipFill>
+          <a:blip r:embed="rId3"/>
+          <a:stretch>
+            <a:fillRect/>
+          </a:stretch>
+        </p:blipFill>
+        <p:spPr>
+          <a:xfrm>
+            <a:off x="1085609" y="2862677"/>
+            <a:ext cx="9590476" cy="3314286"/>
+          </a:xfrm>
+          <a:prstGeom prst="rect">
+            <a:avLst/>
+          </a:prstGeom>
+        </p:spPr>
+      </p:pic>
+      <p:sp>
+        <p:nvSpPr>
+          <p:cNvPr id="6" name="語音泡泡: 圓角矩形 5">
+            <a:extLst>
+              <a:ext uri="{FF2B5EF4-FFF2-40B4-BE49-F238E27FC236}">
+                <a16:creationId xmlns:a16="http://schemas.microsoft.com/office/drawing/2014/main" id="{8BA7BCF2-2044-4031-B82E-DE63D400BBC8}"/>
+              </a:ext>
+            </a:extLst>
+          </p:cNvPr>
+          <p:cNvSpPr/>
+          <p:nvPr/>
+        </p:nvSpPr>
+        <p:spPr>
+          <a:xfrm>
+            <a:off x="7763436" y="1479176"/>
+            <a:ext cx="3200400" cy="699248"/>
+          </a:xfrm>
+          <a:prstGeom prst="wedgeRoundRectCallout">
+            <a:avLst>
+              <a:gd name="adj1" fmla="val -58843"/>
+              <a:gd name="adj2" fmla="val -27244"/>
+              <a:gd name="adj3" fmla="val 16667"/>
+            </a:avLst>
+          </a:prstGeom>
+        </p:spPr>
+        <p:style>
+          <a:lnRef idx="2">
+            <a:schemeClr val="accent2">
+              <a:shade val="50000"/>
+            </a:schemeClr>
+          </a:lnRef>
+          <a:fillRef idx="1">
+            <a:schemeClr val="accent2"/>
+          </a:fillRef>
+          <a:effectRef idx="0">
+            <a:schemeClr val="accent2"/>
+          </a:effectRef>
+          <a:fontRef idx="minor">
+            <a:schemeClr val="lt1"/>
+          </a:fontRef>
+        </p:style>
+        <p:txBody>
+          <a:bodyPr rtlCol="0" anchor="ctr"/>
+          <a:lstStyle/>
+          <a:p>
+            <a:pPr algn="ctr"/>
+            <a:r>
+              <a:rPr lang="zh-TW" altLang="en-US" sz="1800" b="1" dirty="0">
+                <a:solidFill>
+                  <a:schemeClr val="bg1"/>
+                </a:solidFill>
+              </a:rPr>
+              <a:t>若有多餘時間，可嘗試一下 </a:t>
+            </a:r>
+            <a:r>
+              <a:rPr lang="en-US" altLang="zh-TW" sz="1800" b="1" dirty="0">
+                <a:solidFill>
+                  <a:schemeClr val="bg1"/>
+                </a:solidFill>
+              </a:rPr>
+              <a:t>Adobe </a:t>
+            </a:r>
+            <a:r>
+              <a:rPr lang="zh-TW" altLang="en-US" sz="1800" b="1" dirty="0">
+                <a:solidFill>
+                  <a:schemeClr val="bg1"/>
+                </a:solidFill>
+              </a:rPr>
+              <a:t>線上轉檔服務</a:t>
+            </a:r>
+            <a:endParaRPr lang="zh-TW" altLang="en-US" dirty="0">
+              <a:solidFill>
+                <a:schemeClr val="bg1"/>
+              </a:solidFill>
+            </a:endParaRPr>
+          </a:p>
+        </p:txBody>
+      </p:sp>
+    </p:spTree>
+    <p:extLst>
+      <p:ext uri="{BB962C8B-B14F-4D97-AF65-F5344CB8AC3E}">
+        <p14:creationId xmlns:p14="http://schemas.microsoft.com/office/powerpoint/2010/main" val="1214639448"/>
+      </p:ext>
+    </p:extLst>
+  </p:cSld>
+  <p:clrMapOvr>
+    <a:masterClrMapping/>
+  </p:clrMapOvr>
+</p:sld>
+</file>
+
+<file path=ppt/slides/slide11.xml><?xml version="1.0" encoding="utf-8"?>
+<p:sld xmlns:a="http://schemas.openxmlformats.org/drawingml/2006/main" xmlns:r="http://schemas.openxmlformats.org/officeDocument/2006/relationships" xmlns:p="http://schemas.openxmlformats.org/presentationml/2006/main">
+  <p:cSld>
+    <p:spTree>
+      <p:nvGrpSpPr>
+        <p:cNvPr id="1" name=""/>
+        <p:cNvGrpSpPr/>
+        <p:nvPr/>
+      </p:nvGrpSpPr>
+      <p:grpSpPr>
+        <a:xfrm>
+          <a:off x="0" y="0"/>
+          <a:ext cx="0" cy="0"/>
+          <a:chOff x="0" y="0"/>
+          <a:chExt cx="0" cy="0"/>
+        </a:xfrm>
+      </p:grpSpPr>
+      <p:sp>
+        <p:nvSpPr>
+          <p:cNvPr id="2" name="標題 1">
+            <a:extLst>
+              <a:ext uri="{FF2B5EF4-FFF2-40B4-BE49-F238E27FC236}">
+                <a16:creationId xmlns:a16="http://schemas.microsoft.com/office/drawing/2014/main" id="{141BB198-E166-48B7-A1FA-1737BDD1687C}"/>
+              </a:ext>
+            </a:extLst>
+          </p:cNvPr>
+          <p:cNvSpPr>
+            <a:spLocks noGrp="1"/>
+          </p:cNvSpPr>
+          <p:nvPr>
+            <p:ph type="ctrTitle"/>
+          </p:nvPr>
+        </p:nvSpPr>
+        <p:spPr/>
+        <p:txBody>
+          <a:bodyPr/>
+          <a:lstStyle/>
+          <a:p>
+            <a:r>
+              <a:rPr lang="zh-TW" altLang="en-US" b="1" dirty="0"/>
+              <a:t>數學教材轉譯</a:t>
+            </a:r>
+          </a:p>
+        </p:txBody>
+      </p:sp>
+      <p:sp>
+        <p:nvSpPr>
+          <p:cNvPr id="4" name="副標題 3">
+            <a:extLst>
+              <a:ext uri="{FF2B5EF4-FFF2-40B4-BE49-F238E27FC236}">
+                <a16:creationId xmlns:a16="http://schemas.microsoft.com/office/drawing/2014/main" id="{5C30C4B2-3EAF-4F0C-84C7-F7AEA49A1856}"/>
+              </a:ext>
+            </a:extLst>
+          </p:cNvPr>
+          <p:cNvSpPr>
+            <a:spLocks noGrp="1"/>
+          </p:cNvSpPr>
+          <p:nvPr>
+            <p:ph type="subTitle" idx="1"/>
+          </p:nvPr>
+        </p:nvSpPr>
+        <p:spPr>
+          <a:xfrm>
+            <a:off x="1524000" y="3971364"/>
+            <a:ext cx="9144000" cy="1286435"/>
+          </a:xfrm>
+        </p:spPr>
+        <p:txBody>
+          <a:bodyPr/>
+          <a:lstStyle/>
+          <a:p>
+            <a:r>
+              <a:rPr lang="zh-TW" altLang="en-US" dirty="0"/>
+              <a:t>相關軟體的安裝與基本用法</a:t>
+            </a:r>
+          </a:p>
+        </p:txBody>
+      </p:sp>
+    </p:spTree>
+    <p:extLst>
+      <p:ext uri="{BB962C8B-B14F-4D97-AF65-F5344CB8AC3E}">
+        <p14:creationId xmlns:p14="http://schemas.microsoft.com/office/powerpoint/2010/main" val="1368902752"/>
+      </p:ext>
+    </p:extLst>
+  </p:cSld>
+  <p:clrMapOvr>
+    <a:masterClrMapping/>
+  </p:clrMapOvr>
+</p:sld>
+</file>
+
+<file path=ppt/slides/slide12.xml><?xml version="1.0" encoding="utf-8"?>
+<p:sld xmlns:a="http://schemas.openxmlformats.org/drawingml/2006/main" xmlns:r="http://schemas.openxmlformats.org/officeDocument/2006/relationships" xmlns:p="http://schemas.openxmlformats.org/presentationml/2006/main">
+  <p:cSld>
+    <p:spTree>
+      <p:nvGrpSpPr>
+        <p:cNvPr id="1" name=""/>
+        <p:cNvGrpSpPr/>
+        <p:nvPr/>
+      </p:nvGrpSpPr>
+      <p:grpSpPr>
+        <a:xfrm>
+          <a:off x="0" y="0"/>
+          <a:ext cx="0" cy="0"/>
+          <a:chOff x="0" y="0"/>
+          <a:chExt cx="0" cy="0"/>
+        </a:xfrm>
+      </p:grpSpPr>
+      <p:sp>
+        <p:nvSpPr>
+          <p:cNvPr id="2" name="標題 1">
+            <a:extLst>
+              <a:ext uri="{FF2B5EF4-FFF2-40B4-BE49-F238E27FC236}">
+                <a16:creationId xmlns:a16="http://schemas.microsoft.com/office/drawing/2014/main" id="{F50825F5-C96F-402D-89E7-AAED94DD1978}"/>
+              </a:ext>
+            </a:extLst>
+          </p:cNvPr>
+          <p:cNvSpPr>
+            <a:spLocks noGrp="1"/>
+          </p:cNvSpPr>
+          <p:nvPr>
+            <p:ph type="title"/>
+          </p:nvPr>
+        </p:nvSpPr>
+        <p:spPr/>
+        <p:txBody>
+          <a:bodyPr/>
+          <a:lstStyle/>
+          <a:p>
+            <a:r>
+              <a:rPr lang="en-US" altLang="zh-TW" dirty="0" err="1"/>
+              <a:t>MathType</a:t>
+            </a:r>
+            <a:r>
+              <a:rPr lang="en-US" altLang="zh-TW" dirty="0"/>
+              <a:t> </a:t>
+            </a:r>
+            <a:r>
+              <a:rPr lang="zh-TW" altLang="en-US" dirty="0"/>
+              <a:t>簡介</a:t>
+            </a:r>
+          </a:p>
+        </p:txBody>
+      </p:sp>
+      <p:sp>
+        <p:nvSpPr>
+          <p:cNvPr id="3" name="內容版面配置區 2">
+            <a:extLst>
+              <a:ext uri="{FF2B5EF4-FFF2-40B4-BE49-F238E27FC236}">
+                <a16:creationId xmlns:a16="http://schemas.microsoft.com/office/drawing/2014/main" id="{F22CD6DE-30AD-4D9F-9A42-BE0B7D99FF4E}"/>
+              </a:ext>
+            </a:extLst>
+          </p:cNvPr>
+          <p:cNvSpPr>
+            <a:spLocks noGrp="1"/>
+          </p:cNvSpPr>
+          <p:nvPr>
+            <p:ph idx="1"/>
+          </p:nvPr>
+        </p:nvSpPr>
+        <p:spPr/>
+        <p:txBody>
+          <a:bodyPr>
+            <a:normAutofit lnSpcReduction="10000"/>
+          </a:bodyPr>
+          <a:lstStyle/>
+          <a:p>
+            <a:r>
+              <a:rPr lang="zh-TW" altLang="en-US" dirty="0"/>
+              <a:t>功能強大的</a:t>
+            </a:r>
+            <a:r>
+              <a:rPr lang="zh-TW" altLang="en-US" dirty="0">
+                <a:solidFill>
+                  <a:schemeClr val="accent2">
+                    <a:lumMod val="75000"/>
+                  </a:schemeClr>
+                </a:solidFill>
+              </a:rPr>
+              <a:t>數學公式編輯器，與 </a:t>
+            </a:r>
+            <a:r>
+              <a:rPr lang="en-US" altLang="zh-TW" dirty="0">
+                <a:solidFill>
+                  <a:schemeClr val="accent2">
+                    <a:lumMod val="75000"/>
+                  </a:schemeClr>
+                </a:solidFill>
+              </a:rPr>
+              <a:t>Word </a:t>
+            </a:r>
+            <a:r>
+              <a:rPr lang="zh-TW" altLang="en-US" dirty="0">
+                <a:solidFill>
+                  <a:schemeClr val="accent2">
+                    <a:lumMod val="75000"/>
+                  </a:schemeClr>
+                </a:solidFill>
+              </a:rPr>
+              <a:t>搭配使用</a:t>
+            </a:r>
+            <a:r>
+              <a:rPr lang="zh-TW" altLang="en-US" dirty="0"/>
+              <a:t>，能夠輸入複雜的數學方程式和符號。</a:t>
+            </a:r>
+            <a:endParaRPr lang="en-US" altLang="zh-TW" dirty="0"/>
+          </a:p>
+          <a:p>
+            <a:r>
+              <a:rPr lang="zh-TW" altLang="en-US" dirty="0">
+                <a:solidFill>
+                  <a:schemeClr val="accent2">
+                    <a:lumMod val="75000"/>
+                  </a:schemeClr>
+                </a:solidFill>
+              </a:rPr>
+              <a:t>付費軟體</a:t>
+            </a:r>
+            <a:r>
+              <a:rPr lang="zh-TW" altLang="en-US" dirty="0"/>
+              <a:t>，有 </a:t>
+            </a:r>
+            <a:r>
+              <a:rPr lang="en-US" altLang="zh-TW" dirty="0"/>
+              <a:t>30 </a:t>
+            </a:r>
+            <a:r>
+              <a:rPr lang="zh-TW" altLang="en-US" dirty="0"/>
+              <a:t>天免費試用期。試用期間可使用完整功能。</a:t>
+            </a:r>
+            <a:endParaRPr lang="en-US" altLang="zh-TW" dirty="0"/>
+          </a:p>
+          <a:p>
+            <a:r>
+              <a:rPr lang="zh-TW" altLang="en-US" dirty="0"/>
+              <a:t>支援手寫辨識（不見得實用）</a:t>
+            </a:r>
+            <a:endParaRPr lang="en-US" altLang="zh-TW" dirty="0"/>
+          </a:p>
+          <a:p>
+            <a:r>
+              <a:rPr lang="zh-TW" altLang="en-US" dirty="0"/>
+              <a:t>可將數學公式物件轉換成 </a:t>
+            </a:r>
+            <a:r>
+              <a:rPr lang="en-US" altLang="zh-TW" dirty="0">
+                <a:solidFill>
+                  <a:schemeClr val="accent2">
+                    <a:lumMod val="75000"/>
+                  </a:schemeClr>
+                </a:solidFill>
+              </a:rPr>
+              <a:t>LaTeX</a:t>
+            </a:r>
+            <a:r>
+              <a:rPr lang="en-US" altLang="zh-TW" dirty="0"/>
+              <a:t> </a:t>
+            </a:r>
+            <a:r>
+              <a:rPr lang="zh-TW" altLang="en-US" dirty="0"/>
+              <a:t>或 </a:t>
+            </a:r>
+            <a:r>
+              <a:rPr lang="en-US" altLang="zh-TW" dirty="0">
+                <a:solidFill>
+                  <a:schemeClr val="accent2">
+                    <a:lumMod val="75000"/>
+                  </a:schemeClr>
+                </a:solidFill>
+              </a:rPr>
+              <a:t>MathML</a:t>
+            </a:r>
+            <a:r>
+              <a:rPr lang="zh-TW" altLang="en-US" dirty="0"/>
+              <a:t>。</a:t>
+            </a:r>
+            <a:endParaRPr lang="en-US" altLang="zh-TW" dirty="0"/>
+          </a:p>
+          <a:p>
+            <a:pPr lvl="1"/>
+            <a:r>
+              <a:rPr lang="en-US" altLang="zh-TW" dirty="0"/>
+              <a:t>LaTeX:</a:t>
+            </a:r>
+            <a:r>
+              <a:rPr lang="zh-TW" altLang="en-US" dirty="0"/>
+              <a:t> </a:t>
+            </a:r>
+            <a:r>
+              <a:rPr lang="zh-TW" altLang="en-US" b="0" i="0" dirty="0">
+                <a:solidFill>
+                  <a:srgbClr val="202122"/>
+                </a:solidFill>
+                <a:effectLst/>
+                <a:latin typeface="Arial" panose="020B0604020202020204" pitchFamily="34" charset="0"/>
+              </a:rPr>
+              <a:t>常讀作 </a:t>
+            </a:r>
+            <a:r>
+              <a:rPr lang="en-US" altLang="zh-TW" b="0" i="0" dirty="0">
+                <a:solidFill>
+                  <a:srgbClr val="202122"/>
+                </a:solidFill>
+                <a:effectLst/>
+                <a:latin typeface="Charis SIL"/>
+              </a:rPr>
+              <a:t>[ˈ</a:t>
+            </a:r>
+            <a:r>
+              <a:rPr lang="en-US" altLang="zh-TW" b="0" i="0" dirty="0" err="1">
+                <a:solidFill>
+                  <a:srgbClr val="202122"/>
+                </a:solidFill>
+                <a:effectLst/>
+                <a:latin typeface="Charis SIL"/>
+              </a:rPr>
+              <a:t>lɑːtɛk</a:t>
+            </a:r>
+            <a:r>
+              <a:rPr lang="en-US" altLang="zh-TW" b="0" i="0" dirty="0">
+                <a:solidFill>
+                  <a:srgbClr val="202122"/>
+                </a:solidFill>
+                <a:effectLst/>
+                <a:latin typeface="Charis SIL"/>
+              </a:rPr>
+              <a:t>]</a:t>
+            </a:r>
+            <a:r>
+              <a:rPr lang="zh-TW" altLang="en-US" b="0" i="0" dirty="0">
+                <a:solidFill>
+                  <a:srgbClr val="202122"/>
+                </a:solidFill>
+                <a:effectLst/>
+                <a:latin typeface="Charis SIL"/>
+              </a:rPr>
+              <a:t>，是</a:t>
+            </a:r>
+            <a:r>
+              <a:rPr lang="zh-TW" altLang="en-US" dirty="0"/>
+              <a:t>功能非常強大的純文字排版語言，可表現各種複雜的排版樣式、表格、與數學公式。</a:t>
+            </a:r>
+            <a:endParaRPr lang="en-US" altLang="zh-TW" dirty="0"/>
+          </a:p>
+          <a:p>
+            <a:pPr lvl="1"/>
+            <a:r>
+              <a:rPr lang="en-US" altLang="zh-TW" dirty="0"/>
+              <a:t>MathML:</a:t>
+            </a:r>
+            <a:r>
+              <a:rPr lang="zh-TW" altLang="en-US" sz="2400" dirty="0"/>
+              <a:t>一種通用的數學標記語言，編寫的語法是 </a:t>
+            </a:r>
+            <a:r>
+              <a:rPr lang="en-US" altLang="zh-TW" sz="2400" dirty="0"/>
+              <a:t>XML</a:t>
+            </a:r>
+            <a:r>
+              <a:rPr lang="zh-TW" altLang="en-US" sz="2400" dirty="0"/>
+              <a:t>（大多用於應用程式之間的檔案交換）。</a:t>
+            </a:r>
+            <a:endParaRPr lang="zh-TW" altLang="en-US" dirty="0"/>
+          </a:p>
+          <a:p>
+            <a:r>
+              <a:rPr lang="en-US" altLang="zh-TW" dirty="0"/>
+              <a:t>Word </a:t>
+            </a:r>
+            <a:r>
+              <a:rPr lang="zh-TW" altLang="en-US" dirty="0"/>
+              <a:t>本身也有提供方程式編輯器，與 </a:t>
+            </a:r>
+            <a:r>
+              <a:rPr lang="en-US" altLang="zh-TW" dirty="0" err="1"/>
+              <a:t>MathType</a:t>
+            </a:r>
+            <a:r>
+              <a:rPr lang="en-US" altLang="zh-TW" dirty="0"/>
+              <a:t> </a:t>
+            </a:r>
+            <a:r>
+              <a:rPr lang="zh-TW" altLang="en-US" dirty="0"/>
+              <a:t>用途相同，但實際產生的公式在轉換成 </a:t>
+            </a:r>
+            <a:r>
+              <a:rPr lang="en-US" altLang="zh-TW" dirty="0"/>
+              <a:t>MathML</a:t>
+            </a:r>
+            <a:r>
+              <a:rPr lang="zh-TW" altLang="en-US" dirty="0"/>
+              <a:t> 的時候仍有差異。</a:t>
+            </a:r>
+            <a:endParaRPr lang="en-US" altLang="zh-TW" dirty="0"/>
+          </a:p>
+        </p:txBody>
+      </p:sp>
+    </p:spTree>
+    <p:extLst>
+      <p:ext uri="{BB962C8B-B14F-4D97-AF65-F5344CB8AC3E}">
+        <p14:creationId xmlns:p14="http://schemas.microsoft.com/office/powerpoint/2010/main" val="1835985150"/>
+      </p:ext>
+    </p:extLst>
+  </p:cSld>
+  <p:clrMapOvr>
+    <a:masterClrMapping/>
+  </p:clrMapOvr>
+</p:sld>
+</file>
+
+<file path=ppt/slides/slide13.xml><?xml version="1.0" encoding="utf-8"?>
+<p:sld xmlns:a="http://schemas.openxmlformats.org/drawingml/2006/main" xmlns:r="http://schemas.openxmlformats.org/officeDocument/2006/relationships" xmlns:p="http://schemas.openxmlformats.org/presentationml/2006/main">
+  <p:cSld>
+    <p:spTree>
+      <p:nvGrpSpPr>
+        <p:cNvPr id="1" name=""/>
+        <p:cNvGrpSpPr/>
+        <p:nvPr/>
+      </p:nvGrpSpPr>
+      <p:grpSpPr>
+        <a:xfrm>
+          <a:off x="0" y="0"/>
+          <a:ext cx="0" cy="0"/>
+          <a:chOff x="0" y="0"/>
+          <a:chExt cx="0" cy="0"/>
+        </a:xfrm>
+      </p:grpSpPr>
+      <p:sp>
+        <p:nvSpPr>
+          <p:cNvPr id="2" name="標題 1">
+            <a:extLst>
+              <a:ext uri="{FF2B5EF4-FFF2-40B4-BE49-F238E27FC236}">
+                <a16:creationId xmlns:a16="http://schemas.microsoft.com/office/drawing/2014/main" id="{427683BE-8C7F-454E-83E9-66E188A12D83}"/>
+              </a:ext>
+            </a:extLst>
+          </p:cNvPr>
+          <p:cNvSpPr>
+            <a:spLocks noGrp="1"/>
+          </p:cNvSpPr>
+          <p:nvPr>
+            <p:ph type="ctrTitle"/>
+          </p:nvPr>
+        </p:nvSpPr>
+        <p:spPr>
+          <a:xfrm>
+            <a:off x="1524000" y="458974"/>
+            <a:ext cx="9144000" cy="1862884"/>
+          </a:xfrm>
+        </p:spPr>
+        <p:txBody>
+          <a:bodyPr/>
+          <a:lstStyle/>
+          <a:p>
+            <a:r>
+              <a:rPr lang="zh-TW" altLang="en-US" b="1" dirty="0"/>
+              <a:t>示範：</a:t>
+            </a:r>
+            <a:r>
+              <a:rPr lang="en-US" altLang="zh-TW" b="1" dirty="0" err="1"/>
+              <a:t>MathType</a:t>
+            </a:r>
+            <a:r>
+              <a:rPr lang="zh-TW" altLang="en-US" b="1" dirty="0"/>
+              <a:t> 的</a:t>
+            </a:r>
+            <a:br>
+              <a:rPr lang="en-US" altLang="zh-TW" b="1" dirty="0"/>
+            </a:br>
+            <a:r>
+              <a:rPr lang="zh-TW" altLang="en-US" b="1" dirty="0"/>
+              <a:t>安裝與入門基本操作</a:t>
+            </a:r>
+          </a:p>
+        </p:txBody>
+      </p:sp>
+      <p:pic>
+        <p:nvPicPr>
+          <p:cNvPr id="6" name="圖片 5">
+            <a:extLst>
+              <a:ext uri="{FF2B5EF4-FFF2-40B4-BE49-F238E27FC236}">
+                <a16:creationId xmlns:a16="http://schemas.microsoft.com/office/drawing/2014/main" id="{08FA4236-66A0-4666-A249-AE011139FFD2}"/>
+              </a:ext>
+            </a:extLst>
+          </p:cNvPr>
+          <p:cNvPicPr>
+            <a:picLocks noChangeAspect="1"/>
+          </p:cNvPicPr>
+          <p:nvPr/>
+        </p:nvPicPr>
+        <p:blipFill>
+          <a:blip r:embed="rId2"/>
+          <a:stretch>
+            <a:fillRect/>
+          </a:stretch>
+        </p:blipFill>
+        <p:spPr>
+          <a:xfrm>
+            <a:off x="1216391" y="2714868"/>
+            <a:ext cx="9759217" cy="2421908"/>
+          </a:xfrm>
+          <a:prstGeom prst="rect">
+            <a:avLst/>
+          </a:prstGeom>
+        </p:spPr>
+      </p:pic>
+    </p:spTree>
+    <p:extLst>
+      <p:ext uri="{BB962C8B-B14F-4D97-AF65-F5344CB8AC3E}">
+        <p14:creationId xmlns:p14="http://schemas.microsoft.com/office/powerpoint/2010/main" val="2421918334"/>
+      </p:ext>
+    </p:extLst>
+  </p:cSld>
+  <p:clrMapOvr>
+    <a:masterClrMapping/>
+  </p:clrMapOvr>
+</p:sld>
+</file>
+
+<file path=ppt/slides/slide14.xml><?xml version="1.0" encoding="utf-8"?>
+<p:sld xmlns:a="http://schemas.openxmlformats.org/drawingml/2006/main" xmlns:r="http://schemas.openxmlformats.org/officeDocument/2006/relationships" xmlns:p="http://schemas.openxmlformats.org/presentationml/2006/main">
+  <p:cSld>
+    <p:spTree>
+      <p:nvGrpSpPr>
+        <p:cNvPr id="1" name=""/>
+        <p:cNvGrpSpPr/>
+        <p:nvPr/>
+      </p:nvGrpSpPr>
+      <p:grpSpPr>
+        <a:xfrm>
+          <a:off x="0" y="0"/>
+          <a:ext cx="0" cy="0"/>
+          <a:chOff x="0" y="0"/>
+          <a:chExt cx="0" cy="0"/>
+        </a:xfrm>
+      </p:grpSpPr>
+      <p:sp>
+        <p:nvSpPr>
+          <p:cNvPr id="2" name="標題 1">
+            <a:extLst>
+              <a:ext uri="{FF2B5EF4-FFF2-40B4-BE49-F238E27FC236}">
+                <a16:creationId xmlns:a16="http://schemas.microsoft.com/office/drawing/2014/main" id="{8D28FFFB-02C3-4DDA-AC30-4D8DF761AC8F}"/>
+              </a:ext>
+            </a:extLst>
+          </p:cNvPr>
+          <p:cNvSpPr>
+            <a:spLocks noGrp="1"/>
+          </p:cNvSpPr>
+          <p:nvPr>
+            <p:ph type="title"/>
+          </p:nvPr>
+        </p:nvSpPr>
+        <p:spPr/>
+        <p:txBody>
+          <a:bodyPr/>
+          <a:lstStyle/>
+          <a:p>
+            <a:r>
+              <a:rPr lang="en-US" altLang="zh-TW" dirty="0" err="1"/>
+              <a:t>MathType</a:t>
+            </a:r>
+            <a:r>
+              <a:rPr lang="en-US" altLang="zh-TW" dirty="0"/>
+              <a:t> </a:t>
+            </a:r>
+            <a:r>
+              <a:rPr lang="zh-TW" altLang="en-US" dirty="0"/>
+              <a:t>常用快速鍵</a:t>
+            </a:r>
+          </a:p>
+        </p:txBody>
+      </p:sp>
+      <p:sp>
+        <p:nvSpPr>
+          <p:cNvPr id="3" name="內容版面配置區 2">
+            <a:extLst>
+              <a:ext uri="{FF2B5EF4-FFF2-40B4-BE49-F238E27FC236}">
+                <a16:creationId xmlns:a16="http://schemas.microsoft.com/office/drawing/2014/main" id="{BA99AE86-EBBE-4194-A4D1-E5A08F274850}"/>
+              </a:ext>
+            </a:extLst>
+          </p:cNvPr>
+          <p:cNvSpPr>
+            <a:spLocks noGrp="1"/>
+          </p:cNvSpPr>
+          <p:nvPr>
+            <p:ph idx="1"/>
+          </p:nvPr>
+        </p:nvSpPr>
+        <p:spPr>
+          <a:xfrm>
+            <a:off x="838200" y="4625787"/>
+            <a:ext cx="10515600" cy="1551175"/>
+          </a:xfrm>
+        </p:spPr>
+        <p:txBody>
+          <a:bodyPr/>
+          <a:lstStyle/>
+          <a:p>
+            <a:pPr marL="0" indent="0">
+              <a:buNone/>
+            </a:pPr>
+            <a:r>
+              <a:rPr lang="zh-TW" altLang="en-US" dirty="0"/>
+              <a:t>下載：</a:t>
+            </a:r>
+            <a:r>
+              <a:rPr lang="en-US" altLang="zh-TW" dirty="0" err="1">
+                <a:hlinkClick r:id="rId2"/>
+              </a:rPr>
+              <a:t>MathType</a:t>
+            </a:r>
+            <a:r>
+              <a:rPr lang="en-US" altLang="zh-TW" dirty="0">
+                <a:hlinkClick r:id="rId2"/>
+              </a:rPr>
+              <a:t> </a:t>
+            </a:r>
+            <a:r>
+              <a:rPr lang="zh-TW" altLang="en-US" dirty="0">
+                <a:hlinkClick r:id="rId2"/>
+              </a:rPr>
+              <a:t>常用快速鍵小抄</a:t>
+            </a:r>
+            <a:endParaRPr lang="zh-TW" altLang="en-US" dirty="0"/>
+          </a:p>
+        </p:txBody>
+      </p:sp>
+      <p:pic>
+        <p:nvPicPr>
+          <p:cNvPr id="7" name="圖片 6">
+            <a:extLst>
+              <a:ext uri="{FF2B5EF4-FFF2-40B4-BE49-F238E27FC236}">
+                <a16:creationId xmlns:a16="http://schemas.microsoft.com/office/drawing/2014/main" id="{E7B83969-94E8-4000-A835-85E853DA02DE}"/>
+              </a:ext>
+            </a:extLst>
+          </p:cNvPr>
+          <p:cNvPicPr>
+            <a:picLocks noChangeAspect="1"/>
+          </p:cNvPicPr>
+          <p:nvPr/>
+        </p:nvPicPr>
+        <p:blipFill>
+          <a:blip r:embed="rId3"/>
+          <a:stretch>
+            <a:fillRect/>
+          </a:stretch>
+        </p:blipFill>
+        <p:spPr>
+          <a:xfrm>
+            <a:off x="643619" y="1894874"/>
+            <a:ext cx="10904762" cy="2285714"/>
+          </a:xfrm>
+          <a:prstGeom prst="rect">
+            <a:avLst/>
+          </a:prstGeom>
+        </p:spPr>
+      </p:pic>
+    </p:spTree>
+    <p:extLst>
+      <p:ext uri="{BB962C8B-B14F-4D97-AF65-F5344CB8AC3E}">
+        <p14:creationId xmlns:p14="http://schemas.microsoft.com/office/powerpoint/2010/main" val="1000388404"/>
+      </p:ext>
+    </p:extLst>
+  </p:cSld>
+  <p:clrMapOvr>
+    <a:masterClrMapping/>
+  </p:clrMapOvr>
+</p:sld>
+</file>
+
+<file path=ppt/slides/slide15.xml><?xml version="1.0" encoding="utf-8"?>
+<p:sld xmlns:a="http://schemas.openxmlformats.org/drawingml/2006/main" xmlns:r="http://schemas.openxmlformats.org/officeDocument/2006/relationships" xmlns:p="http://schemas.openxmlformats.org/presentationml/2006/main">
+  <p:cSld>
+    <p:spTree>
+      <p:nvGrpSpPr>
+        <p:cNvPr id="1" name=""/>
+        <p:cNvGrpSpPr/>
+        <p:nvPr/>
+      </p:nvGrpSpPr>
+      <p:grpSpPr>
+        <a:xfrm>
+          <a:off x="0" y="0"/>
+          <a:ext cx="0" cy="0"/>
+          <a:chOff x="0" y="0"/>
+          <a:chExt cx="0" cy="0"/>
+        </a:xfrm>
+      </p:grpSpPr>
+      <p:sp>
+        <p:nvSpPr>
+          <p:cNvPr id="2" name="標題 1">
+            <a:extLst>
+              <a:ext uri="{FF2B5EF4-FFF2-40B4-BE49-F238E27FC236}">
+                <a16:creationId xmlns:a16="http://schemas.microsoft.com/office/drawing/2014/main" id="{69F2BC3E-91B7-4B78-8EA1-75C8C31BD903}"/>
+              </a:ext>
+            </a:extLst>
+          </p:cNvPr>
+          <p:cNvSpPr>
+            <a:spLocks noGrp="1"/>
+          </p:cNvSpPr>
+          <p:nvPr>
+            <p:ph type="title"/>
+          </p:nvPr>
+        </p:nvSpPr>
+        <p:spPr/>
+        <p:txBody>
+          <a:bodyPr/>
+          <a:lstStyle/>
+          <a:p>
+            <a:r>
+              <a:rPr lang="zh-TW" altLang="en-US" dirty="0"/>
+              <a:t>練習 </a:t>
+            </a:r>
+            <a:r>
+              <a:rPr lang="en-US" altLang="zh-TW" dirty="0"/>
+              <a:t>2</a:t>
+            </a:r>
+            <a:r>
+              <a:rPr lang="zh-TW" altLang="en-US" dirty="0"/>
+              <a:t>：使用 </a:t>
+            </a:r>
+            <a:r>
+              <a:rPr lang="en-US" altLang="zh-TW" dirty="0" err="1"/>
+              <a:t>MathType</a:t>
+            </a:r>
+            <a:r>
+              <a:rPr lang="en-US" altLang="zh-TW" dirty="0"/>
+              <a:t> </a:t>
+            </a:r>
+            <a:r>
+              <a:rPr lang="zh-TW" altLang="en-US" dirty="0"/>
+              <a:t>輸入數學公式</a:t>
+            </a:r>
+          </a:p>
+        </p:txBody>
+      </p:sp>
+      <p:sp>
+        <p:nvSpPr>
+          <p:cNvPr id="3" name="內容版面配置區 2">
+            <a:extLst>
+              <a:ext uri="{FF2B5EF4-FFF2-40B4-BE49-F238E27FC236}">
+                <a16:creationId xmlns:a16="http://schemas.microsoft.com/office/drawing/2014/main" id="{D8C123A8-F60C-4334-95F0-1F2BCC8FAF5B}"/>
+              </a:ext>
+            </a:extLst>
+          </p:cNvPr>
+          <p:cNvSpPr>
+            <a:spLocks noGrp="1"/>
+          </p:cNvSpPr>
+          <p:nvPr>
+            <p:ph idx="1"/>
+          </p:nvPr>
+        </p:nvSpPr>
+        <p:spPr/>
+        <p:txBody>
+          <a:bodyPr/>
+          <a:lstStyle/>
+          <a:p>
+            <a:r>
+              <a:rPr lang="zh-TW" altLang="en-US" dirty="0"/>
+              <a:t>在 </a:t>
+            </a:r>
+            <a:r>
+              <a:rPr lang="en-US" altLang="zh-TW" dirty="0"/>
+              <a:t>Word </a:t>
+            </a:r>
+            <a:r>
+              <a:rPr lang="zh-TW" altLang="en-US" dirty="0"/>
+              <a:t>文件中使用 </a:t>
+            </a:r>
+            <a:r>
+              <a:rPr lang="en-US" altLang="zh-TW" dirty="0" err="1"/>
+              <a:t>MathType</a:t>
+            </a:r>
+            <a:r>
+              <a:rPr lang="en-US" altLang="zh-TW" dirty="0"/>
+              <a:t> </a:t>
+            </a:r>
+            <a:r>
+              <a:rPr lang="zh-TW" altLang="en-US" dirty="0"/>
+              <a:t>編輯器輸入下列數學公式：</a:t>
+            </a:r>
+            <a:endParaRPr lang="en-US" altLang="zh-TW" dirty="0"/>
+          </a:p>
+          <a:p>
+            <a:r>
+              <a:rPr lang="zh-TW" altLang="en-US" dirty="0"/>
+              <a:t>公式 </a:t>
+            </a:r>
+            <a:r>
+              <a:rPr lang="en-US" altLang="zh-TW" dirty="0"/>
+              <a:t>1: </a:t>
+            </a:r>
+          </a:p>
+          <a:p>
+            <a:endParaRPr lang="en-US" altLang="zh-TW" dirty="0"/>
+          </a:p>
+          <a:p>
+            <a:r>
+              <a:rPr lang="zh-TW" altLang="en-US" dirty="0"/>
+              <a:t>公式 </a:t>
+            </a:r>
+            <a:r>
+              <a:rPr lang="en-US" altLang="zh-TW" dirty="0"/>
+              <a:t>2:</a:t>
+            </a:r>
+          </a:p>
+          <a:p>
+            <a:endParaRPr lang="en-US" altLang="zh-TW" dirty="0"/>
+          </a:p>
+          <a:p>
+            <a:r>
+              <a:rPr lang="zh-TW" altLang="en-US" dirty="0"/>
+              <a:t>完成後，存檔為 </a:t>
+            </a:r>
+            <a:r>
+              <a:rPr lang="en-US" altLang="zh-TW" dirty="0"/>
+              <a:t>ex1.docx</a:t>
+            </a:r>
+            <a:r>
+              <a:rPr lang="zh-TW" altLang="en-US" dirty="0"/>
+              <a:t> （後續練習會繼續使用）</a:t>
+            </a:r>
+            <a:endParaRPr lang="en-US" altLang="zh-TW" dirty="0"/>
+          </a:p>
+          <a:p>
+            <a:endParaRPr lang="zh-TW" altLang="en-US" dirty="0"/>
+          </a:p>
+        </p:txBody>
+      </p:sp>
+      <p:pic>
+        <p:nvPicPr>
+          <p:cNvPr id="7" name="圖片 6">
+            <a:extLst>
+              <a:ext uri="{FF2B5EF4-FFF2-40B4-BE49-F238E27FC236}">
+                <a16:creationId xmlns:a16="http://schemas.microsoft.com/office/drawing/2014/main" id="{1205D289-1A71-4F2E-8693-239BD570225F}"/>
+              </a:ext>
+            </a:extLst>
+          </p:cNvPr>
+          <p:cNvPicPr>
+            <a:picLocks noChangeAspect="1"/>
+          </p:cNvPicPr>
+          <p:nvPr/>
+        </p:nvPicPr>
+        <p:blipFill>
+          <a:blip r:embed="rId2"/>
+          <a:stretch>
+            <a:fillRect/>
+          </a:stretch>
+        </p:blipFill>
+        <p:spPr>
+          <a:xfrm>
+            <a:off x="2537107" y="2257192"/>
+            <a:ext cx="2686052" cy="671512"/>
+          </a:xfrm>
+          <a:prstGeom prst="rect">
+            <a:avLst/>
+          </a:prstGeom>
+        </p:spPr>
+      </p:pic>
+      <p:pic>
+        <p:nvPicPr>
+          <p:cNvPr id="9" name="圖片 8">
+            <a:extLst>
+              <a:ext uri="{FF2B5EF4-FFF2-40B4-BE49-F238E27FC236}">
+                <a16:creationId xmlns:a16="http://schemas.microsoft.com/office/drawing/2014/main" id="{E532CFA1-A366-4F3D-8538-D3955B90DF78}"/>
+              </a:ext>
+            </a:extLst>
+          </p:cNvPr>
+          <p:cNvPicPr>
+            <a:picLocks noChangeAspect="1"/>
+          </p:cNvPicPr>
+          <p:nvPr/>
+        </p:nvPicPr>
+        <p:blipFill>
+          <a:blip r:embed="rId3"/>
+          <a:stretch>
+            <a:fillRect/>
+          </a:stretch>
+        </p:blipFill>
+        <p:spPr>
+          <a:xfrm>
+            <a:off x="2537107" y="2964095"/>
+            <a:ext cx="7887758" cy="1240771"/>
+          </a:xfrm>
+          <a:prstGeom prst="rect">
+            <a:avLst/>
+          </a:prstGeom>
+        </p:spPr>
+      </p:pic>
+    </p:spTree>
+    <p:extLst>
+      <p:ext uri="{BB962C8B-B14F-4D97-AF65-F5344CB8AC3E}">
+        <p14:creationId xmlns:p14="http://schemas.microsoft.com/office/powerpoint/2010/main" val="189619430"/>
+      </p:ext>
+    </p:extLst>
+  </p:cSld>
+  <p:clrMapOvr>
+    <a:masterClrMapping/>
+  </p:clrMapOvr>
+</p:sld>
+</file>
+
+<file path=ppt/slides/slide16.xml><?xml version="1.0" encoding="utf-8"?>
+<p:sld xmlns:a="http://schemas.openxmlformats.org/drawingml/2006/main" xmlns:r="http://schemas.openxmlformats.org/officeDocument/2006/relationships" xmlns:p="http://schemas.openxmlformats.org/presentationml/2006/main">
+  <p:cSld>
+    <p:spTree>
+      <p:nvGrpSpPr>
+        <p:cNvPr id="1" name=""/>
+        <p:cNvGrpSpPr/>
+        <p:nvPr/>
+      </p:nvGrpSpPr>
+      <p:grpSpPr>
+        <a:xfrm>
+          <a:off x="0" y="0"/>
+          <a:ext cx="0" cy="0"/>
+          <a:chOff x="0" y="0"/>
+          <a:chExt cx="0" cy="0"/>
+        </a:xfrm>
+      </p:grpSpPr>
+      <p:sp>
+        <p:nvSpPr>
+          <p:cNvPr id="2" name="標題 1">
+            <a:extLst>
+              <a:ext uri="{FF2B5EF4-FFF2-40B4-BE49-F238E27FC236}">
+                <a16:creationId xmlns:a16="http://schemas.microsoft.com/office/drawing/2014/main" id="{50CF99B2-A4D5-4CE2-ADCC-53E14C63E84A}"/>
+              </a:ext>
+            </a:extLst>
+          </p:cNvPr>
+          <p:cNvSpPr>
+            <a:spLocks noGrp="1"/>
+          </p:cNvSpPr>
+          <p:nvPr>
+            <p:ph type="title"/>
+          </p:nvPr>
+        </p:nvSpPr>
+        <p:spPr/>
+        <p:txBody>
+          <a:bodyPr>
+            <a:normAutofit/>
+          </a:bodyPr>
+          <a:lstStyle/>
+          <a:p>
+            <a:r>
+              <a:rPr lang="zh-TW" altLang="en-US" sz="3600" dirty="0"/>
+              <a:t>練習 </a:t>
+            </a:r>
+            <a:r>
+              <a:rPr lang="en-US" altLang="zh-TW" sz="3600" dirty="0"/>
+              <a:t>3</a:t>
+            </a:r>
+            <a:r>
+              <a:rPr lang="zh-TW" altLang="en-US" sz="3600" dirty="0"/>
+              <a:t>：在 </a:t>
+            </a:r>
+            <a:r>
+              <a:rPr lang="en-US" altLang="zh-TW" sz="3600" dirty="0" err="1"/>
+              <a:t>MathType</a:t>
+            </a:r>
+            <a:r>
+              <a:rPr lang="zh-TW" altLang="en-US" sz="3600" dirty="0"/>
+              <a:t> 公式與 </a:t>
+            </a:r>
+            <a:r>
+              <a:rPr lang="en-US" altLang="zh-TW" sz="3600" dirty="0"/>
+              <a:t>LaTeX </a:t>
+            </a:r>
+            <a:r>
+              <a:rPr lang="zh-TW" altLang="en-US" sz="3600" dirty="0"/>
+              <a:t>之間轉換</a:t>
+            </a:r>
+          </a:p>
+        </p:txBody>
+      </p:sp>
+      <p:sp>
+        <p:nvSpPr>
+          <p:cNvPr id="3" name="內容版面配置區 2">
+            <a:extLst>
+              <a:ext uri="{FF2B5EF4-FFF2-40B4-BE49-F238E27FC236}">
+                <a16:creationId xmlns:a16="http://schemas.microsoft.com/office/drawing/2014/main" id="{519B0E99-23E2-4F13-91A1-EB5814C3DE39}"/>
+              </a:ext>
+            </a:extLst>
+          </p:cNvPr>
+          <p:cNvSpPr>
+            <a:spLocks noGrp="1"/>
+          </p:cNvSpPr>
+          <p:nvPr>
+            <p:ph idx="1"/>
+          </p:nvPr>
+        </p:nvSpPr>
+        <p:spPr>
+          <a:xfrm>
+            <a:off x="838200" y="1825625"/>
+            <a:ext cx="4988859" cy="4351338"/>
+          </a:xfrm>
+        </p:spPr>
+        <p:txBody>
+          <a:bodyPr/>
+          <a:lstStyle/>
+          <a:p>
+            <a:r>
+              <a:rPr lang="zh-TW" altLang="en-US" dirty="0"/>
+              <a:t>把上一個練習所輸入的公式轉換成 </a:t>
+            </a:r>
+            <a:r>
+              <a:rPr lang="en-US" altLang="zh-TW" dirty="0"/>
+              <a:t>LaTeX</a:t>
+            </a:r>
+            <a:r>
+              <a:rPr lang="zh-TW" altLang="en-US" dirty="0"/>
+              <a:t> 語法。</a:t>
+            </a:r>
+            <a:endParaRPr lang="en-US" altLang="zh-TW" dirty="0"/>
+          </a:p>
+          <a:p>
+            <a:r>
+              <a:rPr lang="zh-TW" altLang="en-US" dirty="0"/>
+              <a:t>觀察 </a:t>
+            </a:r>
+            <a:r>
+              <a:rPr lang="en-US" altLang="zh-TW" dirty="0"/>
+              <a:t>LaTeX </a:t>
+            </a:r>
+            <a:r>
+              <a:rPr lang="zh-TW" altLang="en-US" dirty="0"/>
+              <a:t>語法，嘗試了解並記住一些簡單的語法規則。</a:t>
+            </a:r>
+            <a:endParaRPr lang="en-US" altLang="zh-TW" dirty="0"/>
+          </a:p>
+          <a:p>
+            <a:r>
+              <a:rPr lang="zh-TW" altLang="en-US" dirty="0"/>
+              <a:t>把 </a:t>
+            </a:r>
+            <a:r>
+              <a:rPr lang="en-US" altLang="zh-TW" dirty="0"/>
+              <a:t>LaTeX </a:t>
+            </a:r>
+            <a:r>
+              <a:rPr lang="zh-TW" altLang="en-US" dirty="0"/>
+              <a:t>數學公式字串轉回 </a:t>
+            </a:r>
+            <a:r>
+              <a:rPr lang="en-US" altLang="zh-TW" dirty="0" err="1"/>
+              <a:t>MathType</a:t>
+            </a:r>
+            <a:r>
+              <a:rPr lang="en-US" altLang="zh-TW" dirty="0"/>
+              <a:t> </a:t>
+            </a:r>
+            <a:r>
+              <a:rPr lang="zh-TW" altLang="en-US" dirty="0"/>
+              <a:t>公式物件。</a:t>
+            </a:r>
+          </a:p>
+        </p:txBody>
+      </p:sp>
+      <p:pic>
+        <p:nvPicPr>
+          <p:cNvPr id="3074" name="Picture 2">
+            <a:extLst>
+              <a:ext uri="{FF2B5EF4-FFF2-40B4-BE49-F238E27FC236}">
+                <a16:creationId xmlns:a16="http://schemas.microsoft.com/office/drawing/2014/main" id="{D29B4F95-B2BD-495A-9735-0F31C1D70D41}"/>
+              </a:ext>
+            </a:extLst>
+          </p:cNvPr>
+          <p:cNvPicPr>
+            <a:picLocks noChangeAspect="1" noChangeArrowheads="1"/>
+          </p:cNvPicPr>
+          <p:nvPr/>
+        </p:nvPicPr>
+        <p:blipFill>
+          <a:blip r:embed="rId2">
+            <a:extLst>
+              <a:ext uri="{28A0092B-C50C-407E-A947-70E740481C1C}">
+                <a14:useLocalDpi xmlns:a14="http://schemas.microsoft.com/office/drawing/2010/main" val="0"/>
+              </a:ext>
+            </a:extLst>
+          </a:blip>
+          <a:srcRect/>
+          <a:stretch>
+            <a:fillRect/>
+          </a:stretch>
+        </p:blipFill>
+        <p:spPr bwMode="auto">
+          <a:xfrm>
+            <a:off x="5916706" y="1690688"/>
+            <a:ext cx="5334000" cy="2286000"/>
+          </a:xfrm>
+          <a:prstGeom prst="rect">
+            <a:avLst/>
+          </a:prstGeom>
+          <a:noFill/>
+          <a:extLst>
+            <a:ext uri="{909E8E84-426E-40DD-AFC4-6F175D3DCCD1}">
+              <a14:hiddenFill xmlns:a14="http://schemas.microsoft.com/office/drawing/2010/main">
+                <a:solidFill>
+                  <a:srgbClr val="FFFFFF"/>
+                </a:solidFill>
+              </a14:hiddenFill>
+            </a:ext>
+          </a:extLst>
+        </p:spPr>
+      </p:pic>
+    </p:spTree>
+    <p:extLst>
+      <p:ext uri="{BB962C8B-B14F-4D97-AF65-F5344CB8AC3E}">
+        <p14:creationId xmlns:p14="http://schemas.microsoft.com/office/powerpoint/2010/main" val="4292477842"/>
+      </p:ext>
+    </p:extLst>
+  </p:cSld>
+  <p:clrMapOvr>
+    <a:masterClrMapping/>
+  </p:clrMapOvr>
+</p:sld>
+</file>
+
+<file path=ppt/slides/slide17.xml><?xml version="1.0" encoding="utf-8"?>
+<p:sld xmlns:a="http://schemas.openxmlformats.org/drawingml/2006/main" xmlns:r="http://schemas.openxmlformats.org/officeDocument/2006/relationships" xmlns:p="http://schemas.openxmlformats.org/presentationml/2006/main">
+  <p:cSld>
+    <p:spTree>
+      <p:nvGrpSpPr>
+        <p:cNvPr id="1" name=""/>
+        <p:cNvGrpSpPr/>
+        <p:nvPr/>
+      </p:nvGrpSpPr>
+      <p:grpSpPr>
+        <a:xfrm>
+          <a:off x="0" y="0"/>
+          <a:ext cx="0" cy="0"/>
+          <a:chOff x="0" y="0"/>
+          <a:chExt cx="0" cy="0"/>
+        </a:xfrm>
+      </p:grpSpPr>
+      <p:sp>
+        <p:nvSpPr>
+          <p:cNvPr id="2" name="標題 1">
+            <a:extLst>
+              <a:ext uri="{FF2B5EF4-FFF2-40B4-BE49-F238E27FC236}">
+                <a16:creationId xmlns:a16="http://schemas.microsoft.com/office/drawing/2014/main" id="{CD0BBD05-8C21-40BE-AC41-372ECF7F7702}"/>
+              </a:ext>
+            </a:extLst>
+          </p:cNvPr>
+          <p:cNvSpPr>
+            <a:spLocks noGrp="1"/>
+          </p:cNvSpPr>
+          <p:nvPr>
+            <p:ph type="title"/>
+          </p:nvPr>
+        </p:nvSpPr>
+        <p:spPr/>
+        <p:txBody>
+          <a:bodyPr/>
+          <a:lstStyle/>
+          <a:p>
+            <a:r>
+              <a:rPr lang="zh-TW" altLang="en-US" dirty="0"/>
+              <a:t>把數學公式轉成 </a:t>
+            </a:r>
+            <a:r>
+              <a:rPr lang="en-US" altLang="zh-TW" dirty="0"/>
+              <a:t>HTML </a:t>
+            </a:r>
+            <a:r>
+              <a:rPr lang="zh-TW" altLang="en-US" dirty="0"/>
+              <a:t>網頁👉</a:t>
+            </a:r>
+            <a:r>
+              <a:rPr lang="zh-TW" altLang="en-US" dirty="0">
+                <a:hlinkClick r:id="rId2"/>
+              </a:rPr>
+              <a:t>開啟文章</a:t>
+            </a:r>
+            <a:endParaRPr lang="zh-TW" altLang="en-US" dirty="0"/>
+          </a:p>
+        </p:txBody>
+      </p:sp>
+      <p:pic>
+        <p:nvPicPr>
+          <p:cNvPr id="5" name="圖片 4">
+            <a:extLst>
+              <a:ext uri="{FF2B5EF4-FFF2-40B4-BE49-F238E27FC236}">
+                <a16:creationId xmlns:a16="http://schemas.microsoft.com/office/drawing/2014/main" id="{0DADCE79-3BFB-4151-8958-7DCE2AD3BD23}"/>
+              </a:ext>
+            </a:extLst>
+          </p:cNvPr>
+          <p:cNvPicPr>
+            <a:picLocks noChangeAspect="1"/>
+          </p:cNvPicPr>
+          <p:nvPr/>
+        </p:nvPicPr>
+        <p:blipFill>
+          <a:blip r:embed="rId3"/>
+          <a:stretch>
+            <a:fillRect/>
+          </a:stretch>
+        </p:blipFill>
+        <p:spPr>
+          <a:xfrm>
+            <a:off x="572918" y="1550893"/>
+            <a:ext cx="11269458" cy="4774599"/>
+          </a:xfrm>
+          <a:prstGeom prst="rect">
+            <a:avLst/>
+          </a:prstGeom>
+        </p:spPr>
+      </p:pic>
+    </p:spTree>
+    <p:extLst>
+      <p:ext uri="{BB962C8B-B14F-4D97-AF65-F5344CB8AC3E}">
+        <p14:creationId xmlns:p14="http://schemas.microsoft.com/office/powerpoint/2010/main" val="2612838085"/>
+      </p:ext>
+    </p:extLst>
+  </p:cSld>
+  <p:clrMapOvr>
+    <a:masterClrMapping/>
+  </p:clrMapOvr>
+</p:sld>
+</file>
+
+<file path=ppt/slides/slide18.xml><?xml version="1.0" encoding="utf-8"?>
+<p:sld xmlns:a="http://schemas.openxmlformats.org/drawingml/2006/main" xmlns:r="http://schemas.openxmlformats.org/officeDocument/2006/relationships" xmlns:p="http://schemas.openxmlformats.org/presentationml/2006/main">
+  <p:cSld>
+    <p:spTree>
+      <p:nvGrpSpPr>
+        <p:cNvPr id="1" name=""/>
+        <p:cNvGrpSpPr/>
+        <p:nvPr/>
+      </p:nvGrpSpPr>
+      <p:grpSpPr>
+        <a:xfrm>
+          <a:off x="0" y="0"/>
+          <a:ext cx="0" cy="0"/>
+          <a:chOff x="0" y="0"/>
+          <a:chExt cx="0" cy="0"/>
+        </a:xfrm>
+      </p:grpSpPr>
+      <p:sp>
+        <p:nvSpPr>
+          <p:cNvPr id="2" name="標題 1">
+            <a:extLst>
+              <a:ext uri="{FF2B5EF4-FFF2-40B4-BE49-F238E27FC236}">
+                <a16:creationId xmlns:a16="http://schemas.microsoft.com/office/drawing/2014/main" id="{2B2E0062-4DB5-40F6-977B-7982D2CCC54F}"/>
+              </a:ext>
+            </a:extLst>
+          </p:cNvPr>
+          <p:cNvSpPr>
+            <a:spLocks noGrp="1"/>
+          </p:cNvSpPr>
+          <p:nvPr>
+            <p:ph type="title"/>
+          </p:nvPr>
+        </p:nvSpPr>
+        <p:spPr/>
+        <p:txBody>
+          <a:bodyPr/>
+          <a:lstStyle/>
+          <a:p>
+            <a:r>
+              <a:rPr lang="zh-TW" altLang="en-US" dirty="0"/>
+              <a:t>練習 </a:t>
+            </a:r>
+            <a:r>
+              <a:rPr lang="en-US" altLang="zh-TW" dirty="0"/>
+              <a:t>4</a:t>
+            </a:r>
+            <a:r>
+              <a:rPr lang="zh-TW" altLang="en-US" dirty="0"/>
+              <a:t>：把 </a:t>
+            </a:r>
+            <a:r>
+              <a:rPr lang="en-US" altLang="zh-TW" dirty="0"/>
+              <a:t>docx </a:t>
+            </a:r>
+            <a:r>
+              <a:rPr lang="zh-TW" altLang="en-US" dirty="0"/>
+              <a:t>轉換成 </a:t>
+            </a:r>
+            <a:r>
+              <a:rPr lang="en-US" altLang="zh-TW" dirty="0"/>
+              <a:t>html</a:t>
+            </a:r>
+            <a:endParaRPr lang="zh-TW" altLang="en-US" dirty="0"/>
+          </a:p>
+        </p:txBody>
+      </p:sp>
+      <p:sp>
+        <p:nvSpPr>
+          <p:cNvPr id="3" name="內容版面配置區 2">
+            <a:extLst>
+              <a:ext uri="{FF2B5EF4-FFF2-40B4-BE49-F238E27FC236}">
+                <a16:creationId xmlns:a16="http://schemas.microsoft.com/office/drawing/2014/main" id="{55C520C5-BA3C-4CD5-98A2-2FD47A1F1ABB}"/>
+              </a:ext>
+            </a:extLst>
+          </p:cNvPr>
+          <p:cNvSpPr>
+            <a:spLocks noGrp="1"/>
+          </p:cNvSpPr>
+          <p:nvPr>
+            <p:ph idx="1"/>
+          </p:nvPr>
+        </p:nvSpPr>
+        <p:spPr/>
+        <p:txBody>
+          <a:bodyPr/>
+          <a:lstStyle/>
+          <a:p>
+            <a:r>
+              <a:rPr lang="zh-TW" altLang="en-US" dirty="0"/>
+              <a:t>參考前頁文章所述之步驟，把 </a:t>
+            </a:r>
+            <a:r>
+              <a:rPr lang="en-US" altLang="zh-TW" dirty="0"/>
+              <a:t>ex1.docx</a:t>
+            </a:r>
+            <a:r>
+              <a:rPr lang="zh-TW" altLang="en-US" dirty="0"/>
+              <a:t> 轉換成 </a:t>
+            </a:r>
+            <a:r>
+              <a:rPr lang="en-US" altLang="zh-TW" dirty="0"/>
+              <a:t>ex1.html</a:t>
+            </a:r>
+          </a:p>
+          <a:p>
+            <a:r>
+              <a:rPr lang="zh-TW" altLang="en-US" dirty="0"/>
+              <a:t>使用 </a:t>
+            </a:r>
+            <a:r>
+              <a:rPr lang="en-US" altLang="zh-TW" dirty="0"/>
+              <a:t>Firefox </a:t>
+            </a:r>
+            <a:r>
+              <a:rPr lang="zh-TW" altLang="en-US" dirty="0"/>
+              <a:t>開啟 </a:t>
+            </a:r>
+            <a:r>
+              <a:rPr lang="en-US" altLang="zh-TW" dirty="0"/>
+              <a:t>ex1.html</a:t>
+            </a:r>
+            <a:r>
+              <a:rPr lang="zh-TW" altLang="en-US" dirty="0"/>
+              <a:t>，結果應如下圖：</a:t>
+            </a:r>
+          </a:p>
+        </p:txBody>
+      </p:sp>
+    </p:spTree>
+    <p:extLst>
+      <p:ext uri="{BB962C8B-B14F-4D97-AF65-F5344CB8AC3E}">
+        <p14:creationId xmlns:p14="http://schemas.microsoft.com/office/powerpoint/2010/main" val="296309209"/>
+      </p:ext>
+    </p:extLst>
+  </p:cSld>
+  <p:clrMapOvr>
+    <a:masterClrMapping/>
+  </p:clrMapOvr>
+</p:sld>
+</file>
+
+<file path=ppt/slides/slide19.xml><?xml version="1.0" encoding="utf-8"?>
+<p:sld xmlns:a="http://schemas.openxmlformats.org/drawingml/2006/main" xmlns:r="http://schemas.openxmlformats.org/officeDocument/2006/relationships" xmlns:p="http://schemas.openxmlformats.org/presentationml/2006/main">
+  <p:cSld>
+    <p:spTree>
+      <p:nvGrpSpPr>
+        <p:cNvPr id="1" name=""/>
+        <p:cNvGrpSpPr/>
+        <p:nvPr/>
+      </p:nvGrpSpPr>
+      <p:grpSpPr>
+        <a:xfrm>
+          <a:off x="0" y="0"/>
+          <a:ext cx="0" cy="0"/>
+          <a:chOff x="0" y="0"/>
+          <a:chExt cx="0" cy="0"/>
+        </a:xfrm>
+      </p:grpSpPr>
+      <p:sp>
+        <p:nvSpPr>
+          <p:cNvPr id="2" name="標題 1">
+            <a:extLst>
+              <a:ext uri="{FF2B5EF4-FFF2-40B4-BE49-F238E27FC236}">
+                <a16:creationId xmlns:a16="http://schemas.microsoft.com/office/drawing/2014/main" id="{3EF0F09E-2AEF-49AC-8DE5-3163B1C9453A}"/>
+              </a:ext>
+            </a:extLst>
+          </p:cNvPr>
+          <p:cNvSpPr>
+            <a:spLocks noGrp="1"/>
+          </p:cNvSpPr>
+          <p:nvPr>
+            <p:ph type="title"/>
+          </p:nvPr>
+        </p:nvSpPr>
+        <p:spPr/>
+        <p:txBody>
+          <a:bodyPr>
+            <a:normAutofit/>
+          </a:bodyPr>
+          <a:lstStyle/>
+          <a:p>
+            <a:r>
+              <a:rPr lang="zh-TW" altLang="en-US" sz="4000" dirty="0"/>
+              <a:t>練習 </a:t>
+            </a:r>
+            <a:r>
+              <a:rPr lang="en-US" altLang="zh-TW" sz="4000" dirty="0"/>
+              <a:t>5</a:t>
+            </a:r>
+            <a:r>
+              <a:rPr lang="zh-TW" altLang="en-US" sz="4000" dirty="0"/>
+              <a:t>：使用 </a:t>
+            </a:r>
+            <a:r>
+              <a:rPr lang="en-US" altLang="zh-TW" sz="4000" dirty="0"/>
+              <a:t>NVDA </a:t>
+            </a:r>
+            <a:r>
+              <a:rPr lang="zh-TW" altLang="en-US" sz="4000" dirty="0"/>
+              <a:t>報讀網頁中的數學公式</a:t>
+            </a:r>
+          </a:p>
+        </p:txBody>
+      </p:sp>
+      <p:sp>
+        <p:nvSpPr>
+          <p:cNvPr id="3" name="內容版面配置區 2">
+            <a:extLst>
+              <a:ext uri="{FF2B5EF4-FFF2-40B4-BE49-F238E27FC236}">
+                <a16:creationId xmlns:a16="http://schemas.microsoft.com/office/drawing/2014/main" id="{77D12283-B19A-4508-A6FC-A5AF10DBA839}"/>
+              </a:ext>
+            </a:extLst>
+          </p:cNvPr>
+          <p:cNvSpPr>
+            <a:spLocks noGrp="1"/>
+          </p:cNvSpPr>
+          <p:nvPr>
+            <p:ph idx="1"/>
+          </p:nvPr>
+        </p:nvSpPr>
+        <p:spPr/>
+        <p:txBody>
+          <a:bodyPr/>
+          <a:lstStyle/>
+          <a:p>
+            <a:r>
+              <a:rPr lang="zh-TW" altLang="en-US" dirty="0"/>
+              <a:t>安裝必備軟體：</a:t>
+            </a:r>
+            <a:endParaRPr lang="en-US" altLang="zh-TW" dirty="0">
+              <a:hlinkClick r:id="rId2"/>
+            </a:endParaRPr>
+          </a:p>
+          <a:p>
+            <a:pPr lvl="1"/>
+            <a:r>
+              <a:rPr lang="en-US" altLang="zh-TW" dirty="0">
+                <a:hlinkClick r:id="rId2"/>
+              </a:rPr>
+              <a:t>NVDA</a:t>
+            </a:r>
+            <a:endParaRPr lang="en-US" altLang="zh-TW" dirty="0"/>
+          </a:p>
+          <a:p>
+            <a:pPr lvl="1"/>
+            <a:r>
+              <a:rPr lang="en-US" altLang="zh-TW" dirty="0">
+                <a:hlinkClick r:id="rId3"/>
+              </a:rPr>
+              <a:t>NVDA </a:t>
+            </a:r>
+            <a:r>
+              <a:rPr lang="zh-TW" altLang="en-US" dirty="0">
+                <a:hlinkClick r:id="rId3"/>
+              </a:rPr>
+              <a:t>附加元件 </a:t>
+            </a:r>
+            <a:r>
+              <a:rPr lang="en-US" altLang="zh-TW" dirty="0">
+                <a:hlinkClick r:id="rId3"/>
+              </a:rPr>
+              <a:t>Access8Math</a:t>
+            </a:r>
+            <a:endParaRPr lang="en-US" altLang="zh-TW" dirty="0"/>
+          </a:p>
+          <a:p>
+            <a:r>
+              <a:rPr lang="zh-TW" altLang="en-US" dirty="0"/>
+              <a:t>用 </a:t>
+            </a:r>
+            <a:r>
+              <a:rPr lang="en-US" altLang="zh-TW" dirty="0"/>
+              <a:t>Firefox </a:t>
+            </a:r>
+            <a:r>
+              <a:rPr lang="zh-TW" altLang="en-US" dirty="0"/>
+              <a:t>開啟 </a:t>
+            </a:r>
+            <a:r>
+              <a:rPr lang="en-US" altLang="zh-TW"/>
+              <a:t>ex1.</a:t>
+            </a:r>
+            <a:r>
+              <a:rPr lang="en-US" altLang="zh-TW" dirty="0"/>
+              <a:t>html</a:t>
+            </a:r>
+            <a:r>
+              <a:rPr lang="zh-TW" altLang="en-US" dirty="0"/>
+              <a:t>，開啟電腦的喇叭（或接上耳機），當游標在網頁中移動時，應該要能聽到 </a:t>
+            </a:r>
+            <a:r>
+              <a:rPr lang="en-US" altLang="zh-TW" dirty="0"/>
+              <a:t>NVDA </a:t>
+            </a:r>
+            <a:r>
+              <a:rPr lang="zh-TW" altLang="en-US" dirty="0"/>
+              <a:t>正確報讀數學公式。</a:t>
+            </a:r>
+            <a:endParaRPr lang="en-US" altLang="zh-TW" dirty="0"/>
+          </a:p>
+          <a:p>
+            <a:endParaRPr lang="zh-TW" altLang="en-US" dirty="0"/>
+          </a:p>
+        </p:txBody>
+      </p:sp>
+    </p:spTree>
+    <p:extLst>
+      <p:ext uri="{BB962C8B-B14F-4D97-AF65-F5344CB8AC3E}">
+        <p14:creationId xmlns:p14="http://schemas.microsoft.com/office/powerpoint/2010/main" val="1040462734"/>
       </p:ext>
     </p:extLst>
   </p:cSld>
@@ -3427,7 +5242,7 @@
           <p:cNvPr id="2" name="標題 1">
             <a:extLst>
               <a:ext uri="{FF2B5EF4-FFF2-40B4-BE49-F238E27FC236}">
-                <a16:creationId xmlns:a16="http://schemas.microsoft.com/office/drawing/2014/main" id="{2795A24E-F566-4A2C-AA33-7DB9AD4EBBDE}"/>
+                <a16:creationId xmlns:a16="http://schemas.microsoft.com/office/drawing/2014/main" id="{935B55F9-DFC4-4375-BC8B-3D191A48DBB6}"/>
               </a:ext>
             </a:extLst>
           </p:cNvPr>
@@ -3445,7 +5260,7 @@
           <a:p>
             <a:r>
               <a:rPr lang="zh-TW" altLang="en-US" dirty="0"/>
-              <a:t>大綱</a:t>
+              <a:t>學習目標</a:t>
             </a:r>
           </a:p>
         </p:txBody>
@@ -3455,7 +5270,7 @@
           <p:cNvPr id="3" name="內容版面配置區 2">
             <a:extLst>
               <a:ext uri="{FF2B5EF4-FFF2-40B4-BE49-F238E27FC236}">
-                <a16:creationId xmlns:a16="http://schemas.microsoft.com/office/drawing/2014/main" id="{46E2C4DF-1F8B-4EE7-80F5-D78812F32779}"/>
+                <a16:creationId xmlns:a16="http://schemas.microsoft.com/office/drawing/2014/main" id="{12E5633D-1D9B-48B4-99F5-DC395157F604}"/>
               </a:ext>
             </a:extLst>
           </p:cNvPr>
@@ -3473,126 +5288,1648 @@
           <a:p>
             <a:r>
               <a:rPr lang="zh-TW" altLang="en-US" dirty="0"/>
-              <a:t>擷取螢幕畫面，然後進行圖文辨識（使用 </a:t>
-            </a:r>
-            <a:r>
-              <a:rPr lang="en-US" altLang="zh-TW" dirty="0"/>
-              <a:t>Google </a:t>
-            </a:r>
-            <a:r>
-              <a:rPr lang="zh-TW" altLang="en-US" dirty="0"/>
-              <a:t>文件）</a:t>
-            </a:r>
-          </a:p>
-          <a:p>
-            <a:r>
-              <a:rPr lang="zh-TW" altLang="en-US" dirty="0"/>
-              <a:t>一次將整個 </a:t>
-            </a:r>
-            <a:r>
-              <a:rPr lang="en-US" altLang="zh-TW" dirty="0"/>
-              <a:t>PDF </a:t>
-            </a:r>
-            <a:r>
-              <a:rPr lang="zh-TW" altLang="en-US" dirty="0"/>
-              <a:t>檔案轉成圖片（使用 </a:t>
-            </a:r>
-            <a:r>
-              <a:rPr lang="en-US" altLang="zh-TW" dirty="0"/>
-              <a:t>Adobe </a:t>
-            </a:r>
-            <a:r>
-              <a:rPr lang="zh-TW" altLang="en-US" dirty="0"/>
-              <a:t>免費轉檔服務）</a:t>
-            </a:r>
-          </a:p>
-          <a:p>
-            <a:r>
-              <a:rPr lang="en-US" altLang="zh-TW" dirty="0"/>
-              <a:t>Word </a:t>
-            </a:r>
-            <a:r>
-              <a:rPr lang="zh-TW" altLang="en-US" dirty="0"/>
-              <a:t>選項設定、文字搜尋與替換功能介紹</a:t>
-            </a:r>
-          </a:p>
-          <a:p>
-            <a:r>
-              <a:rPr lang="en-US" altLang="zh-TW" dirty="0" err="1"/>
-              <a:t>MathType</a:t>
+              <a:t>使用影像辨識（</a:t>
+            </a:r>
+            <a:r>
+              <a:rPr lang="en-US" altLang="zh-TW" dirty="0"/>
+              <a:t>OCR</a:t>
+            </a:r>
+            <a:r>
+              <a:rPr lang="zh-TW" altLang="en-US" dirty="0"/>
+              <a:t>）工具來進行圖文辨識。</a:t>
+            </a:r>
+            <a:endParaRPr lang="en-US" altLang="zh-TW" dirty="0"/>
+          </a:p>
+          <a:p>
+            <a:r>
+              <a:rPr lang="zh-TW" altLang="en-US" dirty="0"/>
+              <a:t>將一份數學教材轉譯成視障者能夠使用的檔案。</a:t>
+            </a:r>
+            <a:endParaRPr lang="en-US" altLang="zh-TW" dirty="0"/>
+          </a:p>
+          <a:p>
+            <a:r>
+              <a:rPr lang="zh-TW" altLang="en-US" dirty="0"/>
+              <a:t>認識 </a:t>
+            </a:r>
+            <a:r>
+              <a:rPr lang="en-US" altLang="zh-TW" dirty="0"/>
+              <a:t>LaTeX</a:t>
+            </a:r>
+            <a:r>
+              <a:rPr lang="zh-TW" altLang="en-US" dirty="0"/>
+              <a:t>、</a:t>
+            </a:r>
+            <a:r>
+              <a:rPr lang="en-US" altLang="zh-TW" dirty="0"/>
+              <a:t>MathML</a:t>
+            </a:r>
+            <a:r>
+              <a:rPr lang="zh-TW" altLang="en-US" dirty="0"/>
+              <a:t>，以及他們與數學教材的關係。</a:t>
             </a:r>
             <a:r>
               <a:rPr lang="en-US" altLang="zh-TW" dirty="0"/>
               <a:t> </a:t>
             </a:r>
-            <a:r>
-              <a:rPr lang="zh-TW" altLang="en-US" dirty="0"/>
-              <a:t>軟體介紹（安裝與基本操作）</a:t>
-            </a:r>
-          </a:p>
-          <a:p>
-            <a:r>
-              <a:rPr lang="en-US" altLang="zh-TW" dirty="0" err="1"/>
-              <a:t>Mathpix</a:t>
-            </a:r>
-            <a:r>
-              <a:rPr lang="en-US" altLang="zh-TW" dirty="0"/>
-              <a:t> Snip </a:t>
-            </a:r>
-            <a:r>
-              <a:rPr lang="zh-TW" altLang="en-US" dirty="0"/>
-              <a:t>軟體介紹（安裝與用法）</a:t>
-            </a:r>
-          </a:p>
-          <a:p>
-            <a:r>
-              <a:rPr lang="zh-TW" altLang="en-US" dirty="0"/>
-              <a:t>使用 </a:t>
-            </a:r>
-            <a:r>
-              <a:rPr lang="en-US" altLang="zh-TW" dirty="0"/>
-              <a:t>NVDA </a:t>
-            </a:r>
-            <a:r>
-              <a:rPr lang="zh-TW" altLang="en-US" dirty="0"/>
-              <a:t>與 </a:t>
-            </a:r>
-            <a:r>
-              <a:rPr lang="en-US" altLang="zh-TW" dirty="0"/>
-              <a:t>Access8Math </a:t>
-            </a:r>
-            <a:r>
-              <a:rPr lang="zh-TW" altLang="en-US" dirty="0"/>
-              <a:t>來確認數學公式能否正確報讀</a:t>
-            </a:r>
-          </a:p>
-          <a:p>
-            <a:r>
-              <a:rPr lang="zh-TW" altLang="en-US" dirty="0"/>
-              <a:t>額外補充（若時間足夠）：</a:t>
-            </a:r>
-            <a:r>
-              <a:rPr lang="en-US" altLang="zh-TW" dirty="0"/>
-              <a:t>LaTeX OCR</a:t>
-            </a:r>
-            <a:r>
-              <a:rPr lang="zh-TW" altLang="en-US" dirty="0"/>
-              <a:t>、</a:t>
-            </a:r>
-            <a:r>
-              <a:rPr lang="en-US" altLang="zh-TW" dirty="0"/>
-              <a:t>Ditto</a:t>
-            </a:r>
-          </a:p>
-          <a:p>
+          </a:p>
+          <a:p>
+            <a:r>
+              <a:rPr lang="zh-TW" altLang="en-US" dirty="0"/>
+              <a:t>了解如何更快速地輸入數學公式，以及其他提高生產力的工具和技巧。</a:t>
+            </a:r>
+            <a:endParaRPr lang="en-US" altLang="zh-TW" dirty="0"/>
+          </a:p>
+          <a:p>
+            <a:pPr marL="0" indent="0">
+              <a:buNone/>
+            </a:pPr>
             <a:endParaRPr lang="zh-TW" altLang="en-US" dirty="0"/>
+          </a:p>
+        </p:txBody>
+      </p:sp>
+      <p:sp>
+        <p:nvSpPr>
+          <p:cNvPr id="4" name="語音泡泡: 圓角矩形 3">
+            <a:extLst>
+              <a:ext uri="{FF2B5EF4-FFF2-40B4-BE49-F238E27FC236}">
+                <a16:creationId xmlns:a16="http://schemas.microsoft.com/office/drawing/2014/main" id="{8F85F0A4-462B-47ED-96DA-E870328461E5}"/>
+              </a:ext>
+            </a:extLst>
+          </p:cNvPr>
+          <p:cNvSpPr/>
+          <p:nvPr/>
+        </p:nvSpPr>
+        <p:spPr>
+          <a:xfrm>
+            <a:off x="2913528" y="4616824"/>
+            <a:ext cx="5898777" cy="959223"/>
+          </a:xfrm>
+          <a:prstGeom prst="wedgeRoundRectCallout">
+            <a:avLst>
+              <a:gd name="adj1" fmla="val -19980"/>
+              <a:gd name="adj2" fmla="val 43351"/>
+              <a:gd name="adj3" fmla="val 16667"/>
+            </a:avLst>
+          </a:prstGeom>
+        </p:spPr>
+        <p:style>
+          <a:lnRef idx="2">
+            <a:schemeClr val="accent1">
+              <a:shade val="50000"/>
+            </a:schemeClr>
+          </a:lnRef>
+          <a:fillRef idx="1">
+            <a:schemeClr val="accent1"/>
+          </a:fillRef>
+          <a:effectRef idx="0">
+            <a:schemeClr val="accent1"/>
+          </a:effectRef>
+          <a:fontRef idx="minor">
+            <a:schemeClr val="lt1"/>
+          </a:fontRef>
+        </p:style>
+        <p:txBody>
+          <a:bodyPr rtlCol="0" anchor="ctr"/>
+          <a:lstStyle/>
+          <a:p>
+            <a:pPr algn="ctr"/>
+            <a:r>
+              <a:rPr lang="zh-TW" altLang="en-US" sz="3200" dirty="0"/>
+              <a:t>總共有 </a:t>
+            </a:r>
+            <a:r>
+              <a:rPr lang="en-US" altLang="zh-TW" sz="3200" dirty="0"/>
+              <a:t>N </a:t>
+            </a:r>
+            <a:r>
+              <a:rPr lang="zh-TW" altLang="en-US" sz="3200" dirty="0"/>
+              <a:t>個實作練習</a:t>
+            </a:r>
           </a:p>
         </p:txBody>
       </p:sp>
     </p:spTree>
     <p:extLst>
       <p:ext uri="{BB962C8B-B14F-4D97-AF65-F5344CB8AC3E}">
-        <p14:creationId xmlns:p14="http://schemas.microsoft.com/office/powerpoint/2010/main" val="734628388"/>
+        <p14:creationId xmlns:p14="http://schemas.microsoft.com/office/powerpoint/2010/main" val="792048452"/>
+      </p:ext>
+    </p:extLst>
+  </p:cSld>
+  <p:clrMapOvr>
+    <a:masterClrMapping/>
+  </p:clrMapOvr>
+</p:sld>
+</file>
+
+<file path=ppt/slides/slide20.xml><?xml version="1.0" encoding="utf-8"?>
+<p:sld xmlns:a="http://schemas.openxmlformats.org/drawingml/2006/main" xmlns:r="http://schemas.openxmlformats.org/officeDocument/2006/relationships" xmlns:p="http://schemas.openxmlformats.org/presentationml/2006/main">
+  <p:cSld>
+    <p:spTree>
+      <p:nvGrpSpPr>
+        <p:cNvPr id="1" name=""/>
+        <p:cNvGrpSpPr/>
+        <p:nvPr/>
+      </p:nvGrpSpPr>
+      <p:grpSpPr>
+        <a:xfrm>
+          <a:off x="0" y="0"/>
+          <a:ext cx="0" cy="0"/>
+          <a:chOff x="0" y="0"/>
+          <a:chExt cx="0" cy="0"/>
+        </a:xfrm>
+      </p:grpSpPr>
+      <p:sp>
+        <p:nvSpPr>
+          <p:cNvPr id="2" name="標題 1">
+            <a:extLst>
+              <a:ext uri="{FF2B5EF4-FFF2-40B4-BE49-F238E27FC236}">
+                <a16:creationId xmlns:a16="http://schemas.microsoft.com/office/drawing/2014/main" id="{924DE004-EB3C-49AB-95AB-1F247D2E43F5}"/>
+              </a:ext>
+            </a:extLst>
+          </p:cNvPr>
+          <p:cNvSpPr>
+            <a:spLocks noGrp="1"/>
+          </p:cNvSpPr>
+          <p:nvPr>
+            <p:ph type="title"/>
+          </p:nvPr>
+        </p:nvSpPr>
+        <p:spPr/>
+        <p:txBody>
+          <a:bodyPr/>
+          <a:lstStyle/>
+          <a:p>
+            <a:r>
+              <a:rPr lang="zh-TW" altLang="en-US" dirty="0"/>
+              <a:t>重點整理：數學教材轉譯流程</a:t>
+            </a:r>
+          </a:p>
+        </p:txBody>
+      </p:sp>
+      <p:sp>
+        <p:nvSpPr>
+          <p:cNvPr id="3" name="內容版面配置區 2">
+            <a:extLst>
+              <a:ext uri="{FF2B5EF4-FFF2-40B4-BE49-F238E27FC236}">
+                <a16:creationId xmlns:a16="http://schemas.microsoft.com/office/drawing/2014/main" id="{8EA22ADC-467D-41F3-949A-92E61A4B5CD5}"/>
+              </a:ext>
+            </a:extLst>
+          </p:cNvPr>
+          <p:cNvSpPr>
+            <a:spLocks noGrp="1"/>
+          </p:cNvSpPr>
+          <p:nvPr>
+            <p:ph idx="1"/>
+          </p:nvPr>
+        </p:nvSpPr>
+        <p:spPr/>
+        <p:txBody>
+          <a:bodyPr/>
+          <a:lstStyle/>
+          <a:p>
+            <a:pPr marL="514350" indent="-514350">
+              <a:buFont typeface="+mj-lt"/>
+              <a:buAutoNum type="arabicPeriod"/>
+            </a:pPr>
+            <a:r>
+              <a:rPr lang="zh-TW" altLang="en-US" dirty="0"/>
+              <a:t>把 </a:t>
+            </a:r>
+            <a:r>
+              <a:rPr lang="en-US" altLang="zh-TW" dirty="0"/>
+              <a:t>.docx </a:t>
+            </a:r>
+            <a:r>
+              <a:rPr lang="zh-TW" altLang="en-US" dirty="0"/>
+              <a:t>另存一份，檔案可命名為 </a:t>
+            </a:r>
+            <a:r>
+              <a:rPr lang="en-US" altLang="zh-TW" dirty="0"/>
+              <a:t>temp.docx</a:t>
+            </a:r>
+            <a:r>
+              <a:rPr lang="zh-TW" altLang="en-US" dirty="0"/>
+              <a:t>。</a:t>
+            </a:r>
+            <a:endParaRPr lang="en-US" altLang="zh-TW" dirty="0"/>
+          </a:p>
+          <a:p>
+            <a:pPr marL="514350" indent="-514350">
+              <a:buFont typeface="+mj-lt"/>
+              <a:buAutoNum type="arabicPeriod"/>
+            </a:pPr>
+            <a:r>
+              <a:rPr lang="zh-TW" altLang="en-US" dirty="0"/>
+              <a:t>把 </a:t>
+            </a:r>
+            <a:r>
+              <a:rPr lang="en-US" altLang="zh-TW" dirty="0"/>
+              <a:t>temp.docx </a:t>
+            </a:r>
+            <a:r>
+              <a:rPr lang="zh-TW" altLang="en-US" dirty="0"/>
+              <a:t>中的換行符號全部取代為 </a:t>
+            </a:r>
+            <a:r>
+              <a:rPr lang="en-US" altLang="zh-TW" dirty="0"/>
+              <a:t>“&lt;</a:t>
+            </a:r>
+            <a:r>
+              <a:rPr lang="en-US" altLang="zh-TW" dirty="0" err="1"/>
+              <a:t>br</a:t>
+            </a:r>
+            <a:r>
+              <a:rPr lang="en-US" altLang="zh-TW" dirty="0"/>
+              <a:t> /&gt;”</a:t>
+            </a:r>
+            <a:r>
+              <a:rPr lang="zh-TW" altLang="en-US" dirty="0"/>
+              <a:t>。</a:t>
+            </a:r>
+            <a:endParaRPr lang="en-US" altLang="zh-TW" dirty="0"/>
+          </a:p>
+          <a:p>
+            <a:pPr marL="514350" indent="-514350">
+              <a:buFont typeface="+mj-lt"/>
+              <a:buAutoNum type="arabicPeriod"/>
+            </a:pPr>
+            <a:r>
+              <a:rPr lang="zh-TW" altLang="en-US" dirty="0"/>
+              <a:t>執行 </a:t>
+            </a:r>
+            <a:r>
+              <a:rPr lang="en-US" altLang="zh-TW" dirty="0" err="1"/>
+              <a:t>MathType</a:t>
+            </a:r>
+            <a:r>
+              <a:rPr lang="en-US" altLang="zh-TW" dirty="0"/>
+              <a:t> </a:t>
+            </a:r>
+            <a:r>
+              <a:rPr lang="zh-TW" altLang="en-US" dirty="0"/>
+              <a:t>的轉換功能，把數學公式物件全都轉成 </a:t>
+            </a:r>
+            <a:r>
+              <a:rPr lang="en-US" altLang="zh-TW" dirty="0"/>
+              <a:t>MathML </a:t>
+            </a:r>
+            <a:r>
+              <a:rPr lang="zh-TW" altLang="en-US" dirty="0"/>
+              <a:t>標記。</a:t>
+            </a:r>
+            <a:endParaRPr lang="en-US" altLang="zh-TW" dirty="0"/>
+          </a:p>
+          <a:p>
+            <a:pPr marL="514350" indent="-514350">
+              <a:buFont typeface="+mj-lt"/>
+              <a:buAutoNum type="arabicPeriod"/>
+            </a:pPr>
+            <a:r>
+              <a:rPr lang="zh-TW" altLang="en-US" dirty="0"/>
+              <a:t>清除 </a:t>
+            </a:r>
+            <a:r>
+              <a:rPr lang="en-US" altLang="zh-TW" dirty="0"/>
+              <a:t>display=“block”</a:t>
+            </a:r>
+            <a:r>
+              <a:rPr lang="zh-TW" altLang="en-US" dirty="0"/>
+              <a:t> 屬性。</a:t>
+            </a:r>
+            <a:endParaRPr lang="en-US" altLang="zh-TW" dirty="0"/>
+          </a:p>
+          <a:p>
+            <a:pPr marL="514350" indent="-514350">
+              <a:buFont typeface="+mj-lt"/>
+              <a:buAutoNum type="arabicPeriod"/>
+            </a:pPr>
+            <a:r>
+              <a:rPr lang="zh-TW" altLang="en-US" dirty="0"/>
+              <a:t>把 </a:t>
+            </a:r>
+            <a:r>
+              <a:rPr lang="en-US" altLang="zh-TW" dirty="0"/>
+              <a:t>temp.docx </a:t>
+            </a:r>
+            <a:r>
+              <a:rPr lang="zh-TW" altLang="en-US" dirty="0"/>
+              <a:t>內容全選並複製到記事本中，另存為 </a:t>
+            </a:r>
+            <a:r>
+              <a:rPr lang="en-US" altLang="zh-TW" dirty="0"/>
+              <a:t>html </a:t>
+            </a:r>
+            <a:r>
+              <a:rPr lang="zh-TW" altLang="en-US" dirty="0"/>
+              <a:t>檔案。</a:t>
+            </a:r>
+            <a:endParaRPr lang="en-US" altLang="zh-TW" dirty="0"/>
+          </a:p>
+          <a:p>
+            <a:pPr marL="514350" indent="-514350">
+              <a:buFont typeface="+mj-lt"/>
+              <a:buAutoNum type="arabicPeriod"/>
+            </a:pPr>
+            <a:r>
+              <a:rPr lang="zh-TW" altLang="en-US" dirty="0"/>
+              <a:t>用 </a:t>
+            </a:r>
+            <a:r>
+              <a:rPr lang="en-US" altLang="zh-TW" dirty="0"/>
+              <a:t>Firefox </a:t>
+            </a:r>
+            <a:r>
+              <a:rPr lang="zh-TW" altLang="en-US" dirty="0"/>
+              <a:t>開啟上一步驟所建立之 </a:t>
+            </a:r>
+            <a:r>
+              <a:rPr lang="en-US" altLang="zh-TW" dirty="0"/>
+              <a:t>html </a:t>
+            </a:r>
+            <a:r>
+              <a:rPr lang="zh-TW" altLang="en-US" dirty="0"/>
+              <a:t>檔案，並搭配 </a:t>
+            </a:r>
+            <a:r>
+              <a:rPr lang="en-US" altLang="zh-TW" dirty="0"/>
+              <a:t>NVDA </a:t>
+            </a:r>
+            <a:r>
+              <a:rPr lang="zh-TW" altLang="en-US" dirty="0"/>
+              <a:t>以確認可正確報讀數學公式。</a:t>
+            </a:r>
+            <a:endParaRPr lang="en-US" altLang="zh-TW" dirty="0"/>
+          </a:p>
+          <a:p>
+            <a:pPr marL="514350" indent="-514350">
+              <a:buFont typeface="+mj-lt"/>
+              <a:buAutoNum type="arabicPeriod"/>
+            </a:pPr>
+            <a:endParaRPr lang="en-US" altLang="zh-TW" dirty="0"/>
+          </a:p>
+          <a:p>
+            <a:pPr marL="514350" indent="-514350">
+              <a:buFont typeface="+mj-lt"/>
+              <a:buAutoNum type="arabicPeriod"/>
+            </a:pPr>
+            <a:endParaRPr lang="en-US" altLang="zh-TW" dirty="0"/>
+          </a:p>
+          <a:p>
+            <a:pPr marL="514350" indent="-514350">
+              <a:buFont typeface="+mj-lt"/>
+              <a:buAutoNum type="arabicPeriod"/>
+            </a:pPr>
+            <a:endParaRPr lang="en-US" altLang="zh-TW" dirty="0"/>
+          </a:p>
+          <a:p>
+            <a:pPr marL="514350" indent="-514350">
+              <a:buFont typeface="+mj-lt"/>
+              <a:buAutoNum type="arabicPeriod"/>
+            </a:pPr>
+            <a:endParaRPr lang="zh-TW" altLang="en-US" dirty="0"/>
+          </a:p>
+        </p:txBody>
+      </p:sp>
+    </p:spTree>
+    <p:extLst>
+      <p:ext uri="{BB962C8B-B14F-4D97-AF65-F5344CB8AC3E}">
+        <p14:creationId xmlns:p14="http://schemas.microsoft.com/office/powerpoint/2010/main" val="836954449"/>
+      </p:ext>
+    </p:extLst>
+  </p:cSld>
+  <p:clrMapOvr>
+    <a:masterClrMapping/>
+  </p:clrMapOvr>
+</p:sld>
+</file>
+
+<file path=ppt/slides/slide21.xml><?xml version="1.0" encoding="utf-8"?>
+<p:sld xmlns:a="http://schemas.openxmlformats.org/drawingml/2006/main" xmlns:r="http://schemas.openxmlformats.org/officeDocument/2006/relationships" xmlns:p="http://schemas.openxmlformats.org/presentationml/2006/main">
+  <p:cSld>
+    <p:spTree>
+      <p:nvGrpSpPr>
+        <p:cNvPr id="1" name=""/>
+        <p:cNvGrpSpPr/>
+        <p:nvPr/>
+      </p:nvGrpSpPr>
+      <p:grpSpPr>
+        <a:xfrm>
+          <a:off x="0" y="0"/>
+          <a:ext cx="0" cy="0"/>
+          <a:chOff x="0" y="0"/>
+          <a:chExt cx="0" cy="0"/>
+        </a:xfrm>
+      </p:grpSpPr>
+      <p:sp>
+        <p:nvSpPr>
+          <p:cNvPr id="2" name="標題 1">
+            <a:extLst>
+              <a:ext uri="{FF2B5EF4-FFF2-40B4-BE49-F238E27FC236}">
+                <a16:creationId xmlns:a16="http://schemas.microsoft.com/office/drawing/2014/main" id="{A96A5937-1813-41B5-B69E-4F3D9B970402}"/>
+              </a:ext>
+            </a:extLst>
+          </p:cNvPr>
+          <p:cNvSpPr>
+            <a:spLocks noGrp="1"/>
+          </p:cNvSpPr>
+          <p:nvPr>
+            <p:ph type="ctrTitle"/>
+          </p:nvPr>
+        </p:nvSpPr>
+        <p:spPr/>
+        <p:txBody>
+          <a:bodyPr/>
+          <a:lstStyle/>
+          <a:p>
+            <a:r>
+              <a:rPr lang="zh-TW" altLang="en-US" b="1" dirty="0"/>
+              <a:t>提高生產力</a:t>
+            </a:r>
+          </a:p>
+        </p:txBody>
+      </p:sp>
+      <p:sp>
+        <p:nvSpPr>
+          <p:cNvPr id="4" name="副標題 3">
+            <a:extLst>
+              <a:ext uri="{FF2B5EF4-FFF2-40B4-BE49-F238E27FC236}">
+                <a16:creationId xmlns:a16="http://schemas.microsoft.com/office/drawing/2014/main" id="{DA24B221-5ECA-46D1-938A-782C087462F5}"/>
+              </a:ext>
+            </a:extLst>
+          </p:cNvPr>
+          <p:cNvSpPr>
+            <a:spLocks noGrp="1"/>
+          </p:cNvSpPr>
+          <p:nvPr>
+            <p:ph type="subTitle" idx="1"/>
+          </p:nvPr>
+        </p:nvSpPr>
+        <p:spPr/>
+        <p:txBody>
+          <a:bodyPr/>
+          <a:lstStyle/>
+          <a:p>
+            <a:r>
+              <a:rPr lang="zh-TW" altLang="en-US" dirty="0"/>
+              <a:t>使用 </a:t>
+            </a:r>
+            <a:r>
+              <a:rPr lang="en-US" altLang="zh-TW" dirty="0" err="1"/>
+              <a:t>Mathpix</a:t>
+            </a:r>
+            <a:r>
+              <a:rPr lang="en-US" altLang="zh-TW" dirty="0"/>
+              <a:t> Snip </a:t>
+            </a:r>
+            <a:r>
+              <a:rPr lang="zh-TW" altLang="en-US" dirty="0"/>
+              <a:t>自動辨識數學公式</a:t>
+            </a:r>
+            <a:endParaRPr lang="en-US" altLang="zh-TW" dirty="0"/>
+          </a:p>
+        </p:txBody>
+      </p:sp>
+    </p:spTree>
+    <p:extLst>
+      <p:ext uri="{BB962C8B-B14F-4D97-AF65-F5344CB8AC3E}">
+        <p14:creationId xmlns:p14="http://schemas.microsoft.com/office/powerpoint/2010/main" val="4127270236"/>
+      </p:ext>
+    </p:extLst>
+  </p:cSld>
+  <p:clrMapOvr>
+    <a:masterClrMapping/>
+  </p:clrMapOvr>
+</p:sld>
+</file>
+
+<file path=ppt/slides/slide22.xml><?xml version="1.0" encoding="utf-8"?>
+<p:sld xmlns:a="http://schemas.openxmlformats.org/drawingml/2006/main" xmlns:r="http://schemas.openxmlformats.org/officeDocument/2006/relationships" xmlns:p="http://schemas.openxmlformats.org/presentationml/2006/main">
+  <p:cSld>
+    <p:spTree>
+      <p:nvGrpSpPr>
+        <p:cNvPr id="1" name=""/>
+        <p:cNvGrpSpPr/>
+        <p:nvPr/>
+      </p:nvGrpSpPr>
+      <p:grpSpPr>
+        <a:xfrm>
+          <a:off x="0" y="0"/>
+          <a:ext cx="0" cy="0"/>
+          <a:chOff x="0" y="0"/>
+          <a:chExt cx="0" cy="0"/>
+        </a:xfrm>
+      </p:grpSpPr>
+      <p:sp>
+        <p:nvSpPr>
+          <p:cNvPr id="2" name="標題 1">
+            <a:extLst>
+              <a:ext uri="{FF2B5EF4-FFF2-40B4-BE49-F238E27FC236}">
+                <a16:creationId xmlns:a16="http://schemas.microsoft.com/office/drawing/2014/main" id="{25DDF448-A95F-478C-AD69-4F97D48D95A3}"/>
+              </a:ext>
+            </a:extLst>
+          </p:cNvPr>
+          <p:cNvSpPr>
+            <a:spLocks noGrp="1"/>
+          </p:cNvSpPr>
+          <p:nvPr>
+            <p:ph type="title"/>
+          </p:nvPr>
+        </p:nvSpPr>
+        <p:spPr/>
+        <p:txBody>
+          <a:bodyPr/>
+          <a:lstStyle/>
+          <a:p>
+            <a:r>
+              <a:rPr lang="en-US" altLang="zh-TW" dirty="0" err="1"/>
+              <a:t>Mathpix</a:t>
+            </a:r>
+            <a:r>
+              <a:rPr lang="en-US" altLang="zh-TW" dirty="0"/>
+              <a:t> Snip </a:t>
+            </a:r>
+            <a:r>
+              <a:rPr lang="zh-TW" altLang="en-US" dirty="0"/>
+              <a:t>簡介</a:t>
+            </a:r>
+          </a:p>
+        </p:txBody>
+      </p:sp>
+      <p:sp>
+        <p:nvSpPr>
+          <p:cNvPr id="3" name="內容版面配置區 2">
+            <a:extLst>
+              <a:ext uri="{FF2B5EF4-FFF2-40B4-BE49-F238E27FC236}">
+                <a16:creationId xmlns:a16="http://schemas.microsoft.com/office/drawing/2014/main" id="{0933CE65-D115-42D4-8E15-B49491E03AD2}"/>
+              </a:ext>
+            </a:extLst>
+          </p:cNvPr>
+          <p:cNvSpPr>
+            <a:spLocks noGrp="1"/>
+          </p:cNvSpPr>
+          <p:nvPr>
+            <p:ph idx="1"/>
+          </p:nvPr>
+        </p:nvSpPr>
+        <p:spPr/>
+        <p:txBody>
+          <a:bodyPr/>
+          <a:lstStyle/>
+          <a:p>
+            <a:r>
+              <a:rPr lang="zh-TW" altLang="en-US" dirty="0"/>
+              <a:t>在螢幕畫面上擷取一塊區域，然後自動辨識成數學公式。</a:t>
+            </a:r>
+            <a:endParaRPr lang="en-US" altLang="zh-TW" dirty="0"/>
+          </a:p>
+          <a:p>
+            <a:r>
+              <a:rPr lang="en-US" altLang="zh-TW" dirty="0" err="1"/>
+              <a:t>Mathpix</a:t>
+            </a:r>
+            <a:r>
+              <a:rPr lang="en-US" altLang="zh-TW" dirty="0"/>
+              <a:t> Snip </a:t>
+            </a:r>
+            <a:r>
+              <a:rPr lang="zh-TW" altLang="en-US" dirty="0"/>
+              <a:t>辨識出來的數學公式，是以 </a:t>
+            </a:r>
+            <a:r>
+              <a:rPr lang="en-US" altLang="zh-TW" dirty="0"/>
+              <a:t>LaTeX </a:t>
+            </a:r>
+            <a:r>
+              <a:rPr lang="zh-TW" altLang="en-US" dirty="0"/>
+              <a:t>語法來表示。</a:t>
+            </a:r>
+            <a:endParaRPr lang="en-US" altLang="zh-TW" dirty="0"/>
+          </a:p>
+          <a:p>
+            <a:r>
+              <a:rPr lang="zh-TW" altLang="en-US" dirty="0"/>
+              <a:t>付費軟體。</a:t>
+            </a:r>
+            <a:r>
+              <a:rPr lang="zh-TW" altLang="en-US" dirty="0">
+                <a:solidFill>
+                  <a:schemeClr val="accent2">
+                    <a:lumMod val="75000"/>
+                  </a:schemeClr>
+                </a:solidFill>
+              </a:rPr>
+              <a:t>免費版可以每個月辨識 </a:t>
+            </a:r>
+            <a:r>
+              <a:rPr lang="en-US" altLang="zh-TW" dirty="0">
+                <a:solidFill>
+                  <a:schemeClr val="accent2">
+                    <a:lumMod val="75000"/>
+                  </a:schemeClr>
+                </a:solidFill>
+              </a:rPr>
+              <a:t>50 </a:t>
+            </a:r>
+            <a:r>
+              <a:rPr lang="zh-TW" altLang="en-US" dirty="0">
+                <a:solidFill>
+                  <a:schemeClr val="accent2">
+                    <a:lumMod val="75000"/>
+                  </a:schemeClr>
+                </a:solidFill>
+              </a:rPr>
+              <a:t>次。</a:t>
+            </a:r>
+          </a:p>
+        </p:txBody>
+      </p:sp>
+    </p:spTree>
+    <p:extLst>
+      <p:ext uri="{BB962C8B-B14F-4D97-AF65-F5344CB8AC3E}">
+        <p14:creationId xmlns:p14="http://schemas.microsoft.com/office/powerpoint/2010/main" val="3309332085"/>
+      </p:ext>
+    </p:extLst>
+  </p:cSld>
+  <p:clrMapOvr>
+    <a:masterClrMapping/>
+  </p:clrMapOvr>
+</p:sld>
+</file>
+
+<file path=ppt/slides/slide23.xml><?xml version="1.0" encoding="utf-8"?>
+<p:sld xmlns:a="http://schemas.openxmlformats.org/drawingml/2006/main" xmlns:r="http://schemas.openxmlformats.org/officeDocument/2006/relationships" xmlns:p="http://schemas.openxmlformats.org/presentationml/2006/main">
+  <p:cSld>
+    <p:spTree>
+      <p:nvGrpSpPr>
+        <p:cNvPr id="1" name=""/>
+        <p:cNvGrpSpPr/>
+        <p:nvPr/>
+      </p:nvGrpSpPr>
+      <p:grpSpPr>
+        <a:xfrm>
+          <a:off x="0" y="0"/>
+          <a:ext cx="0" cy="0"/>
+          <a:chOff x="0" y="0"/>
+          <a:chExt cx="0" cy="0"/>
+        </a:xfrm>
+      </p:grpSpPr>
+      <p:sp>
+        <p:nvSpPr>
+          <p:cNvPr id="2" name="標題 1">
+            <a:extLst>
+              <a:ext uri="{FF2B5EF4-FFF2-40B4-BE49-F238E27FC236}">
+                <a16:creationId xmlns:a16="http://schemas.microsoft.com/office/drawing/2014/main" id="{3A2DD5CC-A52B-48F8-932E-5CCCD12FA790}"/>
+              </a:ext>
+            </a:extLst>
+          </p:cNvPr>
+          <p:cNvSpPr>
+            <a:spLocks noGrp="1"/>
+          </p:cNvSpPr>
+          <p:nvPr>
+            <p:ph type="ctrTitle"/>
+          </p:nvPr>
+        </p:nvSpPr>
+        <p:spPr/>
+        <p:txBody>
+          <a:bodyPr>
+            <a:normAutofit/>
+          </a:bodyPr>
+          <a:lstStyle/>
+          <a:p>
+            <a:r>
+              <a:rPr lang="zh-TW" altLang="en-US" b="1" dirty="0"/>
+              <a:t>示範：</a:t>
+            </a:r>
+            <a:r>
+              <a:rPr lang="en-US" altLang="zh-TW" b="1" dirty="0" err="1"/>
+              <a:t>Mathpix</a:t>
+            </a:r>
+            <a:r>
+              <a:rPr lang="zh-TW" altLang="en-US" b="1" dirty="0"/>
+              <a:t> </a:t>
+            </a:r>
+            <a:r>
+              <a:rPr lang="en-US" altLang="zh-TW" b="1" dirty="0"/>
+              <a:t>Snip </a:t>
+            </a:r>
+            <a:r>
+              <a:rPr lang="zh-TW" altLang="en-US" b="1" dirty="0"/>
+              <a:t>的</a:t>
+            </a:r>
+            <a:br>
+              <a:rPr lang="en-US" altLang="zh-TW" b="1" dirty="0"/>
+            </a:br>
+            <a:r>
+              <a:rPr lang="zh-TW" altLang="en-US" b="1" dirty="0"/>
+              <a:t>安裝與基本用法</a:t>
+            </a:r>
+          </a:p>
+        </p:txBody>
+      </p:sp>
+      <p:sp>
+        <p:nvSpPr>
+          <p:cNvPr id="4" name="副標題 3">
+            <a:extLst>
+              <a:ext uri="{FF2B5EF4-FFF2-40B4-BE49-F238E27FC236}">
+                <a16:creationId xmlns:a16="http://schemas.microsoft.com/office/drawing/2014/main" id="{90ACCCAF-5E3E-4FA9-B250-DD18E93B6AEC}"/>
+              </a:ext>
+            </a:extLst>
+          </p:cNvPr>
+          <p:cNvSpPr>
+            <a:spLocks noGrp="1"/>
+          </p:cNvSpPr>
+          <p:nvPr>
+            <p:ph type="subTitle" idx="1"/>
+          </p:nvPr>
+        </p:nvSpPr>
+        <p:spPr/>
+        <p:txBody>
+          <a:bodyPr/>
+          <a:lstStyle/>
+          <a:p>
+            <a:endParaRPr lang="zh-TW" altLang="en-US"/>
+          </a:p>
+        </p:txBody>
+      </p:sp>
+    </p:spTree>
+    <p:extLst>
+      <p:ext uri="{BB962C8B-B14F-4D97-AF65-F5344CB8AC3E}">
+        <p14:creationId xmlns:p14="http://schemas.microsoft.com/office/powerpoint/2010/main" val="3932379979"/>
+      </p:ext>
+    </p:extLst>
+  </p:cSld>
+  <p:clrMapOvr>
+    <a:masterClrMapping/>
+  </p:clrMapOvr>
+</p:sld>
+</file>
+
+<file path=ppt/slides/slide24.xml><?xml version="1.0" encoding="utf-8"?>
+<p:sld xmlns:a="http://schemas.openxmlformats.org/drawingml/2006/main" xmlns:r="http://schemas.openxmlformats.org/officeDocument/2006/relationships" xmlns:p="http://schemas.openxmlformats.org/presentationml/2006/main">
+  <p:cSld>
+    <p:spTree>
+      <p:nvGrpSpPr>
+        <p:cNvPr id="1" name=""/>
+        <p:cNvGrpSpPr/>
+        <p:nvPr/>
+      </p:nvGrpSpPr>
+      <p:grpSpPr>
+        <a:xfrm>
+          <a:off x="0" y="0"/>
+          <a:ext cx="0" cy="0"/>
+          <a:chOff x="0" y="0"/>
+          <a:chExt cx="0" cy="0"/>
+        </a:xfrm>
+      </p:grpSpPr>
+      <p:sp>
+        <p:nvSpPr>
+          <p:cNvPr id="2" name="標題 1">
+            <a:extLst>
+              <a:ext uri="{FF2B5EF4-FFF2-40B4-BE49-F238E27FC236}">
+                <a16:creationId xmlns:a16="http://schemas.microsoft.com/office/drawing/2014/main" id="{97BAF50E-5E47-485E-923F-BEFD52BF03BB}"/>
+              </a:ext>
+            </a:extLst>
+          </p:cNvPr>
+          <p:cNvSpPr>
+            <a:spLocks noGrp="1"/>
+          </p:cNvSpPr>
+          <p:nvPr>
+            <p:ph type="title"/>
+          </p:nvPr>
+        </p:nvSpPr>
+        <p:spPr/>
+        <p:txBody>
+          <a:bodyPr/>
+          <a:lstStyle/>
+          <a:p>
+            <a:r>
+              <a:rPr lang="zh-TW" altLang="en-US" dirty="0"/>
+              <a:t>練習 </a:t>
+            </a:r>
+            <a:r>
+              <a:rPr lang="en-US" altLang="zh-TW" dirty="0"/>
+              <a:t>6</a:t>
+            </a:r>
+            <a:r>
+              <a:rPr lang="zh-TW" altLang="en-US" dirty="0"/>
+              <a:t>：</a:t>
+            </a:r>
+          </a:p>
+        </p:txBody>
+      </p:sp>
+      <p:sp>
+        <p:nvSpPr>
+          <p:cNvPr id="3" name="內容版面配置區 2">
+            <a:extLst>
+              <a:ext uri="{FF2B5EF4-FFF2-40B4-BE49-F238E27FC236}">
+                <a16:creationId xmlns:a16="http://schemas.microsoft.com/office/drawing/2014/main" id="{34A042B6-3E52-4DC6-A1F2-8022D3B62FF6}"/>
+              </a:ext>
+            </a:extLst>
+          </p:cNvPr>
+          <p:cNvSpPr>
+            <a:spLocks noGrp="1"/>
+          </p:cNvSpPr>
+          <p:nvPr>
+            <p:ph idx="1"/>
+          </p:nvPr>
+        </p:nvSpPr>
+        <p:spPr/>
+        <p:txBody>
+          <a:bodyPr/>
+          <a:lstStyle/>
+          <a:p>
+            <a:endParaRPr lang="zh-TW" altLang="en-US"/>
+          </a:p>
+        </p:txBody>
+      </p:sp>
+    </p:spTree>
+    <p:extLst>
+      <p:ext uri="{BB962C8B-B14F-4D97-AF65-F5344CB8AC3E}">
+        <p14:creationId xmlns:p14="http://schemas.microsoft.com/office/powerpoint/2010/main" val="3339880640"/>
+      </p:ext>
+    </p:extLst>
+  </p:cSld>
+  <p:clrMapOvr>
+    <a:masterClrMapping/>
+  </p:clrMapOvr>
+</p:sld>
+</file>
+
+<file path=ppt/slides/slide25.xml><?xml version="1.0" encoding="utf-8"?>
+<p:sld xmlns:a="http://schemas.openxmlformats.org/drawingml/2006/main" xmlns:r="http://schemas.openxmlformats.org/officeDocument/2006/relationships" xmlns:p="http://schemas.openxmlformats.org/presentationml/2006/main">
+  <p:cSld>
+    <p:spTree>
+      <p:nvGrpSpPr>
+        <p:cNvPr id="1" name=""/>
+        <p:cNvGrpSpPr/>
+        <p:nvPr/>
+      </p:nvGrpSpPr>
+      <p:grpSpPr>
+        <a:xfrm>
+          <a:off x="0" y="0"/>
+          <a:ext cx="0" cy="0"/>
+          <a:chOff x="0" y="0"/>
+          <a:chExt cx="0" cy="0"/>
+        </a:xfrm>
+      </p:grpSpPr>
+      <p:sp>
+        <p:nvSpPr>
+          <p:cNvPr id="2" name="標題 1">
+            <a:extLst>
+              <a:ext uri="{FF2B5EF4-FFF2-40B4-BE49-F238E27FC236}">
+                <a16:creationId xmlns:a16="http://schemas.microsoft.com/office/drawing/2014/main" id="{6F78706A-4CA8-4C7D-9EB1-FB707C2DAC78}"/>
+              </a:ext>
+            </a:extLst>
+          </p:cNvPr>
+          <p:cNvSpPr>
+            <a:spLocks noGrp="1"/>
+          </p:cNvSpPr>
+          <p:nvPr>
+            <p:ph type="title"/>
+          </p:nvPr>
+        </p:nvSpPr>
+        <p:spPr/>
+        <p:txBody>
+          <a:bodyPr/>
+          <a:lstStyle/>
+          <a:p>
+            <a:r>
+              <a:rPr lang="en-US" altLang="zh-TW" dirty="0" err="1"/>
+              <a:t>Mathpix</a:t>
+            </a:r>
+            <a:r>
+              <a:rPr lang="en-US" altLang="zh-TW" dirty="0"/>
+              <a:t> Snip </a:t>
+            </a:r>
+            <a:r>
+              <a:rPr lang="zh-TW" altLang="en-US" dirty="0"/>
+              <a:t>每個月免費 </a:t>
+            </a:r>
+            <a:r>
+              <a:rPr lang="en-US" altLang="zh-TW" dirty="0"/>
+              <a:t>50 </a:t>
+            </a:r>
+            <a:r>
+              <a:rPr lang="zh-TW" altLang="en-US" dirty="0"/>
+              <a:t>次不夠用</a:t>
+            </a:r>
+            <a:r>
+              <a:rPr lang="en-US" altLang="zh-TW" dirty="0"/>
+              <a:t>…</a:t>
+            </a:r>
+            <a:endParaRPr lang="zh-TW" altLang="en-US" dirty="0"/>
+          </a:p>
+        </p:txBody>
+      </p:sp>
+      <p:sp>
+        <p:nvSpPr>
+          <p:cNvPr id="3" name="內容版面配置區 2">
+            <a:extLst>
+              <a:ext uri="{FF2B5EF4-FFF2-40B4-BE49-F238E27FC236}">
+                <a16:creationId xmlns:a16="http://schemas.microsoft.com/office/drawing/2014/main" id="{F66B0C55-221E-408F-8B43-31D7574ED3B2}"/>
+              </a:ext>
+            </a:extLst>
+          </p:cNvPr>
+          <p:cNvSpPr>
+            <a:spLocks noGrp="1"/>
+          </p:cNvSpPr>
+          <p:nvPr>
+            <p:ph idx="1"/>
+          </p:nvPr>
+        </p:nvSpPr>
+        <p:spPr/>
+        <p:txBody>
+          <a:bodyPr/>
+          <a:lstStyle/>
+          <a:p>
+            <a:r>
+              <a:rPr lang="zh-TW" altLang="en-US" dirty="0"/>
+              <a:t>付費：每個月 </a:t>
+            </a:r>
+            <a:r>
+              <a:rPr lang="en-US" altLang="zh-TW" dirty="0"/>
+              <a:t>$4.99</a:t>
+            </a:r>
+            <a:r>
+              <a:rPr lang="zh-TW" altLang="en-US" dirty="0"/>
+              <a:t> 美金可轉 </a:t>
+            </a:r>
+            <a:r>
+              <a:rPr lang="en-US" altLang="zh-TW" dirty="0"/>
+              <a:t>5,000 </a:t>
+            </a:r>
+            <a:r>
+              <a:rPr lang="zh-TW" altLang="en-US" dirty="0"/>
+              <a:t>次。</a:t>
+            </a:r>
+            <a:endParaRPr lang="en-US" altLang="zh-TW" dirty="0"/>
+          </a:p>
+          <a:p>
+            <a:r>
+              <a:rPr lang="zh-TW" altLang="en-US" dirty="0"/>
+              <a:t>註冊多個免費帳號，一個用滿 </a:t>
+            </a:r>
+            <a:r>
+              <a:rPr lang="en-US" altLang="zh-TW" dirty="0"/>
+              <a:t>50 </a:t>
+            </a:r>
+            <a:r>
+              <a:rPr lang="zh-TW" altLang="en-US" dirty="0"/>
+              <a:t>次就換另一個帳號。👉 麻煩</a:t>
+            </a:r>
+            <a:endParaRPr lang="en-US" altLang="zh-TW" dirty="0"/>
+          </a:p>
+          <a:p>
+            <a:r>
+              <a:rPr lang="en-US" altLang="zh-TW" dirty="0" err="1">
+                <a:hlinkClick r:id="rId2"/>
+              </a:rPr>
+              <a:t>Mathpix</a:t>
+            </a:r>
+            <a:r>
+              <a:rPr lang="zh-TW" altLang="en-US" dirty="0">
+                <a:hlinkClick r:id="rId2"/>
+              </a:rPr>
+              <a:t> </a:t>
+            </a:r>
+            <a:r>
+              <a:rPr lang="en-US" altLang="zh-TW" dirty="0">
+                <a:hlinkClick r:id="rId2"/>
+              </a:rPr>
+              <a:t>OCR</a:t>
+            </a:r>
+            <a:r>
+              <a:rPr lang="zh-TW" altLang="en-US" dirty="0">
+                <a:hlinkClick r:id="rId2"/>
+              </a:rPr>
+              <a:t> </a:t>
+            </a:r>
+            <a:r>
+              <a:rPr lang="en-US" altLang="zh-TW" dirty="0">
+                <a:hlinkClick r:id="rId2"/>
+              </a:rPr>
+              <a:t>API</a:t>
+            </a:r>
+            <a:r>
+              <a:rPr lang="zh-TW" altLang="en-US" dirty="0">
+                <a:hlinkClick r:id="rId2"/>
+              </a:rPr>
+              <a:t> 提供開發者每個月可以免費辨識 </a:t>
+            </a:r>
+            <a:r>
+              <a:rPr lang="en-US" altLang="zh-TW" dirty="0">
+                <a:hlinkClick r:id="rId2"/>
+              </a:rPr>
+              <a:t>1000 </a:t>
+            </a:r>
+            <a:r>
+              <a:rPr lang="zh-TW" altLang="en-US" dirty="0">
+                <a:hlinkClick r:id="rId2"/>
+              </a:rPr>
+              <a:t>次</a:t>
+            </a:r>
+            <a:endParaRPr lang="en-US" altLang="zh-TW" dirty="0"/>
+          </a:p>
+          <a:p>
+            <a:r>
+              <a:rPr lang="zh-TW" altLang="en-US" dirty="0"/>
+              <a:t>免費且開源的 </a:t>
+            </a:r>
+            <a:r>
+              <a:rPr lang="en-US" altLang="zh-TW" dirty="0">
+                <a:hlinkClick r:id="rId3"/>
+              </a:rPr>
+              <a:t>LaTeX OCR</a:t>
+            </a:r>
+            <a:r>
+              <a:rPr lang="zh-TW" altLang="en-US" dirty="0"/>
+              <a:t>（有一定的技術門檻）</a:t>
+            </a:r>
+            <a:endParaRPr lang="en-US" altLang="zh-TW" dirty="0"/>
+          </a:p>
+          <a:p>
+            <a:endParaRPr lang="en-US" altLang="zh-TW" dirty="0"/>
+          </a:p>
+          <a:p>
+            <a:endParaRPr lang="zh-TW" altLang="en-US" dirty="0"/>
+          </a:p>
+        </p:txBody>
+      </p:sp>
+    </p:spTree>
+    <p:extLst>
+      <p:ext uri="{BB962C8B-B14F-4D97-AF65-F5344CB8AC3E}">
+        <p14:creationId xmlns:p14="http://schemas.microsoft.com/office/powerpoint/2010/main" val="3956219223"/>
+      </p:ext>
+    </p:extLst>
+  </p:cSld>
+  <p:clrMapOvr>
+    <a:masterClrMapping/>
+  </p:clrMapOvr>
+</p:sld>
+</file>
+
+<file path=ppt/slides/slide26.xml><?xml version="1.0" encoding="utf-8"?>
+<p:sld xmlns:a="http://schemas.openxmlformats.org/drawingml/2006/main" xmlns:r="http://schemas.openxmlformats.org/officeDocument/2006/relationships" xmlns:p="http://schemas.openxmlformats.org/presentationml/2006/main">
+  <p:cSld>
+    <p:spTree>
+      <p:nvGrpSpPr>
+        <p:cNvPr id="1" name=""/>
+        <p:cNvGrpSpPr/>
+        <p:nvPr/>
+      </p:nvGrpSpPr>
+      <p:grpSpPr>
+        <a:xfrm>
+          <a:off x="0" y="0"/>
+          <a:ext cx="0" cy="0"/>
+          <a:chOff x="0" y="0"/>
+          <a:chExt cx="0" cy="0"/>
+        </a:xfrm>
+      </p:grpSpPr>
+      <p:sp>
+        <p:nvSpPr>
+          <p:cNvPr id="2" name="標題 1">
+            <a:extLst>
+              <a:ext uri="{FF2B5EF4-FFF2-40B4-BE49-F238E27FC236}">
+                <a16:creationId xmlns:a16="http://schemas.microsoft.com/office/drawing/2014/main" id="{C822F489-4038-4A4F-8ECE-7BE9970C9E97}"/>
+              </a:ext>
+            </a:extLst>
+          </p:cNvPr>
+          <p:cNvSpPr>
+            <a:spLocks noGrp="1"/>
+          </p:cNvSpPr>
+          <p:nvPr>
+            <p:ph type="title"/>
+          </p:nvPr>
+        </p:nvSpPr>
+        <p:spPr/>
+        <p:txBody>
+          <a:bodyPr/>
+          <a:lstStyle/>
+          <a:p>
+            <a:r>
+              <a:rPr lang="zh-TW" altLang="en-US" dirty="0"/>
+              <a:t>大幅提升效率的方法</a:t>
+            </a:r>
+          </a:p>
+        </p:txBody>
+      </p:sp>
+      <p:sp>
+        <p:nvSpPr>
+          <p:cNvPr id="3" name="內容版面配置區 2">
+            <a:extLst>
+              <a:ext uri="{FF2B5EF4-FFF2-40B4-BE49-F238E27FC236}">
+                <a16:creationId xmlns:a16="http://schemas.microsoft.com/office/drawing/2014/main" id="{E2032F1B-782A-48CA-8302-DF4E4DE63145}"/>
+              </a:ext>
+            </a:extLst>
+          </p:cNvPr>
+          <p:cNvSpPr>
+            <a:spLocks noGrp="1"/>
+          </p:cNvSpPr>
+          <p:nvPr>
+            <p:ph idx="1"/>
+          </p:nvPr>
+        </p:nvSpPr>
+        <p:spPr/>
+        <p:txBody>
+          <a:bodyPr/>
+          <a:lstStyle/>
+          <a:p>
+            <a:r>
+              <a:rPr lang="zh-TW" altLang="en-US" dirty="0"/>
+              <a:t>多用快速鍵（快捷鍵）</a:t>
+            </a:r>
+            <a:endParaRPr lang="en-US" altLang="zh-TW" dirty="0"/>
+          </a:p>
+          <a:p>
+            <a:r>
+              <a:rPr lang="zh-TW" altLang="en-US" dirty="0"/>
+              <a:t>學習 </a:t>
+            </a:r>
+            <a:r>
+              <a:rPr lang="en-US" altLang="zh-TW" dirty="0"/>
+              <a:t>LaTeX </a:t>
+            </a:r>
+            <a:r>
+              <a:rPr lang="zh-TW" altLang="en-US" dirty="0"/>
+              <a:t>語法</a:t>
+            </a:r>
+            <a:endParaRPr lang="en-US" altLang="zh-TW" dirty="0"/>
+          </a:p>
+          <a:p>
+            <a:endParaRPr lang="zh-TW" altLang="en-US" dirty="0"/>
+          </a:p>
+        </p:txBody>
+      </p:sp>
+    </p:spTree>
+    <p:extLst>
+      <p:ext uri="{BB962C8B-B14F-4D97-AF65-F5344CB8AC3E}">
+        <p14:creationId xmlns:p14="http://schemas.microsoft.com/office/powerpoint/2010/main" val="2864944917"/>
+      </p:ext>
+    </p:extLst>
+  </p:cSld>
+  <p:clrMapOvr>
+    <a:masterClrMapping/>
+  </p:clrMapOvr>
+</p:sld>
+</file>
+
+<file path=ppt/slides/slide27.xml><?xml version="1.0" encoding="utf-8"?>
+<p:sld xmlns:a="http://schemas.openxmlformats.org/drawingml/2006/main" xmlns:r="http://schemas.openxmlformats.org/officeDocument/2006/relationships" xmlns:p="http://schemas.openxmlformats.org/presentationml/2006/main">
+  <p:cSld>
+    <p:spTree>
+      <p:nvGrpSpPr>
+        <p:cNvPr id="1" name=""/>
+        <p:cNvGrpSpPr/>
+        <p:nvPr/>
+      </p:nvGrpSpPr>
+      <p:grpSpPr>
+        <a:xfrm>
+          <a:off x="0" y="0"/>
+          <a:ext cx="0" cy="0"/>
+          <a:chOff x="0" y="0"/>
+          <a:chExt cx="0" cy="0"/>
+        </a:xfrm>
+      </p:grpSpPr>
+      <p:sp>
+        <p:nvSpPr>
+          <p:cNvPr id="2" name="標題 1">
+            <a:extLst>
+              <a:ext uri="{FF2B5EF4-FFF2-40B4-BE49-F238E27FC236}">
+                <a16:creationId xmlns:a16="http://schemas.microsoft.com/office/drawing/2014/main" id="{804DD220-7BEB-4144-8086-C3B119B2C5B6}"/>
+              </a:ext>
+            </a:extLst>
+          </p:cNvPr>
+          <p:cNvSpPr>
+            <a:spLocks noGrp="1"/>
+          </p:cNvSpPr>
+          <p:nvPr>
+            <p:ph type="title"/>
+          </p:nvPr>
+        </p:nvSpPr>
+        <p:spPr/>
+        <p:txBody>
+          <a:bodyPr/>
+          <a:lstStyle/>
+          <a:p>
+            <a:r>
+              <a:rPr lang="zh-TW" altLang="en-US" dirty="0"/>
+              <a:t>延伸議題、可能有用的東西</a:t>
+            </a:r>
+          </a:p>
+        </p:txBody>
+      </p:sp>
+      <p:sp>
+        <p:nvSpPr>
+          <p:cNvPr id="3" name="內容版面配置區 2">
+            <a:extLst>
+              <a:ext uri="{FF2B5EF4-FFF2-40B4-BE49-F238E27FC236}">
+                <a16:creationId xmlns:a16="http://schemas.microsoft.com/office/drawing/2014/main" id="{6F167872-1F0F-408A-8523-0D41C229752A}"/>
+              </a:ext>
+            </a:extLst>
+          </p:cNvPr>
+          <p:cNvSpPr>
+            <a:spLocks noGrp="1"/>
+          </p:cNvSpPr>
+          <p:nvPr>
+            <p:ph idx="1"/>
+          </p:nvPr>
+        </p:nvSpPr>
+        <p:spPr/>
+        <p:txBody>
+          <a:bodyPr>
+            <a:normAutofit/>
+          </a:bodyPr>
+          <a:lstStyle/>
+          <a:p>
+            <a:r>
+              <a:rPr lang="en-US" altLang="zh-TW" dirty="0"/>
+              <a:t>Word </a:t>
+            </a:r>
+            <a:r>
+              <a:rPr lang="zh-TW" altLang="en-US" dirty="0"/>
+              <a:t>本身的數學公式編輯器可以取代 </a:t>
+            </a:r>
+            <a:r>
+              <a:rPr lang="en-US" altLang="zh-TW" dirty="0" err="1"/>
+              <a:t>MathType</a:t>
+            </a:r>
+            <a:r>
+              <a:rPr lang="en-US" altLang="zh-TW" dirty="0"/>
+              <a:t> </a:t>
+            </a:r>
+            <a:r>
+              <a:rPr lang="zh-TW" altLang="en-US" dirty="0"/>
+              <a:t>嗎？</a:t>
+            </a:r>
+            <a:endParaRPr lang="en-US" altLang="zh-TW" dirty="0"/>
+          </a:p>
+          <a:p>
+            <a:pPr lvl="1"/>
+            <a:r>
+              <a:rPr lang="en-US" altLang="zh-TW" dirty="0" err="1"/>
+              <a:t>MathType</a:t>
+            </a:r>
+            <a:r>
+              <a:rPr lang="zh-TW" altLang="en-US" dirty="0"/>
+              <a:t> 功能的強大與方便難以取代</a:t>
+            </a:r>
+            <a:endParaRPr lang="en-US" altLang="zh-TW" dirty="0"/>
+          </a:p>
+          <a:p>
+            <a:pPr lvl="1"/>
+            <a:r>
+              <a:rPr lang="en-US" altLang="zh-TW" dirty="0"/>
+              <a:t>Word </a:t>
+            </a:r>
+            <a:r>
+              <a:rPr lang="zh-TW" altLang="en-US" dirty="0"/>
+              <a:t>與 </a:t>
+            </a:r>
+            <a:r>
+              <a:rPr lang="en-US" altLang="zh-TW" dirty="0" err="1"/>
+              <a:t>MathType</a:t>
+            </a:r>
+            <a:r>
+              <a:rPr lang="en-US" altLang="zh-TW" dirty="0"/>
+              <a:t> </a:t>
+            </a:r>
+            <a:r>
+              <a:rPr lang="zh-TW" altLang="en-US" dirty="0"/>
+              <a:t>產生的數學公式在呈現方面仍有差異。</a:t>
+            </a:r>
+            <a:endParaRPr lang="en-US" altLang="zh-TW" dirty="0"/>
+          </a:p>
+          <a:p>
+            <a:pPr lvl="1"/>
+            <a:r>
+              <a:rPr lang="en-US" altLang="zh-TW" dirty="0" err="1">
+                <a:solidFill>
+                  <a:srgbClr val="FF0000"/>
+                </a:solidFill>
+              </a:rPr>
+              <a:t>Todo</a:t>
+            </a:r>
+            <a:r>
+              <a:rPr lang="en-US" altLang="zh-TW" dirty="0">
+                <a:solidFill>
+                  <a:srgbClr val="FF0000"/>
+                </a:solidFill>
+              </a:rPr>
+              <a:t>: </a:t>
+            </a:r>
+            <a:r>
+              <a:rPr lang="zh-TW" altLang="en-US" dirty="0">
+                <a:solidFill>
+                  <a:srgbClr val="FF0000"/>
+                </a:solidFill>
+              </a:rPr>
+              <a:t>示範影片</a:t>
+            </a:r>
+            <a:endParaRPr lang="en-US" altLang="zh-TW" dirty="0">
+              <a:solidFill>
+                <a:srgbClr val="FF0000"/>
+              </a:solidFill>
+            </a:endParaRPr>
+          </a:p>
+          <a:p>
+            <a:r>
+              <a:rPr lang="en-US" altLang="zh-TW" dirty="0"/>
+              <a:t>Edge </a:t>
+            </a:r>
+            <a:r>
+              <a:rPr lang="zh-TW" altLang="en-US" dirty="0"/>
+              <a:t>瀏覽器的數學求解器</a:t>
+            </a:r>
+            <a:endParaRPr lang="en-US" altLang="zh-TW" dirty="0"/>
+          </a:p>
+          <a:p>
+            <a:pPr lvl="1"/>
+            <a:r>
+              <a:rPr lang="zh-TW" altLang="en-US" dirty="0"/>
+              <a:t>展示：在 </a:t>
+            </a:r>
+            <a:r>
+              <a:rPr lang="en-US" altLang="zh-TW" dirty="0"/>
+              <a:t>Edge </a:t>
+            </a:r>
+            <a:r>
+              <a:rPr lang="zh-TW" altLang="en-US" dirty="0"/>
+              <a:t>瀏覽器中打開</a:t>
+            </a:r>
+            <a:r>
+              <a:rPr lang="zh-TW" altLang="en-US" dirty="0">
+                <a:hlinkClick r:id="rId2"/>
+              </a:rPr>
+              <a:t>範例 </a:t>
+            </a:r>
+            <a:r>
+              <a:rPr lang="en-US" altLang="zh-TW" dirty="0">
+                <a:hlinkClick r:id="rId2"/>
+              </a:rPr>
+              <a:t>PDF </a:t>
+            </a:r>
+            <a:r>
+              <a:rPr lang="zh-TW" altLang="en-US" dirty="0">
+                <a:hlinkClick r:id="rId2"/>
+              </a:rPr>
+              <a:t>檔案</a:t>
+            </a:r>
+            <a:r>
+              <a:rPr lang="zh-TW" altLang="en-US" dirty="0"/>
+              <a:t>，求解一元二次方程式。</a:t>
+            </a:r>
+            <a:endParaRPr lang="en-US" altLang="zh-TW" dirty="0"/>
+          </a:p>
+          <a:p>
+            <a:r>
+              <a:rPr lang="zh-TW" altLang="en-US" dirty="0"/>
+              <a:t>功能更強的剪貼簿：</a:t>
+            </a:r>
+            <a:r>
+              <a:rPr lang="en-US" altLang="zh-TW" dirty="0">
+                <a:hlinkClick r:id="rId3"/>
+              </a:rPr>
+              <a:t>Ditto</a:t>
+            </a:r>
+            <a:endParaRPr lang="zh-TW" altLang="en-US" dirty="0"/>
+          </a:p>
+        </p:txBody>
+      </p:sp>
+    </p:spTree>
+    <p:extLst>
+      <p:ext uri="{BB962C8B-B14F-4D97-AF65-F5344CB8AC3E}">
+        <p14:creationId xmlns:p14="http://schemas.microsoft.com/office/powerpoint/2010/main" val="2890156363"/>
+      </p:ext>
+    </p:extLst>
+  </p:cSld>
+  <p:clrMapOvr>
+    <a:masterClrMapping/>
+  </p:clrMapOvr>
+</p:sld>
+</file>
+
+<file path=ppt/slides/slide28.xml><?xml version="1.0" encoding="utf-8"?>
+<p:sld xmlns:a="http://schemas.openxmlformats.org/drawingml/2006/main" xmlns:r="http://schemas.openxmlformats.org/officeDocument/2006/relationships" xmlns:p="http://schemas.openxmlformats.org/presentationml/2006/main">
+  <p:cSld>
+    <p:spTree>
+      <p:nvGrpSpPr>
+        <p:cNvPr id="1" name=""/>
+        <p:cNvGrpSpPr/>
+        <p:nvPr/>
+      </p:nvGrpSpPr>
+      <p:grpSpPr>
+        <a:xfrm>
+          <a:off x="0" y="0"/>
+          <a:ext cx="0" cy="0"/>
+          <a:chOff x="0" y="0"/>
+          <a:chExt cx="0" cy="0"/>
+        </a:xfrm>
+      </p:grpSpPr>
+      <p:sp>
+        <p:nvSpPr>
+          <p:cNvPr id="2" name="標題 1">
+            <a:extLst>
+              <a:ext uri="{FF2B5EF4-FFF2-40B4-BE49-F238E27FC236}">
+                <a16:creationId xmlns:a16="http://schemas.microsoft.com/office/drawing/2014/main" id="{B5E10760-62E6-4021-ABB7-2C4336FB92C5}"/>
+              </a:ext>
+            </a:extLst>
+          </p:cNvPr>
+          <p:cNvSpPr>
+            <a:spLocks noGrp="1"/>
+          </p:cNvSpPr>
+          <p:nvPr>
+            <p:ph type="title"/>
+          </p:nvPr>
+        </p:nvSpPr>
+        <p:spPr>
+          <a:xfrm>
+            <a:off x="838200" y="365125"/>
+            <a:ext cx="10515600" cy="732631"/>
+          </a:xfrm>
+        </p:spPr>
+        <p:txBody>
+          <a:bodyPr/>
+          <a:lstStyle/>
+          <a:p>
+            <a:r>
+              <a:rPr lang="en-US" altLang="zh-TW" dirty="0"/>
+              <a:t>Ditto</a:t>
+            </a:r>
+            <a:endParaRPr lang="zh-TW" altLang="en-US" dirty="0"/>
+          </a:p>
+        </p:txBody>
+      </p:sp>
+      <p:sp>
+        <p:nvSpPr>
+          <p:cNvPr id="3" name="內容版面配置區 2">
+            <a:extLst>
+              <a:ext uri="{FF2B5EF4-FFF2-40B4-BE49-F238E27FC236}">
+                <a16:creationId xmlns:a16="http://schemas.microsoft.com/office/drawing/2014/main" id="{62F54332-90FE-4EA4-96EE-D35142023700}"/>
+              </a:ext>
+            </a:extLst>
+          </p:cNvPr>
+          <p:cNvSpPr>
+            <a:spLocks noGrp="1"/>
+          </p:cNvSpPr>
+          <p:nvPr>
+            <p:ph idx="1"/>
+          </p:nvPr>
+        </p:nvSpPr>
+        <p:spPr/>
+        <p:txBody>
+          <a:bodyPr/>
+          <a:lstStyle/>
+          <a:p>
+            <a:endParaRPr lang="zh-TW" altLang="en-US"/>
+          </a:p>
+        </p:txBody>
+      </p:sp>
+      <p:pic>
+        <p:nvPicPr>
+          <p:cNvPr id="2050" name="Picture 2">
+            <a:extLst>
+              <a:ext uri="{FF2B5EF4-FFF2-40B4-BE49-F238E27FC236}">
+                <a16:creationId xmlns:a16="http://schemas.microsoft.com/office/drawing/2014/main" id="{43ADCDE3-AA88-49B4-896B-52DECAECA866}"/>
+              </a:ext>
+            </a:extLst>
+          </p:cNvPr>
+          <p:cNvPicPr>
+            <a:picLocks noChangeAspect="1" noChangeArrowheads="1"/>
+          </p:cNvPicPr>
+          <p:nvPr/>
+        </p:nvPicPr>
+        <p:blipFill>
+          <a:blip r:embed="rId2">
+            <a:extLst>
+              <a:ext uri="{28A0092B-C50C-407E-A947-70E740481C1C}">
+                <a14:useLocalDpi xmlns:a14="http://schemas.microsoft.com/office/drawing/2010/main" val="0"/>
+              </a:ext>
+            </a:extLst>
+          </a:blip>
+          <a:srcRect/>
+          <a:stretch>
+            <a:fillRect/>
+          </a:stretch>
+        </p:blipFill>
+        <p:spPr bwMode="auto">
+          <a:xfrm>
+            <a:off x="0" y="1097756"/>
+            <a:ext cx="12192000" cy="4662487"/>
+          </a:xfrm>
+          <a:prstGeom prst="rect">
+            <a:avLst/>
+          </a:prstGeom>
+          <a:noFill/>
+          <a:extLst>
+            <a:ext uri="{909E8E84-426E-40DD-AFC4-6F175D3DCCD1}">
+              <a14:hiddenFill xmlns:a14="http://schemas.microsoft.com/office/drawing/2010/main">
+                <a:solidFill>
+                  <a:srgbClr val="FFFFFF"/>
+                </a:solidFill>
+              </a14:hiddenFill>
+            </a:ext>
+          </a:extLst>
+        </p:spPr>
+      </p:pic>
+    </p:spTree>
+    <p:extLst>
+      <p:ext uri="{BB962C8B-B14F-4D97-AF65-F5344CB8AC3E}">
+        <p14:creationId xmlns:p14="http://schemas.microsoft.com/office/powerpoint/2010/main" val="2737119468"/>
+      </p:ext>
+    </p:extLst>
+  </p:cSld>
+  <p:clrMapOvr>
+    <a:masterClrMapping/>
+  </p:clrMapOvr>
+</p:sld>
+</file>
+
+<file path=ppt/slides/slide29.xml><?xml version="1.0" encoding="utf-8"?>
+<p:sld xmlns:a="http://schemas.openxmlformats.org/drawingml/2006/main" xmlns:r="http://schemas.openxmlformats.org/officeDocument/2006/relationships" xmlns:p="http://schemas.openxmlformats.org/presentationml/2006/main">
+  <p:cSld>
+    <p:spTree>
+      <p:nvGrpSpPr>
+        <p:cNvPr id="1" name=""/>
+        <p:cNvGrpSpPr/>
+        <p:nvPr/>
+      </p:nvGrpSpPr>
+      <p:grpSpPr>
+        <a:xfrm>
+          <a:off x="0" y="0"/>
+          <a:ext cx="0" cy="0"/>
+          <a:chOff x="0" y="0"/>
+          <a:chExt cx="0" cy="0"/>
+        </a:xfrm>
+      </p:grpSpPr>
+      <p:sp>
+        <p:nvSpPr>
+          <p:cNvPr id="2" name="標題 1">
+            <a:extLst>
+              <a:ext uri="{FF2B5EF4-FFF2-40B4-BE49-F238E27FC236}">
+                <a16:creationId xmlns:a16="http://schemas.microsoft.com/office/drawing/2014/main" id="{B2A68720-5DB8-415C-86EE-17CE4EE4EF15}"/>
+              </a:ext>
+            </a:extLst>
+          </p:cNvPr>
+          <p:cNvSpPr>
+            <a:spLocks noGrp="1"/>
+          </p:cNvSpPr>
+          <p:nvPr>
+            <p:ph type="ctrTitle"/>
+          </p:nvPr>
+        </p:nvSpPr>
+        <p:spPr/>
+        <p:txBody>
+          <a:bodyPr/>
+          <a:lstStyle/>
+          <a:p>
+            <a:r>
+              <a:rPr lang="en-US" altLang="zh-TW" b="1" dirty="0"/>
+              <a:t>Word </a:t>
+            </a:r>
+            <a:r>
+              <a:rPr lang="zh-TW" altLang="en-US" b="1" dirty="0"/>
+              <a:t>選項設定</a:t>
+            </a:r>
+            <a:br>
+              <a:rPr lang="en-US" altLang="zh-TW" b="1" dirty="0"/>
+            </a:br>
+            <a:r>
+              <a:rPr lang="zh-TW" altLang="en-US" b="1" dirty="0"/>
+              <a:t>與文字取代</a:t>
+            </a:r>
+          </a:p>
+        </p:txBody>
+      </p:sp>
+      <p:sp>
+        <p:nvSpPr>
+          <p:cNvPr id="4" name="副標題 3">
+            <a:extLst>
+              <a:ext uri="{FF2B5EF4-FFF2-40B4-BE49-F238E27FC236}">
+                <a16:creationId xmlns:a16="http://schemas.microsoft.com/office/drawing/2014/main" id="{33C4D836-DE78-4F9C-AB15-364033FF7DAF}"/>
+              </a:ext>
+            </a:extLst>
+          </p:cNvPr>
+          <p:cNvSpPr>
+            <a:spLocks noGrp="1"/>
+          </p:cNvSpPr>
+          <p:nvPr>
+            <p:ph type="subTitle" idx="1"/>
+          </p:nvPr>
+        </p:nvSpPr>
+        <p:spPr/>
+        <p:txBody>
+          <a:bodyPr/>
+          <a:lstStyle/>
+          <a:p>
+            <a:endParaRPr lang="zh-TW" altLang="en-US"/>
+          </a:p>
+        </p:txBody>
+      </p:sp>
+    </p:spTree>
+    <p:extLst>
+      <p:ext uri="{BB962C8B-B14F-4D97-AF65-F5344CB8AC3E}">
+        <p14:creationId xmlns:p14="http://schemas.microsoft.com/office/powerpoint/2010/main" val="2063309826"/>
       </p:ext>
     </p:extLst>
   </p:cSld>
@@ -3624,7 +6961,7 @@
           <p:cNvPr id="2" name="標題 1">
             <a:extLst>
               <a:ext uri="{FF2B5EF4-FFF2-40B4-BE49-F238E27FC236}">
-                <a16:creationId xmlns:a16="http://schemas.microsoft.com/office/drawing/2014/main" id="{482408A3-E9EF-480B-A5E9-65AD56DB05A6}"/>
+                <a16:creationId xmlns:a16="http://schemas.microsoft.com/office/drawing/2014/main" id="{2795A24E-F566-4A2C-AA33-7DB9AD4EBBDE}"/>
               </a:ext>
             </a:extLst>
           </p:cNvPr>
@@ -3642,7 +6979,7 @@
           <a:p>
             <a:r>
               <a:rPr lang="zh-TW" altLang="en-US" dirty="0"/>
-              <a:t>作業環境的基本需求</a:t>
+              <a:t>內容大綱</a:t>
             </a:r>
           </a:p>
         </p:txBody>
@@ -3652,7 +6989,7 @@
           <p:cNvPr id="3" name="內容版面配置區 2">
             <a:extLst>
               <a:ext uri="{FF2B5EF4-FFF2-40B4-BE49-F238E27FC236}">
-                <a16:creationId xmlns:a16="http://schemas.microsoft.com/office/drawing/2014/main" id="{475462EC-43EE-4983-BAAE-AC1C07E1691A}"/>
+                <a16:creationId xmlns:a16="http://schemas.microsoft.com/office/drawing/2014/main" id="{46E2C4DF-1F8B-4EE7-80F5-D78812F32779}"/>
               </a:ext>
             </a:extLst>
           </p:cNvPr>
@@ -3669,162 +7006,881 @@
           <a:lstStyle/>
           <a:p>
             <a:r>
-              <a:rPr lang="en-US" altLang="zh-TW" dirty="0"/>
-              <a:t>Windows 10</a:t>
-            </a:r>
-            <a:r>
-              <a:rPr lang="zh-TW" altLang="en-US" dirty="0"/>
-              <a:t> </a:t>
-            </a:r>
-            <a:r>
-              <a:rPr lang="en-US" altLang="zh-TW" dirty="0"/>
-              <a:t>+ Office 2016</a:t>
-            </a:r>
-            <a:r>
-              <a:rPr lang="zh-TW" altLang="en-US" dirty="0"/>
-              <a:t>（或更新的版本）</a:t>
+              <a:rPr lang="zh-TW" altLang="en-US" dirty="0"/>
+              <a:t>介紹作業環境需求</a:t>
             </a:r>
             <a:endParaRPr lang="en-US" altLang="zh-TW" dirty="0"/>
           </a:p>
           <a:p>
             <a:r>
+              <a:rPr lang="zh-TW" altLang="en-US" dirty="0"/>
+              <a:t>擷取螢幕畫面，然後進行圖文辨識（使用 </a:t>
+            </a:r>
+            <a:r>
               <a:rPr lang="en-US" altLang="zh-TW" dirty="0"/>
               <a:t>Google </a:t>
             </a:r>
             <a:r>
               <a:rPr lang="zh-TW" altLang="en-US" dirty="0"/>
-              <a:t>帳號（使用雲端硬碟以及註冊其他網站）</a:t>
-            </a:r>
-            <a:endParaRPr lang="en-US" altLang="zh-TW" dirty="0"/>
-          </a:p>
-          <a:p>
-            <a:r>
-              <a:rPr lang="en-US" altLang="zh-TW" dirty="0"/>
-              <a:t>PDF </a:t>
-            </a:r>
-            <a:r>
-              <a:rPr lang="zh-TW" altLang="en-US" dirty="0"/>
-              <a:t>閱讀器（</a:t>
-            </a:r>
-            <a:r>
-              <a:rPr lang="en-US" altLang="zh-TW" dirty="0"/>
-              <a:t>Adobe Reader</a:t>
-            </a:r>
-            <a:r>
-              <a:rPr lang="zh-TW" altLang="en-US" dirty="0"/>
-              <a:t>、</a:t>
-            </a:r>
-            <a:r>
-              <a:rPr lang="en-US" altLang="zh-TW" dirty="0"/>
-              <a:t>Foxit</a:t>
-            </a:r>
-            <a:r>
-              <a:rPr lang="zh-TW" altLang="en-US" dirty="0"/>
-              <a:t>、瀏覽器內建閱讀器等等）</a:t>
-            </a:r>
-            <a:endParaRPr lang="en-US" altLang="zh-TW" dirty="0"/>
-          </a:p>
-          <a:p>
-            <a:r>
-              <a:rPr lang="zh-TW" altLang="en-US" dirty="0"/>
-              <a:t>抓圖軟體</a:t>
-            </a:r>
-            <a:endParaRPr lang="en-US" altLang="zh-TW" dirty="0"/>
-          </a:p>
-          <a:p>
-            <a:r>
-              <a:rPr lang="en-US" altLang="zh-TW" dirty="0"/>
-              <a:t>NVDA </a:t>
-            </a:r>
-            <a:r>
-              <a:rPr lang="zh-TW" altLang="en-US" dirty="0"/>
-              <a:t>（測試轉譯結果，看看某些符號能否報讀出來）</a:t>
-            </a:r>
-            <a:endParaRPr lang="en-US" altLang="zh-TW" dirty="0"/>
-          </a:p>
-          <a:p>
-            <a:r>
-              <a:rPr lang="zh-TW" altLang="en-US" dirty="0"/>
-              <a:t>數學教材還需要：</a:t>
-            </a:r>
-            <a:endParaRPr lang="en-US" altLang="zh-TW" dirty="0"/>
-          </a:p>
-          <a:p>
-            <a:pPr lvl="1"/>
-            <a:r>
-              <a:rPr lang="en-US" altLang="zh-TW" dirty="0"/>
-              <a:t>NVDA </a:t>
-            </a:r>
-            <a:r>
-              <a:rPr lang="zh-TW" altLang="en-US" dirty="0"/>
-              <a:t>附加元件 </a:t>
-            </a:r>
-            <a:r>
-              <a:rPr lang="en-US" altLang="zh-TW" dirty="0"/>
-              <a:t>Access8Math</a:t>
-            </a:r>
-          </a:p>
-          <a:p>
-            <a:pPr lvl="1"/>
+              <a:t>文件）</a:t>
+            </a:r>
+          </a:p>
+          <a:p>
+            <a:r>
+              <a:rPr lang="en-US" altLang="zh-TW" dirty="0"/>
+              <a:t>Word </a:t>
+            </a:r>
+            <a:r>
+              <a:rPr lang="zh-TW" altLang="en-US" dirty="0"/>
+              <a:t>選項設定、文字搜尋與替換功能介紹</a:t>
+            </a:r>
+          </a:p>
+          <a:p>
             <a:r>
               <a:rPr lang="en-US" altLang="zh-TW" dirty="0" err="1"/>
               <a:t>MathType</a:t>
             </a:r>
             <a:r>
-              <a:rPr lang="zh-TW" altLang="en-US" dirty="0"/>
-              <a:t>、數學公式 </a:t>
-            </a:r>
-            <a:r>
-              <a:rPr lang="en-US" altLang="zh-TW" dirty="0"/>
-              <a:t>OCR</a:t>
-            </a:r>
-            <a:r>
-              <a:rPr lang="zh-TW" altLang="en-US" dirty="0"/>
-              <a:t> 軟體（例如 </a:t>
-            </a:r>
+              <a:rPr lang="en-US" altLang="zh-TW" dirty="0"/>
+              <a:t> </a:t>
+            </a:r>
+            <a:r>
+              <a:rPr lang="zh-TW" altLang="en-US" dirty="0"/>
+              <a:t>軟體介紹（安裝與基本操作）</a:t>
+            </a:r>
+          </a:p>
+          <a:p>
             <a:r>
               <a:rPr lang="en-US" altLang="zh-TW" dirty="0" err="1"/>
               <a:t>Mathpix</a:t>
             </a:r>
             <a:r>
               <a:rPr lang="en-US" altLang="zh-TW" dirty="0"/>
-              <a:t> Snip</a:t>
-            </a:r>
-            <a:r>
-              <a:rPr lang="zh-TW" altLang="en-US" dirty="0"/>
-              <a:t>）</a:t>
-            </a:r>
-            <a:endParaRPr lang="en-US" altLang="zh-TW" dirty="0"/>
-          </a:p>
-          <a:p>
-            <a:pPr lvl="1"/>
-            <a:r>
-              <a:rPr lang="zh-TW" altLang="en-US" dirty="0"/>
-              <a:t>對 </a:t>
-            </a:r>
-            <a:r>
-              <a:rPr lang="en-US" altLang="zh-TW" dirty="0"/>
-              <a:t>LaTeX</a:t>
-            </a:r>
-            <a:r>
-              <a:rPr lang="zh-TW" altLang="en-US" dirty="0"/>
-              <a:t>、</a:t>
-            </a:r>
-            <a:r>
-              <a:rPr lang="en-US" altLang="zh-TW" dirty="0"/>
-              <a:t>HTML </a:t>
-            </a:r>
-            <a:r>
-              <a:rPr lang="zh-TW" altLang="en-US" dirty="0"/>
-              <a:t>語法的基本認識</a:t>
-            </a:r>
+              <a:t> Snip </a:t>
+            </a:r>
+            <a:r>
+              <a:rPr lang="zh-TW" altLang="en-US" dirty="0"/>
+              <a:t>軟體介紹（安裝與用法）</a:t>
+            </a:r>
+          </a:p>
+          <a:p>
+            <a:r>
+              <a:rPr lang="zh-TW" altLang="en-US" dirty="0"/>
+              <a:t>使用 </a:t>
+            </a:r>
+            <a:r>
+              <a:rPr lang="en-US" altLang="zh-TW" dirty="0"/>
+              <a:t>NVDA </a:t>
+            </a:r>
+            <a:r>
+              <a:rPr lang="zh-TW" altLang="en-US" dirty="0"/>
+              <a:t>與 </a:t>
+            </a:r>
+            <a:r>
+              <a:rPr lang="en-US" altLang="zh-TW" dirty="0"/>
+              <a:t>Access8Math </a:t>
+            </a:r>
+            <a:r>
+              <a:rPr lang="zh-TW" altLang="en-US" dirty="0"/>
+              <a:t>來確認數學公式能否正確報讀</a:t>
+            </a:r>
+          </a:p>
+          <a:p>
+            <a:pPr marL="0" indent="0">
+              <a:buNone/>
+            </a:pPr>
+            <a:endParaRPr lang="zh-TW" altLang="en-US" dirty="0"/>
           </a:p>
         </p:txBody>
       </p:sp>
     </p:spTree>
     <p:extLst>
       <p:ext uri="{BB962C8B-B14F-4D97-AF65-F5344CB8AC3E}">
-        <p14:creationId xmlns:p14="http://schemas.microsoft.com/office/powerpoint/2010/main" val="2566281620"/>
+        <p14:creationId xmlns:p14="http://schemas.microsoft.com/office/powerpoint/2010/main" val="734628388"/>
+      </p:ext>
+    </p:extLst>
+  </p:cSld>
+  <p:clrMapOvr>
+    <a:masterClrMapping/>
+  </p:clrMapOvr>
+</p:sld>
+</file>
+
+<file path=ppt/slides/slide30.xml><?xml version="1.0" encoding="utf-8"?>
+<p:sld xmlns:a="http://schemas.openxmlformats.org/drawingml/2006/main" xmlns:r="http://schemas.openxmlformats.org/officeDocument/2006/relationships" xmlns:p="http://schemas.openxmlformats.org/presentationml/2006/main">
+  <p:cSld>
+    <p:spTree>
+      <p:nvGrpSpPr>
+        <p:cNvPr id="1" name=""/>
+        <p:cNvGrpSpPr/>
+        <p:nvPr/>
+      </p:nvGrpSpPr>
+      <p:grpSpPr>
+        <a:xfrm>
+          <a:off x="0" y="0"/>
+          <a:ext cx="0" cy="0"/>
+          <a:chOff x="0" y="0"/>
+          <a:chExt cx="0" cy="0"/>
+        </a:xfrm>
+      </p:grpSpPr>
+      <p:sp>
+        <p:nvSpPr>
+          <p:cNvPr id="2" name="標題 1">
+            <a:extLst>
+              <a:ext uri="{FF2B5EF4-FFF2-40B4-BE49-F238E27FC236}">
+                <a16:creationId xmlns:a16="http://schemas.microsoft.com/office/drawing/2014/main" id="{255740AD-151C-4DD0-B0E9-997EE28D62D9}"/>
+              </a:ext>
+            </a:extLst>
+          </p:cNvPr>
+          <p:cNvSpPr>
+            <a:spLocks noGrp="1"/>
+          </p:cNvSpPr>
+          <p:nvPr>
+            <p:ph type="title"/>
+          </p:nvPr>
+        </p:nvSpPr>
+        <p:spPr/>
+        <p:txBody>
+          <a:bodyPr/>
+          <a:lstStyle/>
+          <a:p>
+            <a:r>
+              <a:rPr lang="en-US" altLang="zh-TW" dirty="0"/>
+              <a:t>Word </a:t>
+            </a:r>
+            <a:r>
+              <a:rPr lang="zh-TW" altLang="en-US" dirty="0"/>
+              <a:t>選項設定之建議</a:t>
+            </a:r>
+          </a:p>
+        </p:txBody>
+      </p:sp>
+      <p:sp>
+        <p:nvSpPr>
+          <p:cNvPr id="3" name="內容版面配置區 2">
+            <a:extLst>
+              <a:ext uri="{FF2B5EF4-FFF2-40B4-BE49-F238E27FC236}">
+                <a16:creationId xmlns:a16="http://schemas.microsoft.com/office/drawing/2014/main" id="{649AAC8D-3A17-430D-AD00-C932C3F83978}"/>
+              </a:ext>
+            </a:extLst>
+          </p:cNvPr>
+          <p:cNvSpPr>
+            <a:spLocks noGrp="1"/>
+          </p:cNvSpPr>
+          <p:nvPr>
+            <p:ph idx="1"/>
+          </p:nvPr>
+        </p:nvSpPr>
+        <p:spPr/>
+        <p:txBody>
+          <a:bodyPr/>
+          <a:lstStyle/>
+          <a:p>
+            <a:r>
+              <a:rPr lang="zh-TW" altLang="en-US" dirty="0"/>
+              <a:t>取消 </a:t>
+            </a:r>
+            <a:r>
+              <a:rPr lang="en-US" altLang="zh-TW" dirty="0"/>
+              <a:t>Word </a:t>
+            </a:r>
+            <a:r>
+              <a:rPr lang="zh-TW" altLang="en-US" dirty="0"/>
+              <a:t>自動編號與自動項目符號，亦即完全由我們手動編號。</a:t>
+            </a:r>
+          </a:p>
+          <a:p>
+            <a:pPr lvl="1"/>
+            <a:r>
+              <a:rPr lang="zh-TW" altLang="en-US" dirty="0"/>
+              <a:t>理由：如果使用 </a:t>
+            </a:r>
+            <a:r>
+              <a:rPr lang="en-US" altLang="zh-TW" dirty="0"/>
+              <a:t>Word </a:t>
+            </a:r>
+            <a:r>
+              <a:rPr lang="zh-TW" altLang="en-US" dirty="0"/>
+              <a:t>自動編號，在執行 </a:t>
+            </a:r>
+            <a:r>
+              <a:rPr lang="en-US" altLang="zh-TW" dirty="0" err="1"/>
+              <a:t>MathType</a:t>
+            </a:r>
+            <a:r>
+              <a:rPr lang="en-US" altLang="zh-TW" dirty="0"/>
+              <a:t> </a:t>
+            </a:r>
+            <a:r>
+              <a:rPr lang="zh-TW" altLang="en-US" dirty="0"/>
+              <a:t>的轉換功能來將數學公式物件轉換成 </a:t>
+            </a:r>
+            <a:r>
+              <a:rPr lang="en-US" altLang="zh-TW" dirty="0"/>
+              <a:t>MathML </a:t>
+            </a:r>
+            <a:r>
+              <a:rPr lang="zh-TW" altLang="en-US" dirty="0"/>
+              <a:t>標籤時，可能會在 </a:t>
+            </a:r>
+            <a:r>
+              <a:rPr lang="en-US" altLang="zh-TW" dirty="0"/>
+              <a:t>MathML </a:t>
+            </a:r>
+            <a:r>
+              <a:rPr lang="zh-TW" altLang="en-US" dirty="0"/>
+              <a:t>標籤裡面出現大量的數字編號，而這些多餘的編號將導致無效的 </a:t>
+            </a:r>
+            <a:r>
+              <a:rPr lang="en-US" altLang="zh-TW" dirty="0"/>
+              <a:t>MathML </a:t>
+            </a:r>
+            <a:r>
+              <a:rPr lang="zh-TW" altLang="en-US" dirty="0"/>
+              <a:t>標籤（也就是說，瀏覽器會無法辨識這些數學公式）。</a:t>
+            </a:r>
+            <a:endParaRPr lang="en-US" altLang="zh-TW" dirty="0"/>
+          </a:p>
+        </p:txBody>
+      </p:sp>
+    </p:spTree>
+    <p:extLst>
+      <p:ext uri="{BB962C8B-B14F-4D97-AF65-F5344CB8AC3E}">
+        <p14:creationId xmlns:p14="http://schemas.microsoft.com/office/powerpoint/2010/main" val="404501334"/>
+      </p:ext>
+    </p:extLst>
+  </p:cSld>
+  <p:clrMapOvr>
+    <a:masterClrMapping/>
+  </p:clrMapOvr>
+</p:sld>
+</file>
+
+<file path=ppt/slides/slide31.xml><?xml version="1.0" encoding="utf-8"?>
+<p:sld xmlns:a="http://schemas.openxmlformats.org/drawingml/2006/main" xmlns:r="http://schemas.openxmlformats.org/officeDocument/2006/relationships" xmlns:p="http://schemas.openxmlformats.org/presentationml/2006/main">
+  <p:cSld>
+    <p:spTree>
+      <p:nvGrpSpPr>
+        <p:cNvPr id="1" name=""/>
+        <p:cNvGrpSpPr/>
+        <p:nvPr/>
+      </p:nvGrpSpPr>
+      <p:grpSpPr>
+        <a:xfrm>
+          <a:off x="0" y="0"/>
+          <a:ext cx="0" cy="0"/>
+          <a:chOff x="0" y="0"/>
+          <a:chExt cx="0" cy="0"/>
+        </a:xfrm>
+      </p:grpSpPr>
+      <p:sp>
+        <p:nvSpPr>
+          <p:cNvPr id="2" name="標題 1">
+            <a:extLst>
+              <a:ext uri="{FF2B5EF4-FFF2-40B4-BE49-F238E27FC236}">
+                <a16:creationId xmlns:a16="http://schemas.microsoft.com/office/drawing/2014/main" id="{0EB8C42E-8378-45AF-AD15-8CC17048D76C}"/>
+              </a:ext>
+            </a:extLst>
+          </p:cNvPr>
+          <p:cNvSpPr>
+            <a:spLocks noGrp="1"/>
+          </p:cNvSpPr>
+          <p:nvPr>
+            <p:ph type="title"/>
+          </p:nvPr>
+        </p:nvSpPr>
+        <p:spPr>
+          <a:xfrm>
+            <a:off x="838200" y="365125"/>
+            <a:ext cx="2971800" cy="1325563"/>
+          </a:xfrm>
+        </p:spPr>
+        <p:txBody>
+          <a:bodyPr/>
+          <a:lstStyle/>
+          <a:p>
+            <a:r>
+              <a:rPr lang="en-US" altLang="zh-TW" dirty="0"/>
+              <a:t>Word </a:t>
+            </a:r>
+            <a:r>
+              <a:rPr lang="zh-TW" altLang="en-US" dirty="0"/>
+              <a:t>選項</a:t>
+            </a:r>
+            <a:br>
+              <a:rPr lang="en-US" altLang="zh-TW" dirty="0"/>
+            </a:br>
+            <a:r>
+              <a:rPr lang="zh-TW" altLang="en-US" dirty="0"/>
+              <a:t> </a:t>
+            </a:r>
+            <a:r>
+              <a:rPr lang="en-US" altLang="zh-TW" dirty="0"/>
+              <a:t>&gt; </a:t>
+            </a:r>
+            <a:r>
+              <a:rPr lang="zh-TW" altLang="en-US" dirty="0"/>
+              <a:t>校訂</a:t>
+            </a:r>
+          </a:p>
+        </p:txBody>
+      </p:sp>
+      <p:pic>
+        <p:nvPicPr>
+          <p:cNvPr id="5" name="圖片 4">
+            <a:extLst>
+              <a:ext uri="{FF2B5EF4-FFF2-40B4-BE49-F238E27FC236}">
+                <a16:creationId xmlns:a16="http://schemas.microsoft.com/office/drawing/2014/main" id="{602496B7-8FAC-443E-BC5A-E907D4D0939E}"/>
+              </a:ext>
+            </a:extLst>
+          </p:cNvPr>
+          <p:cNvPicPr>
+            <a:picLocks noChangeAspect="1"/>
+          </p:cNvPicPr>
+          <p:nvPr/>
+        </p:nvPicPr>
+        <p:blipFill>
+          <a:blip r:embed="rId2"/>
+          <a:stretch>
+            <a:fillRect/>
+          </a:stretch>
+        </p:blipFill>
+        <p:spPr>
+          <a:xfrm>
+            <a:off x="4103935" y="277499"/>
+            <a:ext cx="7209524" cy="3047619"/>
+          </a:xfrm>
+          <a:prstGeom prst="rect">
+            <a:avLst/>
+          </a:prstGeom>
+        </p:spPr>
+      </p:pic>
+      <p:pic>
+        <p:nvPicPr>
+          <p:cNvPr id="7" name="圖片 6">
+            <a:extLst>
+              <a:ext uri="{FF2B5EF4-FFF2-40B4-BE49-F238E27FC236}">
+                <a16:creationId xmlns:a16="http://schemas.microsoft.com/office/drawing/2014/main" id="{2A4FF633-262B-48F9-BA16-36853D735D16}"/>
+              </a:ext>
+            </a:extLst>
+          </p:cNvPr>
+          <p:cNvPicPr>
+            <a:picLocks noChangeAspect="1"/>
+          </p:cNvPicPr>
+          <p:nvPr/>
+        </p:nvPicPr>
+        <p:blipFill>
+          <a:blip r:embed="rId3"/>
+          <a:stretch>
+            <a:fillRect/>
+          </a:stretch>
+        </p:blipFill>
+        <p:spPr>
+          <a:xfrm>
+            <a:off x="2871627" y="3062245"/>
+            <a:ext cx="5447619" cy="3085714"/>
+          </a:xfrm>
+          <a:prstGeom prst="rect">
+            <a:avLst/>
+          </a:prstGeom>
+        </p:spPr>
+      </p:pic>
+      <p:sp>
+        <p:nvSpPr>
+          <p:cNvPr id="8" name="箭號: 弧形左彎 7">
+            <a:extLst>
+              <a:ext uri="{FF2B5EF4-FFF2-40B4-BE49-F238E27FC236}">
+                <a16:creationId xmlns:a16="http://schemas.microsoft.com/office/drawing/2014/main" id="{509B72CA-B219-4B0B-9797-7BBE59D30962}"/>
+              </a:ext>
+            </a:extLst>
+          </p:cNvPr>
+          <p:cNvSpPr/>
+          <p:nvPr/>
+        </p:nvSpPr>
+        <p:spPr>
+          <a:xfrm rot="1879462">
+            <a:off x="8799721" y="2195968"/>
+            <a:ext cx="814291" cy="2076709"/>
+          </a:xfrm>
+          <a:prstGeom prst="curvedLeftArrow">
+            <a:avLst/>
+          </a:prstGeom>
+        </p:spPr>
+        <p:style>
+          <a:lnRef idx="2">
+            <a:schemeClr val="accent1">
+              <a:shade val="50000"/>
+            </a:schemeClr>
+          </a:lnRef>
+          <a:fillRef idx="1">
+            <a:schemeClr val="accent1"/>
+          </a:fillRef>
+          <a:effectRef idx="0">
+            <a:schemeClr val="accent1"/>
+          </a:effectRef>
+          <a:fontRef idx="minor">
+            <a:schemeClr val="lt1"/>
+          </a:fontRef>
+        </p:style>
+        <p:txBody>
+          <a:bodyPr rtlCol="0" anchor="ctr"/>
+          <a:lstStyle/>
+          <a:p>
+            <a:pPr algn="ctr"/>
+            <a:endParaRPr lang="zh-TW" altLang="en-US">
+              <a:solidFill>
+                <a:schemeClr val="tx1"/>
+              </a:solidFill>
+            </a:endParaRPr>
+          </a:p>
+        </p:txBody>
+      </p:sp>
+    </p:spTree>
+    <p:extLst>
+      <p:ext uri="{BB962C8B-B14F-4D97-AF65-F5344CB8AC3E}">
+        <p14:creationId xmlns:p14="http://schemas.microsoft.com/office/powerpoint/2010/main" val="2036445401"/>
+      </p:ext>
+    </p:extLst>
+  </p:cSld>
+  <p:clrMapOvr>
+    <a:masterClrMapping/>
+  </p:clrMapOvr>
+</p:sld>
+</file>
+
+<file path=ppt/slides/slide32.xml><?xml version="1.0" encoding="utf-8"?>
+<p:sld xmlns:a="http://schemas.openxmlformats.org/drawingml/2006/main" xmlns:r="http://schemas.openxmlformats.org/officeDocument/2006/relationships" xmlns:p="http://schemas.openxmlformats.org/presentationml/2006/main">
+  <p:cSld>
+    <p:spTree>
+      <p:nvGrpSpPr>
+        <p:cNvPr id="1" name=""/>
+        <p:cNvGrpSpPr/>
+        <p:nvPr/>
+      </p:nvGrpSpPr>
+      <p:grpSpPr>
+        <a:xfrm>
+          <a:off x="0" y="0"/>
+          <a:ext cx="0" cy="0"/>
+          <a:chOff x="0" y="0"/>
+          <a:chExt cx="0" cy="0"/>
+        </a:xfrm>
+      </p:grpSpPr>
+      <p:sp>
+        <p:nvSpPr>
+          <p:cNvPr id="2" name="標題 1">
+            <a:extLst>
+              <a:ext uri="{FF2B5EF4-FFF2-40B4-BE49-F238E27FC236}">
+                <a16:creationId xmlns:a16="http://schemas.microsoft.com/office/drawing/2014/main" id="{F5013566-0D74-4254-88C4-54232DEC1543}"/>
+              </a:ext>
+            </a:extLst>
+          </p:cNvPr>
+          <p:cNvSpPr>
+            <a:spLocks noGrp="1"/>
+          </p:cNvSpPr>
+          <p:nvPr>
+            <p:ph type="title"/>
+          </p:nvPr>
+        </p:nvSpPr>
+        <p:spPr/>
+        <p:txBody>
+          <a:bodyPr/>
+          <a:lstStyle/>
+          <a:p>
+            <a:r>
+              <a:rPr lang="en-US" altLang="zh-TW" dirty="0"/>
+              <a:t>Word </a:t>
+            </a:r>
+            <a:r>
+              <a:rPr lang="zh-TW" altLang="en-US" dirty="0"/>
+              <a:t>文字搜尋取代</a:t>
+            </a:r>
+          </a:p>
+        </p:txBody>
+      </p:sp>
+      <p:sp>
+        <p:nvSpPr>
+          <p:cNvPr id="3" name="內容版面配置區 2">
+            <a:extLst>
+              <a:ext uri="{FF2B5EF4-FFF2-40B4-BE49-F238E27FC236}">
+                <a16:creationId xmlns:a16="http://schemas.microsoft.com/office/drawing/2014/main" id="{429CBFBB-E906-4D10-9EE1-C7AC9ABBC256}"/>
+              </a:ext>
+            </a:extLst>
+          </p:cNvPr>
+          <p:cNvSpPr>
+            <a:spLocks noGrp="1"/>
+          </p:cNvSpPr>
+          <p:nvPr>
+            <p:ph idx="1"/>
+          </p:nvPr>
+        </p:nvSpPr>
+        <p:spPr/>
+        <p:txBody>
+          <a:bodyPr/>
+          <a:lstStyle/>
+          <a:p>
+            <a:r>
+              <a:rPr lang="zh-TW" altLang="en-US" dirty="0"/>
+              <a:t>快速鍵：</a:t>
+            </a:r>
+            <a:r>
+              <a:rPr lang="en-US" altLang="zh-TW" dirty="0" err="1"/>
+              <a:t>Ctrl+H</a:t>
+            </a:r>
+            <a:endParaRPr lang="zh-TW" altLang="en-US" dirty="0"/>
+          </a:p>
+        </p:txBody>
+      </p:sp>
+      <p:pic>
+        <p:nvPicPr>
+          <p:cNvPr id="7" name="圖片 6">
+            <a:extLst>
+              <a:ext uri="{FF2B5EF4-FFF2-40B4-BE49-F238E27FC236}">
+                <a16:creationId xmlns:a16="http://schemas.microsoft.com/office/drawing/2014/main" id="{C93891F9-38EF-416E-BCA5-D8530148D70E}"/>
+              </a:ext>
+            </a:extLst>
+          </p:cNvPr>
+          <p:cNvPicPr>
+            <a:picLocks noChangeAspect="1"/>
+          </p:cNvPicPr>
+          <p:nvPr/>
+        </p:nvPicPr>
+        <p:blipFill>
+          <a:blip r:embed="rId2"/>
+          <a:stretch>
+            <a:fillRect/>
+          </a:stretch>
+        </p:blipFill>
+        <p:spPr>
+          <a:xfrm>
+            <a:off x="6290651" y="577676"/>
+            <a:ext cx="5333333" cy="5190476"/>
+          </a:xfrm>
+          <a:prstGeom prst="rect">
+            <a:avLst/>
+          </a:prstGeom>
+        </p:spPr>
+      </p:pic>
+      <p:pic>
+        <p:nvPicPr>
+          <p:cNvPr id="1026" name="Picture 2">
+            <a:extLst>
+              <a:ext uri="{FF2B5EF4-FFF2-40B4-BE49-F238E27FC236}">
+                <a16:creationId xmlns:a16="http://schemas.microsoft.com/office/drawing/2014/main" id="{4E618C3A-4227-4DFD-883F-1C41740609F5}"/>
+              </a:ext>
+            </a:extLst>
+          </p:cNvPr>
+          <p:cNvPicPr>
+            <a:picLocks noChangeAspect="1" noChangeArrowheads="1"/>
+          </p:cNvPicPr>
+          <p:nvPr/>
+        </p:nvPicPr>
+        <p:blipFill>
+          <a:blip r:embed="rId3">
+            <a:extLst>
+              <a:ext uri="{28A0092B-C50C-407E-A947-70E740481C1C}">
+                <a14:useLocalDpi xmlns:a14="http://schemas.microsoft.com/office/drawing/2010/main" val="0"/>
+              </a:ext>
+            </a:extLst>
+          </a:blip>
+          <a:srcRect/>
+          <a:stretch>
+            <a:fillRect/>
+          </a:stretch>
+        </p:blipFill>
+        <p:spPr bwMode="auto">
+          <a:xfrm>
+            <a:off x="3258392" y="3652837"/>
+            <a:ext cx="2447925" cy="2524125"/>
+          </a:xfrm>
+          <a:prstGeom prst="rect">
+            <a:avLst/>
+          </a:prstGeom>
+          <a:noFill/>
+          <a:extLst>
+            <a:ext uri="{909E8E84-426E-40DD-AFC4-6F175D3DCCD1}">
+              <a14:hiddenFill xmlns:a14="http://schemas.microsoft.com/office/drawing/2010/main">
+                <a:solidFill>
+                  <a:srgbClr val="FFFFFF"/>
+                </a:solidFill>
+              </a14:hiddenFill>
+            </a:ext>
+          </a:extLst>
+        </p:spPr>
+      </p:pic>
+      <p:sp>
+        <p:nvSpPr>
+          <p:cNvPr id="16" name="箭號: 弧形左彎 15">
+            <a:extLst>
+              <a:ext uri="{FF2B5EF4-FFF2-40B4-BE49-F238E27FC236}">
+                <a16:creationId xmlns:a16="http://schemas.microsoft.com/office/drawing/2014/main" id="{2B040F9A-C8A7-4707-BA89-70E52972BDCC}"/>
+              </a:ext>
+            </a:extLst>
+          </p:cNvPr>
+          <p:cNvSpPr/>
+          <p:nvPr/>
+        </p:nvSpPr>
+        <p:spPr>
+          <a:xfrm rot="4799137">
+            <a:off x="6088659" y="5068633"/>
+            <a:ext cx="716070" cy="2216659"/>
+          </a:xfrm>
+          <a:prstGeom prst="curvedLeftArrow">
+            <a:avLst/>
+          </a:prstGeom>
+        </p:spPr>
+        <p:style>
+          <a:lnRef idx="2">
+            <a:schemeClr val="accent1">
+              <a:shade val="50000"/>
+            </a:schemeClr>
+          </a:lnRef>
+          <a:fillRef idx="1">
+            <a:schemeClr val="accent1"/>
+          </a:fillRef>
+          <a:effectRef idx="0">
+            <a:schemeClr val="accent1"/>
+          </a:effectRef>
+          <a:fontRef idx="minor">
+            <a:schemeClr val="lt1"/>
+          </a:fontRef>
+        </p:style>
+        <p:txBody>
+          <a:bodyPr rtlCol="0" anchor="ctr"/>
+          <a:lstStyle/>
+          <a:p>
+            <a:pPr algn="ctr"/>
+            <a:endParaRPr lang="zh-TW" altLang="en-US">
+              <a:solidFill>
+                <a:schemeClr val="tx1"/>
+              </a:solidFill>
+            </a:endParaRPr>
+          </a:p>
+        </p:txBody>
+      </p:sp>
+    </p:spTree>
+    <p:extLst>
+      <p:ext uri="{BB962C8B-B14F-4D97-AF65-F5344CB8AC3E}">
+        <p14:creationId xmlns:p14="http://schemas.microsoft.com/office/powerpoint/2010/main" val="3825403497"/>
+      </p:ext>
+    </p:extLst>
+  </p:cSld>
+  <p:clrMapOvr>
+    <a:masterClrMapping/>
+  </p:clrMapOvr>
+</p:sld>
+</file>
+
+<file path=ppt/slides/slide33.xml><?xml version="1.0" encoding="utf-8"?>
+<p:sld xmlns:a="http://schemas.openxmlformats.org/drawingml/2006/main" xmlns:r="http://schemas.openxmlformats.org/officeDocument/2006/relationships" xmlns:p="http://schemas.openxmlformats.org/presentationml/2006/main">
+  <p:cSld>
+    <p:spTree>
+      <p:nvGrpSpPr>
+        <p:cNvPr id="1" name=""/>
+        <p:cNvGrpSpPr/>
+        <p:nvPr/>
+      </p:nvGrpSpPr>
+      <p:grpSpPr>
+        <a:xfrm>
+          <a:off x="0" y="0"/>
+          <a:ext cx="0" cy="0"/>
+          <a:chOff x="0" y="0"/>
+          <a:chExt cx="0" cy="0"/>
+        </a:xfrm>
+      </p:grpSpPr>
+      <p:sp>
+        <p:nvSpPr>
+          <p:cNvPr id="2" name="標題 1">
+            <a:extLst>
+              <a:ext uri="{FF2B5EF4-FFF2-40B4-BE49-F238E27FC236}">
+                <a16:creationId xmlns:a16="http://schemas.microsoft.com/office/drawing/2014/main" id="{8C88D5E1-7A08-4E0C-AABE-EC3EC33D929D}"/>
+              </a:ext>
+            </a:extLst>
+          </p:cNvPr>
+          <p:cNvSpPr>
+            <a:spLocks noGrp="1"/>
+          </p:cNvSpPr>
+          <p:nvPr>
+            <p:ph type="title"/>
+          </p:nvPr>
+        </p:nvSpPr>
+        <p:spPr/>
+        <p:txBody>
+          <a:bodyPr/>
+          <a:lstStyle/>
+          <a:p>
+            <a:r>
+              <a:rPr lang="zh-TW" altLang="en-US" dirty="0"/>
+              <a:t>延伸閱讀</a:t>
+            </a:r>
+          </a:p>
+        </p:txBody>
+      </p:sp>
+      <p:sp>
+        <p:nvSpPr>
+          <p:cNvPr id="3" name="內容版面配置區 2">
+            <a:extLst>
+              <a:ext uri="{FF2B5EF4-FFF2-40B4-BE49-F238E27FC236}">
+                <a16:creationId xmlns:a16="http://schemas.microsoft.com/office/drawing/2014/main" id="{E11DA59A-6B81-425F-BE84-F3E16B1C2EF4}"/>
+              </a:ext>
+            </a:extLst>
+          </p:cNvPr>
+          <p:cNvSpPr>
+            <a:spLocks noGrp="1"/>
+          </p:cNvSpPr>
+          <p:nvPr>
+            <p:ph idx="1"/>
+          </p:nvPr>
+        </p:nvSpPr>
+        <p:spPr/>
+        <p:txBody>
+          <a:bodyPr/>
+          <a:lstStyle/>
+          <a:p>
+            <a:r>
+              <a:rPr lang="zh-TW" altLang="en-US" dirty="0">
+                <a:hlinkClick r:id="rId2"/>
+              </a:rPr>
+              <a:t>數學教材轉譯筆記</a:t>
+            </a:r>
+            <a:endParaRPr lang="en-US" altLang="zh-TW" dirty="0"/>
+          </a:p>
+          <a:p>
+            <a:r>
+              <a:rPr lang="zh-TW" altLang="en-US" dirty="0">
+                <a:hlinkClick r:id="rId3"/>
+              </a:rPr>
+              <a:t>視覺障礙輔助科技筆記本</a:t>
+            </a:r>
+            <a:endParaRPr lang="zh-TW" altLang="en-US" dirty="0"/>
+          </a:p>
+        </p:txBody>
+      </p:sp>
+    </p:spTree>
+    <p:extLst>
+      <p:ext uri="{BB962C8B-B14F-4D97-AF65-F5344CB8AC3E}">
+        <p14:creationId xmlns:p14="http://schemas.microsoft.com/office/powerpoint/2010/main" val="2130941130"/>
+      </p:ext>
+    </p:extLst>
+  </p:cSld>
+  <p:clrMapOvr>
+    <a:masterClrMapping/>
+  </p:clrMapOvr>
+</p:sld>
+</file>
+
+<file path=ppt/slides/slide34.xml><?xml version="1.0" encoding="utf-8"?>
+<p:sld xmlns:a="http://schemas.openxmlformats.org/drawingml/2006/main" xmlns:r="http://schemas.openxmlformats.org/officeDocument/2006/relationships" xmlns:p="http://schemas.openxmlformats.org/presentationml/2006/main">
+  <p:cSld>
+    <p:spTree>
+      <p:nvGrpSpPr>
+        <p:cNvPr id="1" name=""/>
+        <p:cNvGrpSpPr/>
+        <p:nvPr/>
+      </p:nvGrpSpPr>
+      <p:grpSpPr>
+        <a:xfrm>
+          <a:off x="0" y="0"/>
+          <a:ext cx="0" cy="0"/>
+          <a:chOff x="0" y="0"/>
+          <a:chExt cx="0" cy="0"/>
+        </a:xfrm>
+      </p:grpSpPr>
+      <p:sp>
+        <p:nvSpPr>
+          <p:cNvPr id="2" name="標題 1">
+            <a:extLst>
+              <a:ext uri="{FF2B5EF4-FFF2-40B4-BE49-F238E27FC236}">
+                <a16:creationId xmlns:a16="http://schemas.microsoft.com/office/drawing/2014/main" id="{38687D2D-F495-4AC8-AB0B-FBCC9B0F65E5}"/>
+              </a:ext>
+            </a:extLst>
+          </p:cNvPr>
+          <p:cNvSpPr>
+            <a:spLocks noGrp="1"/>
+          </p:cNvSpPr>
+          <p:nvPr>
+            <p:ph type="title"/>
+          </p:nvPr>
+        </p:nvSpPr>
+        <p:spPr>
+          <a:xfrm>
+            <a:off x="838200" y="1214346"/>
+            <a:ext cx="10515600" cy="1759510"/>
+          </a:xfrm>
+        </p:spPr>
+        <p:txBody>
+          <a:bodyPr>
+            <a:normAutofit/>
+          </a:bodyPr>
+          <a:lstStyle/>
+          <a:p>
+            <a:pPr algn="ctr"/>
+            <a:r>
+              <a:rPr lang="en-US" altLang="zh-TW" sz="8000" dirty="0"/>
+              <a:t>The End</a:t>
+            </a:r>
+            <a:endParaRPr lang="zh-TW" altLang="en-US" sz="8000" dirty="0"/>
+          </a:p>
+        </p:txBody>
+      </p:sp>
+      <p:sp>
+        <p:nvSpPr>
+          <p:cNvPr id="4" name="標題 1">
+            <a:extLst>
+              <a:ext uri="{FF2B5EF4-FFF2-40B4-BE49-F238E27FC236}">
+                <a16:creationId xmlns:a16="http://schemas.microsoft.com/office/drawing/2014/main" id="{3841FA8E-65FC-4117-A43D-77A572540C7C}"/>
+              </a:ext>
+            </a:extLst>
+          </p:cNvPr>
+          <p:cNvSpPr txBox="1">
+            <a:spLocks/>
+          </p:cNvSpPr>
+          <p:nvPr/>
+        </p:nvSpPr>
+        <p:spPr>
+          <a:xfrm>
+            <a:off x="1461246" y="2973856"/>
+            <a:ext cx="9605683" cy="1759510"/>
+          </a:xfrm>
+          <a:prstGeom prst="rect">
+            <a:avLst/>
+          </a:prstGeom>
+        </p:spPr>
+        <p:txBody>
+          <a:bodyPr vert="horz" lIns="91440" tIns="45720" rIns="91440" bIns="45720" rtlCol="0" anchor="ctr">
+            <a:normAutofit/>
+          </a:bodyPr>
+          <a:lstStyle>
+            <a:lvl1pPr algn="l" defTabSz="914400" rtl="0" eaLnBrk="1" latinLnBrk="0" hangingPunct="1">
+              <a:lnSpc>
+                <a:spcPct val="90000"/>
+              </a:lnSpc>
+              <a:spcBef>
+                <a:spcPct val="0"/>
+              </a:spcBef>
+              <a:buNone/>
+              <a:defRPr sz="4400" b="1" kern="1200">
+                <a:solidFill>
+                  <a:schemeClr val="tx1"/>
+                </a:solidFill>
+                <a:latin typeface="+mj-lt"/>
+                <a:ea typeface="+mj-ea"/>
+                <a:cs typeface="+mj-cs"/>
+              </a:defRPr>
+            </a:lvl1pPr>
+          </a:lstStyle>
+          <a:p>
+            <a:pPr algn="ctr"/>
+            <a:r>
+              <a:rPr lang="zh-TW" altLang="en-US" sz="6600" dirty="0"/>
+              <a:t>感謝您的參與！</a:t>
+            </a:r>
+          </a:p>
+        </p:txBody>
+      </p:sp>
+    </p:spTree>
+    <p:extLst>
+      <p:ext uri="{BB962C8B-B14F-4D97-AF65-F5344CB8AC3E}">
+        <p14:creationId xmlns:p14="http://schemas.microsoft.com/office/powerpoint/2010/main" val="2242283591"/>
       </p:ext>
     </p:extLst>
   </p:cSld>
@@ -3856,7 +7912,7 @@
           <p:cNvPr id="2" name="標題 1">
             <a:extLst>
               <a:ext uri="{FF2B5EF4-FFF2-40B4-BE49-F238E27FC236}">
-                <a16:creationId xmlns:a16="http://schemas.microsoft.com/office/drawing/2014/main" id="{72A3565E-30F2-4527-B933-A74255EA2663}"/>
+                <a16:creationId xmlns:a16="http://schemas.microsoft.com/office/drawing/2014/main" id="{482408A3-E9EF-480B-A5E9-65AD56DB05A6}"/>
               </a:ext>
             </a:extLst>
           </p:cNvPr>
@@ -3865,6 +7921,34 @@
           </p:cNvSpPr>
           <p:nvPr>
             <p:ph type="title"/>
+          </p:nvPr>
+        </p:nvSpPr>
+        <p:spPr/>
+        <p:txBody>
+          <a:bodyPr/>
+          <a:lstStyle/>
+          <a:p>
+            <a:r>
+              <a:rPr lang="zh-TW" altLang="en-US" dirty="0"/>
+              <a:t>作業環境的基本需求</a:t>
+            </a:r>
+          </a:p>
+        </p:txBody>
+      </p:sp>
+      <p:sp>
+        <p:nvSpPr>
+          <p:cNvPr id="3" name="內容版面配置區 2">
+            <a:extLst>
+              <a:ext uri="{FF2B5EF4-FFF2-40B4-BE49-F238E27FC236}">
+                <a16:creationId xmlns:a16="http://schemas.microsoft.com/office/drawing/2014/main" id="{475462EC-43EE-4983-BAAE-AC1C07E1691A}"/>
+              </a:ext>
+            </a:extLst>
+          </p:cNvPr>
+          <p:cNvSpPr>
+            <a:spLocks noGrp="1"/>
+          </p:cNvSpPr>
+          <p:nvPr>
+            <p:ph idx="1"/>
           </p:nvPr>
         </p:nvSpPr>
         <p:spPr/>
@@ -3876,83 +7960,121 @@
           <a:p>
             <a:r>
               <a:rPr lang="zh-TW" altLang="en-US" dirty="0"/>
-              <a:t>圖文辨識（使用 </a:t>
-            </a:r>
+              <a:t>一台夠快的電腦（筆電），最好有雙螢幕。</a:t>
+            </a:r>
+            <a:endParaRPr lang="en-US" altLang="zh-TW" dirty="0"/>
+          </a:p>
+          <a:p>
+            <a:r>
+              <a:rPr lang="en-US" altLang="zh-TW" dirty="0"/>
+              <a:t>Windows 10</a:t>
+            </a:r>
+            <a:r>
+              <a:rPr lang="zh-TW" altLang="en-US" dirty="0"/>
+              <a:t> </a:t>
+            </a:r>
+            <a:r>
+              <a:rPr lang="en-US" altLang="zh-TW" dirty="0"/>
+              <a:t>+ Office 2016</a:t>
+            </a:r>
+            <a:r>
+              <a:rPr lang="zh-TW" altLang="en-US" dirty="0"/>
+              <a:t>（或更新的版本）</a:t>
+            </a:r>
+            <a:endParaRPr lang="en-US" altLang="zh-TW" dirty="0"/>
+          </a:p>
+          <a:p>
             <a:r>
               <a:rPr lang="en-US" altLang="zh-TW" dirty="0"/>
               <a:t>Google </a:t>
             </a:r>
             <a:r>
               <a:rPr lang="zh-TW" altLang="en-US" dirty="0"/>
-              <a:t>文件）</a:t>
-            </a:r>
-          </a:p>
-        </p:txBody>
-      </p:sp>
-      <p:sp>
-        <p:nvSpPr>
-          <p:cNvPr id="3" name="內容版面配置區 2">
-            <a:extLst>
-              <a:ext uri="{FF2B5EF4-FFF2-40B4-BE49-F238E27FC236}">
-                <a16:creationId xmlns:a16="http://schemas.microsoft.com/office/drawing/2014/main" id="{329C5635-A997-4655-8844-CFA094624334}"/>
-              </a:ext>
-            </a:extLst>
-          </p:cNvPr>
-          <p:cNvSpPr>
-            <a:spLocks noGrp="1"/>
-          </p:cNvSpPr>
-          <p:nvPr>
-            <p:ph idx="1"/>
-          </p:nvPr>
-        </p:nvSpPr>
-        <p:spPr/>
-        <p:txBody>
-          <a:bodyPr/>
-          <a:lstStyle/>
-          <a:p>
-            <a:r>
-              <a:rPr lang="zh-TW" altLang="en-US" dirty="0"/>
-              <a:t>必備工具：抓圖軟體</a:t>
+              <a:t>帳號（使用雲端硬碟以及註冊其他網站）</a:t>
             </a:r>
             <a:endParaRPr lang="en-US" altLang="zh-TW" dirty="0"/>
           </a:p>
           <a:p>
+            <a:r>
+              <a:rPr lang="en-US" altLang="zh-TW" dirty="0"/>
+              <a:t>PDF </a:t>
+            </a:r>
+            <a:r>
+              <a:rPr lang="zh-TW" altLang="en-US" dirty="0"/>
+              <a:t>閱讀器（例如 </a:t>
+            </a:r>
+            <a:r>
+              <a:rPr lang="en-US" altLang="zh-TW" dirty="0"/>
+              <a:t>Adobe Reader</a:t>
+            </a:r>
+            <a:r>
+              <a:rPr lang="zh-TW" altLang="en-US" dirty="0"/>
+              <a:t>）、抓圖軟體</a:t>
+            </a:r>
+            <a:endParaRPr lang="en-US" altLang="zh-TW" dirty="0"/>
+          </a:p>
+          <a:p>
+            <a:r>
+              <a:rPr lang="en-US" altLang="zh-TW" dirty="0"/>
+              <a:t>NVDA </a:t>
+            </a:r>
+            <a:r>
+              <a:rPr lang="zh-TW" altLang="en-US" dirty="0"/>
+              <a:t>（測試轉譯結果，看看某些符號能否報讀出來）</a:t>
+            </a:r>
+            <a:endParaRPr lang="en-US" altLang="zh-TW" dirty="0"/>
+          </a:p>
+          <a:p>
+            <a:r>
+              <a:rPr lang="zh-TW" altLang="en-US" dirty="0"/>
+              <a:t>數學教材還需要：</a:t>
+            </a:r>
+            <a:endParaRPr lang="en-US" altLang="zh-TW" dirty="0"/>
+          </a:p>
+          <a:p>
             <a:pPr lvl="1"/>
             <a:r>
-              <a:rPr lang="zh-TW" altLang="en-US" dirty="0"/>
-              <a:t>免費：</a:t>
-            </a:r>
-            <a:r>
-              <a:rPr lang="en-US" altLang="zh-TW" dirty="0"/>
-              <a:t>Windows </a:t>
-            </a:r>
-            <a:r>
-              <a:rPr lang="zh-TW" altLang="en-US" dirty="0"/>
-              <a:t>內建抓圖功能、</a:t>
-            </a:r>
-            <a:r>
-              <a:rPr lang="en-US" altLang="zh-TW" dirty="0" err="1">
-                <a:hlinkClick r:id="rId2"/>
-              </a:rPr>
-              <a:t>WinSnap</a:t>
-            </a:r>
-            <a:r>
-              <a:rPr lang="zh-TW" altLang="en-US" dirty="0"/>
-              <a:t>，</a:t>
-            </a:r>
-            <a:r>
-              <a:rPr lang="en-US" altLang="zh-TW" dirty="0" err="1">
-                <a:hlinkClick r:id="rId3"/>
-              </a:rPr>
-              <a:t>PickPic</a:t>
-            </a:r>
-            <a:r>
-              <a:rPr lang="en-US" altLang="zh-TW" dirty="0"/>
-              <a:t>……</a:t>
-            </a:r>
-            <a:r>
-              <a:rPr lang="zh-TW" altLang="en-US" dirty="0"/>
-              <a:t>等等。</a:t>
+              <a:rPr lang="en-US" altLang="zh-TW" dirty="0"/>
+              <a:t>NVDA </a:t>
+            </a:r>
+            <a:r>
+              <a:rPr lang="zh-TW" altLang="en-US" dirty="0"/>
+              <a:t>附加元件 </a:t>
+            </a:r>
+            <a:r>
+              <a:rPr lang="en-US" altLang="zh-TW" dirty="0"/>
+              <a:t>Access8Math</a:t>
+            </a:r>
+          </a:p>
+          <a:p>
+            <a:pPr lvl="1"/>
+            <a:r>
+              <a:rPr lang="en-US" altLang="zh-TW" dirty="0" err="1"/>
+              <a:t>MathType</a:t>
+            </a:r>
+            <a:r>
+              <a:rPr lang="zh-TW" altLang="en-US" dirty="0"/>
+              <a:t>、數學公式 </a:t>
+            </a:r>
+            <a:r>
+              <a:rPr lang="en-US" altLang="zh-TW" dirty="0"/>
+              <a:t>OCR</a:t>
+            </a:r>
+            <a:r>
+              <a:rPr lang="zh-TW" altLang="en-US" dirty="0"/>
+              <a:t> 軟體（例如 </a:t>
+            </a:r>
+            <a:r>
+              <a:rPr lang="en-US" altLang="zh-TW" dirty="0" err="1"/>
+              <a:t>Mathpix</a:t>
+            </a:r>
+            <a:r>
+              <a:rPr lang="en-US" altLang="zh-TW" dirty="0"/>
+              <a:t> Snip</a:t>
+            </a:r>
+            <a:r>
+              <a:rPr lang="zh-TW" altLang="en-US" dirty="0"/>
+              <a:t>）</a:t>
             </a:r>
             <a:endParaRPr lang="en-US" altLang="zh-TW" dirty="0"/>
           </a:p>
@@ -3960,134 +8082,31 @@
             <a:pPr lvl="1"/>
             <a:r>
               <a:rPr lang="zh-TW" altLang="en-US" dirty="0"/>
-              <a:t>付費：</a:t>
-            </a:r>
-            <a:r>
-              <a:rPr lang="en-US" altLang="zh-TW" dirty="0">
-                <a:hlinkClick r:id="rId4"/>
-              </a:rPr>
-              <a:t>SnagIt</a:t>
-            </a:r>
-            <a:endParaRPr lang="en-US" altLang="zh-TW" dirty="0"/>
-          </a:p>
-          <a:p>
-            <a:r>
-              <a:rPr lang="zh-TW" altLang="en-US" dirty="0"/>
-              <a:t>展示：從 </a:t>
-            </a:r>
-            <a:r>
-              <a:rPr lang="en-US" altLang="zh-TW" dirty="0"/>
-              <a:t>PDF</a:t>
-            </a:r>
-            <a:r>
-              <a:rPr lang="zh-TW" altLang="en-US" dirty="0"/>
-              <a:t> 擷取部分頁面，再利用 </a:t>
-            </a:r>
-            <a:r>
-              <a:rPr lang="en-US" altLang="zh-TW" dirty="0"/>
-              <a:t>Google </a:t>
-            </a:r>
-            <a:r>
-              <a:rPr lang="zh-TW" altLang="en-US" dirty="0"/>
-              <a:t>文件轉成文字。</a:t>
-            </a:r>
-            <a:endParaRPr lang="en-US" altLang="zh-TW" dirty="0"/>
-          </a:p>
-          <a:p>
-            <a:pPr marL="914400" lvl="1" indent="-457200">
-              <a:buFont typeface="+mj-lt"/>
-              <a:buAutoNum type="arabicPeriod"/>
-            </a:pPr>
-            <a:r>
-              <a:rPr lang="zh-TW" altLang="en-US" dirty="0"/>
-              <a:t>使用抓圖軟體把 </a:t>
-            </a:r>
-            <a:r>
-              <a:rPr lang="en-US" altLang="zh-TW" dirty="0"/>
-              <a:t>PDF </a:t>
-            </a:r>
-            <a:r>
-              <a:rPr lang="zh-TW" altLang="en-US" dirty="0"/>
-              <a:t>頁面的區塊擷取成圖片，儲存為 </a:t>
-            </a:r>
-            <a:r>
-              <a:rPr lang="en-US" altLang="zh-TW" dirty="0"/>
-              <a:t>.jpg </a:t>
-            </a:r>
-            <a:r>
-              <a:rPr lang="zh-TW" altLang="en-US" dirty="0"/>
-              <a:t>或 </a:t>
-            </a:r>
-            <a:r>
-              <a:rPr lang="en-US" altLang="zh-TW" dirty="0"/>
-              <a:t>.</a:t>
-            </a:r>
-            <a:r>
-              <a:rPr lang="en-US" altLang="zh-TW" dirty="0" err="1"/>
-              <a:t>png</a:t>
-            </a:r>
-            <a:r>
-              <a:rPr lang="en-US" altLang="zh-TW" dirty="0"/>
-              <a:t> </a:t>
-            </a:r>
-            <a:r>
-              <a:rPr lang="zh-TW" altLang="en-US" dirty="0"/>
-              <a:t>檔案。</a:t>
-            </a:r>
-            <a:endParaRPr lang="en-US" altLang="zh-TW" dirty="0"/>
-          </a:p>
-          <a:p>
-            <a:pPr marL="914400" lvl="1" indent="-457200">
-              <a:buFont typeface="+mj-lt"/>
-              <a:buAutoNum type="arabicPeriod"/>
-            </a:pPr>
-            <a:r>
-              <a:rPr lang="zh-TW" altLang="en-US" dirty="0"/>
-              <a:t>將圖檔上傳至你的 </a:t>
-            </a:r>
-            <a:r>
-              <a:rPr lang="en-US" altLang="zh-TW" dirty="0"/>
-              <a:t>Google </a:t>
-            </a:r>
-            <a:r>
-              <a:rPr lang="zh-TW" altLang="en-US" dirty="0"/>
-              <a:t>雲端硬碟。</a:t>
-            </a:r>
-            <a:endParaRPr lang="en-US" altLang="zh-TW" dirty="0"/>
-          </a:p>
-          <a:p>
-            <a:pPr marL="914400" lvl="1" indent="-457200">
-              <a:buFont typeface="+mj-lt"/>
-              <a:buAutoNum type="arabicPeriod"/>
-            </a:pPr>
-            <a:r>
-              <a:rPr lang="zh-TW" altLang="en-US" dirty="0"/>
-              <a:t>在雲端硬碟網頁中的檔案名稱上面點右鍵 </a:t>
-            </a:r>
-            <a:r>
-              <a:rPr lang="en-US" altLang="zh-TW" dirty="0"/>
-              <a:t>&gt; </a:t>
-            </a:r>
-            <a:r>
-              <a:rPr lang="zh-TW" altLang="en-US" dirty="0"/>
-              <a:t>選擇開啟工具 </a:t>
-            </a:r>
-            <a:r>
-              <a:rPr lang="en-US" altLang="zh-TW" dirty="0"/>
-              <a:t>&gt; Google </a:t>
-            </a:r>
-            <a:r>
-              <a:rPr lang="zh-TW" altLang="en-US" dirty="0"/>
-              <a:t>文件。</a:t>
-            </a:r>
-            <a:endParaRPr lang="en-US" altLang="zh-TW" dirty="0"/>
+              <a:t>對 </a:t>
+            </a:r>
+            <a:r>
+              <a:rPr lang="en-US" altLang="zh-TW" dirty="0"/>
+              <a:t>LaTeX</a:t>
+            </a:r>
+            <a:r>
+              <a:rPr lang="zh-TW" altLang="en-US" dirty="0"/>
+              <a:t>、</a:t>
+            </a:r>
+            <a:r>
+              <a:rPr lang="en-US" altLang="zh-TW" dirty="0"/>
+              <a:t>HTML </a:t>
+            </a:r>
+            <a:r>
+              <a:rPr lang="zh-TW" altLang="en-US" dirty="0"/>
+              <a:t>語法的基本認識</a:t>
+            </a:r>
           </a:p>
         </p:txBody>
       </p:sp>
     </p:spTree>
     <p:extLst>
       <p:ext uri="{BB962C8B-B14F-4D97-AF65-F5344CB8AC3E}">
-        <p14:creationId xmlns:p14="http://schemas.microsoft.com/office/powerpoint/2010/main" val="1981718788"/>
+        <p14:creationId xmlns:p14="http://schemas.microsoft.com/office/powerpoint/2010/main" val="2566281620"/>
       </p:ext>
     </p:extLst>
   </p:cSld>
@@ -4119,75 +8138,361 @@
           <p:cNvPr id="2" name="標題 1">
             <a:extLst>
               <a:ext uri="{FF2B5EF4-FFF2-40B4-BE49-F238E27FC236}">
-                <a16:creationId xmlns:a16="http://schemas.microsoft.com/office/drawing/2014/main" id="{FEF559FC-62EF-4742-8320-C58A240436DC}"/>
-              </a:ext>
-            </a:extLst>
-          </p:cNvPr>
-          <p:cNvSpPr>
-            <a:spLocks noGrp="1"/>
-          </p:cNvSpPr>
-          <p:nvPr>
-            <p:ph type="title"/>
-          </p:nvPr>
-        </p:nvSpPr>
-        <p:spPr/>
-        <p:txBody>
-          <a:bodyPr/>
-          <a:lstStyle/>
-          <a:p>
-            <a:r>
-              <a:rPr lang="en-US" altLang="zh-TW" dirty="0">
+                <a16:creationId xmlns:a16="http://schemas.microsoft.com/office/drawing/2014/main" id="{A8A63A3D-1EF5-44DA-86A5-2E059C568121}"/>
+              </a:ext>
+            </a:extLst>
+          </p:cNvPr>
+          <p:cNvSpPr>
+            <a:spLocks noGrp="1"/>
+          </p:cNvSpPr>
+          <p:nvPr>
+            <p:ph type="ctrTitle"/>
+          </p:nvPr>
+        </p:nvSpPr>
+        <p:spPr>
+          <a:xfrm>
+            <a:off x="1524000" y="735107"/>
+            <a:ext cx="9144000" cy="1748115"/>
+          </a:xfrm>
+        </p:spPr>
+        <p:txBody>
+          <a:bodyPr>
+            <a:normAutofit fontScale="90000"/>
+          </a:bodyPr>
+          <a:lstStyle/>
+          <a:p>
+            <a:pPr>
+              <a:lnSpc>
+                <a:spcPct val="150000"/>
+              </a:lnSpc>
+            </a:pPr>
+            <a:r>
+              <a:rPr lang="zh-TW" altLang="en-US" b="1" dirty="0"/>
+              <a:t>下載本投影片檔案</a:t>
+            </a:r>
+            <a:br>
+              <a:rPr lang="en-US" altLang="zh-TW" b="1" dirty="0"/>
+            </a:br>
+            <a:r>
+              <a:rPr lang="zh-TW" altLang="en-US" sz="3600" b="1" dirty="0">
+                <a:solidFill>
+                  <a:srgbClr val="C00000"/>
+                </a:solidFill>
+              </a:rPr>
+              <a:t>請先完成此操作，以便順利進行後續的練習。</a:t>
+            </a:r>
+          </a:p>
+        </p:txBody>
+      </p:sp>
+      <p:sp>
+        <p:nvSpPr>
+          <p:cNvPr id="3" name="內容版面配置區 2">
+            <a:extLst>
+              <a:ext uri="{FF2B5EF4-FFF2-40B4-BE49-F238E27FC236}">
+                <a16:creationId xmlns:a16="http://schemas.microsoft.com/office/drawing/2014/main" id="{EA3A1375-BC72-41F9-937E-0CD260614C8E}"/>
+              </a:ext>
+            </a:extLst>
+          </p:cNvPr>
+          <p:cNvSpPr>
+            <a:spLocks noGrp="1"/>
+          </p:cNvSpPr>
+          <p:nvPr>
+            <p:ph type="subTitle" idx="1"/>
+          </p:nvPr>
+        </p:nvSpPr>
+        <p:spPr>
+          <a:xfrm>
+            <a:off x="1524000" y="2782668"/>
+            <a:ext cx="9144000" cy="763773"/>
+          </a:xfrm>
+        </p:spPr>
+        <p:txBody>
+          <a:bodyPr>
+            <a:normAutofit/>
+          </a:bodyPr>
+          <a:lstStyle/>
+          <a:p>
+            <a:r>
+              <a:rPr lang="en-US" altLang="zh-TW" sz="3600" b="1" dirty="0">
+                <a:latin typeface="Cascadia Code" panose="020B0609020000020004" pitchFamily="49" charset="0"/>
+                <a:cs typeface="Cascadia Code" panose="020B0609020000020004" pitchFamily="49" charset="0"/>
                 <a:hlinkClick r:id="rId2"/>
               </a:rPr>
-              <a:t>Adobe </a:t>
-            </a:r>
-            <a:r>
-              <a:rPr lang="zh-TW" altLang="en-US" dirty="0">
-                <a:hlinkClick r:id="rId2"/>
-              </a:rPr>
-              <a:t>線上轉檔服務</a:t>
-            </a:r>
-            <a:r>
-              <a:rPr lang="zh-TW" altLang="en-US" dirty="0"/>
-              <a:t>（不見得會用到）</a:t>
-            </a:r>
-          </a:p>
-        </p:txBody>
-      </p:sp>
-      <p:pic>
-        <p:nvPicPr>
-          <p:cNvPr id="9" name="圖片 8">
-            <a:extLst>
-              <a:ext uri="{FF2B5EF4-FFF2-40B4-BE49-F238E27FC236}">
-                <a16:creationId xmlns:a16="http://schemas.microsoft.com/office/drawing/2014/main" id="{5AE68BE0-6A64-463D-8E2C-1C6F2181DAAF}"/>
-              </a:ext>
-            </a:extLst>
-          </p:cNvPr>
-          <p:cNvPicPr>
-            <a:picLocks noChangeAspect="1"/>
-          </p:cNvPicPr>
+              <a:t>https://bit.ly/Trans4VisualAids</a:t>
+            </a:r>
+            <a:endParaRPr lang="zh-TW" altLang="en-US" sz="3600" b="1" dirty="0">
+              <a:latin typeface="Cascadia Code" panose="020B0609020000020004" pitchFamily="49" charset="0"/>
+              <a:cs typeface="Cascadia Code" panose="020B0609020000020004" pitchFamily="49" charset="0"/>
+            </a:endParaRPr>
+          </a:p>
+        </p:txBody>
+      </p:sp>
+      <p:sp>
+        <p:nvSpPr>
+          <p:cNvPr id="4" name="文字方塊 3">
+            <a:extLst>
+              <a:ext uri="{FF2B5EF4-FFF2-40B4-BE49-F238E27FC236}">
+                <a16:creationId xmlns:a16="http://schemas.microsoft.com/office/drawing/2014/main" id="{92756578-2B80-4FE1-890E-783B344CEF12}"/>
+              </a:ext>
+            </a:extLst>
+          </p:cNvPr>
+          <p:cNvSpPr txBox="1"/>
           <p:nvPr/>
-        </p:nvPicPr>
-        <p:blipFill>
-          <a:blip r:embed="rId3"/>
-          <a:stretch>
-            <a:fillRect/>
-          </a:stretch>
-        </p:blipFill>
+        </p:nvSpPr>
         <p:spPr>
           <a:xfrm>
-            <a:off x="769897" y="1573880"/>
-            <a:ext cx="9809524" cy="4714286"/>
+            <a:off x="2106706" y="3971365"/>
+            <a:ext cx="8561294" cy="646331"/>
+          </a:xfrm>
+          <a:prstGeom prst="rect">
+            <a:avLst/>
+          </a:prstGeom>
+          <a:noFill/>
+        </p:spPr>
+        <p:txBody>
+          <a:bodyPr wrap="square" rtlCol="0">
+            <a:spAutoFit/>
+          </a:bodyPr>
+          <a:lstStyle/>
+          <a:p>
+            <a:r>
+              <a:rPr lang="zh-TW" altLang="en-US" sz="3600" b="1" dirty="0">
+                <a:latin typeface="+mj-lt"/>
+                <a:ea typeface="+mj-ea"/>
+                <a:cs typeface="+mj-cs"/>
+              </a:rPr>
+              <a:t>若連結失效，可至以下 </a:t>
+            </a:r>
+            <a:r>
+              <a:rPr lang="en-US" altLang="zh-TW" sz="3600" b="1" dirty="0">
+                <a:latin typeface="+mj-lt"/>
+                <a:ea typeface="+mj-ea"/>
+                <a:cs typeface="+mj-cs"/>
+              </a:rPr>
+              <a:t>GitHub </a:t>
+            </a:r>
+            <a:r>
+              <a:rPr lang="zh-TW" altLang="en-US" sz="3600" b="1" dirty="0">
+                <a:latin typeface="+mj-lt"/>
+                <a:ea typeface="+mj-ea"/>
+                <a:cs typeface="+mj-cs"/>
+              </a:rPr>
+              <a:t>頁面尋找</a:t>
+            </a:r>
+          </a:p>
+        </p:txBody>
+      </p:sp>
+      <p:sp>
+        <p:nvSpPr>
+          <p:cNvPr id="5" name="內容版面配置區 2">
+            <a:extLst>
+              <a:ext uri="{FF2B5EF4-FFF2-40B4-BE49-F238E27FC236}">
+                <a16:creationId xmlns:a16="http://schemas.microsoft.com/office/drawing/2014/main" id="{20F85262-00C5-4305-91DD-EEFF620637B0}"/>
+              </a:ext>
+            </a:extLst>
+          </p:cNvPr>
+          <p:cNvSpPr txBox="1">
+            <a:spLocks/>
+          </p:cNvSpPr>
+          <p:nvPr/>
+        </p:nvSpPr>
+        <p:spPr>
+          <a:xfrm>
+            <a:off x="1165412" y="4725273"/>
+            <a:ext cx="10067364" cy="763773"/>
           </a:xfrm>
           <a:prstGeom prst="rect">
             <a:avLst/>
           </a:prstGeom>
         </p:spPr>
-      </p:pic>
+        <p:txBody>
+          <a:bodyPr vert="horz" lIns="91440" tIns="45720" rIns="91440" bIns="45720" rtlCol="0">
+            <a:normAutofit/>
+          </a:bodyPr>
+          <a:lstStyle>
+            <a:lvl1pPr marL="0" indent="0" algn="ctr" defTabSz="914400" rtl="0" eaLnBrk="1" latinLnBrk="0" hangingPunct="1">
+              <a:lnSpc>
+                <a:spcPct val="90000"/>
+              </a:lnSpc>
+              <a:spcBef>
+                <a:spcPts val="1000"/>
+              </a:spcBef>
+              <a:buFont typeface="Arial" panose="020B0604020202020204" pitchFamily="34" charset="0"/>
+              <a:buNone/>
+              <a:defRPr sz="2400" kern="1200">
+                <a:solidFill>
+                  <a:schemeClr val="tx1"/>
+                </a:solidFill>
+                <a:latin typeface="+mn-lt"/>
+                <a:ea typeface="+mn-ea"/>
+                <a:cs typeface="+mn-cs"/>
+              </a:defRPr>
+            </a:lvl1pPr>
+            <a:lvl2pPr marL="457200" indent="0" algn="ctr" defTabSz="914400" rtl="0" eaLnBrk="1" latinLnBrk="0" hangingPunct="1">
+              <a:lnSpc>
+                <a:spcPct val="90000"/>
+              </a:lnSpc>
+              <a:spcBef>
+                <a:spcPts val="500"/>
+              </a:spcBef>
+              <a:buFont typeface="Arial" panose="020B0604020202020204" pitchFamily="34" charset="0"/>
+              <a:buNone/>
+              <a:defRPr sz="2000" kern="1200">
+                <a:solidFill>
+                  <a:schemeClr val="tx1"/>
+                </a:solidFill>
+                <a:latin typeface="+mn-lt"/>
+                <a:ea typeface="+mn-ea"/>
+                <a:cs typeface="+mn-cs"/>
+              </a:defRPr>
+            </a:lvl2pPr>
+            <a:lvl3pPr marL="914400" indent="0" algn="ctr" defTabSz="914400" rtl="0" eaLnBrk="1" latinLnBrk="0" hangingPunct="1">
+              <a:lnSpc>
+                <a:spcPct val="90000"/>
+              </a:lnSpc>
+              <a:spcBef>
+                <a:spcPts val="500"/>
+              </a:spcBef>
+              <a:buFont typeface="Arial" panose="020B0604020202020204" pitchFamily="34" charset="0"/>
+              <a:buNone/>
+              <a:defRPr sz="1800" kern="1200">
+                <a:solidFill>
+                  <a:schemeClr val="tx1"/>
+                </a:solidFill>
+                <a:latin typeface="+mn-lt"/>
+                <a:ea typeface="+mn-ea"/>
+                <a:cs typeface="+mn-cs"/>
+              </a:defRPr>
+            </a:lvl3pPr>
+            <a:lvl4pPr marL="1371600" indent="0" algn="ctr" defTabSz="914400" rtl="0" eaLnBrk="1" latinLnBrk="0" hangingPunct="1">
+              <a:lnSpc>
+                <a:spcPct val="90000"/>
+              </a:lnSpc>
+              <a:spcBef>
+                <a:spcPts val="500"/>
+              </a:spcBef>
+              <a:buFont typeface="Arial" panose="020B0604020202020204" pitchFamily="34" charset="0"/>
+              <a:buNone/>
+              <a:defRPr sz="1600" kern="1200">
+                <a:solidFill>
+                  <a:schemeClr val="tx1"/>
+                </a:solidFill>
+                <a:latin typeface="+mn-lt"/>
+                <a:ea typeface="+mn-ea"/>
+                <a:cs typeface="+mn-cs"/>
+              </a:defRPr>
+            </a:lvl4pPr>
+            <a:lvl5pPr marL="1828800" indent="0" algn="ctr" defTabSz="914400" rtl="0" eaLnBrk="1" latinLnBrk="0" hangingPunct="1">
+              <a:lnSpc>
+                <a:spcPct val="90000"/>
+              </a:lnSpc>
+              <a:spcBef>
+                <a:spcPts val="500"/>
+              </a:spcBef>
+              <a:buFont typeface="Arial" panose="020B0604020202020204" pitchFamily="34" charset="0"/>
+              <a:buNone/>
+              <a:defRPr sz="1600" kern="1200">
+                <a:solidFill>
+                  <a:schemeClr val="tx1"/>
+                </a:solidFill>
+                <a:latin typeface="+mn-lt"/>
+                <a:ea typeface="+mn-ea"/>
+                <a:cs typeface="+mn-cs"/>
+              </a:defRPr>
+            </a:lvl5pPr>
+            <a:lvl6pPr marL="2286000" indent="0" algn="ctr" defTabSz="914400" rtl="0" eaLnBrk="1" latinLnBrk="0" hangingPunct="1">
+              <a:lnSpc>
+                <a:spcPct val="90000"/>
+              </a:lnSpc>
+              <a:spcBef>
+                <a:spcPts val="500"/>
+              </a:spcBef>
+              <a:buFont typeface="Arial" panose="020B0604020202020204" pitchFamily="34" charset="0"/>
+              <a:buNone/>
+              <a:defRPr sz="1600" kern="1200">
+                <a:solidFill>
+                  <a:schemeClr val="tx1"/>
+                </a:solidFill>
+                <a:latin typeface="+mn-lt"/>
+                <a:ea typeface="+mn-ea"/>
+                <a:cs typeface="+mn-cs"/>
+              </a:defRPr>
+            </a:lvl6pPr>
+            <a:lvl7pPr marL="2743200" indent="0" algn="ctr" defTabSz="914400" rtl="0" eaLnBrk="1" latinLnBrk="0" hangingPunct="1">
+              <a:lnSpc>
+                <a:spcPct val="90000"/>
+              </a:lnSpc>
+              <a:spcBef>
+                <a:spcPts val="500"/>
+              </a:spcBef>
+              <a:buFont typeface="Arial" panose="020B0604020202020204" pitchFamily="34" charset="0"/>
+              <a:buNone/>
+              <a:defRPr sz="1600" kern="1200">
+                <a:solidFill>
+                  <a:schemeClr val="tx1"/>
+                </a:solidFill>
+                <a:latin typeface="+mn-lt"/>
+                <a:ea typeface="+mn-ea"/>
+                <a:cs typeface="+mn-cs"/>
+              </a:defRPr>
+            </a:lvl7pPr>
+            <a:lvl8pPr marL="3200400" indent="0" algn="ctr" defTabSz="914400" rtl="0" eaLnBrk="1" latinLnBrk="0" hangingPunct="1">
+              <a:lnSpc>
+                <a:spcPct val="90000"/>
+              </a:lnSpc>
+              <a:spcBef>
+                <a:spcPts val="500"/>
+              </a:spcBef>
+              <a:buFont typeface="Arial" panose="020B0604020202020204" pitchFamily="34" charset="0"/>
+              <a:buNone/>
+              <a:defRPr sz="1600" kern="1200">
+                <a:solidFill>
+                  <a:schemeClr val="tx1"/>
+                </a:solidFill>
+                <a:latin typeface="+mn-lt"/>
+                <a:ea typeface="+mn-ea"/>
+                <a:cs typeface="+mn-cs"/>
+              </a:defRPr>
+            </a:lvl8pPr>
+            <a:lvl9pPr marL="3657600" indent="0" algn="ctr" defTabSz="914400" rtl="0" eaLnBrk="1" latinLnBrk="0" hangingPunct="1">
+              <a:lnSpc>
+                <a:spcPct val="90000"/>
+              </a:lnSpc>
+              <a:spcBef>
+                <a:spcPts val="500"/>
+              </a:spcBef>
+              <a:buFont typeface="Arial" panose="020B0604020202020204" pitchFamily="34" charset="0"/>
+              <a:buNone/>
+              <a:defRPr sz="1600" kern="1200">
+                <a:solidFill>
+                  <a:schemeClr val="tx1"/>
+                </a:solidFill>
+                <a:latin typeface="+mn-lt"/>
+                <a:ea typeface="+mn-ea"/>
+                <a:cs typeface="+mn-cs"/>
+              </a:defRPr>
+            </a:lvl9pPr>
+          </a:lstStyle>
+          <a:p>
+            <a:r>
+              <a:rPr lang="en-US" altLang="zh-TW" b="1" dirty="0">
+                <a:latin typeface="Cascadia Code" panose="020B0609020000020004" pitchFamily="49" charset="0"/>
+                <a:cs typeface="Cascadia Code" panose="020B0609020000020004" pitchFamily="49" charset="0"/>
+                <a:hlinkClick r:id="rId3"/>
+              </a:rPr>
+              <a:t>https://github.com/huanlin/VisualAids/tree/main/Seminar</a:t>
+            </a:r>
+            <a:endParaRPr lang="zh-TW" altLang="en-US" b="1" dirty="0">
+              <a:latin typeface="Cascadia Code" panose="020B0609020000020004" pitchFamily="49" charset="0"/>
+              <a:cs typeface="Cascadia Code" panose="020B0609020000020004" pitchFamily="49" charset="0"/>
+            </a:endParaRPr>
+          </a:p>
+        </p:txBody>
+      </p:sp>
     </p:spTree>
     <p:extLst>
       <p:ext uri="{BB962C8B-B14F-4D97-AF65-F5344CB8AC3E}">
-        <p14:creationId xmlns:p14="http://schemas.microsoft.com/office/powerpoint/2010/main" val="3800768225"/>
+        <p14:creationId xmlns:p14="http://schemas.microsoft.com/office/powerpoint/2010/main" val="2623516669"/>
       </p:ext>
     </p:extLst>
   </p:cSld>
@@ -4219,7 +8524,7 @@
           <p:cNvPr id="2" name="標題 1">
             <a:extLst>
               <a:ext uri="{FF2B5EF4-FFF2-40B4-BE49-F238E27FC236}">
-                <a16:creationId xmlns:a16="http://schemas.microsoft.com/office/drawing/2014/main" id="{54A027DF-1784-495D-B2B8-D7017FD4B7B7}"/>
+                <a16:creationId xmlns:a16="http://schemas.microsoft.com/office/drawing/2014/main" id="{72A3565E-30F2-4527-B933-A74255EA2663}"/>
               </a:ext>
             </a:extLst>
           </p:cNvPr>
@@ -4232,12 +8537,138 @@
         </p:nvSpPr>
         <p:spPr/>
         <p:txBody>
-          <a:bodyPr/>
-          <a:lstStyle/>
-          <a:p>
-            <a:r>
-              <a:rPr lang="zh-TW" altLang="en-US" dirty="0"/>
-              <a:t>示範：</a:t>
+          <a:bodyPr>
+            <a:normAutofit/>
+          </a:bodyPr>
+          <a:lstStyle/>
+          <a:p>
+            <a:r>
+              <a:rPr lang="zh-TW" altLang="en-US" dirty="0"/>
+              <a:t>圖文辨識（使用 </a:t>
+            </a:r>
+            <a:r>
+              <a:rPr lang="en-US" altLang="zh-TW" dirty="0"/>
+              <a:t>Google </a:t>
+            </a:r>
+            <a:r>
+              <a:rPr lang="zh-TW" altLang="en-US" dirty="0"/>
+              <a:t>文件）</a:t>
+            </a:r>
+          </a:p>
+        </p:txBody>
+      </p:sp>
+      <p:sp>
+        <p:nvSpPr>
+          <p:cNvPr id="3" name="內容版面配置區 2">
+            <a:extLst>
+              <a:ext uri="{FF2B5EF4-FFF2-40B4-BE49-F238E27FC236}">
+                <a16:creationId xmlns:a16="http://schemas.microsoft.com/office/drawing/2014/main" id="{329C5635-A997-4655-8844-CFA094624334}"/>
+              </a:ext>
+            </a:extLst>
+          </p:cNvPr>
+          <p:cNvSpPr>
+            <a:spLocks noGrp="1"/>
+          </p:cNvSpPr>
+          <p:nvPr>
+            <p:ph idx="1"/>
+          </p:nvPr>
+        </p:nvSpPr>
+        <p:spPr/>
+        <p:txBody>
+          <a:bodyPr/>
+          <a:lstStyle/>
+          <a:p>
+            <a:r>
+              <a:rPr lang="zh-TW" altLang="en-US" dirty="0"/>
+              <a:t>必備工具：抓圖軟體</a:t>
+            </a:r>
+            <a:endParaRPr lang="en-US" altLang="zh-TW" dirty="0"/>
+          </a:p>
+          <a:p>
+            <a:pPr lvl="1"/>
+            <a:r>
+              <a:rPr lang="zh-TW" altLang="en-US" dirty="0"/>
+              <a:t>免費：</a:t>
+            </a:r>
+            <a:r>
+              <a:rPr lang="en-US" altLang="zh-TW" dirty="0"/>
+              <a:t>Windows </a:t>
+            </a:r>
+            <a:r>
+              <a:rPr lang="zh-TW" altLang="en-US" dirty="0"/>
+              <a:t>內建抓圖功能、</a:t>
+            </a:r>
+            <a:r>
+              <a:rPr lang="en-US" altLang="zh-TW" dirty="0" err="1">
+                <a:hlinkClick r:id="rId2"/>
+              </a:rPr>
+              <a:t>WinSnap</a:t>
+            </a:r>
+            <a:r>
+              <a:rPr lang="zh-TW" altLang="en-US" dirty="0"/>
+              <a:t>，</a:t>
+            </a:r>
+            <a:r>
+              <a:rPr lang="en-US" altLang="zh-TW" dirty="0" err="1">
+                <a:hlinkClick r:id="rId3"/>
+              </a:rPr>
+              <a:t>PickPic</a:t>
+            </a:r>
+            <a:r>
+              <a:rPr lang="en-US" altLang="zh-TW" dirty="0"/>
+              <a:t>……</a:t>
+            </a:r>
+            <a:r>
+              <a:rPr lang="zh-TW" altLang="en-US" dirty="0"/>
+              <a:t>等等。</a:t>
+            </a:r>
+            <a:endParaRPr lang="en-US" altLang="zh-TW" dirty="0"/>
+          </a:p>
+          <a:p>
+            <a:pPr lvl="1"/>
+            <a:r>
+              <a:rPr lang="zh-TW" altLang="en-US" dirty="0"/>
+              <a:t>付費：</a:t>
+            </a:r>
+            <a:r>
+              <a:rPr lang="en-US" altLang="zh-TW" dirty="0">
+                <a:hlinkClick r:id="rId4"/>
+              </a:rPr>
+              <a:t>SnagIt</a:t>
+            </a:r>
+            <a:endParaRPr lang="en-US" altLang="zh-TW" dirty="0"/>
+          </a:p>
+          <a:p>
+            <a:r>
+              <a:rPr lang="zh-TW" altLang="en-US" dirty="0"/>
+              <a:t>用法：從 </a:t>
+            </a:r>
+            <a:r>
+              <a:rPr lang="en-US" altLang="zh-TW" dirty="0"/>
+              <a:t>PDF</a:t>
+            </a:r>
+            <a:r>
+              <a:rPr lang="zh-TW" altLang="en-US" dirty="0"/>
+              <a:t> 擷取部分頁面，再利用 </a:t>
+            </a:r>
+            <a:r>
+              <a:rPr lang="en-US" altLang="zh-TW" dirty="0"/>
+              <a:t>Google </a:t>
+            </a:r>
+            <a:r>
+              <a:rPr lang="zh-TW" altLang="en-US" dirty="0"/>
+              <a:t>文件轉成文字。</a:t>
+            </a:r>
+            <a:endParaRPr lang="en-US" altLang="zh-TW" dirty="0"/>
+          </a:p>
+          <a:p>
+            <a:pPr marL="914400" lvl="1" indent="-457200">
+              <a:buFont typeface="+mj-lt"/>
+              <a:buAutoNum type="arabicPeriod"/>
+            </a:pPr>
+            <a:r>
+              <a:rPr lang="zh-TW" altLang="en-US" dirty="0"/>
+              <a:t>使用抓圖軟體把 </a:t>
             </a:r>
             <a:r>
               <a:rPr lang="en-US" altLang="zh-TW" dirty="0"/>
@@ -4245,33 +8676,79 @@
             </a:r>
             <a:r>
               <a:rPr lang="zh-TW" altLang="en-US" dirty="0"/>
-              <a:t>局部頁面抓圖轉文字</a:t>
-            </a:r>
-          </a:p>
-        </p:txBody>
-      </p:sp>
-      <p:sp>
-        <p:nvSpPr>
-          <p:cNvPr id="3" name="內容版面配置區 2">
-            <a:extLst>
-              <a:ext uri="{FF2B5EF4-FFF2-40B4-BE49-F238E27FC236}">
-                <a16:creationId xmlns:a16="http://schemas.microsoft.com/office/drawing/2014/main" id="{351EF90F-267F-46F1-8D7C-2177E112A00E}"/>
-              </a:ext>
-            </a:extLst>
-          </p:cNvPr>
-          <p:cNvSpPr>
-            <a:spLocks noGrp="1"/>
-          </p:cNvSpPr>
-          <p:nvPr>
-            <p:ph idx="1"/>
-          </p:nvPr>
-        </p:nvSpPr>
-        <p:spPr/>
-        <p:txBody>
-          <a:bodyPr/>
-          <a:lstStyle/>
-          <a:p>
-            <a:endParaRPr lang="zh-TW" altLang="en-US" dirty="0"/>
+              <a:t>頁面的區塊擷取成圖片，儲存為 </a:t>
+            </a:r>
+            <a:r>
+              <a:rPr lang="en-US" altLang="zh-TW" dirty="0"/>
+              <a:t>.jpg </a:t>
+            </a:r>
+            <a:r>
+              <a:rPr lang="zh-TW" altLang="en-US" dirty="0"/>
+              <a:t>或 </a:t>
+            </a:r>
+            <a:r>
+              <a:rPr lang="en-US" altLang="zh-TW" dirty="0"/>
+              <a:t>.</a:t>
+            </a:r>
+            <a:r>
+              <a:rPr lang="en-US" altLang="zh-TW" dirty="0" err="1"/>
+              <a:t>png</a:t>
+            </a:r>
+            <a:r>
+              <a:rPr lang="en-US" altLang="zh-TW" dirty="0"/>
+              <a:t> </a:t>
+            </a:r>
+            <a:r>
+              <a:rPr lang="zh-TW" altLang="en-US" dirty="0"/>
+              <a:t>檔案。</a:t>
+            </a:r>
+            <a:endParaRPr lang="en-US" altLang="zh-TW" dirty="0"/>
+          </a:p>
+          <a:p>
+            <a:pPr marL="914400" lvl="1" indent="-457200">
+              <a:buFont typeface="+mj-lt"/>
+              <a:buAutoNum type="arabicPeriod"/>
+            </a:pPr>
+            <a:r>
+              <a:rPr lang="zh-TW" altLang="en-US" dirty="0"/>
+              <a:t>將圖檔上傳至你的 </a:t>
+            </a:r>
+            <a:r>
+              <a:rPr lang="en-US" altLang="zh-TW" dirty="0"/>
+              <a:t>Google </a:t>
+            </a:r>
+            <a:r>
+              <a:rPr lang="zh-TW" altLang="en-US" dirty="0"/>
+              <a:t>雲端硬碟。</a:t>
+            </a:r>
+            <a:endParaRPr lang="en-US" altLang="zh-TW" dirty="0"/>
+          </a:p>
+          <a:p>
+            <a:pPr marL="914400" lvl="1" indent="-457200">
+              <a:buFont typeface="+mj-lt"/>
+              <a:buAutoNum type="arabicPeriod"/>
+            </a:pPr>
+            <a:r>
+              <a:rPr lang="zh-TW" altLang="en-US" dirty="0"/>
+              <a:t>在雲端硬碟網頁中的檔案名稱上面點右鍵 </a:t>
+            </a:r>
+            <a:r>
+              <a:rPr lang="en-US" altLang="zh-TW" dirty="0"/>
+              <a:t>&gt; </a:t>
+            </a:r>
+            <a:r>
+              <a:rPr lang="zh-TW" altLang="en-US" dirty="0"/>
+              <a:t>選擇開啟工具 </a:t>
+            </a:r>
+            <a:r>
+              <a:rPr lang="en-US" altLang="zh-TW" dirty="0"/>
+              <a:t>&gt; Google </a:t>
+            </a:r>
+            <a:r>
+              <a:rPr lang="zh-TW" altLang="en-US" dirty="0"/>
+              <a:t>文件。</a:t>
+            </a:r>
+            <a:endParaRPr lang="en-US" altLang="zh-TW" dirty="0"/>
           </a:p>
         </p:txBody>
       </p:sp>
@@ -4280,7 +8757,7 @@
           <p:cNvPr id="4" name="語音泡泡: 圓角矩形 3">
             <a:extLst>
               <a:ext uri="{FF2B5EF4-FFF2-40B4-BE49-F238E27FC236}">
-                <a16:creationId xmlns:a16="http://schemas.microsoft.com/office/drawing/2014/main" id="{4E4EED98-A165-4754-914F-0361D55BAF4E}"/>
+                <a16:creationId xmlns:a16="http://schemas.microsoft.com/office/drawing/2014/main" id="{1FB14845-6413-4943-A57B-56118AC9B1C0}"/>
               </a:ext>
             </a:extLst>
           </p:cNvPr>
@@ -4289,26 +8766,28 @@
         </p:nvSpPr>
         <p:spPr>
           <a:xfrm>
-            <a:off x="7301754" y="1492623"/>
-            <a:ext cx="4052046" cy="1864659"/>
+            <a:off x="6866965" y="1479176"/>
+            <a:ext cx="4401669" cy="699248"/>
           </a:xfrm>
           <a:prstGeom prst="wedgeRoundRectCallout">
             <a:avLst>
-              <a:gd name="adj1" fmla="val -57804"/>
-              <a:gd name="adj2" fmla="val -51442"/>
+              <a:gd name="adj1" fmla="val -59658"/>
+              <a:gd name="adj2" fmla="val -5449"/>
               <a:gd name="adj3" fmla="val 16667"/>
             </a:avLst>
           </a:prstGeom>
         </p:spPr>
         <p:style>
-          <a:lnRef idx="0">
-            <a:schemeClr val="accent1"/>
+          <a:lnRef idx="2">
+            <a:schemeClr val="accent2">
+              <a:shade val="50000"/>
+            </a:schemeClr>
           </a:lnRef>
-          <a:fillRef idx="3">
-            <a:schemeClr val="accent1"/>
+          <a:fillRef idx="1">
+            <a:schemeClr val="accent2"/>
           </a:fillRef>
-          <a:effectRef idx="3">
-            <a:schemeClr val="accent1"/>
+          <a:effectRef idx="0">
+            <a:schemeClr val="accent2"/>
           </a:effectRef>
           <a:fontRef idx="minor">
             <a:schemeClr val="lt1"/>
@@ -4320,9 +8799,321 @@
           <a:p>
             <a:pPr algn="ctr"/>
             <a:r>
-              <a:rPr lang="zh-TW" altLang="en-US" sz="3200" b="1" dirty="0"/>
+              <a:rPr lang="zh-TW" altLang="en-US" sz="1800" b="1" dirty="0">
+                <a:solidFill>
+                  <a:schemeClr val="bg1"/>
+                </a:solidFill>
+              </a:rPr>
               <a:t>工具很多，選自己覺得順手好用的就行。</a:t>
             </a:r>
+            <a:endParaRPr lang="zh-TW" altLang="en-US" dirty="0">
+              <a:solidFill>
+                <a:schemeClr val="bg1"/>
+              </a:solidFill>
+            </a:endParaRPr>
+          </a:p>
+        </p:txBody>
+      </p:sp>
+    </p:spTree>
+    <p:extLst>
+      <p:ext uri="{BB962C8B-B14F-4D97-AF65-F5344CB8AC3E}">
+        <p14:creationId xmlns:p14="http://schemas.microsoft.com/office/powerpoint/2010/main" val="1981718788"/>
+      </p:ext>
+    </p:extLst>
+  </p:cSld>
+  <p:clrMapOvr>
+    <a:masterClrMapping/>
+  </p:clrMapOvr>
+</p:sld>
+</file>
+
+<file path=ppt/slides/slide7.xml><?xml version="1.0" encoding="utf-8"?>
+<p:sld xmlns:a="http://schemas.openxmlformats.org/drawingml/2006/main" xmlns:r="http://schemas.openxmlformats.org/officeDocument/2006/relationships" xmlns:p="http://schemas.openxmlformats.org/presentationml/2006/main">
+  <p:cSld>
+    <p:spTree>
+      <p:nvGrpSpPr>
+        <p:cNvPr id="1" name=""/>
+        <p:cNvGrpSpPr/>
+        <p:nvPr/>
+      </p:nvGrpSpPr>
+      <p:grpSpPr>
+        <a:xfrm>
+          <a:off x="0" y="0"/>
+          <a:ext cx="0" cy="0"/>
+          <a:chOff x="0" y="0"/>
+          <a:chExt cx="0" cy="0"/>
+        </a:xfrm>
+      </p:grpSpPr>
+      <p:sp>
+        <p:nvSpPr>
+          <p:cNvPr id="2" name="標題 1">
+            <a:extLst>
+              <a:ext uri="{FF2B5EF4-FFF2-40B4-BE49-F238E27FC236}">
+                <a16:creationId xmlns:a16="http://schemas.microsoft.com/office/drawing/2014/main" id="{AF1AF1B7-F921-4D90-A652-BB1488DD5989}"/>
+              </a:ext>
+            </a:extLst>
+          </p:cNvPr>
+          <p:cNvSpPr>
+            <a:spLocks noGrp="1"/>
+          </p:cNvSpPr>
+          <p:nvPr>
+            <p:ph type="title"/>
+          </p:nvPr>
+        </p:nvSpPr>
+        <p:spPr/>
+        <p:txBody>
+          <a:bodyPr/>
+          <a:lstStyle/>
+          <a:p>
+            <a:r>
+              <a:rPr lang="en-US" altLang="zh-TW" dirty="0"/>
+              <a:t>Google </a:t>
+            </a:r>
+            <a:r>
+              <a:rPr lang="zh-TW" altLang="en-US" dirty="0"/>
+              <a:t>雲端頁面之操作</a:t>
+            </a:r>
+          </a:p>
+        </p:txBody>
+      </p:sp>
+      <p:pic>
+        <p:nvPicPr>
+          <p:cNvPr id="5" name="圖片 4">
+            <a:extLst>
+              <a:ext uri="{FF2B5EF4-FFF2-40B4-BE49-F238E27FC236}">
+                <a16:creationId xmlns:a16="http://schemas.microsoft.com/office/drawing/2014/main" id="{B23D76D7-C6F8-4D3D-ADCF-2DEF34E8B9ED}"/>
+              </a:ext>
+            </a:extLst>
+          </p:cNvPr>
+          <p:cNvPicPr>
+            <a:picLocks noChangeAspect="1"/>
+          </p:cNvPicPr>
+          <p:nvPr/>
+        </p:nvPicPr>
+        <p:blipFill>
+          <a:blip r:embed="rId2"/>
+          <a:stretch>
+            <a:fillRect/>
+          </a:stretch>
+        </p:blipFill>
+        <p:spPr>
+          <a:xfrm>
+            <a:off x="2205524" y="1565181"/>
+            <a:ext cx="8349658" cy="4190159"/>
+          </a:xfrm>
+          <a:prstGeom prst="rect">
+            <a:avLst/>
+          </a:prstGeom>
+        </p:spPr>
+      </p:pic>
+    </p:spTree>
+    <p:extLst>
+      <p:ext uri="{BB962C8B-B14F-4D97-AF65-F5344CB8AC3E}">
+        <p14:creationId xmlns:p14="http://schemas.microsoft.com/office/powerpoint/2010/main" val="3425123433"/>
+      </p:ext>
+    </p:extLst>
+  </p:cSld>
+  <p:clrMapOvr>
+    <a:masterClrMapping/>
+  </p:clrMapOvr>
+</p:sld>
+</file>
+
+<file path=ppt/slides/slide8.xml><?xml version="1.0" encoding="utf-8"?>
+<p:sld xmlns:a="http://schemas.openxmlformats.org/drawingml/2006/main" xmlns:r="http://schemas.openxmlformats.org/officeDocument/2006/relationships" xmlns:p="http://schemas.openxmlformats.org/presentationml/2006/main">
+  <p:cSld>
+    <p:spTree>
+      <p:nvGrpSpPr>
+        <p:cNvPr id="1" name=""/>
+        <p:cNvGrpSpPr/>
+        <p:nvPr/>
+      </p:nvGrpSpPr>
+      <p:grpSpPr>
+        <a:xfrm>
+          <a:off x="0" y="0"/>
+          <a:ext cx="0" cy="0"/>
+          <a:chOff x="0" y="0"/>
+          <a:chExt cx="0" cy="0"/>
+        </a:xfrm>
+      </p:grpSpPr>
+      <p:sp>
+        <p:nvSpPr>
+          <p:cNvPr id="2" name="標題 1">
+            <a:extLst>
+              <a:ext uri="{FF2B5EF4-FFF2-40B4-BE49-F238E27FC236}">
+                <a16:creationId xmlns:a16="http://schemas.microsoft.com/office/drawing/2014/main" id="{54A027DF-1784-495D-B2B8-D7017FD4B7B7}"/>
+              </a:ext>
+            </a:extLst>
+          </p:cNvPr>
+          <p:cNvSpPr>
+            <a:spLocks noGrp="1"/>
+          </p:cNvSpPr>
+          <p:nvPr>
+            <p:ph type="title"/>
+          </p:nvPr>
+        </p:nvSpPr>
+        <p:spPr/>
+        <p:txBody>
+          <a:bodyPr/>
+          <a:lstStyle/>
+          <a:p>
+            <a:r>
+              <a:rPr lang="zh-TW" altLang="en-US" dirty="0"/>
+              <a:t>示範：</a:t>
+            </a:r>
+            <a:r>
+              <a:rPr lang="en-US" altLang="zh-TW" dirty="0"/>
+              <a:t>PDF </a:t>
+            </a:r>
+            <a:r>
+              <a:rPr lang="zh-TW" altLang="en-US" dirty="0"/>
+              <a:t>局部頁面抓圖轉文字</a:t>
+            </a:r>
+          </a:p>
+        </p:txBody>
+      </p:sp>
+      <p:sp>
+        <p:nvSpPr>
+          <p:cNvPr id="3" name="內容版面配置區 2">
+            <a:extLst>
+              <a:ext uri="{FF2B5EF4-FFF2-40B4-BE49-F238E27FC236}">
+                <a16:creationId xmlns:a16="http://schemas.microsoft.com/office/drawing/2014/main" id="{351EF90F-267F-46F1-8D7C-2177E112A00E}"/>
+              </a:ext>
+            </a:extLst>
+          </p:cNvPr>
+          <p:cNvSpPr>
+            <a:spLocks noGrp="1"/>
+          </p:cNvSpPr>
+          <p:nvPr>
+            <p:ph idx="1"/>
+          </p:nvPr>
+        </p:nvSpPr>
+        <p:spPr>
+          <a:xfrm>
+            <a:off x="7041776" y="1695387"/>
+            <a:ext cx="4800600" cy="702422"/>
+          </a:xfrm>
+        </p:spPr>
+        <p:txBody>
+          <a:bodyPr/>
+          <a:lstStyle/>
+          <a:p>
+            <a:r>
+              <a:rPr lang="zh-TW" altLang="en-US" dirty="0"/>
+              <a:t>範例檔案：</a:t>
+            </a:r>
+            <a:r>
+              <a:rPr lang="zh-TW" altLang="en-US" dirty="0">
+                <a:hlinkClick r:id="rId2"/>
+              </a:rPr>
+              <a:t>文字是圖</a:t>
+            </a:r>
+            <a:r>
+              <a:rPr lang="en-US" altLang="zh-TW" dirty="0">
+                <a:hlinkClick r:id="rId2"/>
+              </a:rPr>
+              <a:t>.pdf</a:t>
+            </a:r>
+            <a:endParaRPr lang="zh-TW" altLang="en-US" dirty="0"/>
+          </a:p>
+        </p:txBody>
+      </p:sp>
+      <p:pic>
+        <p:nvPicPr>
+          <p:cNvPr id="6" name="圖片 5">
+            <a:extLst>
+              <a:ext uri="{FF2B5EF4-FFF2-40B4-BE49-F238E27FC236}">
+                <a16:creationId xmlns:a16="http://schemas.microsoft.com/office/drawing/2014/main" id="{BBDA1DD7-FD24-457D-A79F-F9F25943161C}"/>
+              </a:ext>
+            </a:extLst>
+          </p:cNvPr>
+          <p:cNvPicPr>
+            <a:picLocks noChangeAspect="1"/>
+          </p:cNvPicPr>
+          <p:nvPr/>
+        </p:nvPicPr>
+        <p:blipFill>
+          <a:blip r:embed="rId3"/>
+          <a:stretch>
+            <a:fillRect/>
+          </a:stretch>
+        </p:blipFill>
+        <p:spPr>
+          <a:xfrm>
+            <a:off x="770227" y="1591235"/>
+            <a:ext cx="6133333" cy="4619048"/>
+          </a:xfrm>
+          <a:prstGeom prst="rect">
+            <a:avLst/>
+          </a:prstGeom>
+        </p:spPr>
+      </p:pic>
+      <p:sp>
+        <p:nvSpPr>
+          <p:cNvPr id="8" name="文字方塊 7">
+            <a:extLst>
+              <a:ext uri="{FF2B5EF4-FFF2-40B4-BE49-F238E27FC236}">
+                <a16:creationId xmlns:a16="http://schemas.microsoft.com/office/drawing/2014/main" id="{35E5B391-DB54-4D7E-ACE1-273DE744B400}"/>
+              </a:ext>
+            </a:extLst>
+          </p:cNvPr>
+          <p:cNvSpPr txBox="1"/>
+          <p:nvPr/>
+        </p:nvSpPr>
+        <p:spPr>
+          <a:xfrm>
+            <a:off x="7109012" y="4562448"/>
+            <a:ext cx="4536141" cy="1200329"/>
+          </a:xfrm>
+          <a:prstGeom prst="rect">
+            <a:avLst/>
+          </a:prstGeom>
+          <a:noFill/>
+        </p:spPr>
+        <p:txBody>
+          <a:bodyPr wrap="square" rtlCol="0">
+            <a:spAutoFit/>
+          </a:bodyPr>
+          <a:lstStyle/>
+          <a:p>
+            <a:r>
+              <a:rPr lang="zh-TW" altLang="en-US" sz="2400" b="1" dirty="0">
+                <a:solidFill>
+                  <a:schemeClr val="accent2">
+                    <a:lumMod val="75000"/>
+                  </a:schemeClr>
+                </a:solidFill>
+              </a:rPr>
+              <a:t>👉 抓圖的時候，避開圖片，</a:t>
+            </a:r>
+            <a:br>
+              <a:rPr lang="en-US" altLang="zh-TW" sz="2400" b="1" dirty="0">
+                <a:solidFill>
+                  <a:schemeClr val="accent2">
+                    <a:lumMod val="75000"/>
+                  </a:schemeClr>
+                </a:solidFill>
+              </a:rPr>
+            </a:br>
+            <a:r>
+              <a:rPr lang="zh-TW" altLang="en-US" sz="2400" b="1" dirty="0">
+                <a:solidFill>
+                  <a:schemeClr val="accent2">
+                    <a:lumMod val="75000"/>
+                  </a:schemeClr>
+                </a:solidFill>
+              </a:rPr>
+              <a:t>      以獲得更準確的辨識結果。</a:t>
+            </a:r>
+          </a:p>
+          <a:p>
+            <a:endParaRPr lang="zh-TW" altLang="en-US" sz="2400" b="1" dirty="0">
+              <a:solidFill>
+                <a:schemeClr val="accent2">
+                  <a:lumMod val="75000"/>
+                </a:schemeClr>
+              </a:solidFill>
+            </a:endParaRPr>
           </a:p>
         </p:txBody>
       </p:sp>
@@ -4330,6 +9121,106 @@
     <p:extLst>
       <p:ext uri="{BB962C8B-B14F-4D97-AF65-F5344CB8AC3E}">
         <p14:creationId xmlns:p14="http://schemas.microsoft.com/office/powerpoint/2010/main" val="167210446"/>
+      </p:ext>
+    </p:extLst>
+  </p:cSld>
+  <p:clrMapOvr>
+    <a:masterClrMapping/>
+  </p:clrMapOvr>
+</p:sld>
+</file>
+
+<file path=ppt/slides/slide9.xml><?xml version="1.0" encoding="utf-8"?>
+<p:sld xmlns:a="http://schemas.openxmlformats.org/drawingml/2006/main" xmlns:r="http://schemas.openxmlformats.org/officeDocument/2006/relationships" xmlns:p="http://schemas.openxmlformats.org/presentationml/2006/main">
+  <p:cSld>
+    <p:spTree>
+      <p:nvGrpSpPr>
+        <p:cNvPr id="1" name=""/>
+        <p:cNvGrpSpPr/>
+        <p:nvPr/>
+      </p:nvGrpSpPr>
+      <p:grpSpPr>
+        <a:xfrm>
+          <a:off x="0" y="0"/>
+          <a:ext cx="0" cy="0"/>
+          <a:chOff x="0" y="0"/>
+          <a:chExt cx="0" cy="0"/>
+        </a:xfrm>
+      </p:grpSpPr>
+      <p:sp>
+        <p:nvSpPr>
+          <p:cNvPr id="2" name="標題 1">
+            <a:extLst>
+              <a:ext uri="{FF2B5EF4-FFF2-40B4-BE49-F238E27FC236}">
+                <a16:creationId xmlns:a16="http://schemas.microsoft.com/office/drawing/2014/main" id="{FEF559FC-62EF-4742-8320-C58A240436DC}"/>
+              </a:ext>
+            </a:extLst>
+          </p:cNvPr>
+          <p:cNvSpPr>
+            <a:spLocks noGrp="1"/>
+          </p:cNvSpPr>
+          <p:nvPr>
+            <p:ph type="title"/>
+          </p:nvPr>
+        </p:nvSpPr>
+        <p:spPr/>
+        <p:txBody>
+          <a:bodyPr/>
+          <a:lstStyle/>
+          <a:p>
+            <a:r>
+              <a:rPr lang="en-US" altLang="zh-TW" dirty="0">
+                <a:hlinkClick r:id="rId2"/>
+              </a:rPr>
+              <a:t>Adobe </a:t>
+            </a:r>
+            <a:r>
+              <a:rPr lang="zh-TW" altLang="en-US" dirty="0">
+                <a:hlinkClick r:id="rId2"/>
+              </a:rPr>
+              <a:t>線上轉檔服務</a:t>
+            </a:r>
+            <a:r>
+              <a:rPr lang="zh-TW" altLang="en-US" dirty="0"/>
+              <a:t>（非必要）</a:t>
+            </a:r>
+          </a:p>
+        </p:txBody>
+      </p:sp>
+      <p:pic>
+        <p:nvPicPr>
+          <p:cNvPr id="9" name="圖片 8">
+            <a:extLst>
+              <a:ext uri="{FF2B5EF4-FFF2-40B4-BE49-F238E27FC236}">
+                <a16:creationId xmlns:a16="http://schemas.microsoft.com/office/drawing/2014/main" id="{5AE68BE0-6A64-463D-8E2C-1C6F2181DAAF}"/>
+              </a:ext>
+            </a:extLst>
+          </p:cNvPr>
+          <p:cNvPicPr>
+            <a:picLocks noChangeAspect="1"/>
+          </p:cNvPicPr>
+          <p:nvPr/>
+        </p:nvPicPr>
+        <p:blipFill>
+          <a:blip r:embed="rId3"/>
+          <a:stretch>
+            <a:fillRect/>
+          </a:stretch>
+        </p:blipFill>
+        <p:spPr>
+          <a:xfrm>
+            <a:off x="769897" y="1573880"/>
+            <a:ext cx="9809524" cy="4714286"/>
+          </a:xfrm>
+          <a:prstGeom prst="rect">
+            <a:avLst/>
+          </a:prstGeom>
+        </p:spPr>
+      </p:pic>
+    </p:spTree>
+    <p:extLst>
+      <p:ext uri="{BB962C8B-B14F-4D97-AF65-F5344CB8AC3E}">
+        <p14:creationId xmlns:p14="http://schemas.microsoft.com/office/powerpoint/2010/main" val="3800768225"/>
       </p:ext>
     </p:extLst>
   </p:cSld>

--- a/Seminar/視障輔助教材轉檔研討會/投影片.pptx
+++ b/Seminar/視障輔助教材轉檔研討會/投影片.pptx
@@ -3672,6 +3672,60 @@
           </a:p>
         </p:txBody>
       </p:sp>
+      <p:sp>
+        <p:nvSpPr>
+          <p:cNvPr id="4" name="矩形: 圓角 3">
+            <a:extLst>
+              <a:ext uri="{FF2B5EF4-FFF2-40B4-BE49-F238E27FC236}">
+                <a16:creationId xmlns:a16="http://schemas.microsoft.com/office/drawing/2014/main" id="{ACBC32A7-F9F6-43CF-B6D5-F50675B51759}"/>
+              </a:ext>
+            </a:extLst>
+          </p:cNvPr>
+          <p:cNvSpPr/>
+          <p:nvPr/>
+        </p:nvSpPr>
+        <p:spPr>
+          <a:xfrm>
+            <a:off x="10093378" y="326583"/>
+            <a:ext cx="1380565" cy="634067"/>
+          </a:xfrm>
+          <a:prstGeom prst="roundRect">
+            <a:avLst/>
+          </a:prstGeom>
+        </p:spPr>
+        <p:style>
+          <a:lnRef idx="2">
+            <a:schemeClr val="accent1">
+              <a:shade val="50000"/>
+            </a:schemeClr>
+          </a:lnRef>
+          <a:fillRef idx="1">
+            <a:schemeClr val="accent1"/>
+          </a:fillRef>
+          <a:effectRef idx="0">
+            <a:schemeClr val="accent1"/>
+          </a:effectRef>
+          <a:fontRef idx="minor">
+            <a:schemeClr val="lt1"/>
+          </a:fontRef>
+        </p:style>
+        <p:txBody>
+          <a:bodyPr rtlCol="0" anchor="ctr"/>
+          <a:lstStyle/>
+          <a:p>
+            <a:pPr algn="ctr"/>
+            <a:r>
+              <a:rPr lang="zh-TW" altLang="en-US" b="1" dirty="0"/>
+              <a:t>🕒</a:t>
+            </a:r>
+            <a:r>
+              <a:rPr lang="en-US" altLang="zh-TW" b="1" dirty="0"/>
+              <a:t>10min</a:t>
+            </a:r>
+            <a:endParaRPr lang="zh-TW" altLang="en-US" b="1" dirty="0"/>
+          </a:p>
+        </p:txBody>
+      </p:sp>
     </p:spTree>
     <p:extLst>
       <p:ext uri="{BB962C8B-B14F-4D97-AF65-F5344CB8AC3E}">
@@ -4572,6 +4626,60 @@
           </a:prstGeom>
         </p:spPr>
       </p:pic>
+      <p:sp>
+        <p:nvSpPr>
+          <p:cNvPr id="6" name="矩形: 圓角 5">
+            <a:extLst>
+              <a:ext uri="{FF2B5EF4-FFF2-40B4-BE49-F238E27FC236}">
+                <a16:creationId xmlns:a16="http://schemas.microsoft.com/office/drawing/2014/main" id="{0C0393C3-E3EF-4141-AC6B-4C195F93B8F8}"/>
+              </a:ext>
+            </a:extLst>
+          </p:cNvPr>
+          <p:cNvSpPr/>
+          <p:nvPr/>
+        </p:nvSpPr>
+        <p:spPr>
+          <a:xfrm>
+            <a:off x="9973235" y="5343336"/>
+            <a:ext cx="1380565" cy="634067"/>
+          </a:xfrm>
+          <a:prstGeom prst="roundRect">
+            <a:avLst/>
+          </a:prstGeom>
+        </p:spPr>
+        <p:style>
+          <a:lnRef idx="2">
+            <a:schemeClr val="accent1">
+              <a:shade val="50000"/>
+            </a:schemeClr>
+          </a:lnRef>
+          <a:fillRef idx="1">
+            <a:schemeClr val="accent1"/>
+          </a:fillRef>
+          <a:effectRef idx="0">
+            <a:schemeClr val="accent1"/>
+          </a:effectRef>
+          <a:fontRef idx="minor">
+            <a:schemeClr val="lt1"/>
+          </a:fontRef>
+        </p:style>
+        <p:txBody>
+          <a:bodyPr rtlCol="0" anchor="ctr"/>
+          <a:lstStyle/>
+          <a:p>
+            <a:pPr algn="ctr"/>
+            <a:r>
+              <a:rPr lang="zh-TW" altLang="en-US" b="1" dirty="0"/>
+              <a:t>🕒</a:t>
+            </a:r>
+            <a:r>
+              <a:rPr lang="en-US" altLang="zh-TW" b="1" dirty="0"/>
+              <a:t>10min</a:t>
+            </a:r>
+            <a:endParaRPr lang="zh-TW" altLang="en-US" b="1" dirty="0"/>
+          </a:p>
+        </p:txBody>
+      </p:sp>
     </p:spTree>
     <p:extLst>
       <p:ext uri="{BB962C8B-B14F-4D97-AF65-F5344CB8AC3E}">
@@ -4786,6 +4894,60 @@
           </a:extLst>
         </p:spPr>
       </p:pic>
+      <p:sp>
+        <p:nvSpPr>
+          <p:cNvPr id="5" name="矩形: 圓角 4">
+            <a:extLst>
+              <a:ext uri="{FF2B5EF4-FFF2-40B4-BE49-F238E27FC236}">
+                <a16:creationId xmlns:a16="http://schemas.microsoft.com/office/drawing/2014/main" id="{400BE5F9-0F2F-4A6C-AFF8-51B39BE4BD0D}"/>
+              </a:ext>
+            </a:extLst>
+          </p:cNvPr>
+          <p:cNvSpPr/>
+          <p:nvPr/>
+        </p:nvSpPr>
+        <p:spPr>
+          <a:xfrm>
+            <a:off x="9973235" y="5343336"/>
+            <a:ext cx="1380565" cy="634067"/>
+          </a:xfrm>
+          <a:prstGeom prst="roundRect">
+            <a:avLst/>
+          </a:prstGeom>
+        </p:spPr>
+        <p:style>
+          <a:lnRef idx="2">
+            <a:schemeClr val="accent1">
+              <a:shade val="50000"/>
+            </a:schemeClr>
+          </a:lnRef>
+          <a:fillRef idx="1">
+            <a:schemeClr val="accent1"/>
+          </a:fillRef>
+          <a:effectRef idx="0">
+            <a:schemeClr val="accent1"/>
+          </a:effectRef>
+          <a:fontRef idx="minor">
+            <a:schemeClr val="lt1"/>
+          </a:fontRef>
+        </p:style>
+        <p:txBody>
+          <a:bodyPr rtlCol="0" anchor="ctr"/>
+          <a:lstStyle/>
+          <a:p>
+            <a:pPr algn="ctr"/>
+            <a:r>
+              <a:rPr lang="zh-TW" altLang="en-US" b="1" dirty="0"/>
+              <a:t>🕒</a:t>
+            </a:r>
+            <a:r>
+              <a:rPr lang="en-US" altLang="zh-TW" b="1" dirty="0"/>
+              <a:t>10min</a:t>
+            </a:r>
+            <a:endParaRPr lang="zh-TW" altLang="en-US" b="1" dirty="0"/>
+          </a:p>
+        </p:txBody>
+      </p:sp>
     </p:spTree>
     <p:extLst>
       <p:ext uri="{BB962C8B-B14F-4D97-AF65-F5344CB8AC3E}">
@@ -5030,6 +5192,60 @@
           </a:p>
         </p:txBody>
       </p:sp>
+      <p:sp>
+        <p:nvSpPr>
+          <p:cNvPr id="4" name="矩形: 圓角 3">
+            <a:extLst>
+              <a:ext uri="{FF2B5EF4-FFF2-40B4-BE49-F238E27FC236}">
+                <a16:creationId xmlns:a16="http://schemas.microsoft.com/office/drawing/2014/main" id="{572881D9-796F-4034-A5F1-4B74F7A72E4A}"/>
+              </a:ext>
+            </a:extLst>
+          </p:cNvPr>
+          <p:cNvSpPr/>
+          <p:nvPr/>
+        </p:nvSpPr>
+        <p:spPr>
+          <a:xfrm>
+            <a:off x="9973235" y="5343336"/>
+            <a:ext cx="1380565" cy="634067"/>
+          </a:xfrm>
+          <a:prstGeom prst="roundRect">
+            <a:avLst/>
+          </a:prstGeom>
+        </p:spPr>
+        <p:style>
+          <a:lnRef idx="2">
+            <a:schemeClr val="accent1">
+              <a:shade val="50000"/>
+            </a:schemeClr>
+          </a:lnRef>
+          <a:fillRef idx="1">
+            <a:schemeClr val="accent1"/>
+          </a:fillRef>
+          <a:effectRef idx="0">
+            <a:schemeClr val="accent1"/>
+          </a:effectRef>
+          <a:fontRef idx="minor">
+            <a:schemeClr val="lt1"/>
+          </a:fontRef>
+        </p:style>
+        <p:txBody>
+          <a:bodyPr rtlCol="0" anchor="ctr"/>
+          <a:lstStyle/>
+          <a:p>
+            <a:pPr algn="ctr"/>
+            <a:r>
+              <a:rPr lang="zh-TW" altLang="en-US" b="1" dirty="0"/>
+              <a:t>🕒</a:t>
+            </a:r>
+            <a:r>
+              <a:rPr lang="en-US" altLang="zh-TW" b="1" dirty="0"/>
+              <a:t>15min</a:t>
+            </a:r>
+            <a:endParaRPr lang="zh-TW" altLang="en-US" b="1" dirty="0"/>
+          </a:p>
+        </p:txBody>
+      </p:sp>
     </p:spTree>
     <p:extLst>
       <p:ext uri="{BB962C8B-B14F-4D97-AF65-F5344CB8AC3E}">
@@ -5181,12 +5397,8 @@
               <a:t>開啟 </a:t>
             </a:r>
             <a:r>
-              <a:rPr lang="en-US" altLang="zh-TW"/>
-              <a:t>ex1.</a:t>
-            </a:r>
-            <a:r>
-              <a:rPr lang="en-US" altLang="zh-TW" dirty="0"/>
-              <a:t>html</a:t>
+              <a:rPr lang="en-US" altLang="zh-TW" dirty="0"/>
+              <a:t>ex1.html</a:t>
             </a:r>
             <a:r>
               <a:rPr lang="zh-TW" altLang="en-US" dirty="0"/>
@@ -5204,6 +5416,60 @@
           </a:p>
           <a:p>
             <a:endParaRPr lang="zh-TW" altLang="en-US" dirty="0"/>
+          </a:p>
+        </p:txBody>
+      </p:sp>
+      <p:sp>
+        <p:nvSpPr>
+          <p:cNvPr id="4" name="矩形: 圓角 3">
+            <a:extLst>
+              <a:ext uri="{FF2B5EF4-FFF2-40B4-BE49-F238E27FC236}">
+                <a16:creationId xmlns:a16="http://schemas.microsoft.com/office/drawing/2014/main" id="{B260866E-F94B-4383-ABC9-74F0EB746911}"/>
+              </a:ext>
+            </a:extLst>
+          </p:cNvPr>
+          <p:cNvSpPr/>
+          <p:nvPr/>
+        </p:nvSpPr>
+        <p:spPr>
+          <a:xfrm>
+            <a:off x="9973235" y="5343336"/>
+            <a:ext cx="1380565" cy="634067"/>
+          </a:xfrm>
+          <a:prstGeom prst="roundRect">
+            <a:avLst/>
+          </a:prstGeom>
+        </p:spPr>
+        <p:style>
+          <a:lnRef idx="2">
+            <a:schemeClr val="accent1">
+              <a:shade val="50000"/>
+            </a:schemeClr>
+          </a:lnRef>
+          <a:fillRef idx="1">
+            <a:schemeClr val="accent1"/>
+          </a:fillRef>
+          <a:effectRef idx="0">
+            <a:schemeClr val="accent1"/>
+          </a:effectRef>
+          <a:fontRef idx="minor">
+            <a:schemeClr val="lt1"/>
+          </a:fontRef>
+        </p:style>
+        <p:txBody>
+          <a:bodyPr rtlCol="0" anchor="ctr"/>
+          <a:lstStyle/>
+          <a:p>
+            <a:pPr algn="ctr"/>
+            <a:r>
+              <a:rPr lang="zh-TW" altLang="en-US" b="1" dirty="0"/>
+              <a:t>🕒</a:t>
+            </a:r>
+            <a:r>
+              <a:rPr lang="en-US" altLang="zh-TW" b="1" dirty="0"/>
+              <a:t>15min</a:t>
+            </a:r>
+            <a:endParaRPr lang="zh-TW" altLang="en-US" b="1" dirty="0"/>
           </a:p>
         </p:txBody>
       </p:sp>
@@ -6113,8 +6379,17 @@
             </a:r>
             <a:r>
               <a:rPr lang="zh-TW" altLang="en-US" dirty="0"/>
-              <a:t>：</a:t>
-            </a:r>
+              <a:t>：使用 </a:t>
+            </a:r>
+            <a:r>
+              <a:rPr lang="en-US" altLang="zh-TW" dirty="0" err="1"/>
+              <a:t>Mathpix</a:t>
+            </a:r>
+            <a:r>
+              <a:rPr lang="en-US" altLang="zh-TW" dirty="0"/>
+              <a:t> Snip</a:t>
+            </a:r>
+            <a:endParaRPr lang="zh-TW" altLang="en-US" dirty="0"/>
           </a:p>
         </p:txBody>
       </p:sp>
@@ -6139,7 +6414,255 @@
           <a:bodyPr/>
           <a:lstStyle/>
           <a:p>
-            <a:endParaRPr lang="zh-TW" altLang="en-US"/>
+            <a:pPr marL="514350" indent="-514350">
+              <a:buFont typeface="+mj-lt"/>
+              <a:buAutoNum type="arabicPeriod"/>
+            </a:pPr>
+            <a:r>
+              <a:rPr lang="zh-TW" altLang="en-US" dirty="0"/>
+              <a:t>安裝 </a:t>
+            </a:r>
+            <a:r>
+              <a:rPr lang="en-US" altLang="zh-TW" dirty="0" err="1"/>
+              <a:t>Mathpix</a:t>
+            </a:r>
+            <a:r>
+              <a:rPr lang="en-US" altLang="zh-TW" dirty="0"/>
+              <a:t> Snip</a:t>
+            </a:r>
+            <a:r>
+              <a:rPr lang="zh-TW" altLang="en-US" dirty="0"/>
+              <a:t>，然後下載此 </a:t>
+            </a:r>
+            <a:r>
+              <a:rPr lang="en-US" altLang="zh-TW" dirty="0"/>
+              <a:t>PDF </a:t>
+            </a:r>
+            <a:r>
+              <a:rPr lang="zh-TW" altLang="en-US" dirty="0"/>
+              <a:t>檔案：</a:t>
+            </a:r>
+            <a:r>
+              <a:rPr lang="en-US" altLang="zh-TW" dirty="0">
+                <a:hlinkClick r:id="rId3"/>
+              </a:rPr>
+              <a:t>ex2.pdf</a:t>
+            </a:r>
+            <a:endParaRPr lang="en-US" altLang="zh-TW" dirty="0"/>
+          </a:p>
+          <a:p>
+            <a:pPr marL="514350" indent="-514350">
+              <a:buFont typeface="+mj-lt"/>
+              <a:buAutoNum type="arabicPeriod"/>
+            </a:pPr>
+            <a:r>
+              <a:rPr lang="zh-TW" altLang="en-US" dirty="0"/>
+              <a:t>在 </a:t>
+            </a:r>
+            <a:r>
+              <a:rPr lang="en-US" altLang="zh-TW" dirty="0"/>
+              <a:t>PDF </a:t>
+            </a:r>
+            <a:r>
+              <a:rPr lang="zh-TW" altLang="en-US" dirty="0"/>
+              <a:t>檔案中找到下圖紅色方框的部分，輸入至 </a:t>
+            </a:r>
+            <a:r>
+              <a:rPr lang="en-US" altLang="zh-TW" dirty="0"/>
+              <a:t>Word </a:t>
+            </a:r>
+            <a:r>
+              <a:rPr lang="zh-TW" altLang="en-US" dirty="0"/>
+              <a:t>文件中，並儲存為 </a:t>
+            </a:r>
+            <a:r>
+              <a:rPr lang="en-US" altLang="zh-TW" dirty="0"/>
+              <a:t>ex2.docx</a:t>
+            </a:r>
+            <a:r>
+              <a:rPr lang="zh-TW" altLang="en-US" dirty="0"/>
+              <a:t>。</a:t>
+            </a:r>
+            <a:endParaRPr lang="en-US" altLang="zh-TW" dirty="0"/>
+          </a:p>
+          <a:p>
+            <a:pPr marL="514350" indent="-514350">
+              <a:buFont typeface="+mj-lt"/>
+              <a:buAutoNum type="arabicPeriod"/>
+            </a:pPr>
+            <a:r>
+              <a:rPr lang="zh-TW" altLang="en-US" dirty="0"/>
+              <a:t>若有多餘時間，</a:t>
+            </a:r>
+            <a:br>
+              <a:rPr lang="en-US" altLang="zh-TW" dirty="0"/>
+            </a:br>
+            <a:r>
+              <a:rPr lang="zh-TW" altLang="en-US" dirty="0"/>
+              <a:t>可轉為 </a:t>
+            </a:r>
+            <a:r>
+              <a:rPr lang="en-US" altLang="zh-TW" dirty="0"/>
+              <a:t>html</a:t>
+            </a:r>
+            <a:r>
+              <a:rPr lang="zh-TW" altLang="en-US" dirty="0"/>
+              <a:t>。</a:t>
+            </a:r>
+            <a:endParaRPr lang="en-US" altLang="zh-TW" dirty="0"/>
+          </a:p>
+          <a:p>
+            <a:endParaRPr lang="en-US" altLang="zh-TW" dirty="0"/>
+          </a:p>
+          <a:p>
+            <a:endParaRPr lang="zh-TW" altLang="en-US" dirty="0"/>
+          </a:p>
+        </p:txBody>
+      </p:sp>
+      <p:graphicFrame>
+        <p:nvGraphicFramePr>
+          <p:cNvPr id="4" name="物件 3">
+            <a:extLst>
+              <a:ext uri="{FF2B5EF4-FFF2-40B4-BE49-F238E27FC236}">
+                <a16:creationId xmlns:a16="http://schemas.microsoft.com/office/drawing/2014/main" id="{A94A23E6-6782-4A60-A8A1-2FC41FA779D3}"/>
+              </a:ext>
+            </a:extLst>
+          </p:cNvPr>
+          <p:cNvGraphicFramePr>
+            <a:graphicFrameLocks noChangeAspect="1"/>
+          </p:cNvGraphicFramePr>
+          <p:nvPr>
+            <p:extLst>
+              <p:ext uri="{D42A27DB-BD31-4B8C-83A1-F6EECF244321}">
+                <p14:modId xmlns:p14="http://schemas.microsoft.com/office/powerpoint/2010/main" val="3829237329"/>
+              </p:ext>
+            </p:extLst>
+          </p:nvPr>
+        </p:nvGraphicFramePr>
+        <p:xfrm>
+          <a:off x="92075" y="92075"/>
+          <a:ext cx="642938" cy="573088"/>
+        </p:xfrm>
+        <a:graphic>
+          <a:graphicData uri="http://schemas.openxmlformats.org/presentationml/2006/ole">
+            <mc:AlternateContent xmlns:mc="http://schemas.openxmlformats.org/markup-compatibility/2006">
+              <mc:Choice xmlns:v="urn:schemas-microsoft-com:vml" Requires="v">
+                <p:oleObj spid="_x0000_s4105" name="封裝程式殼層物件" showAsIcon="1" r:id="rId4" imgW="642240" imgH="572400" progId="Package">
+                  <p:embed/>
+                </p:oleObj>
+              </mc:Choice>
+              <mc:Fallback>
+                <p:oleObj name="封裝程式殼層物件" showAsIcon="1" r:id="rId4" imgW="642240" imgH="572400" progId="Package">
+                  <p:embed/>
+                  <p:pic>
+                    <p:nvPicPr>
+                      <p:cNvPr id="0" name=""/>
+                      <p:cNvPicPr/>
+                      <p:nvPr/>
+                    </p:nvPicPr>
+                    <p:blipFill>
+                      <a:blip r:embed="rId5"/>
+                      <a:stretch>
+                        <a:fillRect/>
+                      </a:stretch>
+                    </p:blipFill>
+                    <p:spPr>
+                      <a:xfrm>
+                        <a:off x="92075" y="92075"/>
+                        <a:ext cx="642938" cy="573088"/>
+                      </a:xfrm>
+                      <a:prstGeom prst="rect">
+                        <a:avLst/>
+                      </a:prstGeom>
+                    </p:spPr>
+                  </p:pic>
+                </p:oleObj>
+              </mc:Fallback>
+            </mc:AlternateContent>
+          </a:graphicData>
+        </a:graphic>
+      </p:graphicFrame>
+      <p:pic>
+        <p:nvPicPr>
+          <p:cNvPr id="8" name="圖片 7">
+            <a:extLst>
+              <a:ext uri="{FF2B5EF4-FFF2-40B4-BE49-F238E27FC236}">
+                <a16:creationId xmlns:a16="http://schemas.microsoft.com/office/drawing/2014/main" id="{3F2127F8-8B85-431C-B9D9-3AB9A05E96D4}"/>
+              </a:ext>
+            </a:extLst>
+          </p:cNvPr>
+          <p:cNvPicPr>
+            <a:picLocks noChangeAspect="1"/>
+          </p:cNvPicPr>
+          <p:nvPr/>
+        </p:nvPicPr>
+        <p:blipFill>
+          <a:blip r:embed="rId6"/>
+          <a:stretch>
+            <a:fillRect/>
+          </a:stretch>
+        </p:blipFill>
+        <p:spPr>
+          <a:xfrm>
+            <a:off x="4509247" y="3310229"/>
+            <a:ext cx="7360347" cy="3001671"/>
+          </a:xfrm>
+          <a:prstGeom prst="rect">
+            <a:avLst/>
+          </a:prstGeom>
+        </p:spPr>
+      </p:pic>
+      <p:sp>
+        <p:nvSpPr>
+          <p:cNvPr id="6" name="矩形: 圓角 5">
+            <a:extLst>
+              <a:ext uri="{FF2B5EF4-FFF2-40B4-BE49-F238E27FC236}">
+                <a16:creationId xmlns:a16="http://schemas.microsoft.com/office/drawing/2014/main" id="{109AEFEF-592E-45E4-80DA-289B55E691FC}"/>
+              </a:ext>
+            </a:extLst>
+          </p:cNvPr>
+          <p:cNvSpPr/>
+          <p:nvPr/>
+        </p:nvSpPr>
+        <p:spPr>
+          <a:xfrm>
+            <a:off x="10219672" y="365125"/>
+            <a:ext cx="1380565" cy="634067"/>
+          </a:xfrm>
+          <a:prstGeom prst="roundRect">
+            <a:avLst/>
+          </a:prstGeom>
+        </p:spPr>
+        <p:style>
+          <a:lnRef idx="2">
+            <a:schemeClr val="accent1">
+              <a:shade val="50000"/>
+            </a:schemeClr>
+          </a:lnRef>
+          <a:fillRef idx="1">
+            <a:schemeClr val="accent1"/>
+          </a:fillRef>
+          <a:effectRef idx="0">
+            <a:schemeClr val="accent1"/>
+          </a:effectRef>
+          <a:fontRef idx="minor">
+            <a:schemeClr val="lt1"/>
+          </a:fontRef>
+        </p:style>
+        <p:txBody>
+          <a:bodyPr rtlCol="0" anchor="ctr"/>
+          <a:lstStyle/>
+          <a:p>
+            <a:pPr algn="ctr"/>
+            <a:r>
+              <a:rPr lang="zh-TW" altLang="en-US" b="1" dirty="0"/>
+              <a:t>🕒</a:t>
+            </a:r>
+            <a:r>
+              <a:rPr lang="en-US" altLang="zh-TW" b="1" dirty="0"/>
+              <a:t>15min</a:t>
+            </a:r>
+            <a:endParaRPr lang="zh-TW" altLang="en-US" b="1" dirty="0"/>
           </a:p>
         </p:txBody>
       </p:sp>

--- a/Seminar/視障輔助教材轉檔研討會/投影片.pptx
+++ b/Seminar/視障輔助教材轉檔研討會/投影片.pptx
@@ -6,39 +6,53 @@
   </p:sldMasterIdLst>
   <p:sldIdLst>
     <p:sldId id="256" r:id="rId2"/>
-    <p:sldId id="275" r:id="rId3"/>
-    <p:sldId id="257" r:id="rId4"/>
-    <p:sldId id="260" r:id="rId5"/>
-    <p:sldId id="262" r:id="rId6"/>
-    <p:sldId id="258" r:id="rId7"/>
-    <p:sldId id="263" r:id="rId8"/>
-    <p:sldId id="261" r:id="rId9"/>
-    <p:sldId id="259" r:id="rId10"/>
-    <p:sldId id="277" r:id="rId11"/>
-    <p:sldId id="268" r:id="rId12"/>
-    <p:sldId id="269" r:id="rId13"/>
-    <p:sldId id="270" r:id="rId14"/>
-    <p:sldId id="285" r:id="rId15"/>
-    <p:sldId id="279" r:id="rId16"/>
-    <p:sldId id="286" r:id="rId17"/>
-    <p:sldId id="280" r:id="rId18"/>
-    <p:sldId id="287" r:id="rId19"/>
-    <p:sldId id="281" r:id="rId20"/>
-    <p:sldId id="288" r:id="rId21"/>
-    <p:sldId id="278" r:id="rId22"/>
-    <p:sldId id="271" r:id="rId23"/>
-    <p:sldId id="272" r:id="rId24"/>
-    <p:sldId id="289" r:id="rId25"/>
-    <p:sldId id="274" r:id="rId26"/>
-    <p:sldId id="282" r:id="rId27"/>
-    <p:sldId id="273" r:id="rId28"/>
-    <p:sldId id="276" r:id="rId29"/>
-    <p:sldId id="265" r:id="rId30"/>
-    <p:sldId id="264" r:id="rId31"/>
-    <p:sldId id="266" r:id="rId32"/>
-    <p:sldId id="267" r:id="rId33"/>
-    <p:sldId id="283" r:id="rId34"/>
-    <p:sldId id="284" r:id="rId35"/>
+    <p:sldId id="291" r:id="rId3"/>
+    <p:sldId id="275" r:id="rId4"/>
+    <p:sldId id="257" r:id="rId5"/>
+    <p:sldId id="260" r:id="rId6"/>
+    <p:sldId id="262" r:id="rId7"/>
+    <p:sldId id="258" r:id="rId8"/>
+    <p:sldId id="263" r:id="rId9"/>
+    <p:sldId id="261" r:id="rId10"/>
+    <p:sldId id="259" r:id="rId11"/>
+    <p:sldId id="277" r:id="rId12"/>
+    <p:sldId id="268" r:id="rId13"/>
+    <p:sldId id="269" r:id="rId14"/>
+    <p:sldId id="270" r:id="rId15"/>
+    <p:sldId id="285" r:id="rId16"/>
+    <p:sldId id="279" r:id="rId17"/>
+    <p:sldId id="290" r:id="rId18"/>
+    <p:sldId id="292" r:id="rId19"/>
+    <p:sldId id="286" r:id="rId20"/>
+    <p:sldId id="280" r:id="rId21"/>
+    <p:sldId id="287" r:id="rId22"/>
+    <p:sldId id="281" r:id="rId23"/>
+    <p:sldId id="288" r:id="rId24"/>
+    <p:sldId id="278" r:id="rId25"/>
+    <p:sldId id="271" r:id="rId26"/>
+    <p:sldId id="272" r:id="rId27"/>
+    <p:sldId id="289" r:id="rId28"/>
+    <p:sldId id="274" r:id="rId29"/>
+    <p:sldId id="282" r:id="rId30"/>
+    <p:sldId id="273" r:id="rId31"/>
+    <p:sldId id="276" r:id="rId32"/>
+    <p:sldId id="294" r:id="rId33"/>
+    <p:sldId id="297" r:id="rId34"/>
+    <p:sldId id="302" r:id="rId35"/>
+    <p:sldId id="303" r:id="rId36"/>
+    <p:sldId id="304" r:id="rId37"/>
+    <p:sldId id="305" r:id="rId38"/>
+    <p:sldId id="299" r:id="rId39"/>
+    <p:sldId id="301" r:id="rId40"/>
+    <p:sldId id="300" r:id="rId41"/>
+    <p:sldId id="296" r:id="rId42"/>
+    <p:sldId id="298" r:id="rId43"/>
+    <p:sldId id="265" r:id="rId44"/>
+    <p:sldId id="264" r:id="rId45"/>
+    <p:sldId id="266" r:id="rId46"/>
+    <p:sldId id="267" r:id="rId47"/>
+    <p:sldId id="283" r:id="rId48"/>
+    <p:sldId id="284" r:id="rId49"/>
   </p:sldIdLst>
   <p:sldSz cx="12192000" cy="6858000"/>
   <p:notesSz cx="6858000" cy="9144000"/>
@@ -292,7 +306,7 @@
           <a:p>
             <a:fld id="{38AC8CB3-9BE8-4442-A2AC-87AA5F227577}" type="datetimeFigureOut">
               <a:rPr lang="zh-TW" altLang="en-US" smtClean="0"/>
-              <a:t>2021/11/1</a:t>
+              <a:t>2021/11/2</a:t>
             </a:fld>
             <a:endParaRPr lang="zh-TW" altLang="en-US"/>
           </a:p>
@@ -490,7 +504,7 @@
           <a:p>
             <a:fld id="{38AC8CB3-9BE8-4442-A2AC-87AA5F227577}" type="datetimeFigureOut">
               <a:rPr lang="zh-TW" altLang="en-US" smtClean="0"/>
-              <a:t>2021/11/1</a:t>
+              <a:t>2021/11/2</a:t>
             </a:fld>
             <a:endParaRPr lang="zh-TW" altLang="en-US"/>
           </a:p>
@@ -698,7 +712,7 @@
           <a:p>
             <a:fld id="{38AC8CB3-9BE8-4442-A2AC-87AA5F227577}" type="datetimeFigureOut">
               <a:rPr lang="zh-TW" altLang="en-US" smtClean="0"/>
-              <a:t>2021/11/1</a:t>
+              <a:t>2021/11/2</a:t>
             </a:fld>
             <a:endParaRPr lang="zh-TW" altLang="en-US"/>
           </a:p>
@@ -904,7 +918,7 @@
           <a:p>
             <a:fld id="{38AC8CB3-9BE8-4442-A2AC-87AA5F227577}" type="datetimeFigureOut">
               <a:rPr lang="zh-TW" altLang="en-US" smtClean="0"/>
-              <a:t>2021/11/1</a:t>
+              <a:t>2021/11/2</a:t>
             </a:fld>
             <a:endParaRPr lang="zh-TW" altLang="en-US"/>
           </a:p>
@@ -1179,7 +1193,7 @@
           <a:p>
             <a:fld id="{38AC8CB3-9BE8-4442-A2AC-87AA5F227577}" type="datetimeFigureOut">
               <a:rPr lang="zh-TW" altLang="en-US" smtClean="0"/>
-              <a:t>2021/11/1</a:t>
+              <a:t>2021/11/2</a:t>
             </a:fld>
             <a:endParaRPr lang="zh-TW" altLang="en-US"/>
           </a:p>
@@ -1444,7 +1458,7 @@
           <a:p>
             <a:fld id="{38AC8CB3-9BE8-4442-A2AC-87AA5F227577}" type="datetimeFigureOut">
               <a:rPr lang="zh-TW" altLang="en-US" smtClean="0"/>
-              <a:t>2021/11/1</a:t>
+              <a:t>2021/11/2</a:t>
             </a:fld>
             <a:endParaRPr lang="zh-TW" altLang="en-US"/>
           </a:p>
@@ -1856,7 +1870,7 @@
           <a:p>
             <a:fld id="{38AC8CB3-9BE8-4442-A2AC-87AA5F227577}" type="datetimeFigureOut">
               <a:rPr lang="zh-TW" altLang="en-US" smtClean="0"/>
-              <a:t>2021/11/1</a:t>
+              <a:t>2021/11/2</a:t>
             </a:fld>
             <a:endParaRPr lang="zh-TW" altLang="en-US"/>
           </a:p>
@@ -1997,7 +2011,7 @@
           <a:p>
             <a:fld id="{38AC8CB3-9BE8-4442-A2AC-87AA5F227577}" type="datetimeFigureOut">
               <a:rPr lang="zh-TW" altLang="en-US" smtClean="0"/>
-              <a:t>2021/11/1</a:t>
+              <a:t>2021/11/2</a:t>
             </a:fld>
             <a:endParaRPr lang="zh-TW" altLang="en-US"/>
           </a:p>
@@ -2110,7 +2124,7 @@
           <a:p>
             <a:fld id="{38AC8CB3-9BE8-4442-A2AC-87AA5F227577}" type="datetimeFigureOut">
               <a:rPr lang="zh-TW" altLang="en-US" smtClean="0"/>
-              <a:t>2021/11/1</a:t>
+              <a:t>2021/11/2</a:t>
             </a:fld>
             <a:endParaRPr lang="zh-TW" altLang="en-US"/>
           </a:p>
@@ -2421,7 +2435,7 @@
           <a:p>
             <a:fld id="{38AC8CB3-9BE8-4442-A2AC-87AA5F227577}" type="datetimeFigureOut">
               <a:rPr lang="zh-TW" altLang="en-US" smtClean="0"/>
-              <a:t>2021/11/1</a:t>
+              <a:t>2021/11/2</a:t>
             </a:fld>
             <a:endParaRPr lang="zh-TW" altLang="en-US"/>
           </a:p>
@@ -2709,7 +2723,7 @@
           <a:p>
             <a:fld id="{38AC8CB3-9BE8-4442-A2AC-87AA5F227577}" type="datetimeFigureOut">
               <a:rPr lang="zh-TW" altLang="en-US" smtClean="0"/>
-              <a:t>2021/11/1</a:t>
+              <a:t>2021/11/2</a:t>
             </a:fld>
             <a:endParaRPr lang="zh-TW" altLang="en-US"/>
           </a:p>
@@ -2950,7 +2964,7 @@
           <a:p>
             <a:fld id="{38AC8CB3-9BE8-4442-A2AC-87AA5F227577}" type="datetimeFigureOut">
               <a:rPr lang="zh-TW" altLang="en-US" smtClean="0"/>
-              <a:t>2021/11/1</a:t>
+              <a:t>2021/11/2</a:t>
             </a:fld>
             <a:endParaRPr lang="zh-TW" altLang="en-US"/>
           </a:p>
@@ -3392,13 +3406,6 @@
               <a:rPr lang="zh-TW" altLang="en-US" b="1" dirty="0"/>
               <a:t>視障輔助教材轉譯</a:t>
             </a:r>
-            <a:br>
-              <a:rPr lang="en-US" altLang="zh-TW" b="1" dirty="0"/>
-            </a:br>
-            <a:r>
-              <a:rPr lang="zh-TW" altLang="en-US" b="1" dirty="0"/>
-              <a:t>工具與操作示範</a:t>
-            </a:r>
           </a:p>
         </p:txBody>
       </p:sp>
@@ -3420,17 +3427,36 @@
         </p:nvSpPr>
         <p:spPr>
           <a:xfrm>
-            <a:off x="1524000" y="4258235"/>
-            <a:ext cx="9144000" cy="699248"/>
+            <a:off x="3684494" y="3926540"/>
+            <a:ext cx="5154706" cy="1281953"/>
           </a:xfrm>
         </p:spPr>
         <p:txBody>
-          <a:bodyPr/>
-          <a:lstStyle/>
-          <a:p>
-            <a:r>
-              <a:rPr lang="zh-TW" altLang="en-US" dirty="0"/>
-              <a:t>陳淑萍、蔡煥麟</a:t>
+          <a:bodyPr>
+            <a:normAutofit/>
+          </a:bodyPr>
+          <a:lstStyle/>
+          <a:p>
+            <a:pPr algn="l"/>
+            <a:r>
+              <a:rPr lang="en-US" altLang="zh-TW" b="1" dirty="0"/>
+              <a:t>Part1: </a:t>
+            </a:r>
+            <a:r>
+              <a:rPr lang="zh-TW" altLang="en-US" b="1" dirty="0"/>
+              <a:t>轉譯工具與流程（蔡煥麟）</a:t>
+            </a:r>
+            <a:endParaRPr lang="en-US" altLang="zh-TW" b="1" dirty="0"/>
+          </a:p>
+          <a:p>
+            <a:pPr algn="l"/>
+            <a:r>
+              <a:rPr lang="en-US" altLang="zh-TW" b="1" dirty="0"/>
+              <a:t>Part 2: </a:t>
+            </a:r>
+            <a:r>
+              <a:rPr lang="zh-TW" altLang="en-US" b="1" dirty="0"/>
+              <a:t>排版相關問題整理（陳淑萍）</a:t>
             </a:r>
           </a:p>
         </p:txBody>
@@ -3470,6 +3496,106 @@
           <p:cNvPr id="2" name="標題 1">
             <a:extLst>
               <a:ext uri="{FF2B5EF4-FFF2-40B4-BE49-F238E27FC236}">
+                <a16:creationId xmlns:a16="http://schemas.microsoft.com/office/drawing/2014/main" id="{FEF559FC-62EF-4742-8320-C58A240436DC}"/>
+              </a:ext>
+            </a:extLst>
+          </p:cNvPr>
+          <p:cNvSpPr>
+            <a:spLocks noGrp="1"/>
+          </p:cNvSpPr>
+          <p:nvPr>
+            <p:ph type="title"/>
+          </p:nvPr>
+        </p:nvSpPr>
+        <p:spPr/>
+        <p:txBody>
+          <a:bodyPr/>
+          <a:lstStyle/>
+          <a:p>
+            <a:r>
+              <a:rPr lang="en-US" altLang="zh-TW" dirty="0">
+                <a:hlinkClick r:id="rId2"/>
+              </a:rPr>
+              <a:t>Adobe </a:t>
+            </a:r>
+            <a:r>
+              <a:rPr lang="zh-TW" altLang="en-US" dirty="0">
+                <a:hlinkClick r:id="rId2"/>
+              </a:rPr>
+              <a:t>線上轉檔服務</a:t>
+            </a:r>
+            <a:r>
+              <a:rPr lang="zh-TW" altLang="en-US" dirty="0"/>
+              <a:t>（非必要）</a:t>
+            </a:r>
+          </a:p>
+        </p:txBody>
+      </p:sp>
+      <p:pic>
+        <p:nvPicPr>
+          <p:cNvPr id="9" name="圖片 8">
+            <a:extLst>
+              <a:ext uri="{FF2B5EF4-FFF2-40B4-BE49-F238E27FC236}">
+                <a16:creationId xmlns:a16="http://schemas.microsoft.com/office/drawing/2014/main" id="{5AE68BE0-6A64-463D-8E2C-1C6F2181DAAF}"/>
+              </a:ext>
+            </a:extLst>
+          </p:cNvPr>
+          <p:cNvPicPr>
+            <a:picLocks noChangeAspect="1"/>
+          </p:cNvPicPr>
+          <p:nvPr/>
+        </p:nvPicPr>
+        <p:blipFill>
+          <a:blip r:embed="rId3"/>
+          <a:stretch>
+            <a:fillRect/>
+          </a:stretch>
+        </p:blipFill>
+        <p:spPr>
+          <a:xfrm>
+            <a:off x="769897" y="1573880"/>
+            <a:ext cx="9809524" cy="4714286"/>
+          </a:xfrm>
+          <a:prstGeom prst="rect">
+            <a:avLst/>
+          </a:prstGeom>
+        </p:spPr>
+      </p:pic>
+    </p:spTree>
+    <p:extLst>
+      <p:ext uri="{BB962C8B-B14F-4D97-AF65-F5344CB8AC3E}">
+        <p14:creationId xmlns:p14="http://schemas.microsoft.com/office/powerpoint/2010/main" val="3800768225"/>
+      </p:ext>
+    </p:extLst>
+  </p:cSld>
+  <p:clrMapOvr>
+    <a:masterClrMapping/>
+  </p:clrMapOvr>
+</p:sld>
+</file>
+
+<file path=ppt/slides/slide11.xml><?xml version="1.0" encoding="utf-8"?>
+<p:sld xmlns:a="http://schemas.openxmlformats.org/drawingml/2006/main" xmlns:r="http://schemas.openxmlformats.org/officeDocument/2006/relationships" xmlns:p="http://schemas.openxmlformats.org/presentationml/2006/main">
+  <p:cSld>
+    <p:spTree>
+      <p:nvGrpSpPr>
+        <p:cNvPr id="1" name=""/>
+        <p:cNvGrpSpPr/>
+        <p:nvPr/>
+      </p:nvGrpSpPr>
+      <p:grpSpPr>
+        <a:xfrm>
+          <a:off x="0" y="0"/>
+          <a:ext cx="0" cy="0"/>
+          <a:chOff x="0" y="0"/>
+          <a:chExt cx="0" cy="0"/>
+        </a:xfrm>
+      </p:grpSpPr>
+      <p:sp>
+        <p:nvSpPr>
+          <p:cNvPr id="2" name="標題 1">
+            <a:extLst>
+              <a:ext uri="{FF2B5EF4-FFF2-40B4-BE49-F238E27FC236}">
                 <a16:creationId xmlns:a16="http://schemas.microsoft.com/office/drawing/2014/main" id="{2589D886-831A-47BB-8B33-479AB58A01F6}"/>
               </a:ext>
             </a:extLst>
@@ -3739,97 +3865,6 @@
 </p:sld>
 </file>
 
-<file path=ppt/slides/slide11.xml><?xml version="1.0" encoding="utf-8"?>
-<p:sld xmlns:a="http://schemas.openxmlformats.org/drawingml/2006/main" xmlns:r="http://schemas.openxmlformats.org/officeDocument/2006/relationships" xmlns:p="http://schemas.openxmlformats.org/presentationml/2006/main">
-  <p:cSld>
-    <p:spTree>
-      <p:nvGrpSpPr>
-        <p:cNvPr id="1" name=""/>
-        <p:cNvGrpSpPr/>
-        <p:nvPr/>
-      </p:nvGrpSpPr>
-      <p:grpSpPr>
-        <a:xfrm>
-          <a:off x="0" y="0"/>
-          <a:ext cx="0" cy="0"/>
-          <a:chOff x="0" y="0"/>
-          <a:chExt cx="0" cy="0"/>
-        </a:xfrm>
-      </p:grpSpPr>
-      <p:sp>
-        <p:nvSpPr>
-          <p:cNvPr id="2" name="標題 1">
-            <a:extLst>
-              <a:ext uri="{FF2B5EF4-FFF2-40B4-BE49-F238E27FC236}">
-                <a16:creationId xmlns:a16="http://schemas.microsoft.com/office/drawing/2014/main" id="{141BB198-E166-48B7-A1FA-1737BDD1687C}"/>
-              </a:ext>
-            </a:extLst>
-          </p:cNvPr>
-          <p:cNvSpPr>
-            <a:spLocks noGrp="1"/>
-          </p:cNvSpPr>
-          <p:nvPr>
-            <p:ph type="ctrTitle"/>
-          </p:nvPr>
-        </p:nvSpPr>
-        <p:spPr/>
-        <p:txBody>
-          <a:bodyPr/>
-          <a:lstStyle/>
-          <a:p>
-            <a:r>
-              <a:rPr lang="zh-TW" altLang="en-US" b="1" dirty="0"/>
-              <a:t>數學教材轉譯</a:t>
-            </a:r>
-          </a:p>
-        </p:txBody>
-      </p:sp>
-      <p:sp>
-        <p:nvSpPr>
-          <p:cNvPr id="4" name="副標題 3">
-            <a:extLst>
-              <a:ext uri="{FF2B5EF4-FFF2-40B4-BE49-F238E27FC236}">
-                <a16:creationId xmlns:a16="http://schemas.microsoft.com/office/drawing/2014/main" id="{5C30C4B2-3EAF-4F0C-84C7-F7AEA49A1856}"/>
-              </a:ext>
-            </a:extLst>
-          </p:cNvPr>
-          <p:cNvSpPr>
-            <a:spLocks noGrp="1"/>
-          </p:cNvSpPr>
-          <p:nvPr>
-            <p:ph type="subTitle" idx="1"/>
-          </p:nvPr>
-        </p:nvSpPr>
-        <p:spPr>
-          <a:xfrm>
-            <a:off x="1524000" y="3971364"/>
-            <a:ext cx="9144000" cy="1286435"/>
-          </a:xfrm>
-        </p:spPr>
-        <p:txBody>
-          <a:bodyPr/>
-          <a:lstStyle/>
-          <a:p>
-            <a:r>
-              <a:rPr lang="zh-TW" altLang="en-US" dirty="0"/>
-              <a:t>相關軟體的安裝與基本用法</a:t>
-            </a:r>
-          </a:p>
-        </p:txBody>
-      </p:sp>
-    </p:spTree>
-    <p:extLst>
-      <p:ext uri="{BB962C8B-B14F-4D97-AF65-F5344CB8AC3E}">
-        <p14:creationId xmlns:p14="http://schemas.microsoft.com/office/powerpoint/2010/main" val="1368902752"/>
-      </p:ext>
-    </p:extLst>
-  </p:cSld>
-  <p:clrMapOvr>
-    <a:masterClrMapping/>
-  </p:clrMapOvr>
-</p:sld>
-</file>
-
 <file path=ppt/slides/slide12.xml><?xml version="1.0" encoding="utf-8"?>
 <p:sld xmlns:a="http://schemas.openxmlformats.org/drawingml/2006/main" xmlns:r="http://schemas.openxmlformats.org/officeDocument/2006/relationships" xmlns:p="http://schemas.openxmlformats.org/presentationml/2006/main">
   <p:cSld>
@@ -3852,6 +3887,97 @@
           <p:cNvPr id="2" name="標題 1">
             <a:extLst>
               <a:ext uri="{FF2B5EF4-FFF2-40B4-BE49-F238E27FC236}">
+                <a16:creationId xmlns:a16="http://schemas.microsoft.com/office/drawing/2014/main" id="{141BB198-E166-48B7-A1FA-1737BDD1687C}"/>
+              </a:ext>
+            </a:extLst>
+          </p:cNvPr>
+          <p:cNvSpPr>
+            <a:spLocks noGrp="1"/>
+          </p:cNvSpPr>
+          <p:nvPr>
+            <p:ph type="ctrTitle"/>
+          </p:nvPr>
+        </p:nvSpPr>
+        <p:spPr/>
+        <p:txBody>
+          <a:bodyPr/>
+          <a:lstStyle/>
+          <a:p>
+            <a:r>
+              <a:rPr lang="zh-TW" altLang="en-US" b="1" dirty="0"/>
+              <a:t>數學教材轉譯</a:t>
+            </a:r>
+          </a:p>
+        </p:txBody>
+      </p:sp>
+      <p:sp>
+        <p:nvSpPr>
+          <p:cNvPr id="4" name="副標題 3">
+            <a:extLst>
+              <a:ext uri="{FF2B5EF4-FFF2-40B4-BE49-F238E27FC236}">
+                <a16:creationId xmlns:a16="http://schemas.microsoft.com/office/drawing/2014/main" id="{5C30C4B2-3EAF-4F0C-84C7-F7AEA49A1856}"/>
+              </a:ext>
+            </a:extLst>
+          </p:cNvPr>
+          <p:cNvSpPr>
+            <a:spLocks noGrp="1"/>
+          </p:cNvSpPr>
+          <p:nvPr>
+            <p:ph type="subTitle" idx="1"/>
+          </p:nvPr>
+        </p:nvSpPr>
+        <p:spPr>
+          <a:xfrm>
+            <a:off x="1524000" y="3971364"/>
+            <a:ext cx="9144000" cy="1286435"/>
+          </a:xfrm>
+        </p:spPr>
+        <p:txBody>
+          <a:bodyPr/>
+          <a:lstStyle/>
+          <a:p>
+            <a:r>
+              <a:rPr lang="zh-TW" altLang="en-US" dirty="0"/>
+              <a:t>相關軟體的安裝與基本用法</a:t>
+            </a:r>
+          </a:p>
+        </p:txBody>
+      </p:sp>
+    </p:spTree>
+    <p:extLst>
+      <p:ext uri="{BB962C8B-B14F-4D97-AF65-F5344CB8AC3E}">
+        <p14:creationId xmlns:p14="http://schemas.microsoft.com/office/powerpoint/2010/main" val="1368902752"/>
+      </p:ext>
+    </p:extLst>
+  </p:cSld>
+  <p:clrMapOvr>
+    <a:masterClrMapping/>
+  </p:clrMapOvr>
+</p:sld>
+</file>
+
+<file path=ppt/slides/slide13.xml><?xml version="1.0" encoding="utf-8"?>
+<p:sld xmlns:a="http://schemas.openxmlformats.org/drawingml/2006/main" xmlns:r="http://schemas.openxmlformats.org/officeDocument/2006/relationships" xmlns:p="http://schemas.openxmlformats.org/presentationml/2006/main">
+  <p:cSld>
+    <p:spTree>
+      <p:nvGrpSpPr>
+        <p:cNvPr id="1" name=""/>
+        <p:cNvGrpSpPr/>
+        <p:nvPr/>
+      </p:nvGrpSpPr>
+      <p:grpSpPr>
+        <a:xfrm>
+          <a:off x="0" y="0"/>
+          <a:ext cx="0" cy="0"/>
+          <a:chOff x="0" y="0"/>
+          <a:chExt cx="0" cy="0"/>
+        </a:xfrm>
+      </p:grpSpPr>
+      <p:sp>
+        <p:nvSpPr>
+          <p:cNvPr id="2" name="標題 1">
+            <a:extLst>
+              <a:ext uri="{FF2B5EF4-FFF2-40B4-BE49-F238E27FC236}">
                 <a16:creationId xmlns:a16="http://schemas.microsoft.com/office/drawing/2014/main" id="{F50825F5-C96F-402D-89E7-AAED94DD1978}"/>
               </a:ext>
             </a:extLst>
@@ -4149,7 +4275,7 @@
 </p:sld>
 </file>
 
-<file path=ppt/slides/slide13.xml><?xml version="1.0" encoding="utf-8"?>
+<file path=ppt/slides/slide14.xml><?xml version="1.0" encoding="utf-8"?>
 <p:sld xmlns:a="http://schemas.openxmlformats.org/drawingml/2006/main" xmlns:r="http://schemas.openxmlformats.org/officeDocument/2006/relationships" xmlns:p="http://schemas.openxmlformats.org/presentationml/2006/main">
   <p:cSld>
     <p:spTree>
@@ -4257,7 +4383,7 @@
 </p:sld>
 </file>
 
-<file path=ppt/slides/slide14.xml><?xml version="1.0" encoding="utf-8"?>
+<file path=ppt/slides/slide15.xml><?xml version="1.0" encoding="utf-8"?>
 <p:sld xmlns:a="http://schemas.openxmlformats.org/drawingml/2006/main" xmlns:r="http://schemas.openxmlformats.org/officeDocument/2006/relationships" xmlns:p="http://schemas.openxmlformats.org/presentationml/2006/main">
   <p:cSld>
     <p:spTree>
@@ -4408,7 +4534,7 @@
 </p:sld>
 </file>
 
-<file path=ppt/slides/slide15.xml><?xml version="1.0" encoding="utf-8"?>
+<file path=ppt/slides/slide16.xml><?xml version="1.0" encoding="utf-8"?>
 <p:sld xmlns:a="http://schemas.openxmlformats.org/drawingml/2006/main" xmlns:r="http://schemas.openxmlformats.org/officeDocument/2006/relationships" xmlns:p="http://schemas.openxmlformats.org/presentationml/2006/main">
   <p:cSld>
     <p:spTree>
@@ -4496,6 +4622,27 @@
           <a:p>
             <a:r>
               <a:rPr lang="zh-TW" altLang="en-US" dirty="0"/>
+              <a:t>安裝 </a:t>
+            </a:r>
+            <a:r>
+              <a:rPr lang="en-US" altLang="zh-TW" dirty="0" err="1"/>
+              <a:t>MathType</a:t>
+            </a:r>
+            <a:r>
+              <a:rPr lang="zh-TW" altLang="en-US" dirty="0"/>
+              <a:t>。</a:t>
+            </a:r>
+            <a:r>
+              <a:rPr lang="zh-TW" altLang="en-US" dirty="0">
+                <a:hlinkClick r:id="rId2"/>
+              </a:rPr>
+              <a:t>點這裡開啟安裝過程的影片</a:t>
+            </a:r>
+            <a:endParaRPr lang="en-US" altLang="zh-TW" dirty="0"/>
+          </a:p>
+          <a:p>
+            <a:r>
+              <a:rPr lang="zh-TW" altLang="en-US" dirty="0"/>
               <a:t>在 </a:t>
             </a:r>
             <a:r>
@@ -4572,36 +4719,6 @@
             <a:extLst>
               <a:ext uri="{FF2B5EF4-FFF2-40B4-BE49-F238E27FC236}">
                 <a16:creationId xmlns:a16="http://schemas.microsoft.com/office/drawing/2014/main" id="{1205D289-1A71-4F2E-8693-239BD570225F}"/>
-              </a:ext>
-            </a:extLst>
-          </p:cNvPr>
-          <p:cNvPicPr>
-            <a:picLocks noChangeAspect="1"/>
-          </p:cNvPicPr>
-          <p:nvPr/>
-        </p:nvPicPr>
-        <p:blipFill>
-          <a:blip r:embed="rId2"/>
-          <a:stretch>
-            <a:fillRect/>
-          </a:stretch>
-        </p:blipFill>
-        <p:spPr>
-          <a:xfrm>
-            <a:off x="2537107" y="2257192"/>
-            <a:ext cx="2686052" cy="671512"/>
-          </a:xfrm>
-          <a:prstGeom prst="rect">
-            <a:avLst/>
-          </a:prstGeom>
-        </p:spPr>
-      </p:pic>
-      <p:pic>
-        <p:nvPicPr>
-          <p:cNvPr id="9" name="圖片 8">
-            <a:extLst>
-              <a:ext uri="{FF2B5EF4-FFF2-40B4-BE49-F238E27FC236}">
-                <a16:creationId xmlns:a16="http://schemas.microsoft.com/office/drawing/2014/main" id="{E532CFA1-A366-4F3D-8538-D3955B90DF78}"/>
               </a:ext>
             </a:extLst>
           </p:cNvPr>
@@ -4618,7 +4735,37 @@
         </p:blipFill>
         <p:spPr>
           <a:xfrm>
-            <a:off x="2537107" y="2964095"/>
+            <a:off x="2555036" y="2757488"/>
+            <a:ext cx="2686052" cy="671512"/>
+          </a:xfrm>
+          <a:prstGeom prst="rect">
+            <a:avLst/>
+          </a:prstGeom>
+        </p:spPr>
+      </p:pic>
+      <p:pic>
+        <p:nvPicPr>
+          <p:cNvPr id="9" name="圖片 8">
+            <a:extLst>
+              <a:ext uri="{FF2B5EF4-FFF2-40B4-BE49-F238E27FC236}">
+                <a16:creationId xmlns:a16="http://schemas.microsoft.com/office/drawing/2014/main" id="{E532CFA1-A366-4F3D-8538-D3955B90DF78}"/>
+              </a:ext>
+            </a:extLst>
+          </p:cNvPr>
+          <p:cNvPicPr>
+            <a:picLocks noChangeAspect="1"/>
+          </p:cNvPicPr>
+          <p:nvPr/>
+        </p:nvPicPr>
+        <p:blipFill>
+          <a:blip r:embed="rId4"/>
+          <a:stretch>
+            <a:fillRect/>
+          </a:stretch>
+        </p:blipFill>
+        <p:spPr>
+          <a:xfrm>
+            <a:off x="2555036" y="3464578"/>
             <a:ext cx="7887758" cy="1240771"/>
           </a:xfrm>
           <a:prstGeom prst="rect">
@@ -4674,7 +4821,7 @@
             </a:r>
             <a:r>
               <a:rPr lang="en-US" altLang="zh-TW" b="1" dirty="0"/>
-              <a:t>10min</a:t>
+              <a:t>15min</a:t>
             </a:r>
             <a:endParaRPr lang="zh-TW" altLang="en-US" b="1" dirty="0"/>
           </a:p>
@@ -4693,7 +4840,1210 @@
 </p:sld>
 </file>
 
-<file path=ppt/slides/slide16.xml><?xml version="1.0" encoding="utf-8"?>
+<file path=ppt/slides/slide17.xml><?xml version="1.0" encoding="utf-8"?>
+<p:sld xmlns:a="http://schemas.openxmlformats.org/drawingml/2006/main" xmlns:r="http://schemas.openxmlformats.org/officeDocument/2006/relationships" xmlns:p="http://schemas.openxmlformats.org/presentationml/2006/main">
+  <p:cSld>
+    <p:spTree>
+      <p:nvGrpSpPr>
+        <p:cNvPr id="1" name=""/>
+        <p:cNvGrpSpPr/>
+        <p:nvPr/>
+      </p:nvGrpSpPr>
+      <p:grpSpPr>
+        <a:xfrm>
+          <a:off x="0" y="0"/>
+          <a:ext cx="0" cy="0"/>
+          <a:chOff x="0" y="0"/>
+          <a:chExt cx="0" cy="0"/>
+        </a:xfrm>
+      </p:grpSpPr>
+      <p:sp>
+        <p:nvSpPr>
+          <p:cNvPr id="2" name="標題 1">
+            <a:extLst>
+              <a:ext uri="{FF2B5EF4-FFF2-40B4-BE49-F238E27FC236}">
+                <a16:creationId xmlns:a16="http://schemas.microsoft.com/office/drawing/2014/main" id="{64EB0001-C399-48BC-98D7-13E81B963349}"/>
+              </a:ext>
+            </a:extLst>
+          </p:cNvPr>
+          <p:cNvSpPr>
+            <a:spLocks noGrp="1"/>
+          </p:cNvSpPr>
+          <p:nvPr>
+            <p:ph type="title"/>
+          </p:nvPr>
+        </p:nvSpPr>
+        <p:spPr/>
+        <p:txBody>
+          <a:bodyPr/>
+          <a:lstStyle/>
+          <a:p>
+            <a:r>
+              <a:rPr lang="zh-TW" altLang="en-US" dirty="0"/>
+              <a:t>觀察 </a:t>
+            </a:r>
+            <a:r>
+              <a:rPr lang="en-US" altLang="zh-TW" dirty="0"/>
+              <a:t>LaTeX </a:t>
+            </a:r>
+            <a:r>
+              <a:rPr lang="zh-TW" altLang="en-US" dirty="0"/>
+              <a:t>的數學公式語法</a:t>
+            </a:r>
+          </a:p>
+        </p:txBody>
+      </p:sp>
+      <p:sp>
+        <p:nvSpPr>
+          <p:cNvPr id="3" name="內容版面配置區 2">
+            <a:extLst>
+              <a:ext uri="{FF2B5EF4-FFF2-40B4-BE49-F238E27FC236}">
+                <a16:creationId xmlns:a16="http://schemas.microsoft.com/office/drawing/2014/main" id="{21DCE872-977B-44A4-A23D-D6AB3F9B61DD}"/>
+              </a:ext>
+            </a:extLst>
+          </p:cNvPr>
+          <p:cNvSpPr>
+            <a:spLocks noGrp="1"/>
+          </p:cNvSpPr>
+          <p:nvPr>
+            <p:ph idx="1"/>
+          </p:nvPr>
+        </p:nvSpPr>
+        <p:spPr>
+          <a:xfrm>
+            <a:off x="838200" y="1837765"/>
+            <a:ext cx="10515600" cy="842682"/>
+          </a:xfrm>
+        </p:spPr>
+        <p:txBody>
+          <a:bodyPr/>
+          <a:lstStyle/>
+          <a:p>
+            <a:r>
+              <a:rPr lang="en-US" altLang="zh-TW" dirty="0" err="1"/>
+              <a:t>MathType</a:t>
+            </a:r>
+            <a:r>
+              <a:rPr lang="en-US" altLang="zh-TW" dirty="0"/>
+              <a:t> </a:t>
+            </a:r>
+            <a:r>
+              <a:rPr lang="zh-TW" altLang="en-US" dirty="0"/>
+              <a:t>快速鍵：</a:t>
+            </a:r>
+            <a:endParaRPr lang="en-US" altLang="zh-TW" dirty="0"/>
+          </a:p>
+          <a:p>
+            <a:endParaRPr lang="en-US" altLang="zh-TW" dirty="0"/>
+          </a:p>
+          <a:p>
+            <a:pPr marL="0" indent="0">
+              <a:buNone/>
+            </a:pPr>
+            <a:endParaRPr lang="zh-TW" altLang="en-US" dirty="0"/>
+          </a:p>
+        </p:txBody>
+      </p:sp>
+      <p:pic>
+        <p:nvPicPr>
+          <p:cNvPr id="5" name="圖片 4">
+            <a:extLst>
+              <a:ext uri="{FF2B5EF4-FFF2-40B4-BE49-F238E27FC236}">
+                <a16:creationId xmlns:a16="http://schemas.microsoft.com/office/drawing/2014/main" id="{4636AA60-B2B8-49AE-8726-E4535D190C92}"/>
+              </a:ext>
+            </a:extLst>
+          </p:cNvPr>
+          <p:cNvPicPr>
+            <a:picLocks noChangeAspect="1"/>
+          </p:cNvPicPr>
+          <p:nvPr/>
+        </p:nvPicPr>
+        <p:blipFill>
+          <a:blip r:embed="rId2"/>
+          <a:stretch>
+            <a:fillRect/>
+          </a:stretch>
+        </p:blipFill>
+        <p:spPr>
+          <a:xfrm>
+            <a:off x="4416839" y="1551734"/>
+            <a:ext cx="5133333" cy="923810"/>
+          </a:xfrm>
+          <a:prstGeom prst="rect">
+            <a:avLst/>
+          </a:prstGeom>
+        </p:spPr>
+      </p:pic>
+      <p:graphicFrame>
+        <p:nvGraphicFramePr>
+          <p:cNvPr id="7" name="表格 7">
+            <a:extLst>
+              <a:ext uri="{FF2B5EF4-FFF2-40B4-BE49-F238E27FC236}">
+                <a16:creationId xmlns:a16="http://schemas.microsoft.com/office/drawing/2014/main" id="{6858E659-41C2-4D65-80CB-345EF7520A7A}"/>
+              </a:ext>
+            </a:extLst>
+          </p:cNvPr>
+          <p:cNvGraphicFramePr>
+            <a:graphicFrameLocks noGrp="1"/>
+          </p:cNvGraphicFramePr>
+          <p:nvPr>
+            <p:extLst>
+              <p:ext uri="{D42A27DB-BD31-4B8C-83A1-F6EECF244321}">
+                <p14:modId xmlns:p14="http://schemas.microsoft.com/office/powerpoint/2010/main" val="160618902"/>
+              </p:ext>
+            </p:extLst>
+          </p:nvPr>
+        </p:nvGraphicFramePr>
+        <p:xfrm>
+          <a:off x="564775" y="2622621"/>
+          <a:ext cx="10954871" cy="3285122"/>
+        </p:xfrm>
+        <a:graphic>
+          <a:graphicData uri="http://schemas.openxmlformats.org/drawingml/2006/table">
+            <a:tbl>
+              <a:tblPr firstRow="1" bandRow="1">
+                <a:tableStyleId>{5C22544A-7EE6-4342-B048-85BDC9FD1C3A}</a:tableStyleId>
+              </a:tblPr>
+              <a:tblGrid>
+                <a:gridCol w="3630707">
+                  <a:extLst>
+                    <a:ext uri="{9D8B030D-6E8A-4147-A177-3AD203B41FA5}">
+                      <a16:colId xmlns:a16="http://schemas.microsoft.com/office/drawing/2014/main" val="1802897847"/>
+                    </a:ext>
+                  </a:extLst>
+                </a:gridCol>
+                <a:gridCol w="7324164">
+                  <a:extLst>
+                    <a:ext uri="{9D8B030D-6E8A-4147-A177-3AD203B41FA5}">
+                      <a16:colId xmlns:a16="http://schemas.microsoft.com/office/drawing/2014/main" val="4028998013"/>
+                    </a:ext>
+                  </a:extLst>
+                </a:gridCol>
+              </a:tblGrid>
+              <a:tr h="1642561">
+                <a:tc>
+                  <a:txBody>
+                    <a:bodyPr/>
+                    <a:lstStyle/>
+                    <a:p>
+                      <a:endParaRPr lang="zh-TW" altLang="en-US" dirty="0"/>
+                    </a:p>
+                  </a:txBody>
+                  <a:tcPr>
+                    <a:solidFill>
+                      <a:schemeClr val="bg1"/>
+                    </a:solidFill>
+                  </a:tcPr>
+                </a:tc>
+                <a:tc>
+                  <a:txBody>
+                    <a:bodyPr/>
+                    <a:lstStyle/>
+                    <a:p>
+                      <a:pPr marL="0" marR="0" lvl="0" indent="0" algn="l" defTabSz="914400" rtl="0" eaLnBrk="1" fontAlgn="auto" latinLnBrk="0" hangingPunct="1">
+                        <a:lnSpc>
+                          <a:spcPct val="100000"/>
+                        </a:lnSpc>
+                        <a:spcBef>
+                          <a:spcPts val="0"/>
+                        </a:spcBef>
+                        <a:spcAft>
+                          <a:spcPts val="0"/>
+                        </a:spcAft>
+                        <a:buClrTx/>
+                        <a:buSzTx/>
+                        <a:buFontTx/>
+                        <a:buNone/>
+                        <a:tabLst/>
+                        <a:defRPr/>
+                      </a:pPr>
+                      <a:r>
+                        <a:rPr lang="en-US" altLang="zh-TW" sz="2800" b="1" dirty="0">
+                          <a:solidFill>
+                            <a:srgbClr val="FF0000"/>
+                          </a:solidFill>
+                          <a:latin typeface="Consolas" panose="020B0609020204030204" pitchFamily="49" charset="0"/>
+                          <a:cs typeface="Cascadia Code" panose="020B0609020000020004" pitchFamily="49" charset="0"/>
+                        </a:rPr>
+                        <a:t>$</a:t>
+                      </a:r>
+                      <a:r>
+                        <a:rPr lang="en-US" altLang="zh-TW" sz="2800" b="1" dirty="0">
+                          <a:solidFill>
+                            <a:schemeClr val="tx1"/>
+                          </a:solidFill>
+                          <a:latin typeface="Consolas" panose="020B0609020204030204" pitchFamily="49" charset="0"/>
+                          <a:cs typeface="Cascadia Code" panose="020B0609020000020004" pitchFamily="49" charset="0"/>
+                        </a:rPr>
+                        <a:t>3{{x}^{2}}+5x+1=0</a:t>
+                      </a:r>
+                      <a:r>
+                        <a:rPr lang="en-US" altLang="zh-TW" sz="2800" b="1" dirty="0">
+                          <a:solidFill>
+                            <a:srgbClr val="FF0000"/>
+                          </a:solidFill>
+                          <a:latin typeface="Consolas" panose="020B0609020204030204" pitchFamily="49" charset="0"/>
+                          <a:cs typeface="Cascadia Code" panose="020B0609020000020004" pitchFamily="49" charset="0"/>
+                        </a:rPr>
+                        <a:t>$</a:t>
+                      </a:r>
+                      <a:endParaRPr lang="zh-TW" altLang="zh-TW" sz="2800" b="1" dirty="0">
+                        <a:solidFill>
+                          <a:srgbClr val="FF0000"/>
+                        </a:solidFill>
+                        <a:latin typeface="Consolas" panose="020B0609020204030204" pitchFamily="49" charset="0"/>
+                        <a:cs typeface="Cascadia Code" panose="020B0609020000020004" pitchFamily="49" charset="0"/>
+                      </a:endParaRPr>
+                    </a:p>
+                  </a:txBody>
+                  <a:tcPr anchor="ctr">
+                    <a:solidFill>
+                      <a:schemeClr val="bg1"/>
+                    </a:solidFill>
+                  </a:tcPr>
+                </a:tc>
+                <a:extLst>
+                  <a:ext uri="{0D108BD9-81ED-4DB2-BD59-A6C34878D82A}">
+                    <a16:rowId xmlns:a16="http://schemas.microsoft.com/office/drawing/2014/main" val="4197134314"/>
+                  </a:ext>
+                </a:extLst>
+              </a:tr>
+              <a:tr h="1642561">
+                <a:tc>
+                  <a:txBody>
+                    <a:bodyPr/>
+                    <a:lstStyle/>
+                    <a:p>
+                      <a:endParaRPr lang="zh-TW" altLang="en-US" dirty="0"/>
+                    </a:p>
+                  </a:txBody>
+                  <a:tcPr>
+                    <a:solidFill>
+                      <a:srgbClr val="C7EAFB"/>
+                    </a:solidFill>
+                  </a:tcPr>
+                </a:tc>
+                <a:tc>
+                  <a:txBody>
+                    <a:bodyPr/>
+                    <a:lstStyle/>
+                    <a:p>
+                      <a:r>
+                        <a:rPr lang="en-US" altLang="zh-TW" sz="2400" b="1" kern="1200" dirty="0">
+                          <a:solidFill>
+                            <a:srgbClr val="FF0000"/>
+                          </a:solidFill>
+                          <a:latin typeface="Consolas" panose="020B0609020204030204" pitchFamily="49" charset="0"/>
+                          <a:ea typeface="+mn-ea"/>
+                          <a:cs typeface="Cascadia Code" panose="020B0609020000020004" pitchFamily="49" charset="0"/>
+                        </a:rPr>
+                        <a:t>\[</a:t>
+                      </a:r>
+                      <a:r>
+                        <a:rPr lang="en-US" altLang="zh-TW" sz="2400" b="1" i="0" kern="1200" dirty="0">
+                          <a:solidFill>
+                            <a:schemeClr val="tx1"/>
+                          </a:solidFill>
+                          <a:latin typeface="Verdana" panose="020B0604030504040204" pitchFamily="34" charset="0"/>
+                          <a:ea typeface="Verdana" panose="020B0604030504040204" pitchFamily="34" charset="0"/>
+                          <a:cs typeface="Cascadia Code" panose="020B0609020000020004" pitchFamily="49" charset="0"/>
+                        </a:rPr>
+                        <a:t>\frac</a:t>
+                      </a:r>
+                      <a:r>
+                        <a:rPr lang="en-US" altLang="zh-TW" sz="2400" b="1" kern="1200" dirty="0">
+                          <a:solidFill>
+                            <a:schemeClr val="tx1"/>
+                          </a:solidFill>
+                          <a:highlight>
+                            <a:srgbClr val="FFFF00"/>
+                          </a:highlight>
+                          <a:latin typeface="Consolas" panose="020B0609020204030204" pitchFamily="49" charset="0"/>
+                          <a:ea typeface="+mn-ea"/>
+                          <a:cs typeface="Cascadia Code" panose="020B0609020000020004" pitchFamily="49" charset="0"/>
+                        </a:rPr>
+                        <a:t>{</a:t>
+                      </a:r>
+                      <a:r>
+                        <a:rPr lang="en-US" altLang="zh-TW" sz="2400" b="1" kern="1200" dirty="0">
+                          <a:solidFill>
+                            <a:schemeClr val="tx1"/>
+                          </a:solidFill>
+                          <a:latin typeface="Consolas" panose="020B0609020204030204" pitchFamily="49" charset="0"/>
+                          <a:ea typeface="+mn-ea"/>
+                          <a:cs typeface="Cascadia Code" panose="020B0609020000020004" pitchFamily="49" charset="0"/>
+                        </a:rPr>
+                        <a:t>a(ap+b1-c)</a:t>
+                      </a:r>
+                      <a:r>
+                        <a:rPr lang="en-US" altLang="zh-TW" sz="2400" b="1" kern="1200" dirty="0">
+                          <a:solidFill>
+                            <a:schemeClr val="tx1"/>
+                          </a:solidFill>
+                          <a:highlight>
+                            <a:srgbClr val="FFFF00"/>
+                          </a:highlight>
+                          <a:latin typeface="Consolas" panose="020B0609020204030204" pitchFamily="49" charset="0"/>
+                          <a:ea typeface="+mn-ea"/>
+                          <a:cs typeface="Cascadia Code" panose="020B0609020000020004" pitchFamily="49" charset="0"/>
+                        </a:rPr>
+                        <a:t>}</a:t>
+                      </a:r>
+                      <a:r>
+                        <a:rPr lang="en-US" altLang="zh-TW" sz="2400" b="1" kern="1200" dirty="0">
+                          <a:solidFill>
+                            <a:schemeClr val="tx1"/>
+                          </a:solidFill>
+                          <a:highlight>
+                            <a:srgbClr val="00FF00"/>
+                          </a:highlight>
+                          <a:latin typeface="Consolas" panose="020B0609020204030204" pitchFamily="49" charset="0"/>
+                          <a:ea typeface="+mn-ea"/>
+                          <a:cs typeface="Cascadia Code" panose="020B0609020000020004" pitchFamily="49" charset="0"/>
+                        </a:rPr>
+                        <a:t>{</a:t>
+                      </a:r>
+                      <a:r>
+                        <a:rPr lang="en-US" altLang="zh-TW" sz="2400" b="1" kern="1200" dirty="0">
+                          <a:solidFill>
+                            <a:schemeClr val="tx1"/>
+                          </a:solidFill>
+                          <a:latin typeface="Consolas" panose="020B0609020204030204" pitchFamily="49" charset="0"/>
+                          <a:ea typeface="+mn-ea"/>
+                          <a:cs typeface="Cascadia Code" panose="020B0609020000020004" pitchFamily="49" charset="0"/>
+                        </a:rPr>
+                        <a:t>{{a}^{2}}+{{b}^{2}}</a:t>
+                      </a:r>
+                      <a:r>
+                        <a:rPr lang="en-US" altLang="zh-TW" sz="2400" b="1" kern="1200" dirty="0">
+                          <a:solidFill>
+                            <a:schemeClr val="tx1"/>
+                          </a:solidFill>
+                          <a:highlight>
+                            <a:srgbClr val="00FF00"/>
+                          </a:highlight>
+                          <a:latin typeface="Consolas" panose="020B0609020204030204" pitchFamily="49" charset="0"/>
+                          <a:ea typeface="+mn-ea"/>
+                          <a:cs typeface="Cascadia Code" panose="020B0609020000020004" pitchFamily="49" charset="0"/>
+                        </a:rPr>
+                        <a:t>}</a:t>
+                      </a:r>
+                      <a:r>
+                        <a:rPr lang="en-US" altLang="zh-TW" sz="2400" b="1" kern="1200" dirty="0">
+                          <a:solidFill>
+                            <a:srgbClr val="FF0000"/>
+                          </a:solidFill>
+                          <a:latin typeface="Consolas" panose="020B0609020204030204" pitchFamily="49" charset="0"/>
+                          <a:ea typeface="+mn-ea"/>
+                          <a:cs typeface="Cascadia Code" panose="020B0609020000020004" pitchFamily="49" charset="0"/>
+                        </a:rPr>
+                        <a:t>\]</a:t>
+                      </a:r>
+                      <a:endParaRPr lang="zh-TW" altLang="en-US" sz="2400" b="1" kern="1200" dirty="0">
+                        <a:solidFill>
+                          <a:srgbClr val="FF0000"/>
+                        </a:solidFill>
+                        <a:latin typeface="Consolas" panose="020B0609020204030204" pitchFamily="49" charset="0"/>
+                        <a:ea typeface="+mn-ea"/>
+                        <a:cs typeface="Cascadia Code" panose="020B0609020000020004" pitchFamily="49" charset="0"/>
+                      </a:endParaRPr>
+                    </a:p>
+                  </a:txBody>
+                  <a:tcPr anchor="ctr">
+                    <a:solidFill>
+                      <a:srgbClr val="C7EAFB"/>
+                    </a:solidFill>
+                  </a:tcPr>
+                </a:tc>
+                <a:extLst>
+                  <a:ext uri="{0D108BD9-81ED-4DB2-BD59-A6C34878D82A}">
+                    <a16:rowId xmlns:a16="http://schemas.microsoft.com/office/drawing/2014/main" val="473148890"/>
+                  </a:ext>
+                </a:extLst>
+              </a:tr>
+            </a:tbl>
+          </a:graphicData>
+        </a:graphic>
+      </p:graphicFrame>
+      <p:pic>
+        <p:nvPicPr>
+          <p:cNvPr id="8" name="圖片 7">
+            <a:extLst>
+              <a:ext uri="{FF2B5EF4-FFF2-40B4-BE49-F238E27FC236}">
+                <a16:creationId xmlns:a16="http://schemas.microsoft.com/office/drawing/2014/main" id="{45F2FB03-60EA-48CC-A02A-3D81A012524B}"/>
+              </a:ext>
+            </a:extLst>
+          </p:cNvPr>
+          <p:cNvPicPr>
+            <a:picLocks noChangeAspect="1"/>
+          </p:cNvPicPr>
+          <p:nvPr/>
+        </p:nvPicPr>
+        <p:blipFill>
+          <a:blip r:embed="rId3"/>
+          <a:stretch>
+            <a:fillRect/>
+          </a:stretch>
+        </p:blipFill>
+        <p:spPr>
+          <a:xfrm>
+            <a:off x="838200" y="3050662"/>
+            <a:ext cx="3026709" cy="756676"/>
+          </a:xfrm>
+          <a:prstGeom prst="rect">
+            <a:avLst/>
+          </a:prstGeom>
+        </p:spPr>
+      </p:pic>
+      <p:pic>
+        <p:nvPicPr>
+          <p:cNvPr id="11" name="圖片 10">
+            <a:extLst>
+              <a:ext uri="{FF2B5EF4-FFF2-40B4-BE49-F238E27FC236}">
+                <a16:creationId xmlns:a16="http://schemas.microsoft.com/office/drawing/2014/main" id="{B8C0BE66-9B58-4B82-98D9-8C038715315B}"/>
+              </a:ext>
+            </a:extLst>
+          </p:cNvPr>
+          <p:cNvPicPr>
+            <a:picLocks noChangeAspect="1"/>
+          </p:cNvPicPr>
+          <p:nvPr/>
+        </p:nvPicPr>
+        <p:blipFill>
+          <a:blip r:embed="rId4"/>
+          <a:stretch>
+            <a:fillRect/>
+          </a:stretch>
+        </p:blipFill>
+        <p:spPr>
+          <a:xfrm>
+            <a:off x="908517" y="4424697"/>
+            <a:ext cx="3038263" cy="1251049"/>
+          </a:xfrm>
+          <a:prstGeom prst="rect">
+            <a:avLst/>
+          </a:prstGeom>
+        </p:spPr>
+      </p:pic>
+      <p:sp>
+        <p:nvSpPr>
+          <p:cNvPr id="6" name="語音泡泡: 圓角矩形 5">
+            <a:extLst>
+              <a:ext uri="{FF2B5EF4-FFF2-40B4-BE49-F238E27FC236}">
+                <a16:creationId xmlns:a16="http://schemas.microsoft.com/office/drawing/2014/main" id="{5390C66A-4C68-463F-875B-45691E97474D}"/>
+              </a:ext>
+            </a:extLst>
+          </p:cNvPr>
+          <p:cNvSpPr/>
+          <p:nvPr/>
+        </p:nvSpPr>
+        <p:spPr>
+          <a:xfrm>
+            <a:off x="7745506" y="3815282"/>
+            <a:ext cx="3774140" cy="724544"/>
+          </a:xfrm>
+          <a:prstGeom prst="wedgeRoundRectCallout">
+            <a:avLst>
+              <a:gd name="adj1" fmla="val -36027"/>
+              <a:gd name="adj2" fmla="val 93303"/>
+              <a:gd name="adj3" fmla="val 16667"/>
+            </a:avLst>
+          </a:prstGeom>
+        </p:spPr>
+        <p:style>
+          <a:lnRef idx="2">
+            <a:schemeClr val="accent1">
+              <a:shade val="50000"/>
+            </a:schemeClr>
+          </a:lnRef>
+          <a:fillRef idx="1">
+            <a:schemeClr val="accent1"/>
+          </a:fillRef>
+          <a:effectRef idx="0">
+            <a:schemeClr val="accent1"/>
+          </a:effectRef>
+          <a:fontRef idx="minor">
+            <a:schemeClr val="lt1"/>
+          </a:fontRef>
+        </p:style>
+        <p:txBody>
+          <a:bodyPr rtlCol="0" anchor="ctr"/>
+          <a:lstStyle/>
+          <a:p>
+            <a:pPr algn="ctr"/>
+            <a:r>
+              <a:rPr lang="zh-TW" altLang="en-US" sz="2400" b="1" dirty="0"/>
+              <a:t>不見得要那麼多層大括弧</a:t>
+            </a:r>
+          </a:p>
+        </p:txBody>
+      </p:sp>
+    </p:spTree>
+    <p:extLst>
+      <p:ext uri="{BB962C8B-B14F-4D97-AF65-F5344CB8AC3E}">
+        <p14:creationId xmlns:p14="http://schemas.microsoft.com/office/powerpoint/2010/main" val="2994594179"/>
+      </p:ext>
+    </p:extLst>
+  </p:cSld>
+  <p:clrMapOvr>
+    <a:masterClrMapping/>
+  </p:clrMapOvr>
+</p:sld>
+</file>
+
+<file path=ppt/slides/slide18.xml><?xml version="1.0" encoding="utf-8"?>
+<p:sld xmlns:a="http://schemas.openxmlformats.org/drawingml/2006/main" xmlns:r="http://schemas.openxmlformats.org/officeDocument/2006/relationships" xmlns:p="http://schemas.openxmlformats.org/presentationml/2006/main">
+  <p:cSld>
+    <p:spTree>
+      <p:nvGrpSpPr>
+        <p:cNvPr id="1" name=""/>
+        <p:cNvGrpSpPr/>
+        <p:nvPr/>
+      </p:nvGrpSpPr>
+      <p:grpSpPr>
+        <a:xfrm>
+          <a:off x="0" y="0"/>
+          <a:ext cx="0" cy="0"/>
+          <a:chOff x="0" y="0"/>
+          <a:chExt cx="0" cy="0"/>
+        </a:xfrm>
+      </p:grpSpPr>
+      <p:sp>
+        <p:nvSpPr>
+          <p:cNvPr id="2" name="標題 1">
+            <a:extLst>
+              <a:ext uri="{FF2B5EF4-FFF2-40B4-BE49-F238E27FC236}">
+                <a16:creationId xmlns:a16="http://schemas.microsoft.com/office/drawing/2014/main" id="{CBCA6F39-7040-4490-972E-584E6745EE8D}"/>
+              </a:ext>
+            </a:extLst>
+          </p:cNvPr>
+          <p:cNvSpPr>
+            <a:spLocks noGrp="1"/>
+          </p:cNvSpPr>
+          <p:nvPr>
+            <p:ph type="title"/>
+          </p:nvPr>
+        </p:nvSpPr>
+        <p:spPr/>
+        <p:txBody>
+          <a:bodyPr/>
+          <a:lstStyle/>
+          <a:p>
+            <a:r>
+              <a:rPr lang="en-US" altLang="zh-TW" dirty="0"/>
+              <a:t>LaTeX </a:t>
+            </a:r>
+            <a:r>
+              <a:rPr lang="zh-TW" altLang="en-US" dirty="0"/>
+              <a:t>語法解析</a:t>
+            </a:r>
+          </a:p>
+        </p:txBody>
+      </p:sp>
+      <p:sp>
+        <p:nvSpPr>
+          <p:cNvPr id="3" name="內容版面配置區 2">
+            <a:extLst>
+              <a:ext uri="{FF2B5EF4-FFF2-40B4-BE49-F238E27FC236}">
+                <a16:creationId xmlns:a16="http://schemas.microsoft.com/office/drawing/2014/main" id="{EE1CDD00-5CC2-41A6-9C10-1C8A20C58140}"/>
+              </a:ext>
+            </a:extLst>
+          </p:cNvPr>
+          <p:cNvSpPr>
+            <a:spLocks noGrp="1"/>
+          </p:cNvSpPr>
+          <p:nvPr>
+            <p:ph idx="1"/>
+          </p:nvPr>
+        </p:nvSpPr>
+        <p:spPr>
+          <a:xfrm>
+            <a:off x="838200" y="1825625"/>
+            <a:ext cx="10515600" cy="1473387"/>
+          </a:xfrm>
+        </p:spPr>
+        <p:txBody>
+          <a:bodyPr>
+            <a:normAutofit/>
+          </a:bodyPr>
+          <a:lstStyle/>
+          <a:p>
+            <a:r>
+              <a:rPr lang="zh-TW" altLang="en-US" dirty="0"/>
+              <a:t>數學區塊至少有兩種表示法：</a:t>
+            </a:r>
+            <a:endParaRPr lang="en-US" altLang="zh-TW" dirty="0"/>
+          </a:p>
+          <a:p>
+            <a:pPr marL="914400" lvl="1" indent="-457200">
+              <a:buFont typeface="+mj-lt"/>
+              <a:buAutoNum type="arabicPeriod"/>
+            </a:pPr>
+            <a:r>
+              <a:rPr lang="zh-TW" altLang="en-US" dirty="0"/>
+              <a:t>行內（</a:t>
+            </a:r>
+            <a:r>
+              <a:rPr lang="en-US" altLang="zh-TW" b="1" dirty="0">
+                <a:solidFill>
+                  <a:srgbClr val="0070C0"/>
+                </a:solidFill>
+              </a:rPr>
+              <a:t>Inline</a:t>
+            </a:r>
+            <a:r>
+              <a:rPr lang="en-US" altLang="zh-TW" dirty="0"/>
+              <a:t> mode</a:t>
+            </a:r>
+            <a:r>
+              <a:rPr lang="zh-TW" altLang="en-US" dirty="0"/>
+              <a:t>）：</a:t>
+            </a:r>
+            <a:r>
+              <a:rPr lang="en-US" altLang="zh-TW" b="1" dirty="0">
+                <a:solidFill>
+                  <a:srgbClr val="FF0000"/>
+                </a:solidFill>
+                <a:highlight>
+                  <a:srgbClr val="FFFF00"/>
+                </a:highlight>
+              </a:rPr>
+              <a:t>$</a:t>
+            </a:r>
+            <a:r>
+              <a:rPr lang="zh-TW" altLang="en-US" dirty="0">
+                <a:highlight>
+                  <a:srgbClr val="FFFF00"/>
+                </a:highlight>
+              </a:rPr>
+              <a:t> 數學式 </a:t>
+            </a:r>
+            <a:r>
+              <a:rPr lang="en-US" altLang="zh-TW" b="1" dirty="0">
+                <a:solidFill>
+                  <a:srgbClr val="FF0000"/>
+                </a:solidFill>
+                <a:highlight>
+                  <a:srgbClr val="FFFF00"/>
+                </a:highlight>
+              </a:rPr>
+              <a:t>$</a:t>
+            </a:r>
+            <a:r>
+              <a:rPr lang="en-US" altLang="zh-TW" b="1" dirty="0">
+                <a:highlight>
+                  <a:srgbClr val="FFFF00"/>
+                </a:highlight>
+              </a:rPr>
+              <a:t> </a:t>
+            </a:r>
+            <a:r>
+              <a:rPr lang="en-US" altLang="zh-TW" b="1" dirty="0"/>
+              <a:t>  </a:t>
+            </a:r>
+            <a:r>
+              <a:rPr lang="zh-TW" altLang="en-US" b="1" dirty="0"/>
+              <a:t>範例：</a:t>
+            </a:r>
+            <a:r>
+              <a:rPr lang="en-US" altLang="zh-TW" sz="2400" b="1" dirty="0">
+                <a:solidFill>
+                  <a:srgbClr val="FF0000"/>
+                </a:solidFill>
+                <a:highlight>
+                  <a:srgbClr val="FFFF00"/>
+                </a:highlight>
+                <a:latin typeface="Consolas" panose="020B0609020204030204" pitchFamily="49" charset="0"/>
+                <a:cs typeface="Cascadia Code" panose="020B0609020000020004" pitchFamily="49" charset="0"/>
+              </a:rPr>
+              <a:t>$</a:t>
+            </a:r>
+            <a:r>
+              <a:rPr lang="en-US" altLang="zh-TW" sz="2400" b="1" dirty="0">
+                <a:solidFill>
+                  <a:schemeClr val="tx1"/>
+                </a:solidFill>
+                <a:highlight>
+                  <a:srgbClr val="FFFF00"/>
+                </a:highlight>
+                <a:latin typeface="Consolas" panose="020B0609020204030204" pitchFamily="49" charset="0"/>
+                <a:cs typeface="Cascadia Code" panose="020B0609020000020004" pitchFamily="49" charset="0"/>
+              </a:rPr>
+              <a:t>3x^2+5x+1=0</a:t>
+            </a:r>
+            <a:r>
+              <a:rPr lang="en-US" altLang="zh-TW" sz="2400" b="1" dirty="0">
+                <a:solidFill>
+                  <a:srgbClr val="FF0000"/>
+                </a:solidFill>
+                <a:highlight>
+                  <a:srgbClr val="FFFF00"/>
+                </a:highlight>
+                <a:latin typeface="Consolas" panose="020B0609020204030204" pitchFamily="49" charset="0"/>
+                <a:cs typeface="Cascadia Code" panose="020B0609020000020004" pitchFamily="49" charset="0"/>
+              </a:rPr>
+              <a:t>$</a:t>
+            </a:r>
+            <a:endParaRPr lang="en-US" altLang="zh-TW" b="1" dirty="0">
+              <a:solidFill>
+                <a:srgbClr val="FF0000"/>
+              </a:solidFill>
+              <a:highlight>
+                <a:srgbClr val="FFFF00"/>
+              </a:highlight>
+            </a:endParaRPr>
+          </a:p>
+          <a:p>
+            <a:pPr marL="914400" lvl="1" indent="-457200">
+              <a:buFont typeface="+mj-lt"/>
+              <a:buAutoNum type="arabicPeriod"/>
+            </a:pPr>
+            <a:r>
+              <a:rPr lang="zh-TW" altLang="en-US" dirty="0"/>
+              <a:t>獨立呈現（</a:t>
+            </a:r>
+            <a:r>
+              <a:rPr lang="en-US" altLang="zh-TW" b="1" dirty="0">
+                <a:solidFill>
+                  <a:srgbClr val="0070C0"/>
+                </a:solidFill>
+              </a:rPr>
+              <a:t>display</a:t>
+            </a:r>
+            <a:r>
+              <a:rPr lang="en-US" altLang="zh-TW" dirty="0"/>
+              <a:t> mode</a:t>
+            </a:r>
+            <a:r>
+              <a:rPr lang="zh-TW" altLang="en-US" dirty="0"/>
+              <a:t>）：</a:t>
+            </a:r>
+            <a:r>
+              <a:rPr lang="en-US" altLang="zh-TW" b="1" dirty="0">
+                <a:solidFill>
+                  <a:srgbClr val="FF0000"/>
+                </a:solidFill>
+                <a:highlight>
+                  <a:srgbClr val="FFFF00"/>
+                </a:highlight>
+              </a:rPr>
+              <a:t>\[</a:t>
+            </a:r>
+            <a:r>
+              <a:rPr lang="en-US" altLang="zh-TW" dirty="0">
+                <a:highlight>
+                  <a:srgbClr val="FFFF00"/>
+                </a:highlight>
+              </a:rPr>
+              <a:t> </a:t>
+            </a:r>
+            <a:r>
+              <a:rPr lang="zh-TW" altLang="en-US" dirty="0">
+                <a:highlight>
+                  <a:srgbClr val="FFFF00"/>
+                </a:highlight>
+              </a:rPr>
+              <a:t>數學式 </a:t>
+            </a:r>
+            <a:r>
+              <a:rPr lang="en-US" altLang="zh-TW" b="1" dirty="0">
+                <a:solidFill>
+                  <a:srgbClr val="FF0000"/>
+                </a:solidFill>
+                <a:highlight>
+                  <a:srgbClr val="FFFF00"/>
+                </a:highlight>
+              </a:rPr>
+              <a:t>\]</a:t>
+            </a:r>
+            <a:r>
+              <a:rPr lang="zh-TW" altLang="en-US" b="1" dirty="0">
+                <a:solidFill>
+                  <a:srgbClr val="FF0000"/>
+                </a:solidFill>
+              </a:rPr>
+              <a:t> </a:t>
+            </a:r>
+            <a:r>
+              <a:rPr lang="zh-TW" altLang="en-US" b="1" dirty="0"/>
+              <a:t>範例：</a:t>
+            </a:r>
+            <a:r>
+              <a:rPr lang="zh-TW" altLang="en-US" b="1" dirty="0">
+                <a:solidFill>
+                  <a:srgbClr val="FF0000"/>
+                </a:solidFill>
+                <a:highlight>
+                  <a:srgbClr val="FFFF00"/>
+                </a:highlight>
+              </a:rPr>
+              <a:t> </a:t>
+            </a:r>
+            <a:r>
+              <a:rPr lang="en-US" altLang="zh-TW" sz="2400" b="1" dirty="0">
+                <a:solidFill>
+                  <a:srgbClr val="FF0000"/>
+                </a:solidFill>
+                <a:highlight>
+                  <a:srgbClr val="FFFF00"/>
+                </a:highlight>
+                <a:latin typeface="Consolas" panose="020B0609020204030204" pitchFamily="49" charset="0"/>
+                <a:cs typeface="Cascadia Code" panose="020B0609020000020004" pitchFamily="49" charset="0"/>
+              </a:rPr>
+              <a:t>$</a:t>
+            </a:r>
+            <a:r>
+              <a:rPr lang="en-US" altLang="zh-TW" sz="2400" b="1" dirty="0">
+                <a:solidFill>
+                  <a:schemeClr val="tx1"/>
+                </a:solidFill>
+                <a:highlight>
+                  <a:srgbClr val="FFFF00"/>
+                </a:highlight>
+                <a:latin typeface="Consolas" panose="020B0609020204030204" pitchFamily="49" charset="0"/>
+                <a:cs typeface="Cascadia Code" panose="020B0609020000020004" pitchFamily="49" charset="0"/>
+              </a:rPr>
+              <a:t>{x^2+y^2=5</a:t>
+            </a:r>
+            <a:r>
+              <a:rPr lang="en-US" altLang="zh-TW" sz="2400" b="1" dirty="0">
+                <a:solidFill>
+                  <a:srgbClr val="FF0000"/>
+                </a:solidFill>
+                <a:highlight>
+                  <a:srgbClr val="FFFF00"/>
+                </a:highlight>
+                <a:latin typeface="Consolas" panose="020B0609020204030204" pitchFamily="49" charset="0"/>
+                <a:cs typeface="Cascadia Code" panose="020B0609020000020004" pitchFamily="49" charset="0"/>
+              </a:rPr>
+              <a:t>$</a:t>
+            </a:r>
+          </a:p>
+          <a:p>
+            <a:endParaRPr lang="en-US" altLang="zh-TW" dirty="0"/>
+          </a:p>
+          <a:p>
+            <a:pPr marL="457200" indent="-457200">
+              <a:buFont typeface="+mj-lt"/>
+              <a:buAutoNum type="arabicPeriod"/>
+            </a:pPr>
+            <a:endParaRPr lang="zh-TW" altLang="en-US" b="1" dirty="0">
+              <a:solidFill>
+                <a:srgbClr val="FF0000"/>
+              </a:solidFill>
+              <a:highlight>
+                <a:srgbClr val="FFFF00"/>
+              </a:highlight>
+            </a:endParaRPr>
+          </a:p>
+        </p:txBody>
+      </p:sp>
+      <p:graphicFrame>
+        <p:nvGraphicFramePr>
+          <p:cNvPr id="4" name="表格 4">
+            <a:extLst>
+              <a:ext uri="{FF2B5EF4-FFF2-40B4-BE49-F238E27FC236}">
+                <a16:creationId xmlns:a16="http://schemas.microsoft.com/office/drawing/2014/main" id="{E2042BB5-3E75-448F-AFC5-AA0DA387872D}"/>
+              </a:ext>
+            </a:extLst>
+          </p:cNvPr>
+          <p:cNvGraphicFramePr>
+            <a:graphicFrameLocks noGrp="1"/>
+          </p:cNvGraphicFramePr>
+          <p:nvPr>
+            <p:extLst>
+              <p:ext uri="{D42A27DB-BD31-4B8C-83A1-F6EECF244321}">
+                <p14:modId xmlns:p14="http://schemas.microsoft.com/office/powerpoint/2010/main" val="4077462754"/>
+              </p:ext>
+            </p:extLst>
+          </p:nvPr>
+        </p:nvGraphicFramePr>
+        <p:xfrm>
+          <a:off x="1117601" y="3554507"/>
+          <a:ext cx="4422588" cy="1854200"/>
+        </p:xfrm>
+        <a:graphic>
+          <a:graphicData uri="http://schemas.openxmlformats.org/drawingml/2006/table">
+            <a:tbl>
+              <a:tblPr firstRow="1" bandRow="1">
+                <a:tableStyleId>{5C22544A-7EE6-4342-B048-85BDC9FD1C3A}</a:tableStyleId>
+              </a:tblPr>
+              <a:tblGrid>
+                <a:gridCol w="2211294">
+                  <a:extLst>
+                    <a:ext uri="{9D8B030D-6E8A-4147-A177-3AD203B41FA5}">
+                      <a16:colId xmlns:a16="http://schemas.microsoft.com/office/drawing/2014/main" val="2331949456"/>
+                    </a:ext>
+                  </a:extLst>
+                </a:gridCol>
+                <a:gridCol w="2211294">
+                  <a:extLst>
+                    <a:ext uri="{9D8B030D-6E8A-4147-A177-3AD203B41FA5}">
+                      <a16:colId xmlns:a16="http://schemas.microsoft.com/office/drawing/2014/main" val="3278539500"/>
+                    </a:ext>
+                  </a:extLst>
+                </a:gridCol>
+              </a:tblGrid>
+              <a:tr h="370840">
+                <a:tc>
+                  <a:txBody>
+                    <a:bodyPr/>
+                    <a:lstStyle/>
+                    <a:p>
+                      <a:r>
+                        <a:rPr lang="zh-TW" altLang="en-US" dirty="0"/>
+                        <a:t>名稱</a:t>
+                      </a:r>
+                    </a:p>
+                  </a:txBody>
+                  <a:tcPr/>
+                </a:tc>
+                <a:tc>
+                  <a:txBody>
+                    <a:bodyPr/>
+                    <a:lstStyle/>
+                    <a:p>
+                      <a:r>
+                        <a:rPr lang="zh-TW" altLang="en-US" dirty="0"/>
+                        <a:t>語法</a:t>
+                      </a:r>
+                    </a:p>
+                  </a:txBody>
+                  <a:tcPr/>
+                </a:tc>
+                <a:extLst>
+                  <a:ext uri="{0D108BD9-81ED-4DB2-BD59-A6C34878D82A}">
+                    <a16:rowId xmlns:a16="http://schemas.microsoft.com/office/drawing/2014/main" val="2505681732"/>
+                  </a:ext>
+                </a:extLst>
+              </a:tr>
+              <a:tr h="370840">
+                <a:tc>
+                  <a:txBody>
+                    <a:bodyPr/>
+                    <a:lstStyle/>
+                    <a:p>
+                      <a:r>
+                        <a:rPr lang="zh-TW" altLang="en-US" dirty="0"/>
+                        <a:t>上標</a:t>
+                      </a:r>
+                    </a:p>
+                  </a:txBody>
+                  <a:tcPr/>
+                </a:tc>
+                <a:tc>
+                  <a:txBody>
+                    <a:bodyPr/>
+                    <a:lstStyle/>
+                    <a:p>
+                      <a:r>
+                        <a:rPr lang="en-US" altLang="zh-TW" b="1" dirty="0">
+                          <a:latin typeface="Verdana" panose="020B0604030504040204" pitchFamily="34" charset="0"/>
+                          <a:ea typeface="Verdana" panose="020B0604030504040204" pitchFamily="34" charset="0"/>
+                        </a:rPr>
+                        <a:t>^</a:t>
+                      </a:r>
+                      <a:endParaRPr lang="zh-TW" altLang="en-US" b="1" dirty="0">
+                        <a:latin typeface="Verdana" panose="020B0604030504040204" pitchFamily="34" charset="0"/>
+                      </a:endParaRPr>
+                    </a:p>
+                  </a:txBody>
+                  <a:tcPr/>
+                </a:tc>
+                <a:extLst>
+                  <a:ext uri="{0D108BD9-81ED-4DB2-BD59-A6C34878D82A}">
+                    <a16:rowId xmlns:a16="http://schemas.microsoft.com/office/drawing/2014/main" val="3554035350"/>
+                  </a:ext>
+                </a:extLst>
+              </a:tr>
+              <a:tr h="370840">
+                <a:tc>
+                  <a:txBody>
+                    <a:bodyPr/>
+                    <a:lstStyle/>
+                    <a:p>
+                      <a:r>
+                        <a:rPr lang="zh-TW" altLang="en-US" dirty="0"/>
+                        <a:t>下標</a:t>
+                      </a:r>
+                    </a:p>
+                  </a:txBody>
+                  <a:tcPr/>
+                </a:tc>
+                <a:tc>
+                  <a:txBody>
+                    <a:bodyPr/>
+                    <a:lstStyle/>
+                    <a:p>
+                      <a:r>
+                        <a:rPr lang="en-US" altLang="zh-TW" b="1" dirty="0">
+                          <a:latin typeface="Verdana" panose="020B0604030504040204" pitchFamily="34" charset="0"/>
+                          <a:ea typeface="Verdana" panose="020B0604030504040204" pitchFamily="34" charset="0"/>
+                        </a:rPr>
+                        <a:t>_</a:t>
+                      </a:r>
+                      <a:endParaRPr lang="zh-TW" altLang="en-US" b="1" dirty="0">
+                        <a:latin typeface="Verdana" panose="020B0604030504040204" pitchFamily="34" charset="0"/>
+                      </a:endParaRPr>
+                    </a:p>
+                  </a:txBody>
+                  <a:tcPr/>
+                </a:tc>
+                <a:extLst>
+                  <a:ext uri="{0D108BD9-81ED-4DB2-BD59-A6C34878D82A}">
+                    <a16:rowId xmlns:a16="http://schemas.microsoft.com/office/drawing/2014/main" val="3127007587"/>
+                  </a:ext>
+                </a:extLst>
+              </a:tr>
+              <a:tr h="370840">
+                <a:tc>
+                  <a:txBody>
+                    <a:bodyPr/>
+                    <a:lstStyle/>
+                    <a:p>
+                      <a:r>
+                        <a:rPr lang="zh-TW" altLang="en-US" dirty="0"/>
+                        <a:t>分數</a:t>
+                      </a:r>
+                    </a:p>
+                  </a:txBody>
+                  <a:tcPr/>
+                </a:tc>
+                <a:tc>
+                  <a:txBody>
+                    <a:bodyPr/>
+                    <a:lstStyle/>
+                    <a:p>
+                      <a:r>
+                        <a:rPr lang="en-US" altLang="zh-TW" b="1" dirty="0">
+                          <a:latin typeface="Verdana" panose="020B0604030504040204" pitchFamily="34" charset="0"/>
+                          <a:ea typeface="Verdana" panose="020B0604030504040204" pitchFamily="34" charset="0"/>
+                        </a:rPr>
+                        <a:t>\frac</a:t>
+                      </a:r>
+                      <a:endParaRPr lang="zh-TW" altLang="en-US" b="1" dirty="0">
+                        <a:latin typeface="Verdana" panose="020B0604030504040204" pitchFamily="34" charset="0"/>
+                      </a:endParaRPr>
+                    </a:p>
+                  </a:txBody>
+                  <a:tcPr/>
+                </a:tc>
+                <a:extLst>
+                  <a:ext uri="{0D108BD9-81ED-4DB2-BD59-A6C34878D82A}">
+                    <a16:rowId xmlns:a16="http://schemas.microsoft.com/office/drawing/2014/main" val="189501178"/>
+                  </a:ext>
+                </a:extLst>
+              </a:tr>
+              <a:tr h="370840">
+                <a:tc>
+                  <a:txBody>
+                    <a:bodyPr/>
+                    <a:lstStyle/>
+                    <a:p>
+                      <a:r>
+                        <a:rPr lang="zh-TW" altLang="en-US" dirty="0"/>
+                        <a:t>群組</a:t>
+                      </a:r>
+                    </a:p>
+                  </a:txBody>
+                  <a:tcPr/>
+                </a:tc>
+                <a:tc>
+                  <a:txBody>
+                    <a:bodyPr/>
+                    <a:lstStyle/>
+                    <a:p>
+                      <a:r>
+                        <a:rPr lang="en-US" altLang="zh-TW" b="1" dirty="0">
+                          <a:latin typeface="Verdana" panose="020B0604030504040204" pitchFamily="34" charset="0"/>
+                        </a:rPr>
+                        <a:t>{}</a:t>
+                      </a:r>
+                      <a:endParaRPr lang="zh-TW" altLang="en-US" b="1" dirty="0">
+                        <a:latin typeface="Verdana" panose="020B0604030504040204" pitchFamily="34" charset="0"/>
+                      </a:endParaRPr>
+                    </a:p>
+                  </a:txBody>
+                  <a:tcPr/>
+                </a:tc>
+                <a:extLst>
+                  <a:ext uri="{0D108BD9-81ED-4DB2-BD59-A6C34878D82A}">
+                    <a16:rowId xmlns:a16="http://schemas.microsoft.com/office/drawing/2014/main" val="2692141441"/>
+                  </a:ext>
+                </a:extLst>
+              </a:tr>
+            </a:tbl>
+          </a:graphicData>
+        </a:graphic>
+      </p:graphicFrame>
+      <p:sp>
+        <p:nvSpPr>
+          <p:cNvPr id="5" name="文字方塊 4">
+            <a:extLst>
+              <a:ext uri="{FF2B5EF4-FFF2-40B4-BE49-F238E27FC236}">
+                <a16:creationId xmlns:a16="http://schemas.microsoft.com/office/drawing/2014/main" id="{E7823F87-6235-4984-A450-57EE81AD99C2}"/>
+              </a:ext>
+            </a:extLst>
+          </p:cNvPr>
+          <p:cNvSpPr txBox="1"/>
+          <p:nvPr/>
+        </p:nvSpPr>
+        <p:spPr>
+          <a:xfrm>
+            <a:off x="5988423" y="3854824"/>
+            <a:ext cx="5020235" cy="400110"/>
+          </a:xfrm>
+          <a:prstGeom prst="rect">
+            <a:avLst/>
+          </a:prstGeom>
+          <a:noFill/>
+        </p:spPr>
+        <p:txBody>
+          <a:bodyPr wrap="square" rtlCol="0">
+            <a:spAutoFit/>
+          </a:bodyPr>
+          <a:lstStyle/>
+          <a:p>
+            <a:r>
+              <a:rPr lang="zh-TW" altLang="en-US" sz="2000" b="1" dirty="0"/>
+              <a:t>👉 延伸閱讀：</a:t>
+            </a:r>
+            <a:r>
+              <a:rPr lang="zh-TW" altLang="en-US" sz="2000" b="1" dirty="0">
+                <a:hlinkClick r:id="rId2"/>
+              </a:rPr>
+              <a:t>常用 </a:t>
+            </a:r>
+            <a:r>
+              <a:rPr lang="en-US" altLang="zh-TW" sz="2000" b="1" dirty="0">
+                <a:hlinkClick r:id="rId2"/>
+              </a:rPr>
+              <a:t>LaTeX </a:t>
+            </a:r>
+            <a:r>
+              <a:rPr lang="zh-TW" altLang="en-US" sz="2000" b="1" dirty="0">
+                <a:hlinkClick r:id="rId2"/>
+              </a:rPr>
+              <a:t>數學符號指令</a:t>
+            </a:r>
+            <a:endParaRPr lang="zh-TW" altLang="en-US" sz="2000" b="1" dirty="0"/>
+          </a:p>
+        </p:txBody>
+      </p:sp>
+    </p:spTree>
+    <p:extLst>
+      <p:ext uri="{BB962C8B-B14F-4D97-AF65-F5344CB8AC3E}">
+        <p14:creationId xmlns:p14="http://schemas.microsoft.com/office/powerpoint/2010/main" val="2370014528"/>
+      </p:ext>
+    </p:extLst>
+  </p:cSld>
+  <p:clrMapOvr>
+    <a:masterClrMapping/>
+  </p:clrMapOvr>
+</p:sld>
+</file>
+
+<file path=ppt/slides/slide19.xml><?xml version="1.0" encoding="utf-8"?>
 <p:sld xmlns:a="http://schemas.openxmlformats.org/drawingml/2006/main" xmlns:r="http://schemas.openxmlformats.org/officeDocument/2006/relationships" xmlns:p="http://schemas.openxmlformats.org/presentationml/2006/main">
   <p:cSld>
     <p:spTree>
@@ -4961,7 +6311,95 @@
 </p:sld>
 </file>
 
-<file path=ppt/slides/slide17.xml><?xml version="1.0" encoding="utf-8"?>
+<file path=ppt/slides/slide2.xml><?xml version="1.0" encoding="utf-8"?>
+<p:sld xmlns:a="http://schemas.openxmlformats.org/drawingml/2006/main" xmlns:r="http://schemas.openxmlformats.org/officeDocument/2006/relationships" xmlns:p="http://schemas.openxmlformats.org/presentationml/2006/main">
+  <p:cSld>
+    <p:spTree>
+      <p:nvGrpSpPr>
+        <p:cNvPr id="1" name=""/>
+        <p:cNvGrpSpPr/>
+        <p:nvPr/>
+      </p:nvGrpSpPr>
+      <p:grpSpPr>
+        <a:xfrm>
+          <a:off x="0" y="0"/>
+          <a:ext cx="0" cy="0"/>
+          <a:chOff x="0" y="0"/>
+          <a:chExt cx="0" cy="0"/>
+        </a:xfrm>
+      </p:grpSpPr>
+      <p:sp>
+        <p:nvSpPr>
+          <p:cNvPr id="2" name="標題 1">
+            <a:extLst>
+              <a:ext uri="{FF2B5EF4-FFF2-40B4-BE49-F238E27FC236}">
+                <a16:creationId xmlns:a16="http://schemas.microsoft.com/office/drawing/2014/main" id="{FDCA7AEB-46BA-47B2-9F7A-3AAA64A29BC6}"/>
+              </a:ext>
+            </a:extLst>
+          </p:cNvPr>
+          <p:cNvSpPr>
+            <a:spLocks noGrp="1"/>
+          </p:cNvSpPr>
+          <p:nvPr>
+            <p:ph type="ctrTitle"/>
+          </p:nvPr>
+        </p:nvSpPr>
+        <p:spPr/>
+        <p:txBody>
+          <a:bodyPr/>
+          <a:lstStyle/>
+          <a:p>
+            <a:r>
+              <a:rPr lang="en-US" altLang="zh-TW" b="1" dirty="0"/>
+              <a:t>Part I. </a:t>
+            </a:r>
+            <a:r>
+              <a:rPr lang="zh-TW" altLang="en-US" b="1" dirty="0"/>
+              <a:t>轉譯工具與流程</a:t>
+            </a:r>
+            <a:endParaRPr lang="zh-TW" altLang="en-US" dirty="0"/>
+          </a:p>
+        </p:txBody>
+      </p:sp>
+      <p:sp>
+        <p:nvSpPr>
+          <p:cNvPr id="4" name="副標題 3">
+            <a:extLst>
+              <a:ext uri="{FF2B5EF4-FFF2-40B4-BE49-F238E27FC236}">
+                <a16:creationId xmlns:a16="http://schemas.microsoft.com/office/drawing/2014/main" id="{D1DAB7D7-DB00-4702-8F67-F5B698EBFD0B}"/>
+              </a:ext>
+            </a:extLst>
+          </p:cNvPr>
+          <p:cNvSpPr>
+            <a:spLocks noGrp="1"/>
+          </p:cNvSpPr>
+          <p:nvPr>
+            <p:ph type="subTitle" idx="1"/>
+          </p:nvPr>
+        </p:nvSpPr>
+        <p:spPr/>
+        <p:txBody>
+          <a:bodyPr/>
+          <a:lstStyle/>
+          <a:p>
+            <a:endParaRPr lang="zh-TW" altLang="en-US"/>
+          </a:p>
+        </p:txBody>
+      </p:sp>
+    </p:spTree>
+    <p:extLst>
+      <p:ext uri="{BB962C8B-B14F-4D97-AF65-F5344CB8AC3E}">
+        <p14:creationId xmlns:p14="http://schemas.microsoft.com/office/powerpoint/2010/main" val="3993175922"/>
+      </p:ext>
+    </p:extLst>
+  </p:cSld>
+  <p:clrMapOvr>
+    <a:masterClrMapping/>
+  </p:clrMapOvr>
+</p:sld>
+</file>
+
+<file path=ppt/slides/slide20.xml><?xml version="1.0" encoding="utf-8"?>
 <p:sld xmlns:a="http://schemas.openxmlformats.org/drawingml/2006/main" xmlns:r="http://schemas.openxmlformats.org/officeDocument/2006/relationships" xmlns:p="http://schemas.openxmlformats.org/presentationml/2006/main">
   <p:cSld>
     <p:spTree>
@@ -5064,7 +6502,7 @@
 </p:sld>
 </file>
 
-<file path=ppt/slides/slide18.xml><?xml version="1.0" encoding="utf-8"?>
+<file path=ppt/slides/slide21.xml><?xml version="1.0" encoding="utf-8"?>
 <p:sld xmlns:a="http://schemas.openxmlformats.org/drawingml/2006/main" xmlns:r="http://schemas.openxmlformats.org/officeDocument/2006/relationships" xmlns:p="http://schemas.openxmlformats.org/presentationml/2006/main">
   <p:cSld>
     <p:spTree>
@@ -5259,7 +6697,7 @@
 </p:sld>
 </file>
 
-<file path=ppt/slides/slide19.xml><?xml version="1.0" encoding="utf-8"?>
+<file path=ppt/slides/slide22.xml><?xml version="1.0" encoding="utf-8"?>
 <p:sld xmlns:a="http://schemas.openxmlformats.org/drawingml/2006/main" xmlns:r="http://schemas.openxmlformats.org/officeDocument/2006/relationships" xmlns:p="http://schemas.openxmlformats.org/presentationml/2006/main">
   <p:cSld>
     <p:spTree>
@@ -5486,7 +6924,1351 @@
 </p:sld>
 </file>
 
-<file path=ppt/slides/slide2.xml><?xml version="1.0" encoding="utf-8"?>
+<file path=ppt/slides/slide23.xml><?xml version="1.0" encoding="utf-8"?>
+<p:sld xmlns:a="http://schemas.openxmlformats.org/drawingml/2006/main" xmlns:r="http://schemas.openxmlformats.org/officeDocument/2006/relationships" xmlns:p="http://schemas.openxmlformats.org/presentationml/2006/main">
+  <p:cSld>
+    <p:spTree>
+      <p:nvGrpSpPr>
+        <p:cNvPr id="1" name=""/>
+        <p:cNvGrpSpPr/>
+        <p:nvPr/>
+      </p:nvGrpSpPr>
+      <p:grpSpPr>
+        <a:xfrm>
+          <a:off x="0" y="0"/>
+          <a:ext cx="0" cy="0"/>
+          <a:chOff x="0" y="0"/>
+          <a:chExt cx="0" cy="0"/>
+        </a:xfrm>
+      </p:grpSpPr>
+      <p:sp>
+        <p:nvSpPr>
+          <p:cNvPr id="2" name="標題 1">
+            <a:extLst>
+              <a:ext uri="{FF2B5EF4-FFF2-40B4-BE49-F238E27FC236}">
+                <a16:creationId xmlns:a16="http://schemas.microsoft.com/office/drawing/2014/main" id="{924DE004-EB3C-49AB-95AB-1F247D2E43F5}"/>
+              </a:ext>
+            </a:extLst>
+          </p:cNvPr>
+          <p:cNvSpPr>
+            <a:spLocks noGrp="1"/>
+          </p:cNvSpPr>
+          <p:nvPr>
+            <p:ph type="title"/>
+          </p:nvPr>
+        </p:nvSpPr>
+        <p:spPr/>
+        <p:txBody>
+          <a:bodyPr/>
+          <a:lstStyle/>
+          <a:p>
+            <a:r>
+              <a:rPr lang="zh-TW" altLang="en-US" dirty="0"/>
+              <a:t>重點整理：數學教材轉譯流程</a:t>
+            </a:r>
+          </a:p>
+        </p:txBody>
+      </p:sp>
+      <p:sp>
+        <p:nvSpPr>
+          <p:cNvPr id="3" name="內容版面配置區 2">
+            <a:extLst>
+              <a:ext uri="{FF2B5EF4-FFF2-40B4-BE49-F238E27FC236}">
+                <a16:creationId xmlns:a16="http://schemas.microsoft.com/office/drawing/2014/main" id="{8EA22ADC-467D-41F3-949A-92E61A4B5CD5}"/>
+              </a:ext>
+            </a:extLst>
+          </p:cNvPr>
+          <p:cNvSpPr>
+            <a:spLocks noGrp="1"/>
+          </p:cNvSpPr>
+          <p:nvPr>
+            <p:ph idx="1"/>
+          </p:nvPr>
+        </p:nvSpPr>
+        <p:spPr/>
+        <p:txBody>
+          <a:bodyPr/>
+          <a:lstStyle/>
+          <a:p>
+            <a:pPr marL="514350" indent="-514350">
+              <a:buFont typeface="+mj-lt"/>
+              <a:buAutoNum type="arabicPeriod"/>
+            </a:pPr>
+            <a:r>
+              <a:rPr lang="zh-TW" altLang="en-US" dirty="0"/>
+              <a:t>把 </a:t>
+            </a:r>
+            <a:r>
+              <a:rPr lang="en-US" altLang="zh-TW" dirty="0"/>
+              <a:t>.docx </a:t>
+            </a:r>
+            <a:r>
+              <a:rPr lang="zh-TW" altLang="en-US" dirty="0"/>
+              <a:t>另存一份，檔案可命名為 </a:t>
+            </a:r>
+            <a:r>
+              <a:rPr lang="en-US" altLang="zh-TW" dirty="0"/>
+              <a:t>temp.docx</a:t>
+            </a:r>
+            <a:r>
+              <a:rPr lang="zh-TW" altLang="en-US" dirty="0"/>
+              <a:t>。</a:t>
+            </a:r>
+            <a:endParaRPr lang="en-US" altLang="zh-TW" dirty="0"/>
+          </a:p>
+          <a:p>
+            <a:pPr marL="514350" indent="-514350">
+              <a:buFont typeface="+mj-lt"/>
+              <a:buAutoNum type="arabicPeriod"/>
+            </a:pPr>
+            <a:r>
+              <a:rPr lang="zh-TW" altLang="en-US" dirty="0"/>
+              <a:t>把 </a:t>
+            </a:r>
+            <a:r>
+              <a:rPr lang="en-US" altLang="zh-TW" dirty="0"/>
+              <a:t>temp.docx </a:t>
+            </a:r>
+            <a:r>
+              <a:rPr lang="zh-TW" altLang="en-US" dirty="0"/>
+              <a:t>中的換行符號全部取代為 </a:t>
+            </a:r>
+            <a:r>
+              <a:rPr lang="en-US" altLang="zh-TW" dirty="0"/>
+              <a:t>“&lt;</a:t>
+            </a:r>
+            <a:r>
+              <a:rPr lang="en-US" altLang="zh-TW" dirty="0" err="1"/>
+              <a:t>br</a:t>
+            </a:r>
+            <a:r>
+              <a:rPr lang="en-US" altLang="zh-TW" dirty="0"/>
+              <a:t> /&gt;”</a:t>
+            </a:r>
+            <a:r>
+              <a:rPr lang="zh-TW" altLang="en-US" dirty="0"/>
+              <a:t>。</a:t>
+            </a:r>
+            <a:endParaRPr lang="en-US" altLang="zh-TW" dirty="0"/>
+          </a:p>
+          <a:p>
+            <a:pPr marL="514350" indent="-514350">
+              <a:buFont typeface="+mj-lt"/>
+              <a:buAutoNum type="arabicPeriod"/>
+            </a:pPr>
+            <a:r>
+              <a:rPr lang="zh-TW" altLang="en-US" dirty="0"/>
+              <a:t>執行 </a:t>
+            </a:r>
+            <a:r>
+              <a:rPr lang="en-US" altLang="zh-TW" dirty="0" err="1"/>
+              <a:t>MathType</a:t>
+            </a:r>
+            <a:r>
+              <a:rPr lang="en-US" altLang="zh-TW" dirty="0"/>
+              <a:t> </a:t>
+            </a:r>
+            <a:r>
+              <a:rPr lang="zh-TW" altLang="en-US" dirty="0"/>
+              <a:t>的轉換功能，把數學公式物件全都轉成 </a:t>
+            </a:r>
+            <a:r>
+              <a:rPr lang="en-US" altLang="zh-TW" dirty="0"/>
+              <a:t>MathML </a:t>
+            </a:r>
+            <a:r>
+              <a:rPr lang="zh-TW" altLang="en-US" dirty="0"/>
+              <a:t>標記。</a:t>
+            </a:r>
+            <a:endParaRPr lang="en-US" altLang="zh-TW" dirty="0"/>
+          </a:p>
+          <a:p>
+            <a:pPr marL="514350" indent="-514350">
+              <a:buFont typeface="+mj-lt"/>
+              <a:buAutoNum type="arabicPeriod"/>
+            </a:pPr>
+            <a:r>
+              <a:rPr lang="zh-TW" altLang="en-US" dirty="0"/>
+              <a:t>清除 </a:t>
+            </a:r>
+            <a:r>
+              <a:rPr lang="en-US" altLang="zh-TW" dirty="0"/>
+              <a:t>display=“block”</a:t>
+            </a:r>
+            <a:r>
+              <a:rPr lang="zh-TW" altLang="en-US" dirty="0"/>
+              <a:t> 屬性。</a:t>
+            </a:r>
+            <a:endParaRPr lang="en-US" altLang="zh-TW" dirty="0"/>
+          </a:p>
+          <a:p>
+            <a:pPr marL="514350" indent="-514350">
+              <a:buFont typeface="+mj-lt"/>
+              <a:buAutoNum type="arabicPeriod"/>
+            </a:pPr>
+            <a:r>
+              <a:rPr lang="zh-TW" altLang="en-US" dirty="0"/>
+              <a:t>把 </a:t>
+            </a:r>
+            <a:r>
+              <a:rPr lang="en-US" altLang="zh-TW" dirty="0"/>
+              <a:t>temp.docx </a:t>
+            </a:r>
+            <a:r>
+              <a:rPr lang="zh-TW" altLang="en-US" dirty="0"/>
+              <a:t>內容全選並複製到記事本中，另存為 </a:t>
+            </a:r>
+            <a:r>
+              <a:rPr lang="en-US" altLang="zh-TW" dirty="0"/>
+              <a:t>html </a:t>
+            </a:r>
+            <a:r>
+              <a:rPr lang="zh-TW" altLang="en-US" dirty="0"/>
+              <a:t>檔案。</a:t>
+            </a:r>
+            <a:endParaRPr lang="en-US" altLang="zh-TW" dirty="0"/>
+          </a:p>
+          <a:p>
+            <a:pPr marL="514350" indent="-514350">
+              <a:buFont typeface="+mj-lt"/>
+              <a:buAutoNum type="arabicPeriod"/>
+            </a:pPr>
+            <a:r>
+              <a:rPr lang="zh-TW" altLang="en-US" dirty="0"/>
+              <a:t>用 </a:t>
+            </a:r>
+            <a:r>
+              <a:rPr lang="en-US" altLang="zh-TW" dirty="0"/>
+              <a:t>Firefox </a:t>
+            </a:r>
+            <a:r>
+              <a:rPr lang="zh-TW" altLang="en-US" dirty="0"/>
+              <a:t>開啟上一步驟所建立之 </a:t>
+            </a:r>
+            <a:r>
+              <a:rPr lang="en-US" altLang="zh-TW" dirty="0"/>
+              <a:t>html </a:t>
+            </a:r>
+            <a:r>
+              <a:rPr lang="zh-TW" altLang="en-US" dirty="0"/>
+              <a:t>檔案，並搭配 </a:t>
+            </a:r>
+            <a:r>
+              <a:rPr lang="en-US" altLang="zh-TW" dirty="0"/>
+              <a:t>NVDA </a:t>
+            </a:r>
+            <a:r>
+              <a:rPr lang="zh-TW" altLang="en-US" dirty="0"/>
+              <a:t>以確認可正確報讀數學公式。</a:t>
+            </a:r>
+            <a:endParaRPr lang="en-US" altLang="zh-TW" dirty="0"/>
+          </a:p>
+          <a:p>
+            <a:pPr marL="514350" indent="-514350">
+              <a:buFont typeface="+mj-lt"/>
+              <a:buAutoNum type="arabicPeriod"/>
+            </a:pPr>
+            <a:endParaRPr lang="en-US" altLang="zh-TW" dirty="0"/>
+          </a:p>
+          <a:p>
+            <a:pPr marL="514350" indent="-514350">
+              <a:buFont typeface="+mj-lt"/>
+              <a:buAutoNum type="arabicPeriod"/>
+            </a:pPr>
+            <a:endParaRPr lang="en-US" altLang="zh-TW" dirty="0"/>
+          </a:p>
+          <a:p>
+            <a:pPr marL="514350" indent="-514350">
+              <a:buFont typeface="+mj-lt"/>
+              <a:buAutoNum type="arabicPeriod"/>
+            </a:pPr>
+            <a:endParaRPr lang="en-US" altLang="zh-TW" dirty="0"/>
+          </a:p>
+          <a:p>
+            <a:pPr marL="514350" indent="-514350">
+              <a:buFont typeface="+mj-lt"/>
+              <a:buAutoNum type="arabicPeriod"/>
+            </a:pPr>
+            <a:endParaRPr lang="zh-TW" altLang="en-US" dirty="0"/>
+          </a:p>
+        </p:txBody>
+      </p:sp>
+    </p:spTree>
+    <p:extLst>
+      <p:ext uri="{BB962C8B-B14F-4D97-AF65-F5344CB8AC3E}">
+        <p14:creationId xmlns:p14="http://schemas.microsoft.com/office/powerpoint/2010/main" val="836954449"/>
+      </p:ext>
+    </p:extLst>
+  </p:cSld>
+  <p:clrMapOvr>
+    <a:masterClrMapping/>
+  </p:clrMapOvr>
+</p:sld>
+</file>
+
+<file path=ppt/slides/slide24.xml><?xml version="1.0" encoding="utf-8"?>
+<p:sld xmlns:a="http://schemas.openxmlformats.org/drawingml/2006/main" xmlns:r="http://schemas.openxmlformats.org/officeDocument/2006/relationships" xmlns:p="http://schemas.openxmlformats.org/presentationml/2006/main">
+  <p:cSld>
+    <p:spTree>
+      <p:nvGrpSpPr>
+        <p:cNvPr id="1" name=""/>
+        <p:cNvGrpSpPr/>
+        <p:nvPr/>
+      </p:nvGrpSpPr>
+      <p:grpSpPr>
+        <a:xfrm>
+          <a:off x="0" y="0"/>
+          <a:ext cx="0" cy="0"/>
+          <a:chOff x="0" y="0"/>
+          <a:chExt cx="0" cy="0"/>
+        </a:xfrm>
+      </p:grpSpPr>
+      <p:sp>
+        <p:nvSpPr>
+          <p:cNvPr id="2" name="標題 1">
+            <a:extLst>
+              <a:ext uri="{FF2B5EF4-FFF2-40B4-BE49-F238E27FC236}">
+                <a16:creationId xmlns:a16="http://schemas.microsoft.com/office/drawing/2014/main" id="{A96A5937-1813-41B5-B69E-4F3D9B970402}"/>
+              </a:ext>
+            </a:extLst>
+          </p:cNvPr>
+          <p:cNvSpPr>
+            <a:spLocks noGrp="1"/>
+          </p:cNvSpPr>
+          <p:nvPr>
+            <p:ph type="ctrTitle"/>
+          </p:nvPr>
+        </p:nvSpPr>
+        <p:spPr/>
+        <p:txBody>
+          <a:bodyPr/>
+          <a:lstStyle/>
+          <a:p>
+            <a:r>
+              <a:rPr lang="zh-TW" altLang="en-US" b="1" dirty="0"/>
+              <a:t>提高生產力</a:t>
+            </a:r>
+          </a:p>
+        </p:txBody>
+      </p:sp>
+      <p:sp>
+        <p:nvSpPr>
+          <p:cNvPr id="4" name="副標題 3">
+            <a:extLst>
+              <a:ext uri="{FF2B5EF4-FFF2-40B4-BE49-F238E27FC236}">
+                <a16:creationId xmlns:a16="http://schemas.microsoft.com/office/drawing/2014/main" id="{DA24B221-5ECA-46D1-938A-782C087462F5}"/>
+              </a:ext>
+            </a:extLst>
+          </p:cNvPr>
+          <p:cNvSpPr>
+            <a:spLocks noGrp="1"/>
+          </p:cNvSpPr>
+          <p:nvPr>
+            <p:ph type="subTitle" idx="1"/>
+          </p:nvPr>
+        </p:nvSpPr>
+        <p:spPr/>
+        <p:txBody>
+          <a:bodyPr/>
+          <a:lstStyle/>
+          <a:p>
+            <a:r>
+              <a:rPr lang="zh-TW" altLang="en-US" dirty="0"/>
+              <a:t>使用 </a:t>
+            </a:r>
+            <a:r>
+              <a:rPr lang="en-US" altLang="zh-TW" dirty="0" err="1"/>
+              <a:t>Mathpix</a:t>
+            </a:r>
+            <a:r>
+              <a:rPr lang="en-US" altLang="zh-TW" dirty="0"/>
+              <a:t> Snip </a:t>
+            </a:r>
+            <a:r>
+              <a:rPr lang="zh-TW" altLang="en-US" dirty="0"/>
+              <a:t>自動辨識數學公式</a:t>
+            </a:r>
+            <a:endParaRPr lang="en-US" altLang="zh-TW" dirty="0"/>
+          </a:p>
+        </p:txBody>
+      </p:sp>
+    </p:spTree>
+    <p:extLst>
+      <p:ext uri="{BB962C8B-B14F-4D97-AF65-F5344CB8AC3E}">
+        <p14:creationId xmlns:p14="http://schemas.microsoft.com/office/powerpoint/2010/main" val="4127270236"/>
+      </p:ext>
+    </p:extLst>
+  </p:cSld>
+  <p:clrMapOvr>
+    <a:masterClrMapping/>
+  </p:clrMapOvr>
+</p:sld>
+</file>
+
+<file path=ppt/slides/slide25.xml><?xml version="1.0" encoding="utf-8"?>
+<p:sld xmlns:a="http://schemas.openxmlformats.org/drawingml/2006/main" xmlns:r="http://schemas.openxmlformats.org/officeDocument/2006/relationships" xmlns:p="http://schemas.openxmlformats.org/presentationml/2006/main">
+  <p:cSld>
+    <p:spTree>
+      <p:nvGrpSpPr>
+        <p:cNvPr id="1" name=""/>
+        <p:cNvGrpSpPr/>
+        <p:nvPr/>
+      </p:nvGrpSpPr>
+      <p:grpSpPr>
+        <a:xfrm>
+          <a:off x="0" y="0"/>
+          <a:ext cx="0" cy="0"/>
+          <a:chOff x="0" y="0"/>
+          <a:chExt cx="0" cy="0"/>
+        </a:xfrm>
+      </p:grpSpPr>
+      <p:sp>
+        <p:nvSpPr>
+          <p:cNvPr id="2" name="標題 1">
+            <a:extLst>
+              <a:ext uri="{FF2B5EF4-FFF2-40B4-BE49-F238E27FC236}">
+                <a16:creationId xmlns:a16="http://schemas.microsoft.com/office/drawing/2014/main" id="{25DDF448-A95F-478C-AD69-4F97D48D95A3}"/>
+              </a:ext>
+            </a:extLst>
+          </p:cNvPr>
+          <p:cNvSpPr>
+            <a:spLocks noGrp="1"/>
+          </p:cNvSpPr>
+          <p:nvPr>
+            <p:ph type="title"/>
+          </p:nvPr>
+        </p:nvSpPr>
+        <p:spPr/>
+        <p:txBody>
+          <a:bodyPr/>
+          <a:lstStyle/>
+          <a:p>
+            <a:r>
+              <a:rPr lang="en-US" altLang="zh-TW" dirty="0" err="1"/>
+              <a:t>Mathpix</a:t>
+            </a:r>
+            <a:r>
+              <a:rPr lang="en-US" altLang="zh-TW" dirty="0"/>
+              <a:t> Snip </a:t>
+            </a:r>
+            <a:r>
+              <a:rPr lang="zh-TW" altLang="en-US" dirty="0"/>
+              <a:t>簡介</a:t>
+            </a:r>
+          </a:p>
+        </p:txBody>
+      </p:sp>
+      <p:sp>
+        <p:nvSpPr>
+          <p:cNvPr id="3" name="內容版面配置區 2">
+            <a:extLst>
+              <a:ext uri="{FF2B5EF4-FFF2-40B4-BE49-F238E27FC236}">
+                <a16:creationId xmlns:a16="http://schemas.microsoft.com/office/drawing/2014/main" id="{0933CE65-D115-42D4-8E15-B49491E03AD2}"/>
+              </a:ext>
+            </a:extLst>
+          </p:cNvPr>
+          <p:cNvSpPr>
+            <a:spLocks noGrp="1"/>
+          </p:cNvSpPr>
+          <p:nvPr>
+            <p:ph idx="1"/>
+          </p:nvPr>
+        </p:nvSpPr>
+        <p:spPr/>
+        <p:txBody>
+          <a:bodyPr/>
+          <a:lstStyle/>
+          <a:p>
+            <a:r>
+              <a:rPr lang="zh-TW" altLang="en-US" dirty="0"/>
+              <a:t>在螢幕畫面上擷取一塊區域，然後自動辨識成數學公式。</a:t>
+            </a:r>
+            <a:endParaRPr lang="en-US" altLang="zh-TW" dirty="0"/>
+          </a:p>
+          <a:p>
+            <a:r>
+              <a:rPr lang="en-US" altLang="zh-TW" dirty="0" err="1"/>
+              <a:t>Mathpix</a:t>
+            </a:r>
+            <a:r>
+              <a:rPr lang="en-US" altLang="zh-TW" dirty="0"/>
+              <a:t> Snip </a:t>
+            </a:r>
+            <a:r>
+              <a:rPr lang="zh-TW" altLang="en-US" dirty="0"/>
+              <a:t>辨識出來的數學公式，是以 </a:t>
+            </a:r>
+            <a:r>
+              <a:rPr lang="en-US" altLang="zh-TW" dirty="0"/>
+              <a:t>LaTeX </a:t>
+            </a:r>
+            <a:r>
+              <a:rPr lang="zh-TW" altLang="en-US" dirty="0"/>
+              <a:t>語法來表示。</a:t>
+            </a:r>
+            <a:endParaRPr lang="en-US" altLang="zh-TW" dirty="0"/>
+          </a:p>
+          <a:p>
+            <a:r>
+              <a:rPr lang="zh-TW" altLang="en-US" dirty="0"/>
+              <a:t>付費軟體。</a:t>
+            </a:r>
+            <a:r>
+              <a:rPr lang="zh-TW" altLang="en-US" dirty="0">
+                <a:solidFill>
+                  <a:schemeClr val="accent2">
+                    <a:lumMod val="75000"/>
+                  </a:schemeClr>
+                </a:solidFill>
+              </a:rPr>
+              <a:t>免費版可以每個月辨識 </a:t>
+            </a:r>
+            <a:r>
+              <a:rPr lang="en-US" altLang="zh-TW" dirty="0">
+                <a:solidFill>
+                  <a:schemeClr val="accent2">
+                    <a:lumMod val="75000"/>
+                  </a:schemeClr>
+                </a:solidFill>
+              </a:rPr>
+              <a:t>50 </a:t>
+            </a:r>
+            <a:r>
+              <a:rPr lang="zh-TW" altLang="en-US" dirty="0">
+                <a:solidFill>
+                  <a:schemeClr val="accent2">
+                    <a:lumMod val="75000"/>
+                  </a:schemeClr>
+                </a:solidFill>
+              </a:rPr>
+              <a:t>次。</a:t>
+            </a:r>
+          </a:p>
+        </p:txBody>
+      </p:sp>
+    </p:spTree>
+    <p:extLst>
+      <p:ext uri="{BB962C8B-B14F-4D97-AF65-F5344CB8AC3E}">
+        <p14:creationId xmlns:p14="http://schemas.microsoft.com/office/powerpoint/2010/main" val="3309332085"/>
+      </p:ext>
+    </p:extLst>
+  </p:cSld>
+  <p:clrMapOvr>
+    <a:masterClrMapping/>
+  </p:clrMapOvr>
+</p:sld>
+</file>
+
+<file path=ppt/slides/slide26.xml><?xml version="1.0" encoding="utf-8"?>
+<p:sld xmlns:a="http://schemas.openxmlformats.org/drawingml/2006/main" xmlns:r="http://schemas.openxmlformats.org/officeDocument/2006/relationships" xmlns:p="http://schemas.openxmlformats.org/presentationml/2006/main">
+  <p:cSld>
+    <p:spTree>
+      <p:nvGrpSpPr>
+        <p:cNvPr id="1" name=""/>
+        <p:cNvGrpSpPr/>
+        <p:nvPr/>
+      </p:nvGrpSpPr>
+      <p:grpSpPr>
+        <a:xfrm>
+          <a:off x="0" y="0"/>
+          <a:ext cx="0" cy="0"/>
+          <a:chOff x="0" y="0"/>
+          <a:chExt cx="0" cy="0"/>
+        </a:xfrm>
+      </p:grpSpPr>
+      <p:sp>
+        <p:nvSpPr>
+          <p:cNvPr id="2" name="標題 1">
+            <a:extLst>
+              <a:ext uri="{FF2B5EF4-FFF2-40B4-BE49-F238E27FC236}">
+                <a16:creationId xmlns:a16="http://schemas.microsoft.com/office/drawing/2014/main" id="{3A2DD5CC-A52B-48F8-932E-5CCCD12FA790}"/>
+              </a:ext>
+            </a:extLst>
+          </p:cNvPr>
+          <p:cNvSpPr>
+            <a:spLocks noGrp="1"/>
+          </p:cNvSpPr>
+          <p:nvPr>
+            <p:ph type="ctrTitle"/>
+          </p:nvPr>
+        </p:nvSpPr>
+        <p:spPr/>
+        <p:txBody>
+          <a:bodyPr>
+            <a:normAutofit/>
+          </a:bodyPr>
+          <a:lstStyle/>
+          <a:p>
+            <a:r>
+              <a:rPr lang="zh-TW" altLang="en-US" b="1" dirty="0"/>
+              <a:t>示範：</a:t>
+            </a:r>
+            <a:r>
+              <a:rPr lang="en-US" altLang="zh-TW" b="1" dirty="0" err="1"/>
+              <a:t>Mathpix</a:t>
+            </a:r>
+            <a:r>
+              <a:rPr lang="zh-TW" altLang="en-US" b="1" dirty="0"/>
+              <a:t> </a:t>
+            </a:r>
+            <a:r>
+              <a:rPr lang="en-US" altLang="zh-TW" b="1" dirty="0"/>
+              <a:t>Snip </a:t>
+            </a:r>
+            <a:r>
+              <a:rPr lang="zh-TW" altLang="en-US" b="1" dirty="0"/>
+              <a:t>的</a:t>
+            </a:r>
+            <a:br>
+              <a:rPr lang="en-US" altLang="zh-TW" b="1" dirty="0"/>
+            </a:br>
+            <a:r>
+              <a:rPr lang="zh-TW" altLang="en-US" b="1" dirty="0"/>
+              <a:t>安裝與基本用法</a:t>
+            </a:r>
+          </a:p>
+        </p:txBody>
+      </p:sp>
+      <p:sp>
+        <p:nvSpPr>
+          <p:cNvPr id="4" name="副標題 3">
+            <a:extLst>
+              <a:ext uri="{FF2B5EF4-FFF2-40B4-BE49-F238E27FC236}">
+                <a16:creationId xmlns:a16="http://schemas.microsoft.com/office/drawing/2014/main" id="{90ACCCAF-5E3E-4FA9-B250-DD18E93B6AEC}"/>
+              </a:ext>
+            </a:extLst>
+          </p:cNvPr>
+          <p:cNvSpPr>
+            <a:spLocks noGrp="1"/>
+          </p:cNvSpPr>
+          <p:nvPr>
+            <p:ph type="subTitle" idx="1"/>
+          </p:nvPr>
+        </p:nvSpPr>
+        <p:spPr/>
+        <p:txBody>
+          <a:bodyPr/>
+          <a:lstStyle/>
+          <a:p>
+            <a:endParaRPr lang="zh-TW" altLang="en-US"/>
+          </a:p>
+        </p:txBody>
+      </p:sp>
+    </p:spTree>
+    <p:extLst>
+      <p:ext uri="{BB962C8B-B14F-4D97-AF65-F5344CB8AC3E}">
+        <p14:creationId xmlns:p14="http://schemas.microsoft.com/office/powerpoint/2010/main" val="3932379979"/>
+      </p:ext>
+    </p:extLst>
+  </p:cSld>
+  <p:clrMapOvr>
+    <a:masterClrMapping/>
+  </p:clrMapOvr>
+</p:sld>
+</file>
+
+<file path=ppt/slides/slide27.xml><?xml version="1.0" encoding="utf-8"?>
+<p:sld xmlns:a="http://schemas.openxmlformats.org/drawingml/2006/main" xmlns:r="http://schemas.openxmlformats.org/officeDocument/2006/relationships" xmlns:p="http://schemas.openxmlformats.org/presentationml/2006/main">
+  <p:cSld>
+    <p:spTree>
+      <p:nvGrpSpPr>
+        <p:cNvPr id="1" name=""/>
+        <p:cNvGrpSpPr/>
+        <p:nvPr/>
+      </p:nvGrpSpPr>
+      <p:grpSpPr>
+        <a:xfrm>
+          <a:off x="0" y="0"/>
+          <a:ext cx="0" cy="0"/>
+          <a:chOff x="0" y="0"/>
+          <a:chExt cx="0" cy="0"/>
+        </a:xfrm>
+      </p:grpSpPr>
+      <p:sp>
+        <p:nvSpPr>
+          <p:cNvPr id="2" name="標題 1">
+            <a:extLst>
+              <a:ext uri="{FF2B5EF4-FFF2-40B4-BE49-F238E27FC236}">
+                <a16:creationId xmlns:a16="http://schemas.microsoft.com/office/drawing/2014/main" id="{97BAF50E-5E47-485E-923F-BEFD52BF03BB}"/>
+              </a:ext>
+            </a:extLst>
+          </p:cNvPr>
+          <p:cNvSpPr>
+            <a:spLocks noGrp="1"/>
+          </p:cNvSpPr>
+          <p:nvPr>
+            <p:ph type="title"/>
+          </p:nvPr>
+        </p:nvSpPr>
+        <p:spPr/>
+        <p:txBody>
+          <a:bodyPr/>
+          <a:lstStyle/>
+          <a:p>
+            <a:r>
+              <a:rPr lang="zh-TW" altLang="en-US" dirty="0"/>
+              <a:t>練習 </a:t>
+            </a:r>
+            <a:r>
+              <a:rPr lang="en-US" altLang="zh-TW" dirty="0"/>
+              <a:t>6</a:t>
+            </a:r>
+            <a:r>
+              <a:rPr lang="zh-TW" altLang="en-US" dirty="0"/>
+              <a:t>：使用 </a:t>
+            </a:r>
+            <a:r>
+              <a:rPr lang="en-US" altLang="zh-TW" dirty="0" err="1"/>
+              <a:t>Mathpix</a:t>
+            </a:r>
+            <a:r>
+              <a:rPr lang="en-US" altLang="zh-TW" dirty="0"/>
+              <a:t> Snip</a:t>
+            </a:r>
+            <a:endParaRPr lang="zh-TW" altLang="en-US" dirty="0"/>
+          </a:p>
+        </p:txBody>
+      </p:sp>
+      <p:sp>
+        <p:nvSpPr>
+          <p:cNvPr id="3" name="內容版面配置區 2">
+            <a:extLst>
+              <a:ext uri="{FF2B5EF4-FFF2-40B4-BE49-F238E27FC236}">
+                <a16:creationId xmlns:a16="http://schemas.microsoft.com/office/drawing/2014/main" id="{34A042B6-3E52-4DC6-A1F2-8022D3B62FF6}"/>
+              </a:ext>
+            </a:extLst>
+          </p:cNvPr>
+          <p:cNvSpPr>
+            <a:spLocks noGrp="1"/>
+          </p:cNvSpPr>
+          <p:nvPr>
+            <p:ph idx="1"/>
+          </p:nvPr>
+        </p:nvSpPr>
+        <p:spPr/>
+        <p:txBody>
+          <a:bodyPr/>
+          <a:lstStyle/>
+          <a:p>
+            <a:pPr marL="514350" indent="-514350">
+              <a:buFont typeface="+mj-lt"/>
+              <a:buAutoNum type="arabicPeriod"/>
+            </a:pPr>
+            <a:r>
+              <a:rPr lang="zh-TW" altLang="en-US" dirty="0"/>
+              <a:t>安裝 </a:t>
+            </a:r>
+            <a:r>
+              <a:rPr lang="en-US" altLang="zh-TW" dirty="0" err="1"/>
+              <a:t>Mathpix</a:t>
+            </a:r>
+            <a:r>
+              <a:rPr lang="en-US" altLang="zh-TW" dirty="0"/>
+              <a:t> Snip</a:t>
+            </a:r>
+            <a:r>
+              <a:rPr lang="zh-TW" altLang="en-US" dirty="0"/>
+              <a:t>，然後下載此 </a:t>
+            </a:r>
+            <a:r>
+              <a:rPr lang="en-US" altLang="zh-TW" dirty="0"/>
+              <a:t>PDF </a:t>
+            </a:r>
+            <a:r>
+              <a:rPr lang="zh-TW" altLang="en-US" dirty="0"/>
+              <a:t>檔案：</a:t>
+            </a:r>
+            <a:r>
+              <a:rPr lang="en-US" altLang="zh-TW" dirty="0">
+                <a:hlinkClick r:id="rId3"/>
+              </a:rPr>
+              <a:t>ex2.pdf</a:t>
+            </a:r>
+            <a:endParaRPr lang="en-US" altLang="zh-TW" dirty="0"/>
+          </a:p>
+          <a:p>
+            <a:pPr marL="514350" indent="-514350">
+              <a:buFont typeface="+mj-lt"/>
+              <a:buAutoNum type="arabicPeriod"/>
+            </a:pPr>
+            <a:r>
+              <a:rPr lang="zh-TW" altLang="en-US" dirty="0"/>
+              <a:t>在 </a:t>
+            </a:r>
+            <a:r>
+              <a:rPr lang="en-US" altLang="zh-TW" dirty="0"/>
+              <a:t>PDF </a:t>
+            </a:r>
+            <a:r>
+              <a:rPr lang="zh-TW" altLang="en-US" dirty="0"/>
+              <a:t>檔案中找到下圖紅色方框的部分，輸入至 </a:t>
+            </a:r>
+            <a:r>
+              <a:rPr lang="en-US" altLang="zh-TW" dirty="0"/>
+              <a:t>Word </a:t>
+            </a:r>
+            <a:r>
+              <a:rPr lang="zh-TW" altLang="en-US" dirty="0"/>
+              <a:t>文件中，並儲存為 </a:t>
+            </a:r>
+            <a:r>
+              <a:rPr lang="en-US" altLang="zh-TW" dirty="0"/>
+              <a:t>ex2.docx</a:t>
+            </a:r>
+            <a:r>
+              <a:rPr lang="zh-TW" altLang="en-US" dirty="0"/>
+              <a:t>。</a:t>
+            </a:r>
+            <a:endParaRPr lang="en-US" altLang="zh-TW" dirty="0"/>
+          </a:p>
+          <a:p>
+            <a:pPr marL="514350" indent="-514350">
+              <a:buFont typeface="+mj-lt"/>
+              <a:buAutoNum type="arabicPeriod"/>
+            </a:pPr>
+            <a:r>
+              <a:rPr lang="zh-TW" altLang="en-US" dirty="0"/>
+              <a:t>若有多餘時間，</a:t>
+            </a:r>
+            <a:br>
+              <a:rPr lang="en-US" altLang="zh-TW" dirty="0"/>
+            </a:br>
+            <a:r>
+              <a:rPr lang="zh-TW" altLang="en-US" dirty="0"/>
+              <a:t>可轉為 </a:t>
+            </a:r>
+            <a:r>
+              <a:rPr lang="en-US" altLang="zh-TW" dirty="0"/>
+              <a:t>html</a:t>
+            </a:r>
+            <a:r>
+              <a:rPr lang="zh-TW" altLang="en-US" dirty="0"/>
+              <a:t>。</a:t>
+            </a:r>
+            <a:endParaRPr lang="en-US" altLang="zh-TW" dirty="0"/>
+          </a:p>
+          <a:p>
+            <a:endParaRPr lang="en-US" altLang="zh-TW" dirty="0"/>
+          </a:p>
+          <a:p>
+            <a:endParaRPr lang="zh-TW" altLang="en-US" dirty="0"/>
+          </a:p>
+        </p:txBody>
+      </p:sp>
+      <p:graphicFrame>
+        <p:nvGraphicFramePr>
+          <p:cNvPr id="4" name="物件 3">
+            <a:extLst>
+              <a:ext uri="{FF2B5EF4-FFF2-40B4-BE49-F238E27FC236}">
+                <a16:creationId xmlns:a16="http://schemas.microsoft.com/office/drawing/2014/main" id="{A94A23E6-6782-4A60-A8A1-2FC41FA779D3}"/>
+              </a:ext>
+            </a:extLst>
+          </p:cNvPr>
+          <p:cNvGraphicFramePr>
+            <a:graphicFrameLocks noChangeAspect="1"/>
+          </p:cNvGraphicFramePr>
+          <p:nvPr>
+            <p:extLst>
+              <p:ext uri="{D42A27DB-BD31-4B8C-83A1-F6EECF244321}">
+                <p14:modId xmlns:p14="http://schemas.microsoft.com/office/powerpoint/2010/main" val="3829237329"/>
+              </p:ext>
+            </p:extLst>
+          </p:nvPr>
+        </p:nvGraphicFramePr>
+        <p:xfrm>
+          <a:off x="92075" y="92075"/>
+          <a:ext cx="642938" cy="573088"/>
+        </p:xfrm>
+        <a:graphic>
+          <a:graphicData uri="http://schemas.openxmlformats.org/presentationml/2006/ole">
+            <mc:AlternateContent xmlns:mc="http://schemas.openxmlformats.org/markup-compatibility/2006">
+              <mc:Choice xmlns:v="urn:schemas-microsoft-com:vml" Requires="v">
+                <p:oleObj spid="_x0000_s1026" name="封裝程式殼層物件" showAsIcon="1" r:id="rId4" imgW="642240" imgH="572400" progId="Package">
+                  <p:embed/>
+                </p:oleObj>
+              </mc:Choice>
+              <mc:Fallback>
+                <p:oleObj name="封裝程式殼層物件" showAsIcon="1" r:id="rId4" imgW="642240" imgH="572400" progId="Package">
+                  <p:embed/>
+                  <p:pic>
+                    <p:nvPicPr>
+                      <p:cNvPr id="4" name="物件 3">
+                        <a:extLst>
+                          <a:ext uri="{FF2B5EF4-FFF2-40B4-BE49-F238E27FC236}">
+                            <a16:creationId xmlns:a16="http://schemas.microsoft.com/office/drawing/2014/main" id="{A94A23E6-6782-4A60-A8A1-2FC41FA779D3}"/>
+                          </a:ext>
+                        </a:extLst>
+                      </p:cNvPr>
+                      <p:cNvPicPr/>
+                      <p:nvPr/>
+                    </p:nvPicPr>
+                    <p:blipFill>
+                      <a:blip r:embed="rId5"/>
+                      <a:stretch>
+                        <a:fillRect/>
+                      </a:stretch>
+                    </p:blipFill>
+                    <p:spPr>
+                      <a:xfrm>
+                        <a:off x="92075" y="92075"/>
+                        <a:ext cx="642938" cy="573088"/>
+                      </a:xfrm>
+                      <a:prstGeom prst="rect">
+                        <a:avLst/>
+                      </a:prstGeom>
+                    </p:spPr>
+                  </p:pic>
+                </p:oleObj>
+              </mc:Fallback>
+            </mc:AlternateContent>
+          </a:graphicData>
+        </a:graphic>
+      </p:graphicFrame>
+      <p:pic>
+        <p:nvPicPr>
+          <p:cNvPr id="8" name="圖片 7">
+            <a:extLst>
+              <a:ext uri="{FF2B5EF4-FFF2-40B4-BE49-F238E27FC236}">
+                <a16:creationId xmlns:a16="http://schemas.microsoft.com/office/drawing/2014/main" id="{3F2127F8-8B85-431C-B9D9-3AB9A05E96D4}"/>
+              </a:ext>
+            </a:extLst>
+          </p:cNvPr>
+          <p:cNvPicPr>
+            <a:picLocks noChangeAspect="1"/>
+          </p:cNvPicPr>
+          <p:nvPr/>
+        </p:nvPicPr>
+        <p:blipFill>
+          <a:blip r:embed="rId6"/>
+          <a:stretch>
+            <a:fillRect/>
+          </a:stretch>
+        </p:blipFill>
+        <p:spPr>
+          <a:xfrm>
+            <a:off x="4509247" y="3310229"/>
+            <a:ext cx="7360347" cy="3001671"/>
+          </a:xfrm>
+          <a:prstGeom prst="rect">
+            <a:avLst/>
+          </a:prstGeom>
+        </p:spPr>
+      </p:pic>
+      <p:sp>
+        <p:nvSpPr>
+          <p:cNvPr id="6" name="矩形: 圓角 5">
+            <a:extLst>
+              <a:ext uri="{FF2B5EF4-FFF2-40B4-BE49-F238E27FC236}">
+                <a16:creationId xmlns:a16="http://schemas.microsoft.com/office/drawing/2014/main" id="{109AEFEF-592E-45E4-80DA-289B55E691FC}"/>
+              </a:ext>
+            </a:extLst>
+          </p:cNvPr>
+          <p:cNvSpPr/>
+          <p:nvPr/>
+        </p:nvSpPr>
+        <p:spPr>
+          <a:xfrm>
+            <a:off x="10219672" y="365125"/>
+            <a:ext cx="1380565" cy="634067"/>
+          </a:xfrm>
+          <a:prstGeom prst="roundRect">
+            <a:avLst/>
+          </a:prstGeom>
+        </p:spPr>
+        <p:style>
+          <a:lnRef idx="2">
+            <a:schemeClr val="accent1">
+              <a:shade val="50000"/>
+            </a:schemeClr>
+          </a:lnRef>
+          <a:fillRef idx="1">
+            <a:schemeClr val="accent1"/>
+          </a:fillRef>
+          <a:effectRef idx="0">
+            <a:schemeClr val="accent1"/>
+          </a:effectRef>
+          <a:fontRef idx="minor">
+            <a:schemeClr val="lt1"/>
+          </a:fontRef>
+        </p:style>
+        <p:txBody>
+          <a:bodyPr rtlCol="0" anchor="ctr"/>
+          <a:lstStyle/>
+          <a:p>
+            <a:pPr algn="ctr"/>
+            <a:r>
+              <a:rPr lang="zh-TW" altLang="en-US" b="1" dirty="0"/>
+              <a:t>🕒</a:t>
+            </a:r>
+            <a:r>
+              <a:rPr lang="en-US" altLang="zh-TW" b="1" dirty="0"/>
+              <a:t>15min</a:t>
+            </a:r>
+            <a:endParaRPr lang="zh-TW" altLang="en-US" b="1" dirty="0"/>
+          </a:p>
+        </p:txBody>
+      </p:sp>
+    </p:spTree>
+    <p:extLst>
+      <p:ext uri="{BB962C8B-B14F-4D97-AF65-F5344CB8AC3E}">
+        <p14:creationId xmlns:p14="http://schemas.microsoft.com/office/powerpoint/2010/main" val="3339880640"/>
+      </p:ext>
+    </p:extLst>
+  </p:cSld>
+  <p:clrMapOvr>
+    <a:masterClrMapping/>
+  </p:clrMapOvr>
+</p:sld>
+</file>
+
+<file path=ppt/slides/slide28.xml><?xml version="1.0" encoding="utf-8"?>
+<p:sld xmlns:a="http://schemas.openxmlformats.org/drawingml/2006/main" xmlns:r="http://schemas.openxmlformats.org/officeDocument/2006/relationships" xmlns:p="http://schemas.openxmlformats.org/presentationml/2006/main">
+  <p:cSld>
+    <p:spTree>
+      <p:nvGrpSpPr>
+        <p:cNvPr id="1" name=""/>
+        <p:cNvGrpSpPr/>
+        <p:nvPr/>
+      </p:nvGrpSpPr>
+      <p:grpSpPr>
+        <a:xfrm>
+          <a:off x="0" y="0"/>
+          <a:ext cx="0" cy="0"/>
+          <a:chOff x="0" y="0"/>
+          <a:chExt cx="0" cy="0"/>
+        </a:xfrm>
+      </p:grpSpPr>
+      <p:sp>
+        <p:nvSpPr>
+          <p:cNvPr id="2" name="標題 1">
+            <a:extLst>
+              <a:ext uri="{FF2B5EF4-FFF2-40B4-BE49-F238E27FC236}">
+                <a16:creationId xmlns:a16="http://schemas.microsoft.com/office/drawing/2014/main" id="{6F78706A-4CA8-4C7D-9EB1-FB707C2DAC78}"/>
+              </a:ext>
+            </a:extLst>
+          </p:cNvPr>
+          <p:cNvSpPr>
+            <a:spLocks noGrp="1"/>
+          </p:cNvSpPr>
+          <p:nvPr>
+            <p:ph type="title"/>
+          </p:nvPr>
+        </p:nvSpPr>
+        <p:spPr/>
+        <p:txBody>
+          <a:bodyPr/>
+          <a:lstStyle/>
+          <a:p>
+            <a:r>
+              <a:rPr lang="en-US" altLang="zh-TW" dirty="0" err="1"/>
+              <a:t>Mathpix</a:t>
+            </a:r>
+            <a:r>
+              <a:rPr lang="en-US" altLang="zh-TW" dirty="0"/>
+              <a:t> Snip </a:t>
+            </a:r>
+            <a:r>
+              <a:rPr lang="zh-TW" altLang="en-US" dirty="0"/>
+              <a:t>每個月免費 </a:t>
+            </a:r>
+            <a:r>
+              <a:rPr lang="en-US" altLang="zh-TW" dirty="0"/>
+              <a:t>50 </a:t>
+            </a:r>
+            <a:r>
+              <a:rPr lang="zh-TW" altLang="en-US" dirty="0"/>
+              <a:t>次不夠用</a:t>
+            </a:r>
+            <a:r>
+              <a:rPr lang="en-US" altLang="zh-TW" dirty="0"/>
+              <a:t>…</a:t>
+            </a:r>
+            <a:endParaRPr lang="zh-TW" altLang="en-US" dirty="0"/>
+          </a:p>
+        </p:txBody>
+      </p:sp>
+      <p:sp>
+        <p:nvSpPr>
+          <p:cNvPr id="3" name="內容版面配置區 2">
+            <a:extLst>
+              <a:ext uri="{FF2B5EF4-FFF2-40B4-BE49-F238E27FC236}">
+                <a16:creationId xmlns:a16="http://schemas.microsoft.com/office/drawing/2014/main" id="{F66B0C55-221E-408F-8B43-31D7574ED3B2}"/>
+              </a:ext>
+            </a:extLst>
+          </p:cNvPr>
+          <p:cNvSpPr>
+            <a:spLocks noGrp="1"/>
+          </p:cNvSpPr>
+          <p:nvPr>
+            <p:ph idx="1"/>
+          </p:nvPr>
+        </p:nvSpPr>
+        <p:spPr/>
+        <p:txBody>
+          <a:bodyPr/>
+          <a:lstStyle/>
+          <a:p>
+            <a:r>
+              <a:rPr lang="zh-TW" altLang="en-US" dirty="0"/>
+              <a:t>付費：每個月 </a:t>
+            </a:r>
+            <a:r>
+              <a:rPr lang="en-US" altLang="zh-TW" dirty="0"/>
+              <a:t>$4.99</a:t>
+            </a:r>
+            <a:r>
+              <a:rPr lang="zh-TW" altLang="en-US" dirty="0"/>
+              <a:t> 美金可轉 </a:t>
+            </a:r>
+            <a:r>
+              <a:rPr lang="en-US" altLang="zh-TW" dirty="0"/>
+              <a:t>5,000 </a:t>
+            </a:r>
+            <a:r>
+              <a:rPr lang="zh-TW" altLang="en-US" dirty="0"/>
+              <a:t>次。</a:t>
+            </a:r>
+            <a:endParaRPr lang="en-US" altLang="zh-TW" dirty="0"/>
+          </a:p>
+          <a:p>
+            <a:r>
+              <a:rPr lang="zh-TW" altLang="en-US" dirty="0"/>
+              <a:t>註冊多個免費帳號，一個帳號用滿 </a:t>
+            </a:r>
+            <a:r>
+              <a:rPr lang="en-US" altLang="zh-TW" dirty="0"/>
+              <a:t>50 </a:t>
+            </a:r>
+            <a:r>
+              <a:rPr lang="zh-TW" altLang="en-US" dirty="0"/>
+              <a:t>次就換另一個。👉 麻煩</a:t>
+            </a:r>
+            <a:endParaRPr lang="en-US" altLang="zh-TW" dirty="0"/>
+          </a:p>
+          <a:p>
+            <a:r>
+              <a:rPr lang="en-US" altLang="zh-TW" dirty="0" err="1">
+                <a:hlinkClick r:id="rId2"/>
+              </a:rPr>
+              <a:t>Mathpix</a:t>
+            </a:r>
+            <a:r>
+              <a:rPr lang="zh-TW" altLang="en-US" dirty="0">
+                <a:hlinkClick r:id="rId2"/>
+              </a:rPr>
+              <a:t> </a:t>
+            </a:r>
+            <a:r>
+              <a:rPr lang="en-US" altLang="zh-TW" dirty="0">
+                <a:hlinkClick r:id="rId2"/>
+              </a:rPr>
+              <a:t>OCR</a:t>
+            </a:r>
+            <a:r>
+              <a:rPr lang="zh-TW" altLang="en-US" dirty="0">
+                <a:hlinkClick r:id="rId2"/>
+              </a:rPr>
+              <a:t> </a:t>
+            </a:r>
+            <a:r>
+              <a:rPr lang="en-US" altLang="zh-TW" dirty="0">
+                <a:hlinkClick r:id="rId2"/>
+              </a:rPr>
+              <a:t>API</a:t>
+            </a:r>
+            <a:r>
+              <a:rPr lang="zh-TW" altLang="en-US" dirty="0">
+                <a:hlinkClick r:id="rId2"/>
+              </a:rPr>
+              <a:t> 提供開發者免費 </a:t>
+            </a:r>
+            <a:r>
+              <a:rPr lang="en-US" altLang="zh-TW" dirty="0">
+                <a:hlinkClick r:id="rId2"/>
+              </a:rPr>
+              <a:t>1000</a:t>
+            </a:r>
+            <a:r>
+              <a:rPr lang="zh-TW" altLang="en-US" dirty="0">
+                <a:hlinkClick r:id="rId2"/>
+              </a:rPr>
+              <a:t> 次</a:t>
+            </a:r>
+            <a:r>
+              <a:rPr lang="en-US" altLang="zh-TW" dirty="0">
+                <a:hlinkClick r:id="rId2"/>
+              </a:rPr>
+              <a:t>/</a:t>
+            </a:r>
+            <a:r>
+              <a:rPr lang="zh-TW" altLang="en-US" dirty="0">
+                <a:hlinkClick r:id="rId2"/>
+              </a:rPr>
+              <a:t>月</a:t>
+            </a:r>
+            <a:r>
+              <a:rPr lang="zh-TW" altLang="en-US" dirty="0"/>
+              <a:t> 👉 要會寫程式</a:t>
+            </a:r>
+            <a:endParaRPr lang="en-US" altLang="zh-TW" dirty="0"/>
+          </a:p>
+          <a:p>
+            <a:r>
+              <a:rPr lang="zh-TW" altLang="en-US" dirty="0"/>
+              <a:t>改用免費且開源的 </a:t>
+            </a:r>
+            <a:r>
+              <a:rPr lang="en-US" altLang="zh-TW" dirty="0">
+                <a:hlinkClick r:id="rId3"/>
+              </a:rPr>
+              <a:t>LaTeX OCR</a:t>
+            </a:r>
+            <a:r>
+              <a:rPr lang="zh-TW" altLang="en-US" dirty="0"/>
+              <a:t> </a:t>
+            </a:r>
+            <a:br>
+              <a:rPr lang="en-US" altLang="zh-TW" dirty="0"/>
+            </a:br>
+            <a:r>
+              <a:rPr lang="zh-TW" altLang="en-US" dirty="0"/>
+              <a:t>👉不用寫程式，但</a:t>
+            </a:r>
+            <a:r>
+              <a:rPr lang="zh-TW" altLang="en-US" dirty="0">
+                <a:hlinkClick r:id="rId4"/>
+              </a:rPr>
+              <a:t>光是安裝就有一定的技術門檻</a:t>
+            </a:r>
+            <a:endParaRPr lang="en-US" altLang="zh-TW" dirty="0"/>
+          </a:p>
+          <a:p>
+            <a:endParaRPr lang="en-US" altLang="zh-TW" dirty="0"/>
+          </a:p>
+          <a:p>
+            <a:endParaRPr lang="zh-TW" altLang="en-US" dirty="0"/>
+          </a:p>
+        </p:txBody>
+      </p:sp>
+    </p:spTree>
+    <p:extLst>
+      <p:ext uri="{BB962C8B-B14F-4D97-AF65-F5344CB8AC3E}">
+        <p14:creationId xmlns:p14="http://schemas.microsoft.com/office/powerpoint/2010/main" val="3956219223"/>
+      </p:ext>
+    </p:extLst>
+  </p:cSld>
+  <p:clrMapOvr>
+    <a:masterClrMapping/>
+  </p:clrMapOvr>
+</p:sld>
+</file>
+
+<file path=ppt/slides/slide29.xml><?xml version="1.0" encoding="utf-8"?>
+<p:sld xmlns:a="http://schemas.openxmlformats.org/drawingml/2006/main" xmlns:r="http://schemas.openxmlformats.org/officeDocument/2006/relationships" xmlns:p="http://schemas.openxmlformats.org/presentationml/2006/main">
+  <p:cSld>
+    <p:spTree>
+      <p:nvGrpSpPr>
+        <p:cNvPr id="1" name=""/>
+        <p:cNvGrpSpPr/>
+        <p:nvPr/>
+      </p:nvGrpSpPr>
+      <p:grpSpPr>
+        <a:xfrm>
+          <a:off x="0" y="0"/>
+          <a:ext cx="0" cy="0"/>
+          <a:chOff x="0" y="0"/>
+          <a:chExt cx="0" cy="0"/>
+        </a:xfrm>
+      </p:grpSpPr>
+      <p:sp>
+        <p:nvSpPr>
+          <p:cNvPr id="2" name="標題 1">
+            <a:extLst>
+              <a:ext uri="{FF2B5EF4-FFF2-40B4-BE49-F238E27FC236}">
+                <a16:creationId xmlns:a16="http://schemas.microsoft.com/office/drawing/2014/main" id="{C822F489-4038-4A4F-8ECE-7BE9970C9E97}"/>
+              </a:ext>
+            </a:extLst>
+          </p:cNvPr>
+          <p:cNvSpPr>
+            <a:spLocks noGrp="1"/>
+          </p:cNvSpPr>
+          <p:nvPr>
+            <p:ph type="title"/>
+          </p:nvPr>
+        </p:nvSpPr>
+        <p:spPr/>
+        <p:txBody>
+          <a:bodyPr/>
+          <a:lstStyle/>
+          <a:p>
+            <a:r>
+              <a:rPr lang="zh-TW" altLang="en-US" dirty="0"/>
+              <a:t>大幅提升效率的方法</a:t>
+            </a:r>
+          </a:p>
+        </p:txBody>
+      </p:sp>
+      <p:sp>
+        <p:nvSpPr>
+          <p:cNvPr id="3" name="內容版面配置區 2">
+            <a:extLst>
+              <a:ext uri="{FF2B5EF4-FFF2-40B4-BE49-F238E27FC236}">
+                <a16:creationId xmlns:a16="http://schemas.microsoft.com/office/drawing/2014/main" id="{E2032F1B-782A-48CA-8302-DF4E4DE63145}"/>
+              </a:ext>
+            </a:extLst>
+          </p:cNvPr>
+          <p:cNvSpPr>
+            <a:spLocks noGrp="1"/>
+          </p:cNvSpPr>
+          <p:nvPr>
+            <p:ph idx="1"/>
+          </p:nvPr>
+        </p:nvSpPr>
+        <p:spPr/>
+        <p:txBody>
+          <a:bodyPr/>
+          <a:lstStyle/>
+          <a:p>
+            <a:r>
+              <a:rPr lang="zh-TW" altLang="en-US" dirty="0"/>
+              <a:t>多用快速鍵（快捷鍵）</a:t>
+            </a:r>
+            <a:endParaRPr lang="en-US" altLang="zh-TW" dirty="0"/>
+          </a:p>
+          <a:p>
+            <a:r>
+              <a:rPr lang="zh-TW" altLang="en-US" dirty="0"/>
+              <a:t>學習 </a:t>
+            </a:r>
+            <a:r>
+              <a:rPr lang="en-US" altLang="zh-TW" dirty="0"/>
+              <a:t>LaTeX </a:t>
+            </a:r>
+            <a:r>
+              <a:rPr lang="zh-TW" altLang="en-US" dirty="0"/>
+              <a:t>語法</a:t>
+            </a:r>
+            <a:endParaRPr lang="en-US" altLang="zh-TW" dirty="0"/>
+          </a:p>
+          <a:p>
+            <a:endParaRPr lang="zh-TW" altLang="en-US" dirty="0"/>
+          </a:p>
+        </p:txBody>
+      </p:sp>
+    </p:spTree>
+    <p:extLst>
+      <p:ext uri="{BB962C8B-B14F-4D97-AF65-F5344CB8AC3E}">
+        <p14:creationId xmlns:p14="http://schemas.microsoft.com/office/powerpoint/2010/main" val="2864944917"/>
+      </p:ext>
+    </p:extLst>
+  </p:cSld>
+  <p:clrMapOvr>
+    <a:masterClrMapping/>
+  </p:clrMapOvr>
+</p:sld>
+</file>
+
+<file path=ppt/slides/slide3.xml><?xml version="1.0" encoding="utf-8"?>
 <p:sld xmlns:a="http://schemas.openxmlformats.org/drawingml/2006/main" xmlns:r="http://schemas.openxmlformats.org/officeDocument/2006/relationships" xmlns:p="http://schemas.openxmlformats.org/presentationml/2006/main">
   <p:cSld>
     <p:spTree>
@@ -5688,7 +8470,7 @@
 </p:sld>
 </file>
 
-<file path=ppt/slides/slide20.xml><?xml version="1.0" encoding="utf-8"?>
+<file path=ppt/slides/slide30.xml><?xml version="1.0" encoding="utf-8"?>
 <p:sld xmlns:a="http://schemas.openxmlformats.org/drawingml/2006/main" xmlns:r="http://schemas.openxmlformats.org/officeDocument/2006/relationships" xmlns:p="http://schemas.openxmlformats.org/presentationml/2006/main">
   <p:cSld>
     <p:spTree>
@@ -5710,1315 +8492,6 @@
           <p:cNvPr id="2" name="標題 1">
             <a:extLst>
               <a:ext uri="{FF2B5EF4-FFF2-40B4-BE49-F238E27FC236}">
-                <a16:creationId xmlns:a16="http://schemas.microsoft.com/office/drawing/2014/main" id="{924DE004-EB3C-49AB-95AB-1F247D2E43F5}"/>
-              </a:ext>
-            </a:extLst>
-          </p:cNvPr>
-          <p:cNvSpPr>
-            <a:spLocks noGrp="1"/>
-          </p:cNvSpPr>
-          <p:nvPr>
-            <p:ph type="title"/>
-          </p:nvPr>
-        </p:nvSpPr>
-        <p:spPr/>
-        <p:txBody>
-          <a:bodyPr/>
-          <a:lstStyle/>
-          <a:p>
-            <a:r>
-              <a:rPr lang="zh-TW" altLang="en-US" dirty="0"/>
-              <a:t>重點整理：數學教材轉譯流程</a:t>
-            </a:r>
-          </a:p>
-        </p:txBody>
-      </p:sp>
-      <p:sp>
-        <p:nvSpPr>
-          <p:cNvPr id="3" name="內容版面配置區 2">
-            <a:extLst>
-              <a:ext uri="{FF2B5EF4-FFF2-40B4-BE49-F238E27FC236}">
-                <a16:creationId xmlns:a16="http://schemas.microsoft.com/office/drawing/2014/main" id="{8EA22ADC-467D-41F3-949A-92E61A4B5CD5}"/>
-              </a:ext>
-            </a:extLst>
-          </p:cNvPr>
-          <p:cNvSpPr>
-            <a:spLocks noGrp="1"/>
-          </p:cNvSpPr>
-          <p:nvPr>
-            <p:ph idx="1"/>
-          </p:nvPr>
-        </p:nvSpPr>
-        <p:spPr/>
-        <p:txBody>
-          <a:bodyPr/>
-          <a:lstStyle/>
-          <a:p>
-            <a:pPr marL="514350" indent="-514350">
-              <a:buFont typeface="+mj-lt"/>
-              <a:buAutoNum type="arabicPeriod"/>
-            </a:pPr>
-            <a:r>
-              <a:rPr lang="zh-TW" altLang="en-US" dirty="0"/>
-              <a:t>把 </a:t>
-            </a:r>
-            <a:r>
-              <a:rPr lang="en-US" altLang="zh-TW" dirty="0"/>
-              <a:t>.docx </a:t>
-            </a:r>
-            <a:r>
-              <a:rPr lang="zh-TW" altLang="en-US" dirty="0"/>
-              <a:t>另存一份，檔案可命名為 </a:t>
-            </a:r>
-            <a:r>
-              <a:rPr lang="en-US" altLang="zh-TW" dirty="0"/>
-              <a:t>temp.docx</a:t>
-            </a:r>
-            <a:r>
-              <a:rPr lang="zh-TW" altLang="en-US" dirty="0"/>
-              <a:t>。</a:t>
-            </a:r>
-            <a:endParaRPr lang="en-US" altLang="zh-TW" dirty="0"/>
-          </a:p>
-          <a:p>
-            <a:pPr marL="514350" indent="-514350">
-              <a:buFont typeface="+mj-lt"/>
-              <a:buAutoNum type="arabicPeriod"/>
-            </a:pPr>
-            <a:r>
-              <a:rPr lang="zh-TW" altLang="en-US" dirty="0"/>
-              <a:t>把 </a:t>
-            </a:r>
-            <a:r>
-              <a:rPr lang="en-US" altLang="zh-TW" dirty="0"/>
-              <a:t>temp.docx </a:t>
-            </a:r>
-            <a:r>
-              <a:rPr lang="zh-TW" altLang="en-US" dirty="0"/>
-              <a:t>中的換行符號全部取代為 </a:t>
-            </a:r>
-            <a:r>
-              <a:rPr lang="en-US" altLang="zh-TW" dirty="0"/>
-              <a:t>“&lt;</a:t>
-            </a:r>
-            <a:r>
-              <a:rPr lang="en-US" altLang="zh-TW" dirty="0" err="1"/>
-              <a:t>br</a:t>
-            </a:r>
-            <a:r>
-              <a:rPr lang="en-US" altLang="zh-TW" dirty="0"/>
-              <a:t> /&gt;”</a:t>
-            </a:r>
-            <a:r>
-              <a:rPr lang="zh-TW" altLang="en-US" dirty="0"/>
-              <a:t>。</a:t>
-            </a:r>
-            <a:endParaRPr lang="en-US" altLang="zh-TW" dirty="0"/>
-          </a:p>
-          <a:p>
-            <a:pPr marL="514350" indent="-514350">
-              <a:buFont typeface="+mj-lt"/>
-              <a:buAutoNum type="arabicPeriod"/>
-            </a:pPr>
-            <a:r>
-              <a:rPr lang="zh-TW" altLang="en-US" dirty="0"/>
-              <a:t>執行 </a:t>
-            </a:r>
-            <a:r>
-              <a:rPr lang="en-US" altLang="zh-TW" dirty="0" err="1"/>
-              <a:t>MathType</a:t>
-            </a:r>
-            <a:r>
-              <a:rPr lang="en-US" altLang="zh-TW" dirty="0"/>
-              <a:t> </a:t>
-            </a:r>
-            <a:r>
-              <a:rPr lang="zh-TW" altLang="en-US" dirty="0"/>
-              <a:t>的轉換功能，把數學公式物件全都轉成 </a:t>
-            </a:r>
-            <a:r>
-              <a:rPr lang="en-US" altLang="zh-TW" dirty="0"/>
-              <a:t>MathML </a:t>
-            </a:r>
-            <a:r>
-              <a:rPr lang="zh-TW" altLang="en-US" dirty="0"/>
-              <a:t>標記。</a:t>
-            </a:r>
-            <a:endParaRPr lang="en-US" altLang="zh-TW" dirty="0"/>
-          </a:p>
-          <a:p>
-            <a:pPr marL="514350" indent="-514350">
-              <a:buFont typeface="+mj-lt"/>
-              <a:buAutoNum type="arabicPeriod"/>
-            </a:pPr>
-            <a:r>
-              <a:rPr lang="zh-TW" altLang="en-US" dirty="0"/>
-              <a:t>清除 </a:t>
-            </a:r>
-            <a:r>
-              <a:rPr lang="en-US" altLang="zh-TW" dirty="0"/>
-              <a:t>display=“block”</a:t>
-            </a:r>
-            <a:r>
-              <a:rPr lang="zh-TW" altLang="en-US" dirty="0"/>
-              <a:t> 屬性。</a:t>
-            </a:r>
-            <a:endParaRPr lang="en-US" altLang="zh-TW" dirty="0"/>
-          </a:p>
-          <a:p>
-            <a:pPr marL="514350" indent="-514350">
-              <a:buFont typeface="+mj-lt"/>
-              <a:buAutoNum type="arabicPeriod"/>
-            </a:pPr>
-            <a:r>
-              <a:rPr lang="zh-TW" altLang="en-US" dirty="0"/>
-              <a:t>把 </a:t>
-            </a:r>
-            <a:r>
-              <a:rPr lang="en-US" altLang="zh-TW" dirty="0"/>
-              <a:t>temp.docx </a:t>
-            </a:r>
-            <a:r>
-              <a:rPr lang="zh-TW" altLang="en-US" dirty="0"/>
-              <a:t>內容全選並複製到記事本中，另存為 </a:t>
-            </a:r>
-            <a:r>
-              <a:rPr lang="en-US" altLang="zh-TW" dirty="0"/>
-              <a:t>html </a:t>
-            </a:r>
-            <a:r>
-              <a:rPr lang="zh-TW" altLang="en-US" dirty="0"/>
-              <a:t>檔案。</a:t>
-            </a:r>
-            <a:endParaRPr lang="en-US" altLang="zh-TW" dirty="0"/>
-          </a:p>
-          <a:p>
-            <a:pPr marL="514350" indent="-514350">
-              <a:buFont typeface="+mj-lt"/>
-              <a:buAutoNum type="arabicPeriod"/>
-            </a:pPr>
-            <a:r>
-              <a:rPr lang="zh-TW" altLang="en-US" dirty="0"/>
-              <a:t>用 </a:t>
-            </a:r>
-            <a:r>
-              <a:rPr lang="en-US" altLang="zh-TW" dirty="0"/>
-              <a:t>Firefox </a:t>
-            </a:r>
-            <a:r>
-              <a:rPr lang="zh-TW" altLang="en-US" dirty="0"/>
-              <a:t>開啟上一步驟所建立之 </a:t>
-            </a:r>
-            <a:r>
-              <a:rPr lang="en-US" altLang="zh-TW" dirty="0"/>
-              <a:t>html </a:t>
-            </a:r>
-            <a:r>
-              <a:rPr lang="zh-TW" altLang="en-US" dirty="0"/>
-              <a:t>檔案，並搭配 </a:t>
-            </a:r>
-            <a:r>
-              <a:rPr lang="en-US" altLang="zh-TW" dirty="0"/>
-              <a:t>NVDA </a:t>
-            </a:r>
-            <a:r>
-              <a:rPr lang="zh-TW" altLang="en-US" dirty="0"/>
-              <a:t>以確認可正確報讀數學公式。</a:t>
-            </a:r>
-            <a:endParaRPr lang="en-US" altLang="zh-TW" dirty="0"/>
-          </a:p>
-          <a:p>
-            <a:pPr marL="514350" indent="-514350">
-              <a:buFont typeface="+mj-lt"/>
-              <a:buAutoNum type="arabicPeriod"/>
-            </a:pPr>
-            <a:endParaRPr lang="en-US" altLang="zh-TW" dirty="0"/>
-          </a:p>
-          <a:p>
-            <a:pPr marL="514350" indent="-514350">
-              <a:buFont typeface="+mj-lt"/>
-              <a:buAutoNum type="arabicPeriod"/>
-            </a:pPr>
-            <a:endParaRPr lang="en-US" altLang="zh-TW" dirty="0"/>
-          </a:p>
-          <a:p>
-            <a:pPr marL="514350" indent="-514350">
-              <a:buFont typeface="+mj-lt"/>
-              <a:buAutoNum type="arabicPeriod"/>
-            </a:pPr>
-            <a:endParaRPr lang="en-US" altLang="zh-TW" dirty="0"/>
-          </a:p>
-          <a:p>
-            <a:pPr marL="514350" indent="-514350">
-              <a:buFont typeface="+mj-lt"/>
-              <a:buAutoNum type="arabicPeriod"/>
-            </a:pPr>
-            <a:endParaRPr lang="zh-TW" altLang="en-US" dirty="0"/>
-          </a:p>
-        </p:txBody>
-      </p:sp>
-    </p:spTree>
-    <p:extLst>
-      <p:ext uri="{BB962C8B-B14F-4D97-AF65-F5344CB8AC3E}">
-        <p14:creationId xmlns:p14="http://schemas.microsoft.com/office/powerpoint/2010/main" val="836954449"/>
-      </p:ext>
-    </p:extLst>
-  </p:cSld>
-  <p:clrMapOvr>
-    <a:masterClrMapping/>
-  </p:clrMapOvr>
-</p:sld>
-</file>
-
-<file path=ppt/slides/slide21.xml><?xml version="1.0" encoding="utf-8"?>
-<p:sld xmlns:a="http://schemas.openxmlformats.org/drawingml/2006/main" xmlns:r="http://schemas.openxmlformats.org/officeDocument/2006/relationships" xmlns:p="http://schemas.openxmlformats.org/presentationml/2006/main">
-  <p:cSld>
-    <p:spTree>
-      <p:nvGrpSpPr>
-        <p:cNvPr id="1" name=""/>
-        <p:cNvGrpSpPr/>
-        <p:nvPr/>
-      </p:nvGrpSpPr>
-      <p:grpSpPr>
-        <a:xfrm>
-          <a:off x="0" y="0"/>
-          <a:ext cx="0" cy="0"/>
-          <a:chOff x="0" y="0"/>
-          <a:chExt cx="0" cy="0"/>
-        </a:xfrm>
-      </p:grpSpPr>
-      <p:sp>
-        <p:nvSpPr>
-          <p:cNvPr id="2" name="標題 1">
-            <a:extLst>
-              <a:ext uri="{FF2B5EF4-FFF2-40B4-BE49-F238E27FC236}">
-                <a16:creationId xmlns:a16="http://schemas.microsoft.com/office/drawing/2014/main" id="{A96A5937-1813-41B5-B69E-4F3D9B970402}"/>
-              </a:ext>
-            </a:extLst>
-          </p:cNvPr>
-          <p:cNvSpPr>
-            <a:spLocks noGrp="1"/>
-          </p:cNvSpPr>
-          <p:nvPr>
-            <p:ph type="ctrTitle"/>
-          </p:nvPr>
-        </p:nvSpPr>
-        <p:spPr/>
-        <p:txBody>
-          <a:bodyPr/>
-          <a:lstStyle/>
-          <a:p>
-            <a:r>
-              <a:rPr lang="zh-TW" altLang="en-US" b="1" dirty="0"/>
-              <a:t>提高生產力</a:t>
-            </a:r>
-          </a:p>
-        </p:txBody>
-      </p:sp>
-      <p:sp>
-        <p:nvSpPr>
-          <p:cNvPr id="4" name="副標題 3">
-            <a:extLst>
-              <a:ext uri="{FF2B5EF4-FFF2-40B4-BE49-F238E27FC236}">
-                <a16:creationId xmlns:a16="http://schemas.microsoft.com/office/drawing/2014/main" id="{DA24B221-5ECA-46D1-938A-782C087462F5}"/>
-              </a:ext>
-            </a:extLst>
-          </p:cNvPr>
-          <p:cNvSpPr>
-            <a:spLocks noGrp="1"/>
-          </p:cNvSpPr>
-          <p:nvPr>
-            <p:ph type="subTitle" idx="1"/>
-          </p:nvPr>
-        </p:nvSpPr>
-        <p:spPr/>
-        <p:txBody>
-          <a:bodyPr/>
-          <a:lstStyle/>
-          <a:p>
-            <a:r>
-              <a:rPr lang="zh-TW" altLang="en-US" dirty="0"/>
-              <a:t>使用 </a:t>
-            </a:r>
-            <a:r>
-              <a:rPr lang="en-US" altLang="zh-TW" dirty="0" err="1"/>
-              <a:t>Mathpix</a:t>
-            </a:r>
-            <a:r>
-              <a:rPr lang="en-US" altLang="zh-TW" dirty="0"/>
-              <a:t> Snip </a:t>
-            </a:r>
-            <a:r>
-              <a:rPr lang="zh-TW" altLang="en-US" dirty="0"/>
-              <a:t>自動辨識數學公式</a:t>
-            </a:r>
-            <a:endParaRPr lang="en-US" altLang="zh-TW" dirty="0"/>
-          </a:p>
-        </p:txBody>
-      </p:sp>
-    </p:spTree>
-    <p:extLst>
-      <p:ext uri="{BB962C8B-B14F-4D97-AF65-F5344CB8AC3E}">
-        <p14:creationId xmlns:p14="http://schemas.microsoft.com/office/powerpoint/2010/main" val="4127270236"/>
-      </p:ext>
-    </p:extLst>
-  </p:cSld>
-  <p:clrMapOvr>
-    <a:masterClrMapping/>
-  </p:clrMapOvr>
-</p:sld>
-</file>
-
-<file path=ppt/slides/slide22.xml><?xml version="1.0" encoding="utf-8"?>
-<p:sld xmlns:a="http://schemas.openxmlformats.org/drawingml/2006/main" xmlns:r="http://schemas.openxmlformats.org/officeDocument/2006/relationships" xmlns:p="http://schemas.openxmlformats.org/presentationml/2006/main">
-  <p:cSld>
-    <p:spTree>
-      <p:nvGrpSpPr>
-        <p:cNvPr id="1" name=""/>
-        <p:cNvGrpSpPr/>
-        <p:nvPr/>
-      </p:nvGrpSpPr>
-      <p:grpSpPr>
-        <a:xfrm>
-          <a:off x="0" y="0"/>
-          <a:ext cx="0" cy="0"/>
-          <a:chOff x="0" y="0"/>
-          <a:chExt cx="0" cy="0"/>
-        </a:xfrm>
-      </p:grpSpPr>
-      <p:sp>
-        <p:nvSpPr>
-          <p:cNvPr id="2" name="標題 1">
-            <a:extLst>
-              <a:ext uri="{FF2B5EF4-FFF2-40B4-BE49-F238E27FC236}">
-                <a16:creationId xmlns:a16="http://schemas.microsoft.com/office/drawing/2014/main" id="{25DDF448-A95F-478C-AD69-4F97D48D95A3}"/>
-              </a:ext>
-            </a:extLst>
-          </p:cNvPr>
-          <p:cNvSpPr>
-            <a:spLocks noGrp="1"/>
-          </p:cNvSpPr>
-          <p:nvPr>
-            <p:ph type="title"/>
-          </p:nvPr>
-        </p:nvSpPr>
-        <p:spPr/>
-        <p:txBody>
-          <a:bodyPr/>
-          <a:lstStyle/>
-          <a:p>
-            <a:r>
-              <a:rPr lang="en-US" altLang="zh-TW" dirty="0" err="1"/>
-              <a:t>Mathpix</a:t>
-            </a:r>
-            <a:r>
-              <a:rPr lang="en-US" altLang="zh-TW" dirty="0"/>
-              <a:t> Snip </a:t>
-            </a:r>
-            <a:r>
-              <a:rPr lang="zh-TW" altLang="en-US" dirty="0"/>
-              <a:t>簡介</a:t>
-            </a:r>
-          </a:p>
-        </p:txBody>
-      </p:sp>
-      <p:sp>
-        <p:nvSpPr>
-          <p:cNvPr id="3" name="內容版面配置區 2">
-            <a:extLst>
-              <a:ext uri="{FF2B5EF4-FFF2-40B4-BE49-F238E27FC236}">
-                <a16:creationId xmlns:a16="http://schemas.microsoft.com/office/drawing/2014/main" id="{0933CE65-D115-42D4-8E15-B49491E03AD2}"/>
-              </a:ext>
-            </a:extLst>
-          </p:cNvPr>
-          <p:cNvSpPr>
-            <a:spLocks noGrp="1"/>
-          </p:cNvSpPr>
-          <p:nvPr>
-            <p:ph idx="1"/>
-          </p:nvPr>
-        </p:nvSpPr>
-        <p:spPr/>
-        <p:txBody>
-          <a:bodyPr/>
-          <a:lstStyle/>
-          <a:p>
-            <a:r>
-              <a:rPr lang="zh-TW" altLang="en-US" dirty="0"/>
-              <a:t>在螢幕畫面上擷取一塊區域，然後自動辨識成數學公式。</a:t>
-            </a:r>
-            <a:endParaRPr lang="en-US" altLang="zh-TW" dirty="0"/>
-          </a:p>
-          <a:p>
-            <a:r>
-              <a:rPr lang="en-US" altLang="zh-TW" dirty="0" err="1"/>
-              <a:t>Mathpix</a:t>
-            </a:r>
-            <a:r>
-              <a:rPr lang="en-US" altLang="zh-TW" dirty="0"/>
-              <a:t> Snip </a:t>
-            </a:r>
-            <a:r>
-              <a:rPr lang="zh-TW" altLang="en-US" dirty="0"/>
-              <a:t>辨識出來的數學公式，是以 </a:t>
-            </a:r>
-            <a:r>
-              <a:rPr lang="en-US" altLang="zh-TW" dirty="0"/>
-              <a:t>LaTeX </a:t>
-            </a:r>
-            <a:r>
-              <a:rPr lang="zh-TW" altLang="en-US" dirty="0"/>
-              <a:t>語法來表示。</a:t>
-            </a:r>
-            <a:endParaRPr lang="en-US" altLang="zh-TW" dirty="0"/>
-          </a:p>
-          <a:p>
-            <a:r>
-              <a:rPr lang="zh-TW" altLang="en-US" dirty="0"/>
-              <a:t>付費軟體。</a:t>
-            </a:r>
-            <a:r>
-              <a:rPr lang="zh-TW" altLang="en-US" dirty="0">
-                <a:solidFill>
-                  <a:schemeClr val="accent2">
-                    <a:lumMod val="75000"/>
-                  </a:schemeClr>
-                </a:solidFill>
-              </a:rPr>
-              <a:t>免費版可以每個月辨識 </a:t>
-            </a:r>
-            <a:r>
-              <a:rPr lang="en-US" altLang="zh-TW" dirty="0">
-                <a:solidFill>
-                  <a:schemeClr val="accent2">
-                    <a:lumMod val="75000"/>
-                  </a:schemeClr>
-                </a:solidFill>
-              </a:rPr>
-              <a:t>50 </a:t>
-            </a:r>
-            <a:r>
-              <a:rPr lang="zh-TW" altLang="en-US" dirty="0">
-                <a:solidFill>
-                  <a:schemeClr val="accent2">
-                    <a:lumMod val="75000"/>
-                  </a:schemeClr>
-                </a:solidFill>
-              </a:rPr>
-              <a:t>次。</a:t>
-            </a:r>
-          </a:p>
-        </p:txBody>
-      </p:sp>
-    </p:spTree>
-    <p:extLst>
-      <p:ext uri="{BB962C8B-B14F-4D97-AF65-F5344CB8AC3E}">
-        <p14:creationId xmlns:p14="http://schemas.microsoft.com/office/powerpoint/2010/main" val="3309332085"/>
-      </p:ext>
-    </p:extLst>
-  </p:cSld>
-  <p:clrMapOvr>
-    <a:masterClrMapping/>
-  </p:clrMapOvr>
-</p:sld>
-</file>
-
-<file path=ppt/slides/slide23.xml><?xml version="1.0" encoding="utf-8"?>
-<p:sld xmlns:a="http://schemas.openxmlformats.org/drawingml/2006/main" xmlns:r="http://schemas.openxmlformats.org/officeDocument/2006/relationships" xmlns:p="http://schemas.openxmlformats.org/presentationml/2006/main">
-  <p:cSld>
-    <p:spTree>
-      <p:nvGrpSpPr>
-        <p:cNvPr id="1" name=""/>
-        <p:cNvGrpSpPr/>
-        <p:nvPr/>
-      </p:nvGrpSpPr>
-      <p:grpSpPr>
-        <a:xfrm>
-          <a:off x="0" y="0"/>
-          <a:ext cx="0" cy="0"/>
-          <a:chOff x="0" y="0"/>
-          <a:chExt cx="0" cy="0"/>
-        </a:xfrm>
-      </p:grpSpPr>
-      <p:sp>
-        <p:nvSpPr>
-          <p:cNvPr id="2" name="標題 1">
-            <a:extLst>
-              <a:ext uri="{FF2B5EF4-FFF2-40B4-BE49-F238E27FC236}">
-                <a16:creationId xmlns:a16="http://schemas.microsoft.com/office/drawing/2014/main" id="{3A2DD5CC-A52B-48F8-932E-5CCCD12FA790}"/>
-              </a:ext>
-            </a:extLst>
-          </p:cNvPr>
-          <p:cNvSpPr>
-            <a:spLocks noGrp="1"/>
-          </p:cNvSpPr>
-          <p:nvPr>
-            <p:ph type="ctrTitle"/>
-          </p:nvPr>
-        </p:nvSpPr>
-        <p:spPr/>
-        <p:txBody>
-          <a:bodyPr>
-            <a:normAutofit/>
-          </a:bodyPr>
-          <a:lstStyle/>
-          <a:p>
-            <a:r>
-              <a:rPr lang="zh-TW" altLang="en-US" b="1" dirty="0"/>
-              <a:t>示範：</a:t>
-            </a:r>
-            <a:r>
-              <a:rPr lang="en-US" altLang="zh-TW" b="1" dirty="0" err="1"/>
-              <a:t>Mathpix</a:t>
-            </a:r>
-            <a:r>
-              <a:rPr lang="zh-TW" altLang="en-US" b="1" dirty="0"/>
-              <a:t> </a:t>
-            </a:r>
-            <a:r>
-              <a:rPr lang="en-US" altLang="zh-TW" b="1" dirty="0"/>
-              <a:t>Snip </a:t>
-            </a:r>
-            <a:r>
-              <a:rPr lang="zh-TW" altLang="en-US" b="1" dirty="0"/>
-              <a:t>的</a:t>
-            </a:r>
-            <a:br>
-              <a:rPr lang="en-US" altLang="zh-TW" b="1" dirty="0"/>
-            </a:br>
-            <a:r>
-              <a:rPr lang="zh-TW" altLang="en-US" b="1" dirty="0"/>
-              <a:t>安裝與基本用法</a:t>
-            </a:r>
-          </a:p>
-        </p:txBody>
-      </p:sp>
-      <p:sp>
-        <p:nvSpPr>
-          <p:cNvPr id="4" name="副標題 3">
-            <a:extLst>
-              <a:ext uri="{FF2B5EF4-FFF2-40B4-BE49-F238E27FC236}">
-                <a16:creationId xmlns:a16="http://schemas.microsoft.com/office/drawing/2014/main" id="{90ACCCAF-5E3E-4FA9-B250-DD18E93B6AEC}"/>
-              </a:ext>
-            </a:extLst>
-          </p:cNvPr>
-          <p:cNvSpPr>
-            <a:spLocks noGrp="1"/>
-          </p:cNvSpPr>
-          <p:nvPr>
-            <p:ph type="subTitle" idx="1"/>
-          </p:nvPr>
-        </p:nvSpPr>
-        <p:spPr/>
-        <p:txBody>
-          <a:bodyPr/>
-          <a:lstStyle/>
-          <a:p>
-            <a:endParaRPr lang="zh-TW" altLang="en-US"/>
-          </a:p>
-        </p:txBody>
-      </p:sp>
-    </p:spTree>
-    <p:extLst>
-      <p:ext uri="{BB962C8B-B14F-4D97-AF65-F5344CB8AC3E}">
-        <p14:creationId xmlns:p14="http://schemas.microsoft.com/office/powerpoint/2010/main" val="3932379979"/>
-      </p:ext>
-    </p:extLst>
-  </p:cSld>
-  <p:clrMapOvr>
-    <a:masterClrMapping/>
-  </p:clrMapOvr>
-</p:sld>
-</file>
-
-<file path=ppt/slides/slide24.xml><?xml version="1.0" encoding="utf-8"?>
-<p:sld xmlns:a="http://schemas.openxmlformats.org/drawingml/2006/main" xmlns:r="http://schemas.openxmlformats.org/officeDocument/2006/relationships" xmlns:p="http://schemas.openxmlformats.org/presentationml/2006/main">
-  <p:cSld>
-    <p:spTree>
-      <p:nvGrpSpPr>
-        <p:cNvPr id="1" name=""/>
-        <p:cNvGrpSpPr/>
-        <p:nvPr/>
-      </p:nvGrpSpPr>
-      <p:grpSpPr>
-        <a:xfrm>
-          <a:off x="0" y="0"/>
-          <a:ext cx="0" cy="0"/>
-          <a:chOff x="0" y="0"/>
-          <a:chExt cx="0" cy="0"/>
-        </a:xfrm>
-      </p:grpSpPr>
-      <p:sp>
-        <p:nvSpPr>
-          <p:cNvPr id="2" name="標題 1">
-            <a:extLst>
-              <a:ext uri="{FF2B5EF4-FFF2-40B4-BE49-F238E27FC236}">
-                <a16:creationId xmlns:a16="http://schemas.microsoft.com/office/drawing/2014/main" id="{97BAF50E-5E47-485E-923F-BEFD52BF03BB}"/>
-              </a:ext>
-            </a:extLst>
-          </p:cNvPr>
-          <p:cNvSpPr>
-            <a:spLocks noGrp="1"/>
-          </p:cNvSpPr>
-          <p:nvPr>
-            <p:ph type="title"/>
-          </p:nvPr>
-        </p:nvSpPr>
-        <p:spPr/>
-        <p:txBody>
-          <a:bodyPr/>
-          <a:lstStyle/>
-          <a:p>
-            <a:r>
-              <a:rPr lang="zh-TW" altLang="en-US" dirty="0"/>
-              <a:t>練習 </a:t>
-            </a:r>
-            <a:r>
-              <a:rPr lang="en-US" altLang="zh-TW" dirty="0"/>
-              <a:t>6</a:t>
-            </a:r>
-            <a:r>
-              <a:rPr lang="zh-TW" altLang="en-US" dirty="0"/>
-              <a:t>：使用 </a:t>
-            </a:r>
-            <a:r>
-              <a:rPr lang="en-US" altLang="zh-TW" dirty="0" err="1"/>
-              <a:t>Mathpix</a:t>
-            </a:r>
-            <a:r>
-              <a:rPr lang="en-US" altLang="zh-TW" dirty="0"/>
-              <a:t> Snip</a:t>
-            </a:r>
-            <a:endParaRPr lang="zh-TW" altLang="en-US" dirty="0"/>
-          </a:p>
-        </p:txBody>
-      </p:sp>
-      <p:sp>
-        <p:nvSpPr>
-          <p:cNvPr id="3" name="內容版面配置區 2">
-            <a:extLst>
-              <a:ext uri="{FF2B5EF4-FFF2-40B4-BE49-F238E27FC236}">
-                <a16:creationId xmlns:a16="http://schemas.microsoft.com/office/drawing/2014/main" id="{34A042B6-3E52-4DC6-A1F2-8022D3B62FF6}"/>
-              </a:ext>
-            </a:extLst>
-          </p:cNvPr>
-          <p:cNvSpPr>
-            <a:spLocks noGrp="1"/>
-          </p:cNvSpPr>
-          <p:nvPr>
-            <p:ph idx="1"/>
-          </p:nvPr>
-        </p:nvSpPr>
-        <p:spPr/>
-        <p:txBody>
-          <a:bodyPr/>
-          <a:lstStyle/>
-          <a:p>
-            <a:pPr marL="514350" indent="-514350">
-              <a:buFont typeface="+mj-lt"/>
-              <a:buAutoNum type="arabicPeriod"/>
-            </a:pPr>
-            <a:r>
-              <a:rPr lang="zh-TW" altLang="en-US" dirty="0"/>
-              <a:t>安裝 </a:t>
-            </a:r>
-            <a:r>
-              <a:rPr lang="en-US" altLang="zh-TW" dirty="0" err="1"/>
-              <a:t>Mathpix</a:t>
-            </a:r>
-            <a:r>
-              <a:rPr lang="en-US" altLang="zh-TW" dirty="0"/>
-              <a:t> Snip</a:t>
-            </a:r>
-            <a:r>
-              <a:rPr lang="zh-TW" altLang="en-US" dirty="0"/>
-              <a:t>，然後下載此 </a:t>
-            </a:r>
-            <a:r>
-              <a:rPr lang="en-US" altLang="zh-TW" dirty="0"/>
-              <a:t>PDF </a:t>
-            </a:r>
-            <a:r>
-              <a:rPr lang="zh-TW" altLang="en-US" dirty="0"/>
-              <a:t>檔案：</a:t>
-            </a:r>
-            <a:r>
-              <a:rPr lang="en-US" altLang="zh-TW" dirty="0">
-                <a:hlinkClick r:id="rId3"/>
-              </a:rPr>
-              <a:t>ex2.pdf</a:t>
-            </a:r>
-            <a:endParaRPr lang="en-US" altLang="zh-TW" dirty="0"/>
-          </a:p>
-          <a:p>
-            <a:pPr marL="514350" indent="-514350">
-              <a:buFont typeface="+mj-lt"/>
-              <a:buAutoNum type="arabicPeriod"/>
-            </a:pPr>
-            <a:r>
-              <a:rPr lang="zh-TW" altLang="en-US" dirty="0"/>
-              <a:t>在 </a:t>
-            </a:r>
-            <a:r>
-              <a:rPr lang="en-US" altLang="zh-TW" dirty="0"/>
-              <a:t>PDF </a:t>
-            </a:r>
-            <a:r>
-              <a:rPr lang="zh-TW" altLang="en-US" dirty="0"/>
-              <a:t>檔案中找到下圖紅色方框的部分，輸入至 </a:t>
-            </a:r>
-            <a:r>
-              <a:rPr lang="en-US" altLang="zh-TW" dirty="0"/>
-              <a:t>Word </a:t>
-            </a:r>
-            <a:r>
-              <a:rPr lang="zh-TW" altLang="en-US" dirty="0"/>
-              <a:t>文件中，並儲存為 </a:t>
-            </a:r>
-            <a:r>
-              <a:rPr lang="en-US" altLang="zh-TW" dirty="0"/>
-              <a:t>ex2.docx</a:t>
-            </a:r>
-            <a:r>
-              <a:rPr lang="zh-TW" altLang="en-US" dirty="0"/>
-              <a:t>。</a:t>
-            </a:r>
-            <a:endParaRPr lang="en-US" altLang="zh-TW" dirty="0"/>
-          </a:p>
-          <a:p>
-            <a:pPr marL="514350" indent="-514350">
-              <a:buFont typeface="+mj-lt"/>
-              <a:buAutoNum type="arabicPeriod"/>
-            </a:pPr>
-            <a:r>
-              <a:rPr lang="zh-TW" altLang="en-US" dirty="0"/>
-              <a:t>若有多餘時間，</a:t>
-            </a:r>
-            <a:br>
-              <a:rPr lang="en-US" altLang="zh-TW" dirty="0"/>
-            </a:br>
-            <a:r>
-              <a:rPr lang="zh-TW" altLang="en-US" dirty="0"/>
-              <a:t>可轉為 </a:t>
-            </a:r>
-            <a:r>
-              <a:rPr lang="en-US" altLang="zh-TW" dirty="0"/>
-              <a:t>html</a:t>
-            </a:r>
-            <a:r>
-              <a:rPr lang="zh-TW" altLang="en-US" dirty="0"/>
-              <a:t>。</a:t>
-            </a:r>
-            <a:endParaRPr lang="en-US" altLang="zh-TW" dirty="0"/>
-          </a:p>
-          <a:p>
-            <a:endParaRPr lang="en-US" altLang="zh-TW" dirty="0"/>
-          </a:p>
-          <a:p>
-            <a:endParaRPr lang="zh-TW" altLang="en-US" dirty="0"/>
-          </a:p>
-        </p:txBody>
-      </p:sp>
-      <p:graphicFrame>
-        <p:nvGraphicFramePr>
-          <p:cNvPr id="4" name="物件 3">
-            <a:extLst>
-              <a:ext uri="{FF2B5EF4-FFF2-40B4-BE49-F238E27FC236}">
-                <a16:creationId xmlns:a16="http://schemas.microsoft.com/office/drawing/2014/main" id="{A94A23E6-6782-4A60-A8A1-2FC41FA779D3}"/>
-              </a:ext>
-            </a:extLst>
-          </p:cNvPr>
-          <p:cNvGraphicFramePr>
-            <a:graphicFrameLocks noChangeAspect="1"/>
-          </p:cNvGraphicFramePr>
-          <p:nvPr>
-            <p:extLst>
-              <p:ext uri="{D42A27DB-BD31-4B8C-83A1-F6EECF244321}">
-                <p14:modId xmlns:p14="http://schemas.microsoft.com/office/powerpoint/2010/main" val="3829237329"/>
-              </p:ext>
-            </p:extLst>
-          </p:nvPr>
-        </p:nvGraphicFramePr>
-        <p:xfrm>
-          <a:off x="92075" y="92075"/>
-          <a:ext cx="642938" cy="573088"/>
-        </p:xfrm>
-        <a:graphic>
-          <a:graphicData uri="http://schemas.openxmlformats.org/presentationml/2006/ole">
-            <mc:AlternateContent xmlns:mc="http://schemas.openxmlformats.org/markup-compatibility/2006">
-              <mc:Choice xmlns:v="urn:schemas-microsoft-com:vml" Requires="v">
-                <p:oleObj spid="_x0000_s4105" name="封裝程式殼層物件" showAsIcon="1" r:id="rId4" imgW="642240" imgH="572400" progId="Package">
-                  <p:embed/>
-                </p:oleObj>
-              </mc:Choice>
-              <mc:Fallback>
-                <p:oleObj name="封裝程式殼層物件" showAsIcon="1" r:id="rId4" imgW="642240" imgH="572400" progId="Package">
-                  <p:embed/>
-                  <p:pic>
-                    <p:nvPicPr>
-                      <p:cNvPr id="0" name=""/>
-                      <p:cNvPicPr/>
-                      <p:nvPr/>
-                    </p:nvPicPr>
-                    <p:blipFill>
-                      <a:blip r:embed="rId5"/>
-                      <a:stretch>
-                        <a:fillRect/>
-                      </a:stretch>
-                    </p:blipFill>
-                    <p:spPr>
-                      <a:xfrm>
-                        <a:off x="92075" y="92075"/>
-                        <a:ext cx="642938" cy="573088"/>
-                      </a:xfrm>
-                      <a:prstGeom prst="rect">
-                        <a:avLst/>
-                      </a:prstGeom>
-                    </p:spPr>
-                  </p:pic>
-                </p:oleObj>
-              </mc:Fallback>
-            </mc:AlternateContent>
-          </a:graphicData>
-        </a:graphic>
-      </p:graphicFrame>
-      <p:pic>
-        <p:nvPicPr>
-          <p:cNvPr id="8" name="圖片 7">
-            <a:extLst>
-              <a:ext uri="{FF2B5EF4-FFF2-40B4-BE49-F238E27FC236}">
-                <a16:creationId xmlns:a16="http://schemas.microsoft.com/office/drawing/2014/main" id="{3F2127F8-8B85-431C-B9D9-3AB9A05E96D4}"/>
-              </a:ext>
-            </a:extLst>
-          </p:cNvPr>
-          <p:cNvPicPr>
-            <a:picLocks noChangeAspect="1"/>
-          </p:cNvPicPr>
-          <p:nvPr/>
-        </p:nvPicPr>
-        <p:blipFill>
-          <a:blip r:embed="rId6"/>
-          <a:stretch>
-            <a:fillRect/>
-          </a:stretch>
-        </p:blipFill>
-        <p:spPr>
-          <a:xfrm>
-            <a:off x="4509247" y="3310229"/>
-            <a:ext cx="7360347" cy="3001671"/>
-          </a:xfrm>
-          <a:prstGeom prst="rect">
-            <a:avLst/>
-          </a:prstGeom>
-        </p:spPr>
-      </p:pic>
-      <p:sp>
-        <p:nvSpPr>
-          <p:cNvPr id="6" name="矩形: 圓角 5">
-            <a:extLst>
-              <a:ext uri="{FF2B5EF4-FFF2-40B4-BE49-F238E27FC236}">
-                <a16:creationId xmlns:a16="http://schemas.microsoft.com/office/drawing/2014/main" id="{109AEFEF-592E-45E4-80DA-289B55E691FC}"/>
-              </a:ext>
-            </a:extLst>
-          </p:cNvPr>
-          <p:cNvSpPr/>
-          <p:nvPr/>
-        </p:nvSpPr>
-        <p:spPr>
-          <a:xfrm>
-            <a:off x="10219672" y="365125"/>
-            <a:ext cx="1380565" cy="634067"/>
-          </a:xfrm>
-          <a:prstGeom prst="roundRect">
-            <a:avLst/>
-          </a:prstGeom>
-        </p:spPr>
-        <p:style>
-          <a:lnRef idx="2">
-            <a:schemeClr val="accent1">
-              <a:shade val="50000"/>
-            </a:schemeClr>
-          </a:lnRef>
-          <a:fillRef idx="1">
-            <a:schemeClr val="accent1"/>
-          </a:fillRef>
-          <a:effectRef idx="0">
-            <a:schemeClr val="accent1"/>
-          </a:effectRef>
-          <a:fontRef idx="minor">
-            <a:schemeClr val="lt1"/>
-          </a:fontRef>
-        </p:style>
-        <p:txBody>
-          <a:bodyPr rtlCol="0" anchor="ctr"/>
-          <a:lstStyle/>
-          <a:p>
-            <a:pPr algn="ctr"/>
-            <a:r>
-              <a:rPr lang="zh-TW" altLang="en-US" b="1" dirty="0"/>
-              <a:t>🕒</a:t>
-            </a:r>
-            <a:r>
-              <a:rPr lang="en-US" altLang="zh-TW" b="1" dirty="0"/>
-              <a:t>15min</a:t>
-            </a:r>
-            <a:endParaRPr lang="zh-TW" altLang="en-US" b="1" dirty="0"/>
-          </a:p>
-        </p:txBody>
-      </p:sp>
-    </p:spTree>
-    <p:extLst>
-      <p:ext uri="{BB962C8B-B14F-4D97-AF65-F5344CB8AC3E}">
-        <p14:creationId xmlns:p14="http://schemas.microsoft.com/office/powerpoint/2010/main" val="3339880640"/>
-      </p:ext>
-    </p:extLst>
-  </p:cSld>
-  <p:clrMapOvr>
-    <a:masterClrMapping/>
-  </p:clrMapOvr>
-</p:sld>
-</file>
-
-<file path=ppt/slides/slide25.xml><?xml version="1.0" encoding="utf-8"?>
-<p:sld xmlns:a="http://schemas.openxmlformats.org/drawingml/2006/main" xmlns:r="http://schemas.openxmlformats.org/officeDocument/2006/relationships" xmlns:p="http://schemas.openxmlformats.org/presentationml/2006/main">
-  <p:cSld>
-    <p:spTree>
-      <p:nvGrpSpPr>
-        <p:cNvPr id="1" name=""/>
-        <p:cNvGrpSpPr/>
-        <p:nvPr/>
-      </p:nvGrpSpPr>
-      <p:grpSpPr>
-        <a:xfrm>
-          <a:off x="0" y="0"/>
-          <a:ext cx="0" cy="0"/>
-          <a:chOff x="0" y="0"/>
-          <a:chExt cx="0" cy="0"/>
-        </a:xfrm>
-      </p:grpSpPr>
-      <p:sp>
-        <p:nvSpPr>
-          <p:cNvPr id="2" name="標題 1">
-            <a:extLst>
-              <a:ext uri="{FF2B5EF4-FFF2-40B4-BE49-F238E27FC236}">
-                <a16:creationId xmlns:a16="http://schemas.microsoft.com/office/drawing/2014/main" id="{6F78706A-4CA8-4C7D-9EB1-FB707C2DAC78}"/>
-              </a:ext>
-            </a:extLst>
-          </p:cNvPr>
-          <p:cNvSpPr>
-            <a:spLocks noGrp="1"/>
-          </p:cNvSpPr>
-          <p:nvPr>
-            <p:ph type="title"/>
-          </p:nvPr>
-        </p:nvSpPr>
-        <p:spPr/>
-        <p:txBody>
-          <a:bodyPr/>
-          <a:lstStyle/>
-          <a:p>
-            <a:r>
-              <a:rPr lang="en-US" altLang="zh-TW" dirty="0" err="1"/>
-              <a:t>Mathpix</a:t>
-            </a:r>
-            <a:r>
-              <a:rPr lang="en-US" altLang="zh-TW" dirty="0"/>
-              <a:t> Snip </a:t>
-            </a:r>
-            <a:r>
-              <a:rPr lang="zh-TW" altLang="en-US" dirty="0"/>
-              <a:t>每個月免費 </a:t>
-            </a:r>
-            <a:r>
-              <a:rPr lang="en-US" altLang="zh-TW" dirty="0"/>
-              <a:t>50 </a:t>
-            </a:r>
-            <a:r>
-              <a:rPr lang="zh-TW" altLang="en-US" dirty="0"/>
-              <a:t>次不夠用</a:t>
-            </a:r>
-            <a:r>
-              <a:rPr lang="en-US" altLang="zh-TW" dirty="0"/>
-              <a:t>…</a:t>
-            </a:r>
-            <a:endParaRPr lang="zh-TW" altLang="en-US" dirty="0"/>
-          </a:p>
-        </p:txBody>
-      </p:sp>
-      <p:sp>
-        <p:nvSpPr>
-          <p:cNvPr id="3" name="內容版面配置區 2">
-            <a:extLst>
-              <a:ext uri="{FF2B5EF4-FFF2-40B4-BE49-F238E27FC236}">
-                <a16:creationId xmlns:a16="http://schemas.microsoft.com/office/drawing/2014/main" id="{F66B0C55-221E-408F-8B43-31D7574ED3B2}"/>
-              </a:ext>
-            </a:extLst>
-          </p:cNvPr>
-          <p:cNvSpPr>
-            <a:spLocks noGrp="1"/>
-          </p:cNvSpPr>
-          <p:nvPr>
-            <p:ph idx="1"/>
-          </p:nvPr>
-        </p:nvSpPr>
-        <p:spPr/>
-        <p:txBody>
-          <a:bodyPr/>
-          <a:lstStyle/>
-          <a:p>
-            <a:r>
-              <a:rPr lang="zh-TW" altLang="en-US" dirty="0"/>
-              <a:t>付費：每個月 </a:t>
-            </a:r>
-            <a:r>
-              <a:rPr lang="en-US" altLang="zh-TW" dirty="0"/>
-              <a:t>$4.99</a:t>
-            </a:r>
-            <a:r>
-              <a:rPr lang="zh-TW" altLang="en-US" dirty="0"/>
-              <a:t> 美金可轉 </a:t>
-            </a:r>
-            <a:r>
-              <a:rPr lang="en-US" altLang="zh-TW" dirty="0"/>
-              <a:t>5,000 </a:t>
-            </a:r>
-            <a:r>
-              <a:rPr lang="zh-TW" altLang="en-US" dirty="0"/>
-              <a:t>次。</a:t>
-            </a:r>
-            <a:endParaRPr lang="en-US" altLang="zh-TW" dirty="0"/>
-          </a:p>
-          <a:p>
-            <a:r>
-              <a:rPr lang="zh-TW" altLang="en-US" dirty="0"/>
-              <a:t>註冊多個免費帳號，一個用滿 </a:t>
-            </a:r>
-            <a:r>
-              <a:rPr lang="en-US" altLang="zh-TW" dirty="0"/>
-              <a:t>50 </a:t>
-            </a:r>
-            <a:r>
-              <a:rPr lang="zh-TW" altLang="en-US" dirty="0"/>
-              <a:t>次就換另一個帳號。👉 麻煩</a:t>
-            </a:r>
-            <a:endParaRPr lang="en-US" altLang="zh-TW" dirty="0"/>
-          </a:p>
-          <a:p>
-            <a:r>
-              <a:rPr lang="en-US" altLang="zh-TW" dirty="0" err="1">
-                <a:hlinkClick r:id="rId2"/>
-              </a:rPr>
-              <a:t>Mathpix</a:t>
-            </a:r>
-            <a:r>
-              <a:rPr lang="zh-TW" altLang="en-US" dirty="0">
-                <a:hlinkClick r:id="rId2"/>
-              </a:rPr>
-              <a:t> </a:t>
-            </a:r>
-            <a:r>
-              <a:rPr lang="en-US" altLang="zh-TW" dirty="0">
-                <a:hlinkClick r:id="rId2"/>
-              </a:rPr>
-              <a:t>OCR</a:t>
-            </a:r>
-            <a:r>
-              <a:rPr lang="zh-TW" altLang="en-US" dirty="0">
-                <a:hlinkClick r:id="rId2"/>
-              </a:rPr>
-              <a:t> </a:t>
-            </a:r>
-            <a:r>
-              <a:rPr lang="en-US" altLang="zh-TW" dirty="0">
-                <a:hlinkClick r:id="rId2"/>
-              </a:rPr>
-              <a:t>API</a:t>
-            </a:r>
-            <a:r>
-              <a:rPr lang="zh-TW" altLang="en-US" dirty="0">
-                <a:hlinkClick r:id="rId2"/>
-              </a:rPr>
-              <a:t> 提供開發者每個月可以免費辨識 </a:t>
-            </a:r>
-            <a:r>
-              <a:rPr lang="en-US" altLang="zh-TW" dirty="0">
-                <a:hlinkClick r:id="rId2"/>
-              </a:rPr>
-              <a:t>1000 </a:t>
-            </a:r>
-            <a:r>
-              <a:rPr lang="zh-TW" altLang="en-US" dirty="0">
-                <a:hlinkClick r:id="rId2"/>
-              </a:rPr>
-              <a:t>次</a:t>
-            </a:r>
-            <a:endParaRPr lang="en-US" altLang="zh-TW" dirty="0"/>
-          </a:p>
-          <a:p>
-            <a:r>
-              <a:rPr lang="zh-TW" altLang="en-US" dirty="0"/>
-              <a:t>免費且開源的 </a:t>
-            </a:r>
-            <a:r>
-              <a:rPr lang="en-US" altLang="zh-TW" dirty="0">
-                <a:hlinkClick r:id="rId3"/>
-              </a:rPr>
-              <a:t>LaTeX OCR</a:t>
-            </a:r>
-            <a:r>
-              <a:rPr lang="zh-TW" altLang="en-US" dirty="0"/>
-              <a:t>（有一定的技術門檻）</a:t>
-            </a:r>
-            <a:endParaRPr lang="en-US" altLang="zh-TW" dirty="0"/>
-          </a:p>
-          <a:p>
-            <a:endParaRPr lang="en-US" altLang="zh-TW" dirty="0"/>
-          </a:p>
-          <a:p>
-            <a:endParaRPr lang="zh-TW" altLang="en-US" dirty="0"/>
-          </a:p>
-        </p:txBody>
-      </p:sp>
-    </p:spTree>
-    <p:extLst>
-      <p:ext uri="{BB962C8B-B14F-4D97-AF65-F5344CB8AC3E}">
-        <p14:creationId xmlns:p14="http://schemas.microsoft.com/office/powerpoint/2010/main" val="3956219223"/>
-      </p:ext>
-    </p:extLst>
-  </p:cSld>
-  <p:clrMapOvr>
-    <a:masterClrMapping/>
-  </p:clrMapOvr>
-</p:sld>
-</file>
-
-<file path=ppt/slides/slide26.xml><?xml version="1.0" encoding="utf-8"?>
-<p:sld xmlns:a="http://schemas.openxmlformats.org/drawingml/2006/main" xmlns:r="http://schemas.openxmlformats.org/officeDocument/2006/relationships" xmlns:p="http://schemas.openxmlformats.org/presentationml/2006/main">
-  <p:cSld>
-    <p:spTree>
-      <p:nvGrpSpPr>
-        <p:cNvPr id="1" name=""/>
-        <p:cNvGrpSpPr/>
-        <p:nvPr/>
-      </p:nvGrpSpPr>
-      <p:grpSpPr>
-        <a:xfrm>
-          <a:off x="0" y="0"/>
-          <a:ext cx="0" cy="0"/>
-          <a:chOff x="0" y="0"/>
-          <a:chExt cx="0" cy="0"/>
-        </a:xfrm>
-      </p:grpSpPr>
-      <p:sp>
-        <p:nvSpPr>
-          <p:cNvPr id="2" name="標題 1">
-            <a:extLst>
-              <a:ext uri="{FF2B5EF4-FFF2-40B4-BE49-F238E27FC236}">
-                <a16:creationId xmlns:a16="http://schemas.microsoft.com/office/drawing/2014/main" id="{C822F489-4038-4A4F-8ECE-7BE9970C9E97}"/>
-              </a:ext>
-            </a:extLst>
-          </p:cNvPr>
-          <p:cNvSpPr>
-            <a:spLocks noGrp="1"/>
-          </p:cNvSpPr>
-          <p:nvPr>
-            <p:ph type="title"/>
-          </p:nvPr>
-        </p:nvSpPr>
-        <p:spPr/>
-        <p:txBody>
-          <a:bodyPr/>
-          <a:lstStyle/>
-          <a:p>
-            <a:r>
-              <a:rPr lang="zh-TW" altLang="en-US" dirty="0"/>
-              <a:t>大幅提升效率的方法</a:t>
-            </a:r>
-          </a:p>
-        </p:txBody>
-      </p:sp>
-      <p:sp>
-        <p:nvSpPr>
-          <p:cNvPr id="3" name="內容版面配置區 2">
-            <a:extLst>
-              <a:ext uri="{FF2B5EF4-FFF2-40B4-BE49-F238E27FC236}">
-                <a16:creationId xmlns:a16="http://schemas.microsoft.com/office/drawing/2014/main" id="{E2032F1B-782A-48CA-8302-DF4E4DE63145}"/>
-              </a:ext>
-            </a:extLst>
-          </p:cNvPr>
-          <p:cNvSpPr>
-            <a:spLocks noGrp="1"/>
-          </p:cNvSpPr>
-          <p:nvPr>
-            <p:ph idx="1"/>
-          </p:nvPr>
-        </p:nvSpPr>
-        <p:spPr/>
-        <p:txBody>
-          <a:bodyPr/>
-          <a:lstStyle/>
-          <a:p>
-            <a:r>
-              <a:rPr lang="zh-TW" altLang="en-US" dirty="0"/>
-              <a:t>多用快速鍵（快捷鍵）</a:t>
-            </a:r>
-            <a:endParaRPr lang="en-US" altLang="zh-TW" dirty="0"/>
-          </a:p>
-          <a:p>
-            <a:r>
-              <a:rPr lang="zh-TW" altLang="en-US" dirty="0"/>
-              <a:t>學習 </a:t>
-            </a:r>
-            <a:r>
-              <a:rPr lang="en-US" altLang="zh-TW" dirty="0"/>
-              <a:t>LaTeX </a:t>
-            </a:r>
-            <a:r>
-              <a:rPr lang="zh-TW" altLang="en-US" dirty="0"/>
-              <a:t>語法</a:t>
-            </a:r>
-            <a:endParaRPr lang="en-US" altLang="zh-TW" dirty="0"/>
-          </a:p>
-          <a:p>
-            <a:endParaRPr lang="zh-TW" altLang="en-US" dirty="0"/>
-          </a:p>
-        </p:txBody>
-      </p:sp>
-    </p:spTree>
-    <p:extLst>
-      <p:ext uri="{BB962C8B-B14F-4D97-AF65-F5344CB8AC3E}">
-        <p14:creationId xmlns:p14="http://schemas.microsoft.com/office/powerpoint/2010/main" val="2864944917"/>
-      </p:ext>
-    </p:extLst>
-  </p:cSld>
-  <p:clrMapOvr>
-    <a:masterClrMapping/>
-  </p:clrMapOvr>
-</p:sld>
-</file>
-
-<file path=ppt/slides/slide27.xml><?xml version="1.0" encoding="utf-8"?>
-<p:sld xmlns:a="http://schemas.openxmlformats.org/drawingml/2006/main" xmlns:r="http://schemas.openxmlformats.org/officeDocument/2006/relationships" xmlns:p="http://schemas.openxmlformats.org/presentationml/2006/main">
-  <p:cSld>
-    <p:spTree>
-      <p:nvGrpSpPr>
-        <p:cNvPr id="1" name=""/>
-        <p:cNvGrpSpPr/>
-        <p:nvPr/>
-      </p:nvGrpSpPr>
-      <p:grpSpPr>
-        <a:xfrm>
-          <a:off x="0" y="0"/>
-          <a:ext cx="0" cy="0"/>
-          <a:chOff x="0" y="0"/>
-          <a:chExt cx="0" cy="0"/>
-        </a:xfrm>
-      </p:grpSpPr>
-      <p:sp>
-        <p:nvSpPr>
-          <p:cNvPr id="2" name="標題 1">
-            <a:extLst>
-              <a:ext uri="{FF2B5EF4-FFF2-40B4-BE49-F238E27FC236}">
                 <a16:creationId xmlns:a16="http://schemas.microsoft.com/office/drawing/2014/main" id="{804DD220-7BEB-4144-8086-C3B119B2C5B6}"/>
               </a:ext>
             </a:extLst>
@@ -7232,7 +8705,7 @@
 </p:sld>
 </file>
 
-<file path=ppt/slides/slide28.xml><?xml version="1.0" encoding="utf-8"?>
+<file path=ppt/slides/slide31.xml><?xml version="1.0" encoding="utf-8"?>
 <p:sld xmlns:a="http://schemas.openxmlformats.org/drawingml/2006/main" xmlns:r="http://schemas.openxmlformats.org/officeDocument/2006/relationships" xmlns:p="http://schemas.openxmlformats.org/presentationml/2006/main">
   <p:cSld>
     <p:spTree>
@@ -7368,7 +8841,7 @@
 </p:sld>
 </file>
 
-<file path=ppt/slides/slide29.xml><?xml version="1.0" encoding="utf-8"?>
+<file path=ppt/slides/slide32.xml><?xml version="1.0" encoding="utf-8"?>
 <p:sld xmlns:a="http://schemas.openxmlformats.org/drawingml/2006/main" xmlns:r="http://schemas.openxmlformats.org/officeDocument/2006/relationships" xmlns:p="http://schemas.openxmlformats.org/presentationml/2006/main">
   <p:cSld>
     <p:spTree>
@@ -7390,7 +8863,7 @@
           <p:cNvPr id="2" name="標題 1">
             <a:extLst>
               <a:ext uri="{FF2B5EF4-FFF2-40B4-BE49-F238E27FC236}">
-                <a16:creationId xmlns:a16="http://schemas.microsoft.com/office/drawing/2014/main" id="{B2A68720-5DB8-415C-86EE-17CE4EE4EF15}"/>
+                <a16:creationId xmlns:a16="http://schemas.microsoft.com/office/drawing/2014/main" id="{FDCA7AEB-46BA-47B2-9F7A-3AAA64A29BC6}"/>
               </a:ext>
             </a:extLst>
           </p:cNvPr>
@@ -7408,19 +8881,13 @@
           <a:p>
             <a:r>
               <a:rPr lang="en-US" altLang="zh-TW" b="1" dirty="0"/>
-              <a:t>Word </a:t>
+              <a:t>Part II. </a:t>
             </a:r>
             <a:r>
               <a:rPr lang="zh-TW" altLang="en-US" b="1" dirty="0"/>
-              <a:t>選項設定</a:t>
-            </a:r>
-            <a:br>
-              <a:rPr lang="en-US" altLang="zh-TW" b="1" dirty="0"/>
-            </a:br>
-            <a:r>
-              <a:rPr lang="zh-TW" altLang="en-US" b="1" dirty="0"/>
-              <a:t>與文字取代</a:t>
-            </a:r>
+              <a:t>排版相關問題整理</a:t>
+            </a:r>
+            <a:endParaRPr lang="zh-TW" altLang="en-US" dirty="0"/>
           </a:p>
         </p:txBody>
       </p:sp>
@@ -7429,7 +8896,7 @@
           <p:cNvPr id="4" name="副標題 3">
             <a:extLst>
               <a:ext uri="{FF2B5EF4-FFF2-40B4-BE49-F238E27FC236}">
-                <a16:creationId xmlns:a16="http://schemas.microsoft.com/office/drawing/2014/main" id="{33C4D836-DE78-4F9C-AB15-364033FF7DAF}"/>
+                <a16:creationId xmlns:a16="http://schemas.microsoft.com/office/drawing/2014/main" id="{D1DAB7D7-DB00-4702-8F67-F5B698EBFD0B}"/>
               </a:ext>
             </a:extLst>
           </p:cNvPr>
@@ -7440,19 +8907,29 @@
             <p:ph type="subTitle" idx="1"/>
           </p:nvPr>
         </p:nvSpPr>
-        <p:spPr/>
-        <p:txBody>
-          <a:bodyPr/>
-          <a:lstStyle/>
-          <a:p>
-            <a:endParaRPr lang="zh-TW" altLang="en-US"/>
+        <p:spPr>
+          <a:xfrm>
+            <a:off x="1524000" y="3747246"/>
+            <a:ext cx="9144000" cy="1510553"/>
+          </a:xfrm>
+        </p:spPr>
+        <p:txBody>
+          <a:bodyPr>
+            <a:normAutofit/>
+          </a:bodyPr>
+          <a:lstStyle/>
+          <a:p>
+            <a:r>
+              <a:rPr lang="zh-TW" altLang="en-US" sz="2800" b="1" dirty="0"/>
+              <a:t>原書頁次、項目編號、常用符號、表格的表示法等等</a:t>
+            </a:r>
           </a:p>
         </p:txBody>
       </p:sp>
     </p:spTree>
     <p:extLst>
       <p:ext uri="{BB962C8B-B14F-4D97-AF65-F5344CB8AC3E}">
-        <p14:creationId xmlns:p14="http://schemas.microsoft.com/office/powerpoint/2010/main" val="2063309826"/>
+        <p14:creationId xmlns:p14="http://schemas.microsoft.com/office/powerpoint/2010/main" val="3197787048"/>
       </p:ext>
     </p:extLst>
   </p:cSld>
@@ -7462,7 +8939,7 @@
 </p:sld>
 </file>
 
-<file path=ppt/slides/slide3.xml><?xml version="1.0" encoding="utf-8"?>
+<file path=ppt/slides/slide33.xml><?xml version="1.0" encoding="utf-8"?>
 <p:sld xmlns:a="http://schemas.openxmlformats.org/drawingml/2006/main" xmlns:r="http://schemas.openxmlformats.org/officeDocument/2006/relationships" xmlns:p="http://schemas.openxmlformats.org/presentationml/2006/main">
   <p:cSld>
     <p:spTree>
@@ -7479,157 +8956,289 @@
           <a:chExt cx="0" cy="0"/>
         </a:xfrm>
       </p:grpSpPr>
-      <p:sp>
-        <p:nvSpPr>
-          <p:cNvPr id="2" name="標題 1">
-            <a:extLst>
-              <a:ext uri="{FF2B5EF4-FFF2-40B4-BE49-F238E27FC236}">
-                <a16:creationId xmlns:a16="http://schemas.microsoft.com/office/drawing/2014/main" id="{2795A24E-F566-4A2C-AA33-7DB9AD4EBBDE}"/>
-              </a:ext>
-            </a:extLst>
-          </p:cNvPr>
-          <p:cNvSpPr>
-            <a:spLocks noGrp="1"/>
-          </p:cNvSpPr>
-          <p:nvPr>
-            <p:ph type="title"/>
-          </p:nvPr>
-        </p:nvSpPr>
-        <p:spPr/>
-        <p:txBody>
-          <a:bodyPr/>
-          <a:lstStyle/>
-          <a:p>
-            <a:r>
-              <a:rPr lang="zh-TW" altLang="en-US" dirty="0"/>
-              <a:t>內容大綱</a:t>
-            </a:r>
-          </a:p>
-        </p:txBody>
-      </p:sp>
-      <p:sp>
-        <p:nvSpPr>
-          <p:cNvPr id="3" name="內容版面配置區 2">
-            <a:extLst>
-              <a:ext uri="{FF2B5EF4-FFF2-40B4-BE49-F238E27FC236}">
-                <a16:creationId xmlns:a16="http://schemas.microsoft.com/office/drawing/2014/main" id="{46E2C4DF-1F8B-4EE7-80F5-D78812F32779}"/>
-              </a:ext>
-            </a:extLst>
-          </p:cNvPr>
-          <p:cNvSpPr>
-            <a:spLocks noGrp="1"/>
-          </p:cNvSpPr>
-          <p:nvPr>
-            <p:ph idx="1"/>
-          </p:nvPr>
-        </p:nvSpPr>
-        <p:spPr/>
-        <p:txBody>
-          <a:bodyPr/>
-          <a:lstStyle/>
-          <a:p>
-            <a:r>
-              <a:rPr lang="zh-TW" altLang="en-US" dirty="0"/>
-              <a:t>介紹作業環境需求</a:t>
-            </a:r>
-            <a:endParaRPr lang="en-US" altLang="zh-TW" dirty="0"/>
-          </a:p>
-          <a:p>
-            <a:r>
-              <a:rPr lang="zh-TW" altLang="en-US" dirty="0"/>
-              <a:t>擷取螢幕畫面，然後進行圖文辨識（使用 </a:t>
-            </a:r>
-            <a:r>
-              <a:rPr lang="en-US" altLang="zh-TW" dirty="0"/>
-              <a:t>Google </a:t>
-            </a:r>
-            <a:r>
-              <a:rPr lang="zh-TW" altLang="en-US" dirty="0"/>
-              <a:t>文件）</a:t>
-            </a:r>
-          </a:p>
-          <a:p>
-            <a:r>
-              <a:rPr lang="en-US" altLang="zh-TW" dirty="0"/>
-              <a:t>Word </a:t>
-            </a:r>
-            <a:r>
-              <a:rPr lang="zh-TW" altLang="en-US" dirty="0"/>
-              <a:t>選項設定、文字搜尋與替換功能介紹</a:t>
-            </a:r>
-          </a:p>
-          <a:p>
-            <a:r>
-              <a:rPr lang="en-US" altLang="zh-TW" dirty="0" err="1"/>
-              <a:t>MathType</a:t>
-            </a:r>
-            <a:r>
-              <a:rPr lang="en-US" altLang="zh-TW" dirty="0"/>
-              <a:t> </a:t>
-            </a:r>
-            <a:r>
-              <a:rPr lang="zh-TW" altLang="en-US" dirty="0"/>
-              <a:t>軟體介紹（安裝與基本操作）</a:t>
-            </a:r>
-          </a:p>
-          <a:p>
-            <a:r>
-              <a:rPr lang="en-US" altLang="zh-TW" dirty="0" err="1"/>
-              <a:t>Mathpix</a:t>
-            </a:r>
-            <a:r>
-              <a:rPr lang="en-US" altLang="zh-TW" dirty="0"/>
-              <a:t> Snip </a:t>
-            </a:r>
-            <a:r>
-              <a:rPr lang="zh-TW" altLang="en-US" dirty="0"/>
-              <a:t>軟體介紹（安裝與用法）</a:t>
-            </a:r>
-          </a:p>
-          <a:p>
-            <a:r>
-              <a:rPr lang="zh-TW" altLang="en-US" dirty="0"/>
-              <a:t>使用 </a:t>
-            </a:r>
-            <a:r>
-              <a:rPr lang="en-US" altLang="zh-TW" dirty="0"/>
-              <a:t>NVDA </a:t>
-            </a:r>
-            <a:r>
-              <a:rPr lang="zh-TW" altLang="en-US" dirty="0"/>
-              <a:t>與 </a:t>
-            </a:r>
-            <a:r>
-              <a:rPr lang="en-US" altLang="zh-TW" dirty="0"/>
-              <a:t>Access8Math </a:t>
-            </a:r>
-            <a:r>
-              <a:rPr lang="zh-TW" altLang="en-US" dirty="0"/>
-              <a:t>來確認數學公式能否正確報讀</a:t>
-            </a:r>
-          </a:p>
-          <a:p>
-            <a:pPr marL="0" indent="0">
-              <a:buNone/>
-            </a:pPr>
-            <a:endParaRPr lang="zh-TW" altLang="en-US" dirty="0"/>
+      <p:pic>
+        <p:nvPicPr>
+          <p:cNvPr id="4" name="圖片 3">
+            <a:extLst>
+              <a:ext uri="{FF2B5EF4-FFF2-40B4-BE49-F238E27FC236}">
+                <a16:creationId xmlns:a16="http://schemas.microsoft.com/office/drawing/2014/main" id="{B1A391AB-07AA-47B9-B8B5-AB74835BD084}"/>
+              </a:ext>
+            </a:extLst>
+          </p:cNvPr>
+          <p:cNvPicPr>
+            <a:picLocks noChangeAspect="1"/>
+          </p:cNvPicPr>
+          <p:nvPr/>
+        </p:nvPicPr>
+        <p:blipFill>
+          <a:blip r:embed="rId2"/>
+          <a:stretch>
+            <a:fillRect/>
+          </a:stretch>
+        </p:blipFill>
+        <p:spPr>
+          <a:xfrm>
+            <a:off x="2774583" y="107566"/>
+            <a:ext cx="9278672" cy="3918620"/>
+          </a:xfrm>
+          <a:prstGeom prst="rect">
+            <a:avLst/>
+          </a:prstGeom>
+        </p:spPr>
+      </p:pic>
+      <p:pic>
+        <p:nvPicPr>
+          <p:cNvPr id="6" name="圖片 5">
+            <a:extLst>
+              <a:ext uri="{FF2B5EF4-FFF2-40B4-BE49-F238E27FC236}">
+                <a16:creationId xmlns:a16="http://schemas.microsoft.com/office/drawing/2014/main" id="{0772E88A-D7B5-4965-A75B-36132DA03F11}"/>
+              </a:ext>
+            </a:extLst>
+          </p:cNvPr>
+          <p:cNvPicPr>
+            <a:picLocks noChangeAspect="1"/>
+          </p:cNvPicPr>
+          <p:nvPr/>
+        </p:nvPicPr>
+        <p:blipFill>
+          <a:blip r:embed="rId3"/>
+          <a:stretch>
+            <a:fillRect/>
+          </a:stretch>
+        </p:blipFill>
+        <p:spPr>
+          <a:xfrm>
+            <a:off x="407893" y="4026186"/>
+            <a:ext cx="9009524" cy="2285714"/>
+          </a:xfrm>
+          <a:prstGeom prst="rect">
+            <a:avLst/>
+          </a:prstGeom>
+        </p:spPr>
+      </p:pic>
+      <p:sp>
+        <p:nvSpPr>
+          <p:cNvPr id="7" name="語音泡泡: 圓角矩形 6">
+            <a:extLst>
+              <a:ext uri="{FF2B5EF4-FFF2-40B4-BE49-F238E27FC236}">
+                <a16:creationId xmlns:a16="http://schemas.microsoft.com/office/drawing/2014/main" id="{F4FBCC40-4583-4CE1-955A-F322B4230821}"/>
+              </a:ext>
+            </a:extLst>
+          </p:cNvPr>
+          <p:cNvSpPr/>
+          <p:nvPr/>
+        </p:nvSpPr>
+        <p:spPr>
+          <a:xfrm>
+            <a:off x="407893" y="421340"/>
+            <a:ext cx="6468036" cy="2580803"/>
+          </a:xfrm>
+          <a:prstGeom prst="wedgeRoundRectCallout">
+            <a:avLst>
+              <a:gd name="adj1" fmla="val -11228"/>
+              <a:gd name="adj2" fmla="val 44617"/>
+              <a:gd name="adj3" fmla="val 16667"/>
+            </a:avLst>
+          </a:prstGeom>
+        </p:spPr>
+        <p:style>
+          <a:lnRef idx="2">
+            <a:schemeClr val="accent1">
+              <a:shade val="50000"/>
+            </a:schemeClr>
+          </a:lnRef>
+          <a:fillRef idx="1">
+            <a:schemeClr val="accent1"/>
+          </a:fillRef>
+          <a:effectRef idx="0">
+            <a:schemeClr val="accent1"/>
+          </a:effectRef>
+          <a:fontRef idx="minor">
+            <a:schemeClr val="lt1"/>
+          </a:fontRef>
+        </p:style>
+        <p:txBody>
+          <a:bodyPr rtlCol="0" anchor="ctr"/>
+          <a:lstStyle/>
+          <a:p>
+            <a:pPr lvl="1"/>
+            <a:r>
+              <a:rPr lang="zh-TW" altLang="en-US" sz="3200" b="1" i="0" dirty="0">
+                <a:solidFill>
+                  <a:schemeClr val="bg1"/>
+                </a:solidFill>
+                <a:effectLst/>
+                <a:latin typeface="-apple-system"/>
+              </a:rPr>
+              <a:t>原書頁次</a:t>
+            </a:r>
+            <a:br>
+              <a:rPr lang="en-US" altLang="zh-TW" sz="3200" b="1" i="0" dirty="0">
+                <a:solidFill>
+                  <a:srgbClr val="24292F"/>
+                </a:solidFill>
+                <a:effectLst/>
+                <a:latin typeface="-apple-system"/>
+              </a:rPr>
+            </a:br>
+            <a:r>
+              <a:rPr lang="zh-TW" altLang="en-US" sz="2400" b="1" dirty="0"/>
+              <a:t>以大寫英文字母 </a:t>
+            </a:r>
+            <a:r>
+              <a:rPr lang="en-US" altLang="zh-TW" sz="2400" b="1" dirty="0"/>
+              <a:t>P </a:t>
+            </a:r>
+            <a:r>
+              <a:rPr lang="zh-TW" altLang="en-US" sz="2400" b="1" dirty="0"/>
+              <a:t>加上頁次編號來表示，</a:t>
+            </a:r>
+            <a:endParaRPr lang="en-US" altLang="zh-TW" sz="2400" b="1" dirty="0"/>
+          </a:p>
+          <a:p>
+            <a:pPr lvl="1"/>
+            <a:r>
+              <a:rPr lang="zh-TW" altLang="en-US" sz="2400" b="1" dirty="0"/>
+              <a:t>寫成單獨一列，前後加空白列。</a:t>
+            </a:r>
+            <a:endParaRPr lang="en-US" altLang="zh-TW" sz="2400" b="1" dirty="0"/>
+          </a:p>
+          <a:p>
+            <a:pPr lvl="1"/>
+            <a:endParaRPr lang="en-US" altLang="zh-TW" sz="2400" b="1" dirty="0"/>
+          </a:p>
+          <a:p>
+            <a:pPr lvl="1"/>
+            <a:r>
+              <a:rPr lang="zh-TW" altLang="en-US" sz="2400" b="1" dirty="0"/>
+              <a:t>例如：</a:t>
+            </a:r>
+            <a:r>
+              <a:rPr lang="en-US" altLang="zh-TW" sz="2400" b="1" dirty="0"/>
+              <a:t>P20 </a:t>
+            </a:r>
+            <a:r>
+              <a:rPr lang="zh-TW" altLang="en-US" sz="2400" b="1" dirty="0"/>
+              <a:t>代表原書第 </a:t>
+            </a:r>
+            <a:r>
+              <a:rPr lang="en-US" altLang="zh-TW" sz="2400" b="1" dirty="0"/>
+              <a:t>20 </a:t>
+            </a:r>
+            <a:r>
+              <a:rPr lang="zh-TW" altLang="en-US" sz="2400" b="1" dirty="0"/>
+              <a:t>頁</a:t>
+            </a:r>
+            <a:r>
+              <a:rPr lang="zh-TW" altLang="en-US" sz="2000" dirty="0"/>
+              <a:t>。</a:t>
+            </a:r>
           </a:p>
         </p:txBody>
       </p:sp>
     </p:spTree>
     <p:extLst>
       <p:ext uri="{BB962C8B-B14F-4D97-AF65-F5344CB8AC3E}">
-        <p14:creationId xmlns:p14="http://schemas.microsoft.com/office/powerpoint/2010/main" val="734628388"/>
+        <p14:creationId xmlns:p14="http://schemas.microsoft.com/office/powerpoint/2010/main" val="2986092947"/>
       </p:ext>
     </p:extLst>
   </p:cSld>
   <p:clrMapOvr>
     <a:masterClrMapping/>
   </p:clrMapOvr>
+  <p:timing>
+    <p:tnLst>
+      <p:par>
+        <p:cTn id="1" dur="indefinite" restart="never" nodeType="tmRoot">
+          <p:childTnLst>
+            <p:seq concurrent="1" nextAc="seek">
+              <p:cTn id="2" dur="indefinite" nodeType="mainSeq">
+                <p:childTnLst>
+                  <p:par>
+                    <p:cTn id="3" fill="hold">
+                      <p:stCondLst>
+                        <p:cond delay="indefinite"/>
+                        <p:cond evt="onBegin" delay="0">
+                          <p:tn val="2"/>
+                        </p:cond>
+                      </p:stCondLst>
+                      <p:childTnLst>
+                        <p:par>
+                          <p:cTn id="4" fill="hold">
+                            <p:stCondLst>
+                              <p:cond delay="0"/>
+                            </p:stCondLst>
+                            <p:childTnLst>
+                              <p:par>
+                                <p:cTn id="5" presetID="10" presetClass="entr" presetSubtype="0" fill="hold" grpId="0" nodeType="afterEffect">
+                                  <p:stCondLst>
+                                    <p:cond delay="2000"/>
+                                  </p:stCondLst>
+                                  <p:childTnLst>
+                                    <p:set>
+                                      <p:cBhvr>
+                                        <p:cTn id="6" dur="1" fill="hold">
+                                          <p:stCondLst>
+                                            <p:cond delay="0"/>
+                                          </p:stCondLst>
+                                        </p:cTn>
+                                        <p:tgtEl>
+                                          <p:spTgt spid="7"/>
+                                        </p:tgtEl>
+                                        <p:attrNameLst>
+                                          <p:attrName>style.visibility</p:attrName>
+                                        </p:attrNameLst>
+                                      </p:cBhvr>
+                                      <p:to>
+                                        <p:strVal val="visible"/>
+                                      </p:to>
+                                    </p:set>
+                                    <p:animEffect transition="in" filter="fade">
+                                      <p:cBhvr>
+                                        <p:cTn id="7" dur="500"/>
+                                        <p:tgtEl>
+                                          <p:spTgt spid="7"/>
+                                        </p:tgtEl>
+                                      </p:cBhvr>
+                                    </p:animEffect>
+                                  </p:childTnLst>
+                                </p:cTn>
+                              </p:par>
+                            </p:childTnLst>
+                          </p:cTn>
+                        </p:par>
+                      </p:childTnLst>
+                    </p:cTn>
+                  </p:par>
+                </p:childTnLst>
+              </p:cTn>
+              <p:prevCondLst>
+                <p:cond evt="onPrev" delay="0">
+                  <p:tgtEl>
+                    <p:sldTgt/>
+                  </p:tgtEl>
+                </p:cond>
+              </p:prevCondLst>
+              <p:nextCondLst>
+                <p:cond evt="onNext" delay="0">
+                  <p:tgtEl>
+                    <p:sldTgt/>
+                  </p:tgtEl>
+                </p:cond>
+              </p:nextCondLst>
+            </p:seq>
+          </p:childTnLst>
+        </p:cTn>
+      </p:par>
+    </p:tnLst>
+    <p:bldLst>
+      <p:bldP spid="7" grpId="0" animBg="1"/>
+    </p:bldLst>
+  </p:timing>
 </p:sld>
 </file>
 
-<file path=ppt/slides/slide30.xml><?xml version="1.0" encoding="utf-8"?>
+<file path=ppt/slides/slide34.xml><?xml version="1.0" encoding="utf-8"?>
 <p:sld xmlns:a="http://schemas.openxmlformats.org/drawingml/2006/main" xmlns:r="http://schemas.openxmlformats.org/officeDocument/2006/relationships" xmlns:p="http://schemas.openxmlformats.org/presentationml/2006/main">
   <p:cSld>
     <p:spTree>
@@ -7651,6 +9260,2946 @@
           <p:cNvPr id="2" name="標題 1">
             <a:extLst>
               <a:ext uri="{FF2B5EF4-FFF2-40B4-BE49-F238E27FC236}">
+                <a16:creationId xmlns:a16="http://schemas.microsoft.com/office/drawing/2014/main" id="{D0DA58E5-96BE-4ED6-B3FD-3FE9C39147EE}"/>
+              </a:ext>
+            </a:extLst>
+          </p:cNvPr>
+          <p:cNvSpPr>
+            <a:spLocks noGrp="1"/>
+          </p:cNvSpPr>
+          <p:nvPr>
+            <p:ph type="title"/>
+          </p:nvPr>
+        </p:nvSpPr>
+        <p:spPr>
+          <a:xfrm>
+            <a:off x="838200" y="365126"/>
+            <a:ext cx="10515600" cy="965850"/>
+          </a:xfrm>
+        </p:spPr>
+        <p:txBody>
+          <a:bodyPr/>
+          <a:lstStyle/>
+          <a:p>
+            <a:r>
+              <a:rPr lang="zh-TW" altLang="en-US" b="1" i="0" dirty="0">
+                <a:solidFill>
+                  <a:srgbClr val="24292F"/>
+                </a:solidFill>
+                <a:effectLst/>
+                <a:latin typeface="-apple-system"/>
+              </a:rPr>
+              <a:t>項目編號與符號</a:t>
+            </a:r>
+            <a:endParaRPr lang="zh-TW" altLang="en-US" dirty="0"/>
+          </a:p>
+        </p:txBody>
+      </p:sp>
+      <p:sp>
+        <p:nvSpPr>
+          <p:cNvPr id="3" name="內容版面配置區 2">
+            <a:extLst>
+              <a:ext uri="{FF2B5EF4-FFF2-40B4-BE49-F238E27FC236}">
+                <a16:creationId xmlns:a16="http://schemas.microsoft.com/office/drawing/2014/main" id="{2A87A969-F4FE-485F-BF34-0250DD8DC5EE}"/>
+              </a:ext>
+            </a:extLst>
+          </p:cNvPr>
+          <p:cNvSpPr>
+            <a:spLocks noGrp="1"/>
+          </p:cNvSpPr>
+          <p:nvPr>
+            <p:ph idx="1"/>
+          </p:nvPr>
+        </p:nvSpPr>
+        <p:spPr>
+          <a:xfrm>
+            <a:off x="838200" y="1577788"/>
+            <a:ext cx="10515600" cy="4599175"/>
+          </a:xfrm>
+        </p:spPr>
+        <p:txBody>
+          <a:bodyPr/>
+          <a:lstStyle/>
+          <a:p>
+            <a:r>
+              <a:rPr lang="zh-TW" altLang="en-US" b="0" i="0" dirty="0">
+                <a:solidFill>
+                  <a:srgbClr val="24292F"/>
+                </a:solidFill>
+                <a:effectLst/>
+                <a:latin typeface="-apple-system"/>
+              </a:rPr>
+              <a:t>建議：取消 </a:t>
+            </a:r>
+            <a:r>
+              <a:rPr lang="en-US" altLang="zh-TW" b="0" i="0" dirty="0">
+                <a:solidFill>
+                  <a:srgbClr val="24292F"/>
+                </a:solidFill>
+                <a:effectLst/>
+                <a:latin typeface="-apple-system"/>
+              </a:rPr>
+              <a:t>Word </a:t>
+            </a:r>
+            <a:r>
+              <a:rPr lang="zh-TW" altLang="en-US" b="0" i="0" dirty="0">
+                <a:solidFill>
+                  <a:srgbClr val="24292F"/>
+                </a:solidFill>
+                <a:effectLst/>
+                <a:latin typeface="-apple-system"/>
+              </a:rPr>
+              <a:t>自動編號與自動項目符號。</a:t>
+            </a:r>
+            <a:endParaRPr lang="en-US" altLang="zh-TW" b="0" i="0" dirty="0">
+              <a:solidFill>
+                <a:srgbClr val="24292F"/>
+              </a:solidFill>
+              <a:effectLst/>
+              <a:latin typeface="-apple-system"/>
+            </a:endParaRPr>
+          </a:p>
+          <a:p>
+            <a:r>
+              <a:rPr lang="zh-TW" altLang="en-US" b="0" i="0" dirty="0">
+                <a:solidFill>
+                  <a:srgbClr val="24292F"/>
+                </a:solidFill>
+                <a:effectLst/>
+                <a:latin typeface="-apple-system"/>
+              </a:rPr>
+              <a:t>選擇題的每一個選項拆成單獨一列（不要把 </a:t>
+            </a:r>
+            <a:r>
+              <a:rPr lang="en-US" altLang="zh-TW" b="0" i="0" dirty="0">
+                <a:solidFill>
+                  <a:srgbClr val="24292F"/>
+                </a:solidFill>
+                <a:effectLst/>
+                <a:latin typeface="-apple-system"/>
+              </a:rPr>
+              <a:t>A</a:t>
+            </a:r>
+            <a:r>
+              <a:rPr lang="zh-TW" altLang="en-US" b="0" i="0" dirty="0">
+                <a:solidFill>
+                  <a:srgbClr val="24292F"/>
+                </a:solidFill>
+                <a:effectLst/>
+                <a:latin typeface="-apple-system"/>
+              </a:rPr>
+              <a:t>、</a:t>
+            </a:r>
+            <a:r>
+              <a:rPr lang="en-US" altLang="zh-TW" b="0" i="0" dirty="0">
+                <a:solidFill>
+                  <a:srgbClr val="24292F"/>
+                </a:solidFill>
+                <a:effectLst/>
+                <a:latin typeface="-apple-system"/>
+              </a:rPr>
+              <a:t>B</a:t>
+            </a:r>
+            <a:r>
+              <a:rPr lang="zh-TW" altLang="en-US" b="0" i="0" dirty="0">
+                <a:solidFill>
+                  <a:srgbClr val="24292F"/>
+                </a:solidFill>
+                <a:effectLst/>
+                <a:latin typeface="-apple-system"/>
+              </a:rPr>
+              <a:t>、</a:t>
+            </a:r>
+            <a:r>
+              <a:rPr lang="en-US" altLang="zh-TW" b="0" i="0" dirty="0">
+                <a:solidFill>
+                  <a:srgbClr val="24292F"/>
+                </a:solidFill>
+                <a:effectLst/>
+                <a:latin typeface="-apple-system"/>
+              </a:rPr>
+              <a:t>C</a:t>
+            </a:r>
+            <a:r>
+              <a:rPr lang="zh-TW" altLang="en-US" b="0" i="0" dirty="0">
+                <a:solidFill>
+                  <a:srgbClr val="24292F"/>
+                </a:solidFill>
+                <a:effectLst/>
+                <a:latin typeface="-apple-system"/>
+              </a:rPr>
+              <a:t>、</a:t>
+            </a:r>
+            <a:r>
+              <a:rPr lang="en-US" altLang="zh-TW" b="0" i="0" dirty="0">
+                <a:solidFill>
+                  <a:srgbClr val="24292F"/>
+                </a:solidFill>
+                <a:effectLst/>
+                <a:latin typeface="-apple-system"/>
+              </a:rPr>
+              <a:t>D </a:t>
+            </a:r>
+            <a:r>
+              <a:rPr lang="zh-TW" altLang="en-US" b="0" i="0" dirty="0">
+                <a:solidFill>
+                  <a:srgbClr val="24292F"/>
+                </a:solidFill>
+                <a:effectLst/>
+                <a:latin typeface="-apple-system"/>
+              </a:rPr>
+              <a:t>等選項全都排在一列）。</a:t>
+            </a:r>
+            <a:endParaRPr lang="zh-TW" altLang="en-US" dirty="0"/>
+          </a:p>
+        </p:txBody>
+      </p:sp>
+      <p:pic>
+        <p:nvPicPr>
+          <p:cNvPr id="4" name="圖片 3">
+            <a:extLst>
+              <a:ext uri="{FF2B5EF4-FFF2-40B4-BE49-F238E27FC236}">
+                <a16:creationId xmlns:a16="http://schemas.microsoft.com/office/drawing/2014/main" id="{50F4AEE0-91B9-4823-84BA-443422E56A97}"/>
+              </a:ext>
+            </a:extLst>
+          </p:cNvPr>
+          <p:cNvPicPr>
+            <a:picLocks noChangeAspect="1"/>
+          </p:cNvPicPr>
+          <p:nvPr/>
+        </p:nvPicPr>
+        <p:blipFill>
+          <a:blip r:embed="rId2"/>
+          <a:stretch>
+            <a:fillRect/>
+          </a:stretch>
+        </p:blipFill>
+        <p:spPr>
+          <a:xfrm>
+            <a:off x="1093630" y="3077638"/>
+            <a:ext cx="7942857" cy="761905"/>
+          </a:xfrm>
+          <a:prstGeom prst="rect">
+            <a:avLst/>
+          </a:prstGeom>
+        </p:spPr>
+      </p:pic>
+      <p:pic>
+        <p:nvPicPr>
+          <p:cNvPr id="5" name="圖片 4">
+            <a:extLst>
+              <a:ext uri="{FF2B5EF4-FFF2-40B4-BE49-F238E27FC236}">
+                <a16:creationId xmlns:a16="http://schemas.microsoft.com/office/drawing/2014/main" id="{B518B11D-AD9E-456B-BD5C-0EF4B22FA1DE}"/>
+              </a:ext>
+            </a:extLst>
+          </p:cNvPr>
+          <p:cNvPicPr>
+            <a:picLocks noChangeAspect="1"/>
+          </p:cNvPicPr>
+          <p:nvPr/>
+        </p:nvPicPr>
+        <p:blipFill>
+          <a:blip r:embed="rId3"/>
+          <a:stretch>
+            <a:fillRect/>
+          </a:stretch>
+        </p:blipFill>
+        <p:spPr>
+          <a:xfrm>
+            <a:off x="4221794" y="4498437"/>
+            <a:ext cx="3604393" cy="1831198"/>
+          </a:xfrm>
+          <a:prstGeom prst="rect">
+            <a:avLst/>
+          </a:prstGeom>
+        </p:spPr>
+      </p:pic>
+      <p:sp>
+        <p:nvSpPr>
+          <p:cNvPr id="6" name="箭號: 弧形右彎 5">
+            <a:extLst>
+              <a:ext uri="{FF2B5EF4-FFF2-40B4-BE49-F238E27FC236}">
+                <a16:creationId xmlns:a16="http://schemas.microsoft.com/office/drawing/2014/main" id="{5F4FD900-5828-4069-B369-2A3ED80B267B}"/>
+              </a:ext>
+            </a:extLst>
+          </p:cNvPr>
+          <p:cNvSpPr/>
+          <p:nvPr/>
+        </p:nvSpPr>
+        <p:spPr>
+          <a:xfrm rot="19602656">
+            <a:off x="3299718" y="3921619"/>
+            <a:ext cx="582853" cy="1410341"/>
+          </a:xfrm>
+          <a:prstGeom prst="curvedRightArrow">
+            <a:avLst>
+              <a:gd name="adj1" fmla="val 20284"/>
+              <a:gd name="adj2" fmla="val 50000"/>
+              <a:gd name="adj3" fmla="val 25951"/>
+            </a:avLst>
+          </a:prstGeom>
+        </p:spPr>
+        <p:style>
+          <a:lnRef idx="2">
+            <a:schemeClr val="accent1">
+              <a:shade val="50000"/>
+            </a:schemeClr>
+          </a:lnRef>
+          <a:fillRef idx="1">
+            <a:schemeClr val="accent1"/>
+          </a:fillRef>
+          <a:effectRef idx="0">
+            <a:schemeClr val="accent1"/>
+          </a:effectRef>
+          <a:fontRef idx="minor">
+            <a:schemeClr val="lt1"/>
+          </a:fontRef>
+        </p:style>
+        <p:txBody>
+          <a:bodyPr rtlCol="0" anchor="ctr"/>
+          <a:lstStyle/>
+          <a:p>
+            <a:pPr algn="ctr"/>
+            <a:endParaRPr lang="zh-TW" altLang="en-US">
+              <a:solidFill>
+                <a:schemeClr val="tx1"/>
+              </a:solidFill>
+            </a:endParaRPr>
+          </a:p>
+        </p:txBody>
+      </p:sp>
+    </p:spTree>
+    <p:extLst>
+      <p:ext uri="{BB962C8B-B14F-4D97-AF65-F5344CB8AC3E}">
+        <p14:creationId xmlns:p14="http://schemas.microsoft.com/office/powerpoint/2010/main" val="680734746"/>
+      </p:ext>
+    </p:extLst>
+  </p:cSld>
+  <p:clrMapOvr>
+    <a:masterClrMapping/>
+  </p:clrMapOvr>
+  <p:timing>
+    <p:tnLst>
+      <p:par>
+        <p:cTn id="1" dur="indefinite" restart="never" nodeType="tmRoot">
+          <p:childTnLst>
+            <p:seq concurrent="1" nextAc="seek">
+              <p:cTn id="2" dur="indefinite" nodeType="mainSeq">
+                <p:childTnLst>
+                  <p:par>
+                    <p:cTn id="3" fill="hold">
+                      <p:stCondLst>
+                        <p:cond delay="indefinite"/>
+                        <p:cond evt="onBegin" delay="0">
+                          <p:tn val="2"/>
+                        </p:cond>
+                      </p:stCondLst>
+                      <p:childTnLst>
+                        <p:par>
+                          <p:cTn id="4" fill="hold">
+                            <p:stCondLst>
+                              <p:cond delay="0"/>
+                            </p:stCondLst>
+                            <p:childTnLst>
+                              <p:par>
+                                <p:cTn id="5" presetID="10" presetClass="entr" presetSubtype="0" fill="hold" grpId="0" nodeType="afterEffect">
+                                  <p:stCondLst>
+                                    <p:cond delay="2250"/>
+                                  </p:stCondLst>
+                                  <p:childTnLst>
+                                    <p:set>
+                                      <p:cBhvr>
+                                        <p:cTn id="6" dur="1" fill="hold">
+                                          <p:stCondLst>
+                                            <p:cond delay="0"/>
+                                          </p:stCondLst>
+                                        </p:cTn>
+                                        <p:tgtEl>
+                                          <p:spTgt spid="6"/>
+                                        </p:tgtEl>
+                                        <p:attrNameLst>
+                                          <p:attrName>style.visibility</p:attrName>
+                                        </p:attrNameLst>
+                                      </p:cBhvr>
+                                      <p:to>
+                                        <p:strVal val="visible"/>
+                                      </p:to>
+                                    </p:set>
+                                    <p:animEffect transition="in" filter="fade">
+                                      <p:cBhvr>
+                                        <p:cTn id="7" dur="500"/>
+                                        <p:tgtEl>
+                                          <p:spTgt spid="6"/>
+                                        </p:tgtEl>
+                                      </p:cBhvr>
+                                    </p:animEffect>
+                                  </p:childTnLst>
+                                </p:cTn>
+                              </p:par>
+                            </p:childTnLst>
+                          </p:cTn>
+                        </p:par>
+                      </p:childTnLst>
+                    </p:cTn>
+                  </p:par>
+                </p:childTnLst>
+              </p:cTn>
+              <p:prevCondLst>
+                <p:cond evt="onPrev" delay="0">
+                  <p:tgtEl>
+                    <p:sldTgt/>
+                  </p:tgtEl>
+                </p:cond>
+              </p:prevCondLst>
+              <p:nextCondLst>
+                <p:cond evt="onNext" delay="0">
+                  <p:tgtEl>
+                    <p:sldTgt/>
+                  </p:tgtEl>
+                </p:cond>
+              </p:nextCondLst>
+            </p:seq>
+          </p:childTnLst>
+        </p:cTn>
+      </p:par>
+    </p:tnLst>
+    <p:bldLst>
+      <p:bldP spid="6" grpId="0" animBg="1"/>
+    </p:bldLst>
+  </p:timing>
+</p:sld>
+</file>
+
+<file path=ppt/slides/slide35.xml><?xml version="1.0" encoding="utf-8"?>
+<p:sld xmlns:a="http://schemas.openxmlformats.org/drawingml/2006/main" xmlns:r="http://schemas.openxmlformats.org/officeDocument/2006/relationships" xmlns:p="http://schemas.openxmlformats.org/presentationml/2006/main">
+  <p:cSld>
+    <p:spTree>
+      <p:nvGrpSpPr>
+        <p:cNvPr id="1" name=""/>
+        <p:cNvGrpSpPr/>
+        <p:nvPr/>
+      </p:nvGrpSpPr>
+      <p:grpSpPr>
+        <a:xfrm>
+          <a:off x="0" y="0"/>
+          <a:ext cx="0" cy="0"/>
+          <a:chOff x="0" y="0"/>
+          <a:chExt cx="0" cy="0"/>
+        </a:xfrm>
+      </p:grpSpPr>
+      <p:sp>
+        <p:nvSpPr>
+          <p:cNvPr id="2" name="標題 1">
+            <a:extLst>
+              <a:ext uri="{FF2B5EF4-FFF2-40B4-BE49-F238E27FC236}">
+                <a16:creationId xmlns:a16="http://schemas.microsoft.com/office/drawing/2014/main" id="{014A4E48-5059-4ABF-A44B-BF486A56C0D8}"/>
+              </a:ext>
+            </a:extLst>
+          </p:cNvPr>
+          <p:cNvSpPr>
+            <a:spLocks noGrp="1"/>
+          </p:cNvSpPr>
+          <p:nvPr>
+            <p:ph type="title"/>
+          </p:nvPr>
+        </p:nvSpPr>
+        <p:spPr/>
+        <p:txBody>
+          <a:bodyPr/>
+          <a:lstStyle/>
+          <a:p>
+            <a:r>
+              <a:rPr lang="zh-TW" altLang="en-US" b="1" i="0" dirty="0">
+                <a:solidFill>
+                  <a:srgbClr val="24292F"/>
+                </a:solidFill>
+                <a:effectLst/>
+                <a:latin typeface="-apple-system"/>
+              </a:rPr>
+              <a:t>表格</a:t>
+            </a:r>
+            <a:endParaRPr lang="zh-TW" altLang="en-US" dirty="0"/>
+          </a:p>
+        </p:txBody>
+      </p:sp>
+      <p:sp>
+        <p:nvSpPr>
+          <p:cNvPr id="3" name="內容版面配置區 2">
+            <a:extLst>
+              <a:ext uri="{FF2B5EF4-FFF2-40B4-BE49-F238E27FC236}">
+                <a16:creationId xmlns:a16="http://schemas.microsoft.com/office/drawing/2014/main" id="{B3449A4C-BB15-4BD3-A08A-9FDA426D2026}"/>
+              </a:ext>
+            </a:extLst>
+          </p:cNvPr>
+          <p:cNvSpPr>
+            <a:spLocks noGrp="1"/>
+          </p:cNvSpPr>
+          <p:nvPr>
+            <p:ph idx="1"/>
+          </p:nvPr>
+        </p:nvSpPr>
+        <p:spPr/>
+        <p:txBody>
+          <a:bodyPr/>
+          <a:lstStyle/>
+          <a:p>
+            <a:r>
+              <a:rPr lang="zh-TW" altLang="en-US" b="0" i="0" dirty="0">
+                <a:solidFill>
+                  <a:srgbClr val="24292F"/>
+                </a:solidFill>
+                <a:effectLst/>
+                <a:latin typeface="-apple-system"/>
+              </a:rPr>
+              <a:t>碰到表格時，要看情況來選擇合適的呈現方式。</a:t>
+            </a:r>
+            <a:endParaRPr lang="en-US" altLang="zh-TW" b="0" i="0" dirty="0">
+              <a:solidFill>
+                <a:srgbClr val="24292F"/>
+              </a:solidFill>
+              <a:effectLst/>
+              <a:latin typeface="-apple-system"/>
+            </a:endParaRPr>
+          </a:p>
+          <a:p>
+            <a:r>
+              <a:rPr lang="zh-TW" altLang="en-US" b="0" i="0" dirty="0">
+                <a:solidFill>
+                  <a:srgbClr val="24292F"/>
+                </a:solidFill>
+                <a:effectLst/>
+                <a:latin typeface="-apple-system"/>
+              </a:rPr>
+              <a:t>大原則是能夠讓語音報讀軟體正確且充分表達原文的語意，而且讀者用聽的就能理解。</a:t>
+            </a:r>
+            <a:endParaRPr lang="zh-TW" altLang="en-US" dirty="0"/>
+          </a:p>
+        </p:txBody>
+      </p:sp>
+    </p:spTree>
+    <p:extLst>
+      <p:ext uri="{BB962C8B-B14F-4D97-AF65-F5344CB8AC3E}">
+        <p14:creationId xmlns:p14="http://schemas.microsoft.com/office/powerpoint/2010/main" val="1874482700"/>
+      </p:ext>
+    </p:extLst>
+  </p:cSld>
+  <p:clrMapOvr>
+    <a:masterClrMapping/>
+  </p:clrMapOvr>
+</p:sld>
+</file>
+
+<file path=ppt/slides/slide36.xml><?xml version="1.0" encoding="utf-8"?>
+<p:sld xmlns:a="http://schemas.openxmlformats.org/drawingml/2006/main" xmlns:r="http://schemas.openxmlformats.org/officeDocument/2006/relationships" xmlns:p="http://schemas.openxmlformats.org/presentationml/2006/main">
+  <p:cSld>
+    <p:spTree>
+      <p:nvGrpSpPr>
+        <p:cNvPr id="1" name=""/>
+        <p:cNvGrpSpPr/>
+        <p:nvPr/>
+      </p:nvGrpSpPr>
+      <p:grpSpPr>
+        <a:xfrm>
+          <a:off x="0" y="0"/>
+          <a:ext cx="0" cy="0"/>
+          <a:chOff x="0" y="0"/>
+          <a:chExt cx="0" cy="0"/>
+        </a:xfrm>
+      </p:grpSpPr>
+      <p:sp>
+        <p:nvSpPr>
+          <p:cNvPr id="2" name="標題 1">
+            <a:extLst>
+              <a:ext uri="{FF2B5EF4-FFF2-40B4-BE49-F238E27FC236}">
+                <a16:creationId xmlns:a16="http://schemas.microsoft.com/office/drawing/2014/main" id="{03592E73-C93A-4A08-9E25-41235AB95D20}"/>
+              </a:ext>
+            </a:extLst>
+          </p:cNvPr>
+          <p:cNvSpPr>
+            <a:spLocks noGrp="1"/>
+          </p:cNvSpPr>
+          <p:nvPr>
+            <p:ph type="title"/>
+          </p:nvPr>
+        </p:nvSpPr>
+        <p:spPr/>
+        <p:txBody>
+          <a:bodyPr/>
+          <a:lstStyle/>
+          <a:p>
+            <a:r>
+              <a:rPr lang="zh-TW" altLang="en-US" dirty="0"/>
+              <a:t>編寫方式一：使用標題列與欄位分隔符號</a:t>
+            </a:r>
+          </a:p>
+        </p:txBody>
+      </p:sp>
+      <p:sp>
+        <p:nvSpPr>
+          <p:cNvPr id="3" name="內容版面配置區 2">
+            <a:extLst>
+              <a:ext uri="{FF2B5EF4-FFF2-40B4-BE49-F238E27FC236}">
+                <a16:creationId xmlns:a16="http://schemas.microsoft.com/office/drawing/2014/main" id="{1459584D-3B7E-4951-8401-CC0F2C1DC79D}"/>
+              </a:ext>
+            </a:extLst>
+          </p:cNvPr>
+          <p:cNvSpPr>
+            <a:spLocks noGrp="1"/>
+          </p:cNvSpPr>
+          <p:nvPr>
+            <p:ph idx="1"/>
+          </p:nvPr>
+        </p:nvSpPr>
+        <p:spPr/>
+        <p:txBody>
+          <a:bodyPr/>
+          <a:lstStyle/>
+          <a:p>
+            <a:r>
+              <a:rPr lang="zh-TW" altLang="en-US" dirty="0"/>
+              <a:t>第一列為表格的標題列，以 </a:t>
+            </a:r>
+            <a:r>
+              <a:rPr lang="en-US" altLang="zh-TW" dirty="0"/>
+              <a:t>| </a:t>
+            </a:r>
+            <a:r>
+              <a:rPr lang="zh-TW" altLang="en-US" dirty="0"/>
+              <a:t>符號分隔欄位，第二列開始為表格內容，同樣以 </a:t>
+            </a:r>
+            <a:r>
+              <a:rPr lang="en-US" altLang="zh-TW" dirty="0"/>
+              <a:t>| </a:t>
+            </a:r>
+            <a:r>
+              <a:rPr lang="zh-TW" altLang="en-US" dirty="0"/>
+              <a:t>符號分隔欄位。</a:t>
+            </a:r>
+            <a:endParaRPr lang="en-US" altLang="zh-TW" dirty="0"/>
+          </a:p>
+          <a:p>
+            <a:pPr marL="0" indent="0">
+              <a:buNone/>
+            </a:pPr>
+            <a:r>
+              <a:rPr lang="zh-TW" altLang="en-US" dirty="0"/>
+              <a:t>範例：</a:t>
+            </a:r>
+            <a:endParaRPr lang="en-US" altLang="zh-TW" dirty="0"/>
+          </a:p>
+          <a:p>
+            <a:pPr marL="0" indent="0">
+              <a:buNone/>
+            </a:pPr>
+            <a:endParaRPr lang="en-US" altLang="zh-TW" dirty="0"/>
+          </a:p>
+          <a:p>
+            <a:pPr marL="0" indent="0">
+              <a:buNone/>
+            </a:pPr>
+            <a:endParaRPr lang="zh-TW" altLang="en-US" dirty="0">
+              <a:solidFill>
+                <a:srgbClr val="0070C0"/>
+              </a:solidFill>
+            </a:endParaRPr>
+          </a:p>
+        </p:txBody>
+      </p:sp>
+      <p:sp>
+        <p:nvSpPr>
+          <p:cNvPr id="6" name="文字方塊 5">
+            <a:extLst>
+              <a:ext uri="{FF2B5EF4-FFF2-40B4-BE49-F238E27FC236}">
+                <a16:creationId xmlns:a16="http://schemas.microsoft.com/office/drawing/2014/main" id="{E607F8FC-97E1-488B-988F-C8260C2F2BB7}"/>
+              </a:ext>
+            </a:extLst>
+          </p:cNvPr>
+          <p:cNvSpPr txBox="1"/>
+          <p:nvPr/>
+        </p:nvSpPr>
+        <p:spPr>
+          <a:xfrm>
+            <a:off x="2375647" y="3343835"/>
+            <a:ext cx="5540188" cy="2062103"/>
+          </a:xfrm>
+          <a:prstGeom prst="rect">
+            <a:avLst/>
+          </a:prstGeom>
+          <a:noFill/>
+        </p:spPr>
+        <p:txBody>
+          <a:bodyPr wrap="square" rtlCol="0">
+            <a:spAutoFit/>
+          </a:bodyPr>
+          <a:lstStyle/>
+          <a:p>
+            <a:pPr marL="0" indent="0">
+              <a:buNone/>
+            </a:pPr>
+            <a:r>
+              <a:rPr lang="zh-TW" altLang="en-US" sz="3200" dirty="0">
+                <a:solidFill>
+                  <a:srgbClr val="0070C0"/>
+                </a:solidFill>
+              </a:rPr>
+              <a:t>班級</a:t>
+            </a:r>
+            <a:r>
+              <a:rPr lang="en-US" altLang="zh-TW" sz="3200" dirty="0">
+                <a:solidFill>
+                  <a:srgbClr val="0070C0"/>
+                </a:solidFill>
+              </a:rPr>
+              <a:t>|</a:t>
+            </a:r>
+            <a:r>
+              <a:rPr lang="zh-TW" altLang="en-US" sz="3200" dirty="0">
+                <a:solidFill>
+                  <a:srgbClr val="0070C0"/>
+                </a:solidFill>
+              </a:rPr>
+              <a:t>姓名</a:t>
+            </a:r>
+            <a:r>
+              <a:rPr lang="en-US" altLang="zh-TW" sz="3200" dirty="0">
+                <a:solidFill>
+                  <a:srgbClr val="0070C0"/>
+                </a:solidFill>
+              </a:rPr>
+              <a:t>|</a:t>
+            </a:r>
+            <a:r>
+              <a:rPr lang="zh-TW" altLang="en-US" sz="3200" dirty="0">
+                <a:solidFill>
+                  <a:srgbClr val="0070C0"/>
+                </a:solidFill>
+              </a:rPr>
+              <a:t>座號</a:t>
+            </a:r>
+          </a:p>
+          <a:p>
+            <a:pPr marL="0" indent="0">
+              <a:buNone/>
+            </a:pPr>
+            <a:r>
+              <a:rPr lang="zh-TW" altLang="en-US" sz="3200" dirty="0">
+                <a:solidFill>
+                  <a:srgbClr val="0070C0"/>
+                </a:solidFill>
+              </a:rPr>
+              <a:t>甲</a:t>
+            </a:r>
+            <a:r>
+              <a:rPr lang="en-US" altLang="zh-TW" sz="3200" dirty="0">
+                <a:solidFill>
+                  <a:srgbClr val="0070C0"/>
+                </a:solidFill>
+              </a:rPr>
+              <a:t>|</a:t>
+            </a:r>
+            <a:r>
+              <a:rPr lang="zh-TW" altLang="en-US" sz="3200" dirty="0">
+                <a:solidFill>
+                  <a:srgbClr val="0070C0"/>
+                </a:solidFill>
+              </a:rPr>
+              <a:t>王大同</a:t>
+            </a:r>
+            <a:r>
+              <a:rPr lang="en-US" altLang="zh-TW" sz="3200" dirty="0">
+                <a:solidFill>
+                  <a:srgbClr val="0070C0"/>
+                </a:solidFill>
+              </a:rPr>
+              <a:t>|1</a:t>
+            </a:r>
+          </a:p>
+          <a:p>
+            <a:pPr marL="0" indent="0">
+              <a:buNone/>
+            </a:pPr>
+            <a:r>
+              <a:rPr lang="zh-TW" altLang="en-US" sz="3200" dirty="0">
+                <a:solidFill>
+                  <a:srgbClr val="0070C0"/>
+                </a:solidFill>
+              </a:rPr>
+              <a:t>乙</a:t>
+            </a:r>
+            <a:r>
+              <a:rPr lang="en-US" altLang="zh-TW" sz="3200" dirty="0">
+                <a:solidFill>
+                  <a:srgbClr val="0070C0"/>
+                </a:solidFill>
+              </a:rPr>
+              <a:t>|</a:t>
+            </a:r>
+            <a:r>
+              <a:rPr lang="zh-TW" altLang="en-US" sz="3200" dirty="0">
+                <a:solidFill>
+                  <a:srgbClr val="0070C0"/>
+                </a:solidFill>
+              </a:rPr>
+              <a:t>李得標</a:t>
+            </a:r>
+            <a:r>
+              <a:rPr lang="en-US" altLang="zh-TW" sz="3200" dirty="0">
+                <a:solidFill>
+                  <a:srgbClr val="0070C0"/>
+                </a:solidFill>
+              </a:rPr>
+              <a:t>|2</a:t>
+            </a:r>
+          </a:p>
+          <a:p>
+            <a:pPr marL="0" indent="0">
+              <a:buNone/>
+            </a:pPr>
+            <a:r>
+              <a:rPr lang="zh-TW" altLang="en-US" sz="3200" dirty="0">
+                <a:solidFill>
+                  <a:srgbClr val="0070C0"/>
+                </a:solidFill>
+              </a:rPr>
+              <a:t>丙</a:t>
+            </a:r>
+            <a:r>
+              <a:rPr lang="en-US" altLang="zh-TW" sz="3200" dirty="0">
+                <a:solidFill>
+                  <a:srgbClr val="0070C0"/>
+                </a:solidFill>
+              </a:rPr>
+              <a:t>|</a:t>
+            </a:r>
+            <a:r>
+              <a:rPr lang="zh-TW" altLang="en-US" sz="3200" dirty="0">
+                <a:solidFill>
+                  <a:srgbClr val="0070C0"/>
+                </a:solidFill>
+              </a:rPr>
+              <a:t>陳曉芬</a:t>
+            </a:r>
+            <a:r>
+              <a:rPr lang="en-US" altLang="zh-TW" sz="3200" dirty="0">
+                <a:solidFill>
+                  <a:srgbClr val="0070C0"/>
+                </a:solidFill>
+              </a:rPr>
+              <a:t>|3</a:t>
+            </a:r>
+            <a:endParaRPr lang="zh-TW" altLang="en-US" sz="3200" dirty="0"/>
+          </a:p>
+        </p:txBody>
+      </p:sp>
+      <p:sp>
+        <p:nvSpPr>
+          <p:cNvPr id="7" name="語音泡泡: 圓角矩形 6">
+            <a:extLst>
+              <a:ext uri="{FF2B5EF4-FFF2-40B4-BE49-F238E27FC236}">
+                <a16:creationId xmlns:a16="http://schemas.microsoft.com/office/drawing/2014/main" id="{4AA505B6-29BD-427B-B7FB-79D2760C2600}"/>
+              </a:ext>
+            </a:extLst>
+          </p:cNvPr>
+          <p:cNvSpPr/>
+          <p:nvPr/>
+        </p:nvSpPr>
+        <p:spPr>
+          <a:xfrm>
+            <a:off x="6409765" y="4235805"/>
+            <a:ext cx="4545106" cy="1551114"/>
+          </a:xfrm>
+          <a:prstGeom prst="wedgeRoundRectCallout">
+            <a:avLst>
+              <a:gd name="adj1" fmla="val -63633"/>
+              <a:gd name="adj2" fmla="val -42109"/>
+              <a:gd name="adj3" fmla="val 16667"/>
+            </a:avLst>
+          </a:prstGeom>
+        </p:spPr>
+        <p:style>
+          <a:lnRef idx="2">
+            <a:schemeClr val="accent1">
+              <a:shade val="50000"/>
+            </a:schemeClr>
+          </a:lnRef>
+          <a:fillRef idx="1">
+            <a:schemeClr val="accent1"/>
+          </a:fillRef>
+          <a:effectRef idx="0">
+            <a:schemeClr val="accent1"/>
+          </a:effectRef>
+          <a:fontRef idx="minor">
+            <a:schemeClr val="lt1"/>
+          </a:fontRef>
+        </p:style>
+        <p:txBody>
+          <a:bodyPr rtlCol="0" anchor="ctr"/>
+          <a:lstStyle/>
+          <a:p>
+            <a:pPr algn="ctr"/>
+            <a:r>
+              <a:rPr lang="zh-TW" altLang="en-US" sz="2400" dirty="0"/>
+              <a:t>閱讀時需要讀者記住第一列的各個欄位標題的順序和意義</a:t>
+            </a:r>
+          </a:p>
+        </p:txBody>
+      </p:sp>
+    </p:spTree>
+    <p:extLst>
+      <p:ext uri="{BB962C8B-B14F-4D97-AF65-F5344CB8AC3E}">
+        <p14:creationId xmlns:p14="http://schemas.microsoft.com/office/powerpoint/2010/main" val="171757507"/>
+      </p:ext>
+    </p:extLst>
+  </p:cSld>
+  <p:clrMapOvr>
+    <a:masterClrMapping/>
+  </p:clrMapOvr>
+</p:sld>
+</file>
+
+<file path=ppt/slides/slide37.xml><?xml version="1.0" encoding="utf-8"?>
+<p:sld xmlns:a="http://schemas.openxmlformats.org/drawingml/2006/main" xmlns:r="http://schemas.openxmlformats.org/officeDocument/2006/relationships" xmlns:p="http://schemas.openxmlformats.org/presentationml/2006/main">
+  <p:cSld>
+    <p:spTree>
+      <p:nvGrpSpPr>
+        <p:cNvPr id="1" name=""/>
+        <p:cNvGrpSpPr/>
+        <p:nvPr/>
+      </p:nvGrpSpPr>
+      <p:grpSpPr>
+        <a:xfrm>
+          <a:off x="0" y="0"/>
+          <a:ext cx="0" cy="0"/>
+          <a:chOff x="0" y="0"/>
+          <a:chExt cx="0" cy="0"/>
+        </a:xfrm>
+      </p:grpSpPr>
+      <p:sp>
+        <p:nvSpPr>
+          <p:cNvPr id="2" name="標題 1">
+            <a:extLst>
+              <a:ext uri="{FF2B5EF4-FFF2-40B4-BE49-F238E27FC236}">
+                <a16:creationId xmlns:a16="http://schemas.microsoft.com/office/drawing/2014/main" id="{2A7FD34F-28EE-4F08-AC9A-3BAC16878DA8}"/>
+              </a:ext>
+            </a:extLst>
+          </p:cNvPr>
+          <p:cNvSpPr>
+            <a:spLocks noGrp="1"/>
+          </p:cNvSpPr>
+          <p:nvPr>
+            <p:ph type="title"/>
+          </p:nvPr>
+        </p:nvSpPr>
+        <p:spPr/>
+        <p:txBody>
+          <a:bodyPr/>
+          <a:lstStyle/>
+          <a:p>
+            <a:r>
+              <a:rPr lang="zh-TW" altLang="en-US" dirty="0"/>
+              <a:t>編寫方式二：</a:t>
+            </a:r>
+            <a:r>
+              <a:rPr lang="zh-TW" altLang="en-US" b="0" i="0" dirty="0">
+                <a:solidFill>
+                  <a:srgbClr val="24292F"/>
+                </a:solidFill>
+                <a:effectLst/>
+                <a:latin typeface="-apple-system"/>
+              </a:rPr>
+              <a:t>逐列陳述表格內容</a:t>
+            </a:r>
+            <a:endParaRPr lang="zh-TW" altLang="en-US" dirty="0"/>
+          </a:p>
+        </p:txBody>
+      </p:sp>
+      <p:sp>
+        <p:nvSpPr>
+          <p:cNvPr id="3" name="內容版面配置區 2">
+            <a:extLst>
+              <a:ext uri="{FF2B5EF4-FFF2-40B4-BE49-F238E27FC236}">
+                <a16:creationId xmlns:a16="http://schemas.microsoft.com/office/drawing/2014/main" id="{74C2C1C3-9C41-4383-87CD-1BB271869890}"/>
+              </a:ext>
+            </a:extLst>
+          </p:cNvPr>
+          <p:cNvSpPr>
+            <a:spLocks noGrp="1"/>
+          </p:cNvSpPr>
+          <p:nvPr>
+            <p:ph idx="1"/>
+          </p:nvPr>
+        </p:nvSpPr>
+        <p:spPr/>
+        <p:txBody>
+          <a:bodyPr/>
+          <a:lstStyle/>
+          <a:p>
+            <a:r>
+              <a:rPr lang="zh-TW" altLang="en-US" dirty="0"/>
+              <a:t>範例：</a:t>
+            </a:r>
+          </a:p>
+        </p:txBody>
+      </p:sp>
+      <p:sp>
+        <p:nvSpPr>
+          <p:cNvPr id="4" name="文字方塊 3">
+            <a:extLst>
+              <a:ext uri="{FF2B5EF4-FFF2-40B4-BE49-F238E27FC236}">
+                <a16:creationId xmlns:a16="http://schemas.microsoft.com/office/drawing/2014/main" id="{F4E9F43B-113F-494E-9ECD-8C50F75565F3}"/>
+              </a:ext>
+            </a:extLst>
+          </p:cNvPr>
+          <p:cNvSpPr txBox="1"/>
+          <p:nvPr/>
+        </p:nvSpPr>
+        <p:spPr>
+          <a:xfrm>
+            <a:off x="1936377" y="2519083"/>
+            <a:ext cx="7413812" cy="1569660"/>
+          </a:xfrm>
+          <a:prstGeom prst="rect">
+            <a:avLst/>
+          </a:prstGeom>
+          <a:noFill/>
+        </p:spPr>
+        <p:txBody>
+          <a:bodyPr wrap="square" rtlCol="0">
+            <a:spAutoFit/>
+          </a:bodyPr>
+          <a:lstStyle/>
+          <a:p>
+            <a:r>
+              <a:rPr lang="zh-TW" altLang="en-US" sz="3200" b="1" dirty="0">
+                <a:solidFill>
+                  <a:srgbClr val="0070C0"/>
+                </a:solidFill>
+              </a:rPr>
+              <a:t>甲班，姓名：王大同，座號：</a:t>
+            </a:r>
+            <a:r>
+              <a:rPr lang="en-US" altLang="zh-TW" sz="3200" b="1" dirty="0">
+                <a:solidFill>
+                  <a:srgbClr val="0070C0"/>
+                </a:solidFill>
+              </a:rPr>
+              <a:t>1</a:t>
+            </a:r>
+            <a:r>
+              <a:rPr lang="zh-TW" altLang="en-US" sz="3200" b="1" dirty="0">
+                <a:solidFill>
+                  <a:srgbClr val="0070C0"/>
+                </a:solidFill>
+              </a:rPr>
+              <a:t>。</a:t>
+            </a:r>
+          </a:p>
+          <a:p>
+            <a:r>
+              <a:rPr lang="zh-TW" altLang="en-US" sz="3200" b="1" dirty="0">
+                <a:solidFill>
+                  <a:srgbClr val="0070C0"/>
+                </a:solidFill>
+              </a:rPr>
+              <a:t>乙班，姓名：李得標，座號：</a:t>
+            </a:r>
+            <a:r>
+              <a:rPr lang="en-US" altLang="zh-TW" sz="3200" b="1" dirty="0">
+                <a:solidFill>
+                  <a:srgbClr val="0070C0"/>
+                </a:solidFill>
+              </a:rPr>
+              <a:t>2</a:t>
+            </a:r>
+            <a:r>
+              <a:rPr lang="zh-TW" altLang="en-US" sz="3200" b="1" dirty="0">
+                <a:solidFill>
+                  <a:srgbClr val="0070C0"/>
+                </a:solidFill>
+              </a:rPr>
+              <a:t>。</a:t>
+            </a:r>
+          </a:p>
+          <a:p>
+            <a:r>
+              <a:rPr lang="zh-TW" altLang="en-US" sz="3200" b="1" dirty="0">
+                <a:solidFill>
+                  <a:srgbClr val="0070C0"/>
+                </a:solidFill>
+              </a:rPr>
+              <a:t>丙班，姓名：陳曉芬，座號：</a:t>
+            </a:r>
+            <a:r>
+              <a:rPr lang="en-US" altLang="zh-TW" sz="3200" b="1" dirty="0">
+                <a:solidFill>
+                  <a:srgbClr val="0070C0"/>
+                </a:solidFill>
+              </a:rPr>
+              <a:t>3</a:t>
+            </a:r>
+            <a:r>
+              <a:rPr lang="zh-TW" altLang="en-US" sz="3200" b="1" dirty="0">
+                <a:solidFill>
+                  <a:srgbClr val="0070C0"/>
+                </a:solidFill>
+              </a:rPr>
+              <a:t>。</a:t>
+            </a:r>
+          </a:p>
+        </p:txBody>
+      </p:sp>
+      <p:sp>
+        <p:nvSpPr>
+          <p:cNvPr id="6" name="語音泡泡: 圓角矩形 5">
+            <a:extLst>
+              <a:ext uri="{FF2B5EF4-FFF2-40B4-BE49-F238E27FC236}">
+                <a16:creationId xmlns:a16="http://schemas.microsoft.com/office/drawing/2014/main" id="{9489672C-0248-4421-8306-AC298EA48ADA}"/>
+              </a:ext>
+            </a:extLst>
+          </p:cNvPr>
+          <p:cNvSpPr/>
+          <p:nvPr/>
+        </p:nvSpPr>
+        <p:spPr>
+          <a:xfrm>
+            <a:off x="7557248" y="4223680"/>
+            <a:ext cx="3263152" cy="1551114"/>
+          </a:xfrm>
+          <a:prstGeom prst="wedgeRoundRectCallout">
+            <a:avLst>
+              <a:gd name="adj1" fmla="val -63633"/>
+              <a:gd name="adj2" fmla="val -42109"/>
+              <a:gd name="adj3" fmla="val 16667"/>
+            </a:avLst>
+          </a:prstGeom>
+        </p:spPr>
+        <p:style>
+          <a:lnRef idx="2">
+            <a:schemeClr val="accent1">
+              <a:shade val="50000"/>
+            </a:schemeClr>
+          </a:lnRef>
+          <a:fillRef idx="1">
+            <a:schemeClr val="accent1"/>
+          </a:fillRef>
+          <a:effectRef idx="0">
+            <a:schemeClr val="accent1"/>
+          </a:effectRef>
+          <a:fontRef idx="minor">
+            <a:schemeClr val="lt1"/>
+          </a:fontRef>
+        </p:style>
+        <p:txBody>
+          <a:bodyPr rtlCol="0" anchor="ctr"/>
+          <a:lstStyle/>
+          <a:p>
+            <a:pPr algn="ctr"/>
+            <a:r>
+              <a:rPr lang="zh-TW" altLang="en-US" sz="2400" dirty="0"/>
+              <a:t>需要打更多字，但是可能更容易理解。</a:t>
+            </a:r>
+          </a:p>
+        </p:txBody>
+      </p:sp>
+    </p:spTree>
+    <p:extLst>
+      <p:ext uri="{BB962C8B-B14F-4D97-AF65-F5344CB8AC3E}">
+        <p14:creationId xmlns:p14="http://schemas.microsoft.com/office/powerpoint/2010/main" val="632102736"/>
+      </p:ext>
+    </p:extLst>
+  </p:cSld>
+  <p:clrMapOvr>
+    <a:masterClrMapping/>
+  </p:clrMapOvr>
+</p:sld>
+</file>
+
+<file path=ppt/slides/slide38.xml><?xml version="1.0" encoding="utf-8"?>
+<p:sld xmlns:a="http://schemas.openxmlformats.org/drawingml/2006/main" xmlns:r="http://schemas.openxmlformats.org/officeDocument/2006/relationships" xmlns:p="http://schemas.openxmlformats.org/presentationml/2006/main">
+  <p:cSld>
+    <p:spTree>
+      <p:nvGrpSpPr>
+        <p:cNvPr id="1" name=""/>
+        <p:cNvGrpSpPr/>
+        <p:nvPr/>
+      </p:nvGrpSpPr>
+      <p:grpSpPr>
+        <a:xfrm>
+          <a:off x="0" y="0"/>
+          <a:ext cx="0" cy="0"/>
+          <a:chOff x="0" y="0"/>
+          <a:chExt cx="0" cy="0"/>
+        </a:xfrm>
+      </p:grpSpPr>
+      <p:sp>
+        <p:nvSpPr>
+          <p:cNvPr id="2" name="標題 1">
+            <a:extLst>
+              <a:ext uri="{FF2B5EF4-FFF2-40B4-BE49-F238E27FC236}">
+                <a16:creationId xmlns:a16="http://schemas.microsoft.com/office/drawing/2014/main" id="{A5B85016-4567-451E-87D4-880D7BF59937}"/>
+              </a:ext>
+            </a:extLst>
+          </p:cNvPr>
+          <p:cNvSpPr>
+            <a:spLocks noGrp="1"/>
+          </p:cNvSpPr>
+          <p:nvPr>
+            <p:ph type="title"/>
+          </p:nvPr>
+        </p:nvSpPr>
+        <p:spPr/>
+        <p:txBody>
+          <a:bodyPr/>
+          <a:lstStyle/>
+          <a:p>
+            <a:r>
+              <a:rPr lang="zh-TW" altLang="en-US" dirty="0">
+                <a:solidFill>
+                  <a:srgbClr val="24292F"/>
+                </a:solidFill>
+                <a:latin typeface="-apple-system"/>
+              </a:rPr>
+              <a:t>一些常用</a:t>
+            </a:r>
+            <a:r>
+              <a:rPr lang="zh-TW" altLang="en-US" b="1" i="0" dirty="0">
+                <a:solidFill>
+                  <a:srgbClr val="24292F"/>
+                </a:solidFill>
+                <a:effectLst/>
+                <a:latin typeface="-apple-system"/>
+              </a:rPr>
+              <a:t>符號</a:t>
+            </a:r>
+            <a:endParaRPr lang="zh-TW" altLang="en-US" dirty="0"/>
+          </a:p>
+        </p:txBody>
+      </p:sp>
+      <p:sp>
+        <p:nvSpPr>
+          <p:cNvPr id="3" name="內容版面配置區 2">
+            <a:extLst>
+              <a:ext uri="{FF2B5EF4-FFF2-40B4-BE49-F238E27FC236}">
+                <a16:creationId xmlns:a16="http://schemas.microsoft.com/office/drawing/2014/main" id="{A9D967C7-2AD9-4BDF-A633-8E8A1F384CD3}"/>
+              </a:ext>
+            </a:extLst>
+          </p:cNvPr>
+          <p:cNvSpPr>
+            <a:spLocks noGrp="1"/>
+          </p:cNvSpPr>
+          <p:nvPr>
+            <p:ph idx="1"/>
+          </p:nvPr>
+        </p:nvSpPr>
+        <p:spPr/>
+        <p:txBody>
+          <a:bodyPr/>
+          <a:lstStyle/>
+          <a:p>
+            <a:pPr marL="0" indent="0">
+              <a:buNone/>
+            </a:pPr>
+            <a:r>
+              <a:rPr lang="zh-TW" altLang="en-US" dirty="0"/>
+              <a:t>有些符號無需使用 </a:t>
+            </a:r>
+            <a:r>
+              <a:rPr lang="en-US" altLang="zh-TW" dirty="0" err="1"/>
+              <a:t>MathType</a:t>
+            </a:r>
+            <a:r>
+              <a:rPr lang="zh-TW" altLang="en-US" dirty="0"/>
+              <a:t> 來</a:t>
+            </a:r>
+            <a:br>
+              <a:rPr lang="en-US" altLang="zh-TW" dirty="0"/>
+            </a:br>
+            <a:r>
+              <a:rPr lang="zh-TW" altLang="en-US" dirty="0"/>
+              <a:t>編寫，</a:t>
+            </a:r>
+            <a:r>
+              <a:rPr lang="en-US" altLang="zh-TW" dirty="0"/>
+              <a:t>NVDA </a:t>
+            </a:r>
+            <a:r>
+              <a:rPr lang="zh-TW" altLang="en-US" dirty="0"/>
+              <a:t>可直接報讀。例如：</a:t>
+            </a:r>
+            <a:endParaRPr lang="en-US" altLang="zh-TW" dirty="0"/>
+          </a:p>
+          <a:p>
+            <a:r>
+              <a:rPr lang="zh-TW" altLang="en-US" dirty="0"/>
+              <a:t>三角形：應使用 </a:t>
+            </a:r>
+            <a:r>
+              <a:rPr lang="zh-TW" altLang="en-US" dirty="0">
+                <a:solidFill>
+                  <a:srgbClr val="C00000"/>
+                </a:solidFill>
+              </a:rPr>
+              <a:t>△</a:t>
+            </a:r>
+            <a:r>
+              <a:rPr lang="zh-TW" altLang="en-US" dirty="0"/>
+              <a:t>，而不是 ∆。例如 △</a:t>
+            </a:r>
+            <a:r>
+              <a:rPr lang="en-US" altLang="zh-TW" dirty="0"/>
+              <a:t>ABC</a:t>
+            </a:r>
+            <a:r>
+              <a:rPr lang="zh-TW" altLang="en-US" dirty="0"/>
+              <a:t>。</a:t>
+            </a:r>
+          </a:p>
+          <a:p>
+            <a:r>
+              <a:rPr lang="zh-TW" altLang="en-US" dirty="0"/>
+              <a:t>水平符號：</a:t>
+            </a:r>
+            <a:r>
+              <a:rPr lang="zh-TW" altLang="en-US" dirty="0">
+                <a:solidFill>
+                  <a:srgbClr val="C00000"/>
+                </a:solidFill>
+              </a:rPr>
+              <a:t>∥</a:t>
+            </a:r>
+            <a:r>
+              <a:rPr lang="zh-TW" altLang="en-US" dirty="0"/>
+              <a:t>。例如 </a:t>
+            </a:r>
+            <a:r>
+              <a:rPr lang="en-US" altLang="zh-TW" dirty="0"/>
+              <a:t>A∥B</a:t>
+            </a:r>
+            <a:r>
+              <a:rPr lang="zh-TW" altLang="en-US" dirty="0"/>
+              <a:t>，</a:t>
+            </a:r>
+            <a:r>
+              <a:rPr lang="en-US" altLang="zh-TW" dirty="0"/>
+              <a:t>NVDA </a:t>
+            </a:r>
+            <a:r>
+              <a:rPr lang="zh-TW" altLang="en-US" dirty="0"/>
+              <a:t>會唸出「</a:t>
+            </a:r>
+            <a:r>
+              <a:rPr lang="en-US" altLang="zh-TW" dirty="0"/>
+              <a:t>A </a:t>
+            </a:r>
+            <a:r>
+              <a:rPr lang="zh-TW" altLang="en-US" dirty="0"/>
+              <a:t>平行 </a:t>
+            </a:r>
+            <a:r>
+              <a:rPr lang="en-US" altLang="zh-TW" dirty="0"/>
+              <a:t>B</a:t>
+            </a:r>
+            <a:r>
+              <a:rPr lang="zh-TW" altLang="en-US" dirty="0"/>
+              <a:t>」。</a:t>
+            </a:r>
+          </a:p>
+          <a:p>
+            <a:r>
+              <a:rPr lang="zh-TW" altLang="en-US" dirty="0"/>
+              <a:t>垂直符號：</a:t>
+            </a:r>
+            <a:r>
+              <a:rPr lang="zh-TW" altLang="en-US" dirty="0">
+                <a:solidFill>
+                  <a:srgbClr val="C00000"/>
+                </a:solidFill>
+              </a:rPr>
+              <a:t>⊥</a:t>
+            </a:r>
+            <a:r>
+              <a:rPr lang="zh-TW" altLang="en-US" dirty="0"/>
+              <a:t>。例如 </a:t>
+            </a:r>
+            <a:r>
+              <a:rPr lang="en-US" altLang="zh-TW" dirty="0"/>
+              <a:t>A⊥B</a:t>
+            </a:r>
+            <a:r>
+              <a:rPr lang="zh-TW" altLang="en-US" dirty="0"/>
+              <a:t>，</a:t>
+            </a:r>
+            <a:r>
+              <a:rPr lang="en-US" altLang="zh-TW" dirty="0"/>
+              <a:t>NVDA </a:t>
+            </a:r>
+            <a:r>
+              <a:rPr lang="zh-TW" altLang="en-US" dirty="0"/>
+              <a:t>會唸出「</a:t>
+            </a:r>
+            <a:r>
+              <a:rPr lang="en-US" altLang="zh-TW" dirty="0"/>
+              <a:t>A </a:t>
+            </a:r>
+            <a:r>
+              <a:rPr lang="zh-TW" altLang="en-US" dirty="0"/>
+              <a:t>垂直 </a:t>
+            </a:r>
+            <a:r>
+              <a:rPr lang="en-US" altLang="zh-TW" dirty="0"/>
+              <a:t>B</a:t>
+            </a:r>
+            <a:r>
+              <a:rPr lang="zh-TW" altLang="en-US" dirty="0"/>
+              <a:t>」。</a:t>
+            </a:r>
+          </a:p>
+          <a:p>
+            <a:r>
+              <a:rPr lang="zh-TW" altLang="en-US" dirty="0"/>
+              <a:t>比值：半形冒號。例如 </a:t>
+            </a:r>
+            <a:r>
+              <a:rPr lang="en-US" altLang="zh-TW" dirty="0"/>
+              <a:t>3:2</a:t>
+            </a:r>
+            <a:r>
+              <a:rPr lang="zh-TW" altLang="en-US" dirty="0"/>
+              <a:t>，</a:t>
+            </a:r>
+            <a:r>
+              <a:rPr lang="en-US" altLang="zh-TW" dirty="0"/>
+              <a:t>NVDA </a:t>
+            </a:r>
+            <a:r>
+              <a:rPr lang="zh-TW" altLang="en-US" dirty="0"/>
+              <a:t>會唸出「</a:t>
+            </a:r>
+            <a:r>
+              <a:rPr lang="en-US" altLang="zh-TW" dirty="0">
+                <a:solidFill>
+                  <a:srgbClr val="C00000"/>
+                </a:solidFill>
+              </a:rPr>
+              <a:t>3 </a:t>
+            </a:r>
+            <a:r>
+              <a:rPr lang="zh-TW" altLang="en-US" dirty="0">
+                <a:solidFill>
+                  <a:srgbClr val="C00000"/>
+                </a:solidFill>
+              </a:rPr>
+              <a:t>冒號 </a:t>
+            </a:r>
+            <a:r>
+              <a:rPr lang="en-US" altLang="zh-TW" dirty="0">
+                <a:solidFill>
+                  <a:srgbClr val="C00000"/>
+                </a:solidFill>
+              </a:rPr>
+              <a:t>2</a:t>
+            </a:r>
+            <a:r>
+              <a:rPr lang="zh-TW" altLang="en-US" dirty="0"/>
+              <a:t>」。</a:t>
+            </a:r>
+          </a:p>
+          <a:p>
+            <a:r>
+              <a:rPr lang="zh-TW" altLang="en-US" dirty="0"/>
+              <a:t>溫度、角度：</a:t>
+            </a:r>
+            <a:r>
+              <a:rPr lang="en-US" altLang="zh-TW" dirty="0">
+                <a:solidFill>
+                  <a:srgbClr val="C00000"/>
+                </a:solidFill>
+              </a:rPr>
+              <a:t>°</a:t>
+            </a:r>
+            <a:r>
+              <a:rPr lang="zh-TW" altLang="en-US" dirty="0"/>
+              <a:t>。例如 </a:t>
+            </a:r>
+            <a:r>
+              <a:rPr lang="en-US" altLang="zh-TW" dirty="0"/>
+              <a:t>90°</a:t>
+            </a:r>
+            <a:r>
+              <a:rPr lang="zh-TW" altLang="en-US" dirty="0"/>
+              <a:t>，</a:t>
+            </a:r>
+            <a:r>
+              <a:rPr lang="en-US" altLang="zh-TW" dirty="0"/>
+              <a:t>NVDA </a:t>
+            </a:r>
+            <a:r>
+              <a:rPr lang="zh-TW" altLang="en-US" dirty="0"/>
+              <a:t>會唸出「</a:t>
+            </a:r>
+            <a:r>
+              <a:rPr lang="en-US" altLang="zh-TW" dirty="0"/>
+              <a:t>90 </a:t>
+            </a:r>
+            <a:r>
+              <a:rPr lang="zh-TW" altLang="en-US" dirty="0"/>
+              <a:t>度」。</a:t>
+            </a:r>
+          </a:p>
+          <a:p>
+            <a:r>
+              <a:rPr lang="zh-TW" altLang="en-US" dirty="0"/>
+              <a:t>根號：</a:t>
+            </a:r>
+            <a:r>
+              <a:rPr lang="zh-TW" altLang="en-US" dirty="0">
+                <a:solidFill>
+                  <a:srgbClr val="C00000"/>
+                </a:solidFill>
+              </a:rPr>
+              <a:t>√</a:t>
+            </a:r>
+            <a:r>
+              <a:rPr lang="zh-TW" altLang="en-US" dirty="0"/>
+              <a:t>。可用於簡單的根號，例如：√</a:t>
+            </a:r>
+            <a:r>
+              <a:rPr lang="en-US" altLang="zh-TW" dirty="0"/>
+              <a:t>3</a:t>
+            </a:r>
+            <a:r>
+              <a:rPr lang="zh-TW" altLang="en-US" dirty="0"/>
+              <a:t>，</a:t>
+            </a:r>
+            <a:r>
+              <a:rPr lang="en-US" altLang="zh-TW" dirty="0"/>
+              <a:t>NVDA </a:t>
+            </a:r>
+            <a:r>
+              <a:rPr lang="zh-TW" altLang="en-US" dirty="0"/>
+              <a:t>會唸出「根號 </a:t>
+            </a:r>
+            <a:r>
+              <a:rPr lang="en-US" altLang="zh-TW" dirty="0"/>
+              <a:t>3</a:t>
+            </a:r>
+            <a:r>
+              <a:rPr lang="zh-TW" altLang="en-US" dirty="0"/>
+              <a:t>」。</a:t>
+            </a:r>
+          </a:p>
+        </p:txBody>
+      </p:sp>
+      <p:sp>
+        <p:nvSpPr>
+          <p:cNvPr id="5" name="語音泡泡: 圓角矩形 4">
+            <a:extLst>
+              <a:ext uri="{FF2B5EF4-FFF2-40B4-BE49-F238E27FC236}">
+                <a16:creationId xmlns:a16="http://schemas.microsoft.com/office/drawing/2014/main" id="{FFB5712C-BC23-412E-B6F6-00AD6C323557}"/>
+              </a:ext>
+            </a:extLst>
+          </p:cNvPr>
+          <p:cNvSpPr/>
+          <p:nvPr/>
+        </p:nvSpPr>
+        <p:spPr>
+          <a:xfrm>
+            <a:off x="2339789" y="3603812"/>
+            <a:ext cx="6759388" cy="2079812"/>
+          </a:xfrm>
+          <a:prstGeom prst="wedgeRoundRectCallout">
+            <a:avLst>
+              <a:gd name="adj1" fmla="val -18578"/>
+              <a:gd name="adj2" fmla="val 38362"/>
+              <a:gd name="adj3" fmla="val 16667"/>
+            </a:avLst>
+          </a:prstGeom>
+        </p:spPr>
+        <p:style>
+          <a:lnRef idx="2">
+            <a:schemeClr val="accent1">
+              <a:shade val="50000"/>
+            </a:schemeClr>
+          </a:lnRef>
+          <a:fillRef idx="1">
+            <a:schemeClr val="accent1"/>
+          </a:fillRef>
+          <a:effectRef idx="0">
+            <a:schemeClr val="accent1"/>
+          </a:effectRef>
+          <a:fontRef idx="minor">
+            <a:schemeClr val="lt1"/>
+          </a:fontRef>
+        </p:style>
+        <p:txBody>
+          <a:bodyPr rtlCol="0" anchor="ctr"/>
+          <a:lstStyle/>
+          <a:p>
+            <a:pPr algn="ctr"/>
+            <a:r>
+              <a:rPr lang="en-US" altLang="zh-TW" sz="3600" b="1" dirty="0"/>
+              <a:t>90˚ </a:t>
+            </a:r>
+            <a:r>
+              <a:rPr lang="zh-TW" altLang="en-US" sz="3600" b="1" dirty="0"/>
+              <a:t>和 </a:t>
+            </a:r>
+            <a:r>
+              <a:rPr lang="en-US" altLang="zh-TW" sz="3600" b="1" dirty="0"/>
+              <a:t>90°</a:t>
+            </a:r>
+            <a:br>
+              <a:rPr lang="en-US" altLang="zh-TW" sz="3600" b="1" dirty="0"/>
+            </a:br>
+            <a:r>
+              <a:rPr lang="zh-TW" altLang="en-US" sz="2400" b="1" dirty="0"/>
+              <a:t>二者看起來很像，但前者並不正確！</a:t>
+            </a:r>
+            <a:endParaRPr lang="en-US" altLang="zh-TW" sz="2400" b="1" dirty="0"/>
+          </a:p>
+          <a:p>
+            <a:pPr algn="ctr"/>
+            <a:r>
+              <a:rPr lang="zh-TW" altLang="en-US" sz="2400" b="1" dirty="0"/>
+              <a:t>有疑慮時，應開啟 </a:t>
+            </a:r>
+            <a:r>
+              <a:rPr lang="en-US" altLang="zh-TW" sz="2400" b="1" dirty="0"/>
+              <a:t>NVDA </a:t>
+            </a:r>
+            <a:r>
+              <a:rPr lang="zh-TW" altLang="en-US" sz="2400" b="1" dirty="0"/>
+              <a:t>來確認報讀結果。</a:t>
+            </a:r>
+          </a:p>
+        </p:txBody>
+      </p:sp>
+      <p:sp>
+        <p:nvSpPr>
+          <p:cNvPr id="7" name="語音泡泡: 圓角矩形 6">
+            <a:extLst>
+              <a:ext uri="{FF2B5EF4-FFF2-40B4-BE49-F238E27FC236}">
+                <a16:creationId xmlns:a16="http://schemas.microsoft.com/office/drawing/2014/main" id="{4156C54B-E776-4A84-8E05-1A0D68A5FBC8}"/>
+              </a:ext>
+            </a:extLst>
+          </p:cNvPr>
+          <p:cNvSpPr/>
+          <p:nvPr/>
+        </p:nvSpPr>
+        <p:spPr>
+          <a:xfrm>
+            <a:off x="6651812" y="1309150"/>
+            <a:ext cx="3980329" cy="763075"/>
+          </a:xfrm>
+          <a:prstGeom prst="wedgeRoundRectCallout">
+            <a:avLst>
+              <a:gd name="adj1" fmla="val -74635"/>
+              <a:gd name="adj2" fmla="val 148438"/>
+              <a:gd name="adj3" fmla="val 16667"/>
+            </a:avLst>
+          </a:prstGeom>
+        </p:spPr>
+        <p:style>
+          <a:lnRef idx="2">
+            <a:schemeClr val="accent1">
+              <a:shade val="50000"/>
+            </a:schemeClr>
+          </a:lnRef>
+          <a:fillRef idx="1">
+            <a:schemeClr val="accent1"/>
+          </a:fillRef>
+          <a:effectRef idx="0">
+            <a:schemeClr val="accent1"/>
+          </a:effectRef>
+          <a:fontRef idx="minor">
+            <a:schemeClr val="lt1"/>
+          </a:fontRef>
+        </p:style>
+        <p:txBody>
+          <a:bodyPr rtlCol="0" anchor="ctr"/>
+          <a:lstStyle/>
+          <a:p>
+            <a:pPr algn="ctr"/>
+            <a:r>
+              <a:rPr lang="en-US" altLang="zh-TW" sz="2800" b="1" dirty="0"/>
+              <a:t>NVDA</a:t>
+            </a:r>
+            <a:r>
+              <a:rPr lang="zh-TW" altLang="en-US" sz="2800" b="1" dirty="0"/>
+              <a:t>：變化量</a:t>
+            </a:r>
+          </a:p>
+        </p:txBody>
+      </p:sp>
+    </p:spTree>
+    <p:extLst>
+      <p:ext uri="{BB962C8B-B14F-4D97-AF65-F5344CB8AC3E}">
+        <p14:creationId xmlns:p14="http://schemas.microsoft.com/office/powerpoint/2010/main" val="3184321213"/>
+      </p:ext>
+    </p:extLst>
+  </p:cSld>
+  <p:clrMapOvr>
+    <a:masterClrMapping/>
+  </p:clrMapOvr>
+  <p:timing>
+    <p:tnLst>
+      <p:par>
+        <p:cTn id="1" dur="indefinite" restart="never" nodeType="tmRoot">
+          <p:childTnLst>
+            <p:seq concurrent="1" nextAc="seek">
+              <p:cTn id="2" dur="indefinite" nodeType="mainSeq">
+                <p:childTnLst>
+                  <p:par>
+                    <p:cTn id="3" fill="hold">
+                      <p:stCondLst>
+                        <p:cond delay="indefinite"/>
+                        <p:cond evt="onBegin" delay="0">
+                          <p:tn val="2"/>
+                        </p:cond>
+                      </p:stCondLst>
+                      <p:childTnLst>
+                        <p:par>
+                          <p:cTn id="4" fill="hold">
+                            <p:stCondLst>
+                              <p:cond delay="0"/>
+                            </p:stCondLst>
+                            <p:childTnLst>
+                              <p:par>
+                                <p:cTn id="5" presetID="10" presetClass="entr" presetSubtype="0" fill="hold" grpId="0" nodeType="afterEffect">
+                                  <p:stCondLst>
+                                    <p:cond delay="1500"/>
+                                  </p:stCondLst>
+                                  <p:childTnLst>
+                                    <p:set>
+                                      <p:cBhvr>
+                                        <p:cTn id="6" dur="1" fill="hold">
+                                          <p:stCondLst>
+                                            <p:cond delay="0"/>
+                                          </p:stCondLst>
+                                        </p:cTn>
+                                        <p:tgtEl>
+                                          <p:spTgt spid="7"/>
+                                        </p:tgtEl>
+                                        <p:attrNameLst>
+                                          <p:attrName>style.visibility</p:attrName>
+                                        </p:attrNameLst>
+                                      </p:cBhvr>
+                                      <p:to>
+                                        <p:strVal val="visible"/>
+                                      </p:to>
+                                    </p:set>
+                                    <p:animEffect transition="in" filter="fade">
+                                      <p:cBhvr>
+                                        <p:cTn id="7" dur="500"/>
+                                        <p:tgtEl>
+                                          <p:spTgt spid="7"/>
+                                        </p:tgtEl>
+                                      </p:cBhvr>
+                                    </p:animEffect>
+                                  </p:childTnLst>
+                                </p:cTn>
+                              </p:par>
+                            </p:childTnLst>
+                          </p:cTn>
+                        </p:par>
+                      </p:childTnLst>
+                    </p:cTn>
+                  </p:par>
+                  <p:par>
+                    <p:cTn id="8" fill="hold">
+                      <p:stCondLst>
+                        <p:cond delay="indefinite"/>
+                      </p:stCondLst>
+                      <p:childTnLst>
+                        <p:par>
+                          <p:cTn id="9" fill="hold">
+                            <p:stCondLst>
+                              <p:cond delay="0"/>
+                            </p:stCondLst>
+                            <p:childTnLst>
+                              <p:par>
+                                <p:cTn id="10" presetID="2" presetClass="entr" presetSubtype="4" fill="hold" grpId="0" nodeType="clickEffect">
+                                  <p:stCondLst>
+                                    <p:cond delay="0"/>
+                                  </p:stCondLst>
+                                  <p:childTnLst>
+                                    <p:set>
+                                      <p:cBhvr>
+                                        <p:cTn id="11" dur="1" fill="hold">
+                                          <p:stCondLst>
+                                            <p:cond delay="0"/>
+                                          </p:stCondLst>
+                                        </p:cTn>
+                                        <p:tgtEl>
+                                          <p:spTgt spid="5"/>
+                                        </p:tgtEl>
+                                        <p:attrNameLst>
+                                          <p:attrName>style.visibility</p:attrName>
+                                        </p:attrNameLst>
+                                      </p:cBhvr>
+                                      <p:to>
+                                        <p:strVal val="visible"/>
+                                      </p:to>
+                                    </p:set>
+                                    <p:anim calcmode="lin" valueType="num">
+                                      <p:cBhvr additive="base">
+                                        <p:cTn id="12" dur="500" fill="hold"/>
+                                        <p:tgtEl>
+                                          <p:spTgt spid="5"/>
+                                        </p:tgtEl>
+                                        <p:attrNameLst>
+                                          <p:attrName>ppt_x</p:attrName>
+                                        </p:attrNameLst>
+                                      </p:cBhvr>
+                                      <p:tavLst>
+                                        <p:tav tm="0">
+                                          <p:val>
+                                            <p:strVal val="#ppt_x"/>
+                                          </p:val>
+                                        </p:tav>
+                                        <p:tav tm="100000">
+                                          <p:val>
+                                            <p:strVal val="#ppt_x"/>
+                                          </p:val>
+                                        </p:tav>
+                                      </p:tavLst>
+                                    </p:anim>
+                                    <p:anim calcmode="lin" valueType="num">
+                                      <p:cBhvr additive="base">
+                                        <p:cTn id="13" dur="500" fill="hold"/>
+                                        <p:tgtEl>
+                                          <p:spTgt spid="5"/>
+                                        </p:tgtEl>
+                                        <p:attrNameLst>
+                                          <p:attrName>ppt_y</p:attrName>
+                                        </p:attrNameLst>
+                                      </p:cBhvr>
+                                      <p:tavLst>
+                                        <p:tav tm="0">
+                                          <p:val>
+                                            <p:strVal val="1+#ppt_h/2"/>
+                                          </p:val>
+                                        </p:tav>
+                                        <p:tav tm="100000">
+                                          <p:val>
+                                            <p:strVal val="#ppt_y"/>
+                                          </p:val>
+                                        </p:tav>
+                                      </p:tavLst>
+                                    </p:anim>
+                                  </p:childTnLst>
+                                </p:cTn>
+                              </p:par>
+                            </p:childTnLst>
+                          </p:cTn>
+                        </p:par>
+                      </p:childTnLst>
+                    </p:cTn>
+                  </p:par>
+                </p:childTnLst>
+              </p:cTn>
+              <p:prevCondLst>
+                <p:cond evt="onPrev" delay="0">
+                  <p:tgtEl>
+                    <p:sldTgt/>
+                  </p:tgtEl>
+                </p:cond>
+              </p:prevCondLst>
+              <p:nextCondLst>
+                <p:cond evt="onNext" delay="0">
+                  <p:tgtEl>
+                    <p:sldTgt/>
+                  </p:tgtEl>
+                </p:cond>
+              </p:nextCondLst>
+            </p:seq>
+          </p:childTnLst>
+        </p:cTn>
+      </p:par>
+    </p:tnLst>
+    <p:bldLst>
+      <p:bldP spid="5" grpId="0" animBg="1"/>
+      <p:bldP spid="7" grpId="0" animBg="1"/>
+    </p:bldLst>
+  </p:timing>
+</p:sld>
+</file>
+
+<file path=ppt/slides/slide39.xml><?xml version="1.0" encoding="utf-8"?>
+<p:sld xmlns:a="http://schemas.openxmlformats.org/drawingml/2006/main" xmlns:r="http://schemas.openxmlformats.org/officeDocument/2006/relationships" xmlns:p="http://schemas.openxmlformats.org/presentationml/2006/main">
+  <p:cSld>
+    <p:spTree>
+      <p:nvGrpSpPr>
+        <p:cNvPr id="1" name=""/>
+        <p:cNvGrpSpPr/>
+        <p:nvPr/>
+      </p:nvGrpSpPr>
+      <p:grpSpPr>
+        <a:xfrm>
+          <a:off x="0" y="0"/>
+          <a:ext cx="0" cy="0"/>
+          <a:chOff x="0" y="0"/>
+          <a:chExt cx="0" cy="0"/>
+        </a:xfrm>
+      </p:grpSpPr>
+      <p:sp>
+        <p:nvSpPr>
+          <p:cNvPr id="2" name="標題 1">
+            <a:extLst>
+              <a:ext uri="{FF2B5EF4-FFF2-40B4-BE49-F238E27FC236}">
+                <a16:creationId xmlns:a16="http://schemas.microsoft.com/office/drawing/2014/main" id="{72C761A7-E45D-404C-8AED-C49C286D1BAF}"/>
+              </a:ext>
+            </a:extLst>
+          </p:cNvPr>
+          <p:cNvSpPr>
+            <a:spLocks noGrp="1"/>
+          </p:cNvSpPr>
+          <p:nvPr>
+            <p:ph type="title"/>
+          </p:nvPr>
+        </p:nvSpPr>
+        <p:spPr/>
+        <p:txBody>
+          <a:bodyPr/>
+          <a:lstStyle/>
+          <a:p>
+            <a:r>
+              <a:rPr lang="zh-TW" altLang="en-US" dirty="0"/>
+              <a:t>輸入常用符號的方法</a:t>
+            </a:r>
+          </a:p>
+        </p:txBody>
+      </p:sp>
+      <p:sp>
+        <p:nvSpPr>
+          <p:cNvPr id="3" name="內容版面配置區 2">
+            <a:extLst>
+              <a:ext uri="{FF2B5EF4-FFF2-40B4-BE49-F238E27FC236}">
+                <a16:creationId xmlns:a16="http://schemas.microsoft.com/office/drawing/2014/main" id="{6CE92AD0-C834-4A2C-AFAB-F9F77AB107A4}"/>
+              </a:ext>
+            </a:extLst>
+          </p:cNvPr>
+          <p:cNvSpPr>
+            <a:spLocks noGrp="1"/>
+          </p:cNvSpPr>
+          <p:nvPr>
+            <p:ph idx="1"/>
+          </p:nvPr>
+        </p:nvSpPr>
+        <p:spPr>
+          <a:xfrm>
+            <a:off x="838200" y="1669350"/>
+            <a:ext cx="10515600" cy="4351338"/>
+          </a:xfrm>
+        </p:spPr>
+        <p:txBody>
+          <a:bodyPr/>
+          <a:lstStyle/>
+          <a:p>
+            <a:r>
+              <a:rPr lang="en-US" altLang="zh-TW" dirty="0" err="1"/>
+              <a:t>MathType</a:t>
+            </a:r>
+            <a:r>
+              <a:rPr lang="en-US" altLang="zh-TW" dirty="0"/>
+              <a:t> </a:t>
+            </a:r>
+            <a:r>
+              <a:rPr lang="zh-TW" altLang="en-US" dirty="0"/>
+              <a:t>工具列</a:t>
+            </a:r>
+            <a:endParaRPr lang="en-US" altLang="zh-TW" dirty="0"/>
+          </a:p>
+          <a:p>
+            <a:endParaRPr lang="en-US" altLang="zh-TW" dirty="0"/>
+          </a:p>
+          <a:p>
+            <a:r>
+              <a:rPr lang="en-US" altLang="zh-TW" dirty="0"/>
+              <a:t>Windows </a:t>
+            </a:r>
+            <a:r>
+              <a:rPr lang="zh-TW" altLang="en-US" dirty="0"/>
+              <a:t>輸入法整合器</a:t>
+            </a:r>
+            <a:br>
+              <a:rPr lang="en-US" altLang="zh-TW" dirty="0"/>
+            </a:br>
+            <a:r>
+              <a:rPr lang="zh-TW" altLang="en-US" dirty="0"/>
+              <a:t>（</a:t>
+            </a:r>
+            <a:r>
+              <a:rPr lang="zh-TW" altLang="en-US" dirty="0">
+                <a:hlinkClick r:id="rId2"/>
+              </a:rPr>
+              <a:t>參考影片</a:t>
+            </a:r>
+            <a:r>
+              <a:rPr lang="zh-TW" altLang="en-US" dirty="0"/>
+              <a:t>）</a:t>
+            </a:r>
+          </a:p>
+        </p:txBody>
+      </p:sp>
+      <p:pic>
+        <p:nvPicPr>
+          <p:cNvPr id="4" name="圖片 3">
+            <a:extLst>
+              <a:ext uri="{FF2B5EF4-FFF2-40B4-BE49-F238E27FC236}">
+                <a16:creationId xmlns:a16="http://schemas.microsoft.com/office/drawing/2014/main" id="{3AFCD00B-F231-4176-9740-3CB8CA1DF628}"/>
+              </a:ext>
+            </a:extLst>
+          </p:cNvPr>
+          <p:cNvPicPr>
+            <a:picLocks noChangeAspect="1"/>
+          </p:cNvPicPr>
+          <p:nvPr/>
+        </p:nvPicPr>
+        <p:blipFill>
+          <a:blip r:embed="rId3"/>
+          <a:stretch>
+            <a:fillRect/>
+          </a:stretch>
+        </p:blipFill>
+        <p:spPr>
+          <a:xfrm>
+            <a:off x="5103447" y="1794949"/>
+            <a:ext cx="6778534" cy="4507239"/>
+          </a:xfrm>
+          <a:prstGeom prst="rect">
+            <a:avLst/>
+          </a:prstGeom>
+        </p:spPr>
+      </p:pic>
+    </p:spTree>
+    <p:extLst>
+      <p:ext uri="{BB962C8B-B14F-4D97-AF65-F5344CB8AC3E}">
+        <p14:creationId xmlns:p14="http://schemas.microsoft.com/office/powerpoint/2010/main" val="23747213"/>
+      </p:ext>
+    </p:extLst>
+  </p:cSld>
+  <p:clrMapOvr>
+    <a:masterClrMapping/>
+  </p:clrMapOvr>
+</p:sld>
+</file>
+
+<file path=ppt/slides/slide4.xml><?xml version="1.0" encoding="utf-8"?>
+<p:sld xmlns:a="http://schemas.openxmlformats.org/drawingml/2006/main" xmlns:r="http://schemas.openxmlformats.org/officeDocument/2006/relationships" xmlns:p="http://schemas.openxmlformats.org/presentationml/2006/main">
+  <p:cSld>
+    <p:spTree>
+      <p:nvGrpSpPr>
+        <p:cNvPr id="1" name=""/>
+        <p:cNvGrpSpPr/>
+        <p:nvPr/>
+      </p:nvGrpSpPr>
+      <p:grpSpPr>
+        <a:xfrm>
+          <a:off x="0" y="0"/>
+          <a:ext cx="0" cy="0"/>
+          <a:chOff x="0" y="0"/>
+          <a:chExt cx="0" cy="0"/>
+        </a:xfrm>
+      </p:grpSpPr>
+      <p:sp>
+        <p:nvSpPr>
+          <p:cNvPr id="2" name="標題 1">
+            <a:extLst>
+              <a:ext uri="{FF2B5EF4-FFF2-40B4-BE49-F238E27FC236}">
+                <a16:creationId xmlns:a16="http://schemas.microsoft.com/office/drawing/2014/main" id="{2795A24E-F566-4A2C-AA33-7DB9AD4EBBDE}"/>
+              </a:ext>
+            </a:extLst>
+          </p:cNvPr>
+          <p:cNvSpPr>
+            <a:spLocks noGrp="1"/>
+          </p:cNvSpPr>
+          <p:nvPr>
+            <p:ph type="title"/>
+          </p:nvPr>
+        </p:nvSpPr>
+        <p:spPr/>
+        <p:txBody>
+          <a:bodyPr/>
+          <a:lstStyle/>
+          <a:p>
+            <a:r>
+              <a:rPr lang="zh-TW" altLang="en-US" dirty="0"/>
+              <a:t>內容大綱</a:t>
+            </a:r>
+          </a:p>
+        </p:txBody>
+      </p:sp>
+      <p:sp>
+        <p:nvSpPr>
+          <p:cNvPr id="3" name="內容版面配置區 2">
+            <a:extLst>
+              <a:ext uri="{FF2B5EF4-FFF2-40B4-BE49-F238E27FC236}">
+                <a16:creationId xmlns:a16="http://schemas.microsoft.com/office/drawing/2014/main" id="{46E2C4DF-1F8B-4EE7-80F5-D78812F32779}"/>
+              </a:ext>
+            </a:extLst>
+          </p:cNvPr>
+          <p:cNvSpPr>
+            <a:spLocks noGrp="1"/>
+          </p:cNvSpPr>
+          <p:nvPr>
+            <p:ph idx="1"/>
+          </p:nvPr>
+        </p:nvSpPr>
+        <p:spPr/>
+        <p:txBody>
+          <a:bodyPr/>
+          <a:lstStyle/>
+          <a:p>
+            <a:r>
+              <a:rPr lang="zh-TW" altLang="en-US" dirty="0"/>
+              <a:t>介紹作業環境需求</a:t>
+            </a:r>
+            <a:endParaRPr lang="en-US" altLang="zh-TW" dirty="0"/>
+          </a:p>
+          <a:p>
+            <a:r>
+              <a:rPr lang="zh-TW" altLang="en-US" dirty="0"/>
+              <a:t>擷取螢幕畫面，然後進行圖文辨識（使用 </a:t>
+            </a:r>
+            <a:r>
+              <a:rPr lang="en-US" altLang="zh-TW" dirty="0"/>
+              <a:t>Google </a:t>
+            </a:r>
+            <a:r>
+              <a:rPr lang="zh-TW" altLang="en-US" dirty="0"/>
+              <a:t>文件）</a:t>
+            </a:r>
+          </a:p>
+          <a:p>
+            <a:r>
+              <a:rPr lang="en-US" altLang="zh-TW" dirty="0"/>
+              <a:t>Word </a:t>
+            </a:r>
+            <a:r>
+              <a:rPr lang="zh-TW" altLang="en-US" dirty="0"/>
+              <a:t>選項設定、文字搜尋與替換功能介紹</a:t>
+            </a:r>
+          </a:p>
+          <a:p>
+            <a:r>
+              <a:rPr lang="en-US" altLang="zh-TW" dirty="0" err="1"/>
+              <a:t>MathType</a:t>
+            </a:r>
+            <a:r>
+              <a:rPr lang="en-US" altLang="zh-TW" dirty="0"/>
+              <a:t> </a:t>
+            </a:r>
+            <a:r>
+              <a:rPr lang="zh-TW" altLang="en-US" dirty="0"/>
+              <a:t>軟體介紹（安裝與基本操作）</a:t>
+            </a:r>
+          </a:p>
+          <a:p>
+            <a:r>
+              <a:rPr lang="en-US" altLang="zh-TW" dirty="0" err="1"/>
+              <a:t>Mathpix</a:t>
+            </a:r>
+            <a:r>
+              <a:rPr lang="en-US" altLang="zh-TW" dirty="0"/>
+              <a:t> Snip </a:t>
+            </a:r>
+            <a:r>
+              <a:rPr lang="zh-TW" altLang="en-US" dirty="0"/>
+              <a:t>軟體介紹（安裝與用法）</a:t>
+            </a:r>
+          </a:p>
+          <a:p>
+            <a:r>
+              <a:rPr lang="zh-TW" altLang="en-US" dirty="0"/>
+              <a:t>使用 </a:t>
+            </a:r>
+            <a:r>
+              <a:rPr lang="en-US" altLang="zh-TW" dirty="0"/>
+              <a:t>NVDA </a:t>
+            </a:r>
+            <a:r>
+              <a:rPr lang="zh-TW" altLang="en-US" dirty="0"/>
+              <a:t>與 </a:t>
+            </a:r>
+            <a:r>
+              <a:rPr lang="en-US" altLang="zh-TW" dirty="0"/>
+              <a:t>Access8Math </a:t>
+            </a:r>
+            <a:r>
+              <a:rPr lang="zh-TW" altLang="en-US" dirty="0"/>
+              <a:t>來確認數學公式能否正確報讀</a:t>
+            </a:r>
+          </a:p>
+          <a:p>
+            <a:pPr marL="0" indent="0">
+              <a:buNone/>
+            </a:pPr>
+            <a:endParaRPr lang="zh-TW" altLang="en-US" dirty="0"/>
+          </a:p>
+        </p:txBody>
+      </p:sp>
+    </p:spTree>
+    <p:extLst>
+      <p:ext uri="{BB962C8B-B14F-4D97-AF65-F5344CB8AC3E}">
+        <p14:creationId xmlns:p14="http://schemas.microsoft.com/office/powerpoint/2010/main" val="734628388"/>
+      </p:ext>
+    </p:extLst>
+  </p:cSld>
+  <p:clrMapOvr>
+    <a:masterClrMapping/>
+  </p:clrMapOvr>
+</p:sld>
+</file>
+
+<file path=ppt/slides/slide40.xml><?xml version="1.0" encoding="utf-8"?>
+<p:sld xmlns:a="http://schemas.openxmlformats.org/drawingml/2006/main" xmlns:r="http://schemas.openxmlformats.org/officeDocument/2006/relationships" xmlns:p="http://schemas.openxmlformats.org/presentationml/2006/main">
+  <p:cSld>
+    <p:spTree>
+      <p:nvGrpSpPr>
+        <p:cNvPr id="1" name=""/>
+        <p:cNvGrpSpPr/>
+        <p:nvPr/>
+      </p:nvGrpSpPr>
+      <p:grpSpPr>
+        <a:xfrm>
+          <a:off x="0" y="0"/>
+          <a:ext cx="0" cy="0"/>
+          <a:chOff x="0" y="0"/>
+          <a:chExt cx="0" cy="0"/>
+        </a:xfrm>
+      </p:grpSpPr>
+      <p:sp>
+        <p:nvSpPr>
+          <p:cNvPr id="2" name="標題 1">
+            <a:extLst>
+              <a:ext uri="{FF2B5EF4-FFF2-40B4-BE49-F238E27FC236}">
+                <a16:creationId xmlns:a16="http://schemas.microsoft.com/office/drawing/2014/main" id="{614D7B6B-1BE4-47EB-A874-16C334315558}"/>
+              </a:ext>
+            </a:extLst>
+          </p:cNvPr>
+          <p:cNvSpPr>
+            <a:spLocks noGrp="1"/>
+          </p:cNvSpPr>
+          <p:nvPr>
+            <p:ph type="title"/>
+          </p:nvPr>
+        </p:nvSpPr>
+        <p:spPr/>
+        <p:txBody>
+          <a:bodyPr/>
+          <a:lstStyle/>
+          <a:p>
+            <a:r>
+              <a:rPr lang="zh-TW" altLang="en-US" b="1" i="0" dirty="0">
+                <a:solidFill>
+                  <a:srgbClr val="24292F"/>
+                </a:solidFill>
+                <a:effectLst/>
+                <a:latin typeface="-apple-system"/>
+              </a:rPr>
+              <a:t>比值</a:t>
+            </a:r>
+            <a:endParaRPr lang="zh-TW" altLang="en-US" dirty="0"/>
+          </a:p>
+        </p:txBody>
+      </p:sp>
+      <p:sp>
+        <p:nvSpPr>
+          <p:cNvPr id="3" name="內容版面配置區 2">
+            <a:extLst>
+              <a:ext uri="{FF2B5EF4-FFF2-40B4-BE49-F238E27FC236}">
+                <a16:creationId xmlns:a16="http://schemas.microsoft.com/office/drawing/2014/main" id="{E19E6595-BA02-4D49-A1B4-A601F1C857ED}"/>
+              </a:ext>
+            </a:extLst>
+          </p:cNvPr>
+          <p:cNvSpPr>
+            <a:spLocks noGrp="1"/>
+          </p:cNvSpPr>
+          <p:nvPr>
+            <p:ph idx="1"/>
+          </p:nvPr>
+        </p:nvSpPr>
+        <p:spPr/>
+        <p:txBody>
+          <a:bodyPr>
+            <a:normAutofit/>
+          </a:bodyPr>
+          <a:lstStyle/>
+          <a:p>
+            <a:r>
+              <a:rPr lang="zh-TW" altLang="en-US" dirty="0"/>
+              <a:t>例如 </a:t>
+            </a:r>
+            <a:r>
+              <a:rPr lang="en-US" altLang="zh-TW" dirty="0"/>
+              <a:t>4:5</a:t>
+            </a:r>
+          </a:p>
+          <a:p>
+            <a:r>
+              <a:rPr lang="en-US" altLang="zh-TW" dirty="0"/>
+              <a:t>NVDA </a:t>
+            </a:r>
+            <a:r>
+              <a:rPr lang="zh-TW" altLang="en-US" dirty="0"/>
+              <a:t>報讀時不是唸出「四比五」，而是「四冒號五」。</a:t>
+            </a:r>
+            <a:endParaRPr lang="en-US" altLang="zh-TW" dirty="0"/>
+          </a:p>
+          <a:p>
+            <a:r>
+              <a:rPr lang="zh-TW" altLang="en-US" dirty="0"/>
+              <a:t>如果 </a:t>
+            </a:r>
+            <a:r>
+              <a:rPr lang="en-US" altLang="zh-TW" dirty="0"/>
+              <a:t>NVDA </a:t>
+            </a:r>
+            <a:r>
+              <a:rPr lang="zh-TW" altLang="en-US" dirty="0"/>
+              <a:t>連冒號都沒有報讀，此時必須按 </a:t>
+            </a:r>
+            <a:r>
+              <a:rPr lang="en-US" altLang="zh-TW" dirty="0"/>
+              <a:t>NVDA+P </a:t>
+            </a:r>
+            <a:r>
+              <a:rPr lang="zh-TW" altLang="en-US" dirty="0"/>
+              <a:t>來提高 </a:t>
+            </a:r>
+            <a:r>
+              <a:rPr lang="en-US" altLang="zh-TW" dirty="0"/>
+              <a:t>NVDA </a:t>
+            </a:r>
+            <a:r>
+              <a:rPr lang="zh-TW" altLang="en-US" dirty="0"/>
+              <a:t>的「符號等級」，才會唸出冒號以及其他標點符號。</a:t>
+            </a:r>
+          </a:p>
+          <a:p>
+            <a:r>
+              <a:rPr lang="zh-TW" altLang="en-US" dirty="0"/>
+              <a:t>如果輸入成 </a:t>
+            </a:r>
+            <a:r>
+              <a:rPr lang="en-US" altLang="zh-TW" dirty="0" err="1"/>
+              <a:t>MathType</a:t>
+            </a:r>
+            <a:r>
+              <a:rPr lang="en-US" altLang="zh-TW" dirty="0"/>
+              <a:t> </a:t>
+            </a:r>
+            <a:r>
+              <a:rPr lang="zh-TW" altLang="en-US" dirty="0"/>
+              <a:t>公式，也就是寫成數學區塊，則無論 </a:t>
+            </a:r>
+            <a:r>
+              <a:rPr lang="en-US" altLang="zh-TW" dirty="0"/>
+              <a:t>NVDA </a:t>
+            </a:r>
+            <a:r>
+              <a:rPr lang="zh-TW" altLang="en-US" dirty="0"/>
+              <a:t>符號等級是什麼，都能夠唸出「冒號」。</a:t>
+            </a:r>
+          </a:p>
+        </p:txBody>
+      </p:sp>
+    </p:spTree>
+    <p:extLst>
+      <p:ext uri="{BB962C8B-B14F-4D97-AF65-F5344CB8AC3E}">
+        <p14:creationId xmlns:p14="http://schemas.microsoft.com/office/powerpoint/2010/main" val="2749309810"/>
+      </p:ext>
+    </p:extLst>
+  </p:cSld>
+  <p:clrMapOvr>
+    <a:masterClrMapping/>
+  </p:clrMapOvr>
+</p:sld>
+</file>
+
+<file path=ppt/slides/slide41.xml><?xml version="1.0" encoding="utf-8"?>
+<p:sld xmlns:a="http://schemas.openxmlformats.org/drawingml/2006/main" xmlns:r="http://schemas.openxmlformats.org/officeDocument/2006/relationships" xmlns:p="http://schemas.openxmlformats.org/presentationml/2006/main">
+  <p:cSld>
+    <p:spTree>
+      <p:nvGrpSpPr>
+        <p:cNvPr id="1" name=""/>
+        <p:cNvGrpSpPr/>
+        <p:nvPr/>
+      </p:nvGrpSpPr>
+      <p:grpSpPr>
+        <a:xfrm>
+          <a:off x="0" y="0"/>
+          <a:ext cx="0" cy="0"/>
+          <a:chOff x="0" y="0"/>
+          <a:chExt cx="0" cy="0"/>
+        </a:xfrm>
+      </p:grpSpPr>
+      <p:sp>
+        <p:nvSpPr>
+          <p:cNvPr id="2" name="標題 1">
+            <a:extLst>
+              <a:ext uri="{FF2B5EF4-FFF2-40B4-BE49-F238E27FC236}">
+                <a16:creationId xmlns:a16="http://schemas.microsoft.com/office/drawing/2014/main" id="{74C5F15D-24FA-4A71-8E18-E46D04CE8F94}"/>
+              </a:ext>
+            </a:extLst>
+          </p:cNvPr>
+          <p:cNvSpPr>
+            <a:spLocks noGrp="1"/>
+          </p:cNvSpPr>
+          <p:nvPr>
+            <p:ph type="title"/>
+          </p:nvPr>
+        </p:nvSpPr>
+        <p:spPr/>
+        <p:txBody>
+          <a:bodyPr/>
+          <a:lstStyle/>
+          <a:p>
+            <a:r>
+              <a:rPr lang="zh-TW" altLang="en-US" b="1" i="0" dirty="0">
+                <a:solidFill>
+                  <a:srgbClr val="24292F"/>
+                </a:solidFill>
+                <a:effectLst/>
+                <a:latin typeface="-apple-system"/>
+              </a:rPr>
+              <a:t>填空題的空格應如何表現？</a:t>
+            </a:r>
+            <a:endParaRPr lang="zh-TW" altLang="en-US" dirty="0"/>
+          </a:p>
+        </p:txBody>
+      </p:sp>
+      <p:sp>
+        <p:nvSpPr>
+          <p:cNvPr id="3" name="內容版面配置區 2">
+            <a:extLst>
+              <a:ext uri="{FF2B5EF4-FFF2-40B4-BE49-F238E27FC236}">
+                <a16:creationId xmlns:a16="http://schemas.microsoft.com/office/drawing/2014/main" id="{D5E776D2-D2C4-4225-BE7B-842E6E9C54B0}"/>
+              </a:ext>
+            </a:extLst>
+          </p:cNvPr>
+          <p:cNvSpPr>
+            <a:spLocks noGrp="1"/>
+          </p:cNvSpPr>
+          <p:nvPr>
+            <p:ph idx="1"/>
+          </p:nvPr>
+        </p:nvSpPr>
+        <p:spPr/>
+        <p:txBody>
+          <a:bodyPr/>
+          <a:lstStyle/>
+          <a:p>
+            <a:r>
+              <a:rPr lang="zh-TW" altLang="en-US" dirty="0"/>
+              <a:t>考券上面的填空題，在需要學生填寫答案的地方，視覺上經常是以特定長度的底線來呈現。轉譯時，這個部分可以改成一對半形括弧，左右括弧中間可以加一個空白字元，像這樣：</a:t>
+            </a:r>
+            <a:r>
+              <a:rPr lang="en-US" altLang="zh-TW" dirty="0"/>
+              <a:t>( )</a:t>
+            </a:r>
+            <a:r>
+              <a:rPr lang="zh-TW" altLang="en-US" dirty="0"/>
+              <a:t>。</a:t>
+            </a:r>
+            <a:endParaRPr lang="en-US" altLang="zh-TW" dirty="0"/>
+          </a:p>
+          <a:p>
+            <a:endParaRPr lang="zh-TW" altLang="en-US" dirty="0"/>
+          </a:p>
+        </p:txBody>
+      </p:sp>
+      <p:pic>
+        <p:nvPicPr>
+          <p:cNvPr id="5" name="圖片 4">
+            <a:extLst>
+              <a:ext uri="{FF2B5EF4-FFF2-40B4-BE49-F238E27FC236}">
+                <a16:creationId xmlns:a16="http://schemas.microsoft.com/office/drawing/2014/main" id="{CA4F9A83-28EA-4AA9-903D-1B02857CEB96}"/>
+              </a:ext>
+            </a:extLst>
+          </p:cNvPr>
+          <p:cNvPicPr>
+            <a:picLocks noChangeAspect="1"/>
+          </p:cNvPicPr>
+          <p:nvPr/>
+        </p:nvPicPr>
+        <p:blipFill>
+          <a:blip r:embed="rId2"/>
+          <a:stretch>
+            <a:fillRect/>
+          </a:stretch>
+        </p:blipFill>
+        <p:spPr>
+          <a:xfrm>
+            <a:off x="1210234" y="4771676"/>
+            <a:ext cx="10207671" cy="987839"/>
+          </a:xfrm>
+          <a:prstGeom prst="rect">
+            <a:avLst/>
+          </a:prstGeom>
+        </p:spPr>
+      </p:pic>
+      <p:pic>
+        <p:nvPicPr>
+          <p:cNvPr id="6" name="圖片 5">
+            <a:extLst>
+              <a:ext uri="{FF2B5EF4-FFF2-40B4-BE49-F238E27FC236}">
+                <a16:creationId xmlns:a16="http://schemas.microsoft.com/office/drawing/2014/main" id="{43F6EC94-4585-47BD-A289-30807B42E326}"/>
+              </a:ext>
+            </a:extLst>
+          </p:cNvPr>
+          <p:cNvPicPr>
+            <a:picLocks noChangeAspect="1"/>
+          </p:cNvPicPr>
+          <p:nvPr/>
+        </p:nvPicPr>
+        <p:blipFill>
+          <a:blip r:embed="rId3"/>
+          <a:stretch>
+            <a:fillRect/>
+          </a:stretch>
+        </p:blipFill>
+        <p:spPr>
+          <a:xfrm>
+            <a:off x="805922" y="3168811"/>
+            <a:ext cx="10521602" cy="1143212"/>
+          </a:xfrm>
+          <a:prstGeom prst="rect">
+            <a:avLst/>
+          </a:prstGeom>
+        </p:spPr>
+      </p:pic>
+      <p:cxnSp>
+        <p:nvCxnSpPr>
+          <p:cNvPr id="10" name="接點: 弧形 9">
+            <a:extLst>
+              <a:ext uri="{FF2B5EF4-FFF2-40B4-BE49-F238E27FC236}">
+                <a16:creationId xmlns:a16="http://schemas.microsoft.com/office/drawing/2014/main" id="{738971A5-B2E2-49C7-850B-B302190CA4FF}"/>
+              </a:ext>
+            </a:extLst>
+          </p:cNvPr>
+          <p:cNvCxnSpPr>
+            <a:cxnSpLocks/>
+          </p:cNvCxnSpPr>
+          <p:nvPr/>
+        </p:nvCxnSpPr>
+        <p:spPr>
+          <a:xfrm rot="10800000" flipV="1">
+            <a:off x="2142569" y="4096870"/>
+            <a:ext cx="1523996" cy="1389527"/>
+          </a:xfrm>
+          <a:prstGeom prst="curvedConnector3">
+            <a:avLst>
+              <a:gd name="adj1" fmla="val 50000"/>
+            </a:avLst>
+          </a:prstGeom>
+          <a:ln w="57150">
+            <a:solidFill>
+              <a:srgbClr val="FF0000"/>
+            </a:solidFill>
+            <a:tailEnd type="triangle"/>
+          </a:ln>
+        </p:spPr>
+        <p:style>
+          <a:lnRef idx="1">
+            <a:schemeClr val="accent1"/>
+          </a:lnRef>
+          <a:fillRef idx="0">
+            <a:schemeClr val="accent1"/>
+          </a:fillRef>
+          <a:effectRef idx="0">
+            <a:schemeClr val="accent1"/>
+          </a:effectRef>
+          <a:fontRef idx="minor">
+            <a:schemeClr val="tx1"/>
+          </a:fontRef>
+        </p:style>
+      </p:cxnSp>
+    </p:spTree>
+    <p:extLst>
+      <p:ext uri="{BB962C8B-B14F-4D97-AF65-F5344CB8AC3E}">
+        <p14:creationId xmlns:p14="http://schemas.microsoft.com/office/powerpoint/2010/main" val="818938578"/>
+      </p:ext>
+    </p:extLst>
+  </p:cSld>
+  <p:clrMapOvr>
+    <a:masterClrMapping/>
+  </p:clrMapOvr>
+  <p:timing>
+    <p:tnLst>
+      <p:par>
+        <p:cTn id="1" dur="indefinite" restart="never" nodeType="tmRoot">
+          <p:childTnLst>
+            <p:seq concurrent="1" nextAc="seek">
+              <p:cTn id="2" dur="indefinite" nodeType="mainSeq">
+                <p:childTnLst>
+                  <p:par>
+                    <p:cTn id="3" fill="hold">
+                      <p:stCondLst>
+                        <p:cond delay="indefinite"/>
+                        <p:cond evt="onBegin" delay="0">
+                          <p:tn val="2"/>
+                        </p:cond>
+                      </p:stCondLst>
+                      <p:childTnLst>
+                        <p:par>
+                          <p:cTn id="4" fill="hold">
+                            <p:stCondLst>
+                              <p:cond delay="0"/>
+                            </p:stCondLst>
+                            <p:childTnLst>
+                              <p:par>
+                                <p:cTn id="5" presetID="10" presetClass="entr" presetSubtype="0" fill="hold" nodeType="afterEffect">
+                                  <p:stCondLst>
+                                    <p:cond delay="3250"/>
+                                  </p:stCondLst>
+                                  <p:childTnLst>
+                                    <p:set>
+                                      <p:cBhvr>
+                                        <p:cTn id="6" dur="1" fill="hold">
+                                          <p:stCondLst>
+                                            <p:cond delay="0"/>
+                                          </p:stCondLst>
+                                        </p:cTn>
+                                        <p:tgtEl>
+                                          <p:spTgt spid="10"/>
+                                        </p:tgtEl>
+                                        <p:attrNameLst>
+                                          <p:attrName>style.visibility</p:attrName>
+                                        </p:attrNameLst>
+                                      </p:cBhvr>
+                                      <p:to>
+                                        <p:strVal val="visible"/>
+                                      </p:to>
+                                    </p:set>
+                                    <p:animEffect transition="in" filter="fade">
+                                      <p:cBhvr>
+                                        <p:cTn id="7" dur="500"/>
+                                        <p:tgtEl>
+                                          <p:spTgt spid="10"/>
+                                        </p:tgtEl>
+                                      </p:cBhvr>
+                                    </p:animEffect>
+                                  </p:childTnLst>
+                                </p:cTn>
+                              </p:par>
+                            </p:childTnLst>
+                          </p:cTn>
+                        </p:par>
+                      </p:childTnLst>
+                    </p:cTn>
+                  </p:par>
+                </p:childTnLst>
+              </p:cTn>
+              <p:prevCondLst>
+                <p:cond evt="onPrev" delay="0">
+                  <p:tgtEl>
+                    <p:sldTgt/>
+                  </p:tgtEl>
+                </p:cond>
+              </p:prevCondLst>
+              <p:nextCondLst>
+                <p:cond evt="onNext" delay="0">
+                  <p:tgtEl>
+                    <p:sldTgt/>
+                  </p:tgtEl>
+                </p:cond>
+              </p:nextCondLst>
+            </p:seq>
+          </p:childTnLst>
+        </p:cTn>
+      </p:par>
+    </p:tnLst>
+  </p:timing>
+</p:sld>
+</file>
+
+<file path=ppt/slides/slide42.xml><?xml version="1.0" encoding="utf-8"?>
+<p:sld xmlns:a="http://schemas.openxmlformats.org/drawingml/2006/main" xmlns:r="http://schemas.openxmlformats.org/officeDocument/2006/relationships" xmlns:p="http://schemas.openxmlformats.org/presentationml/2006/main">
+  <p:cSld>
+    <p:spTree>
+      <p:nvGrpSpPr>
+        <p:cNvPr id="1" name=""/>
+        <p:cNvGrpSpPr/>
+        <p:nvPr/>
+      </p:nvGrpSpPr>
+      <p:grpSpPr>
+        <a:xfrm>
+          <a:off x="0" y="0"/>
+          <a:ext cx="0" cy="0"/>
+          <a:chOff x="0" y="0"/>
+          <a:chExt cx="0" cy="0"/>
+        </a:xfrm>
+      </p:grpSpPr>
+      <p:sp>
+        <p:nvSpPr>
+          <p:cNvPr id="2" name="標題 1">
+            <a:extLst>
+              <a:ext uri="{FF2B5EF4-FFF2-40B4-BE49-F238E27FC236}">
+                <a16:creationId xmlns:a16="http://schemas.microsoft.com/office/drawing/2014/main" id="{1F925018-AF7E-4CB7-A57A-8735C7D69716}"/>
+              </a:ext>
+            </a:extLst>
+          </p:cNvPr>
+          <p:cNvSpPr>
+            <a:spLocks noGrp="1"/>
+          </p:cNvSpPr>
+          <p:nvPr>
+            <p:ph type="title"/>
+          </p:nvPr>
+        </p:nvSpPr>
+        <p:spPr/>
+        <p:txBody>
+          <a:bodyPr/>
+          <a:lstStyle/>
+          <a:p>
+            <a:r>
+              <a:rPr lang="zh-TW" altLang="en-US" dirty="0"/>
+              <a:t>複製貼上的時候要留意多餘空白</a:t>
+            </a:r>
+          </a:p>
+        </p:txBody>
+      </p:sp>
+      <p:sp>
+        <p:nvSpPr>
+          <p:cNvPr id="3" name="內容版面配置區 2">
+            <a:extLst>
+              <a:ext uri="{FF2B5EF4-FFF2-40B4-BE49-F238E27FC236}">
+                <a16:creationId xmlns:a16="http://schemas.microsoft.com/office/drawing/2014/main" id="{7EAF5A06-E926-46FD-9EBA-CEEB972786FD}"/>
+              </a:ext>
+            </a:extLst>
+          </p:cNvPr>
+          <p:cNvSpPr>
+            <a:spLocks noGrp="1"/>
+          </p:cNvSpPr>
+          <p:nvPr>
+            <p:ph idx="1"/>
+          </p:nvPr>
+        </p:nvSpPr>
+        <p:spPr/>
+        <p:txBody>
+          <a:bodyPr/>
+          <a:lstStyle/>
+          <a:p>
+            <a:pPr marL="0" indent="0">
+              <a:buNone/>
+            </a:pPr>
+            <a:r>
+              <a:rPr lang="zh-TW" altLang="en-US" dirty="0"/>
+              <a:t>範例一：線型函數 </a:t>
+            </a:r>
+            <a:r>
+              <a:rPr lang="en-US" altLang="zh-TW" dirty="0"/>
+              <a:t>f ( x ) = </a:t>
+            </a:r>
+            <a:r>
+              <a:rPr lang="en-US" altLang="zh-TW" dirty="0">
+                <a:highlight>
+                  <a:srgbClr val="FFFF00"/>
+                </a:highlight>
+              </a:rPr>
+              <a:t>- 1899x</a:t>
+            </a:r>
+            <a:r>
+              <a:rPr lang="en-US" altLang="zh-TW" dirty="0"/>
+              <a:t> + 21950</a:t>
+            </a:r>
+          </a:p>
+          <a:p>
+            <a:pPr marL="0" indent="0">
+              <a:buNone/>
+            </a:pPr>
+            <a:r>
+              <a:rPr lang="zh-TW" altLang="en-US" dirty="0"/>
+              <a:t>範例二：座標 </a:t>
+            </a:r>
+            <a:r>
+              <a:rPr lang="en-US" altLang="zh-TW" dirty="0"/>
+              <a:t>( 10 , </a:t>
+            </a:r>
+            <a:r>
+              <a:rPr lang="en-US" altLang="zh-TW" dirty="0">
+                <a:highlight>
+                  <a:srgbClr val="FFFF00"/>
+                </a:highlight>
+              </a:rPr>
+              <a:t>- 2</a:t>
+            </a:r>
+            <a:r>
+              <a:rPr lang="en-US" altLang="zh-TW" dirty="0"/>
+              <a:t> )</a:t>
+            </a:r>
+          </a:p>
+          <a:p>
+            <a:pPr marL="0" indent="0">
+              <a:buNone/>
+            </a:pPr>
+            <a:endParaRPr lang="en-US" altLang="zh-TW" dirty="0"/>
+          </a:p>
+          <a:p>
+            <a:pPr marL="0" indent="0">
+              <a:buNone/>
+            </a:pPr>
+            <a:r>
+              <a:rPr lang="zh-TW" altLang="en-US" dirty="0"/>
+              <a:t>從原始教材檔案裡面直接複製文字的結果，發現其中有多餘的空白符號，使得負數的負號也跟其關連的數字當中隔了一個空白字元，例如 </a:t>
+            </a:r>
+            <a:r>
+              <a:rPr lang="en-US" altLang="zh-TW" dirty="0">
+                <a:highlight>
+                  <a:srgbClr val="FFFF00"/>
+                </a:highlight>
+              </a:rPr>
+              <a:t>- 2</a:t>
+            </a:r>
+            <a:r>
+              <a:rPr lang="zh-TW" altLang="en-US" dirty="0"/>
+              <a:t>。像這種情形，</a:t>
+            </a:r>
+            <a:r>
+              <a:rPr lang="zh-TW" altLang="en-US" dirty="0">
+                <a:solidFill>
+                  <a:srgbClr val="FF0000"/>
+                </a:solidFill>
+              </a:rPr>
+              <a:t>在轉譯時應該要把容易造成語意混淆的多餘空白字元刪除</a:t>
+            </a:r>
+            <a:r>
+              <a:rPr lang="zh-TW" altLang="en-US" dirty="0"/>
+              <a:t>，以免造成閱讀時的誤解。</a:t>
+            </a:r>
+          </a:p>
+        </p:txBody>
+      </p:sp>
+    </p:spTree>
+    <p:extLst>
+      <p:ext uri="{BB962C8B-B14F-4D97-AF65-F5344CB8AC3E}">
+        <p14:creationId xmlns:p14="http://schemas.microsoft.com/office/powerpoint/2010/main" val="2146337964"/>
+      </p:ext>
+    </p:extLst>
+  </p:cSld>
+  <p:clrMapOvr>
+    <a:masterClrMapping/>
+  </p:clrMapOvr>
+</p:sld>
+</file>
+
+<file path=ppt/slides/slide43.xml><?xml version="1.0" encoding="utf-8"?>
+<p:sld xmlns:a="http://schemas.openxmlformats.org/drawingml/2006/main" xmlns:r="http://schemas.openxmlformats.org/officeDocument/2006/relationships" xmlns:p="http://schemas.openxmlformats.org/presentationml/2006/main">
+  <p:cSld>
+    <p:spTree>
+      <p:nvGrpSpPr>
+        <p:cNvPr id="1" name=""/>
+        <p:cNvGrpSpPr/>
+        <p:nvPr/>
+      </p:nvGrpSpPr>
+      <p:grpSpPr>
+        <a:xfrm>
+          <a:off x="0" y="0"/>
+          <a:ext cx="0" cy="0"/>
+          <a:chOff x="0" y="0"/>
+          <a:chExt cx="0" cy="0"/>
+        </a:xfrm>
+      </p:grpSpPr>
+      <p:sp>
+        <p:nvSpPr>
+          <p:cNvPr id="2" name="標題 1">
+            <a:extLst>
+              <a:ext uri="{FF2B5EF4-FFF2-40B4-BE49-F238E27FC236}">
+                <a16:creationId xmlns:a16="http://schemas.microsoft.com/office/drawing/2014/main" id="{B2A68720-5DB8-415C-86EE-17CE4EE4EF15}"/>
+              </a:ext>
+            </a:extLst>
+          </p:cNvPr>
+          <p:cNvSpPr>
+            <a:spLocks noGrp="1"/>
+          </p:cNvSpPr>
+          <p:nvPr>
+            <p:ph type="ctrTitle"/>
+          </p:nvPr>
+        </p:nvSpPr>
+        <p:spPr/>
+        <p:txBody>
+          <a:bodyPr/>
+          <a:lstStyle/>
+          <a:p>
+            <a:r>
+              <a:rPr lang="en-US" altLang="zh-TW" b="1" dirty="0"/>
+              <a:t>Word </a:t>
+            </a:r>
+            <a:r>
+              <a:rPr lang="zh-TW" altLang="en-US" b="1" dirty="0"/>
+              <a:t>選項設定</a:t>
+            </a:r>
+            <a:br>
+              <a:rPr lang="en-US" altLang="zh-TW" b="1" dirty="0"/>
+            </a:br>
+            <a:r>
+              <a:rPr lang="zh-TW" altLang="en-US" b="1" dirty="0"/>
+              <a:t>與文字取代</a:t>
+            </a:r>
+          </a:p>
+        </p:txBody>
+      </p:sp>
+      <p:sp>
+        <p:nvSpPr>
+          <p:cNvPr id="4" name="副標題 3">
+            <a:extLst>
+              <a:ext uri="{FF2B5EF4-FFF2-40B4-BE49-F238E27FC236}">
+                <a16:creationId xmlns:a16="http://schemas.microsoft.com/office/drawing/2014/main" id="{33C4D836-DE78-4F9C-AB15-364033FF7DAF}"/>
+              </a:ext>
+            </a:extLst>
+          </p:cNvPr>
+          <p:cNvSpPr>
+            <a:spLocks noGrp="1"/>
+          </p:cNvSpPr>
+          <p:nvPr>
+            <p:ph type="subTitle" idx="1"/>
+          </p:nvPr>
+        </p:nvSpPr>
+        <p:spPr/>
+        <p:txBody>
+          <a:bodyPr/>
+          <a:lstStyle/>
+          <a:p>
+            <a:endParaRPr lang="zh-TW" altLang="en-US"/>
+          </a:p>
+        </p:txBody>
+      </p:sp>
+    </p:spTree>
+    <p:extLst>
+      <p:ext uri="{BB962C8B-B14F-4D97-AF65-F5344CB8AC3E}">
+        <p14:creationId xmlns:p14="http://schemas.microsoft.com/office/powerpoint/2010/main" val="2063309826"/>
+      </p:ext>
+    </p:extLst>
+  </p:cSld>
+  <p:clrMapOvr>
+    <a:masterClrMapping/>
+  </p:clrMapOvr>
+</p:sld>
+</file>
+
+<file path=ppt/slides/slide44.xml><?xml version="1.0" encoding="utf-8"?>
+<p:sld xmlns:a="http://schemas.openxmlformats.org/drawingml/2006/main" xmlns:r="http://schemas.openxmlformats.org/officeDocument/2006/relationships" xmlns:p="http://schemas.openxmlformats.org/presentationml/2006/main">
+  <p:cSld>
+    <p:spTree>
+      <p:nvGrpSpPr>
+        <p:cNvPr id="1" name=""/>
+        <p:cNvGrpSpPr/>
+        <p:nvPr/>
+      </p:nvGrpSpPr>
+      <p:grpSpPr>
+        <a:xfrm>
+          <a:off x="0" y="0"/>
+          <a:ext cx="0" cy="0"/>
+          <a:chOff x="0" y="0"/>
+          <a:chExt cx="0" cy="0"/>
+        </a:xfrm>
+      </p:grpSpPr>
+      <p:sp>
+        <p:nvSpPr>
+          <p:cNvPr id="2" name="標題 1">
+            <a:extLst>
+              <a:ext uri="{FF2B5EF4-FFF2-40B4-BE49-F238E27FC236}">
                 <a16:creationId xmlns:a16="http://schemas.microsoft.com/office/drawing/2014/main" id="{255740AD-151C-4DD0-B0E9-997EE28D62D9}"/>
               </a:ext>
             </a:extLst>
@@ -7779,7 +12328,7 @@
 </p:sld>
 </file>
 
-<file path=ppt/slides/slide31.xml><?xml version="1.0" encoding="utf-8"?>
+<file path=ppt/slides/slide45.xml><?xml version="1.0" encoding="utf-8"?>
 <p:sld xmlns:a="http://schemas.openxmlformats.org/drawingml/2006/main" xmlns:r="http://schemas.openxmlformats.org/officeDocument/2006/relationships" xmlns:p="http://schemas.openxmlformats.org/presentationml/2006/main">
   <p:cSld>
     <p:spTree>
@@ -7971,7 +12520,7 @@
 </p:sld>
 </file>
 
-<file path=ppt/slides/slide32.xml><?xml version="1.0" encoding="utf-8"?>
+<file path=ppt/slides/slide46.xml><?xml version="1.0" encoding="utf-8"?>
 <p:sld xmlns:a="http://schemas.openxmlformats.org/drawingml/2006/main" xmlns:r="http://schemas.openxmlformats.org/officeDocument/2006/relationships" xmlns:p="http://schemas.openxmlformats.org/presentationml/2006/main">
   <p:cSld>
     <p:spTree>
@@ -8193,7 +12742,7 @@
 </p:sld>
 </file>
 
-<file path=ppt/slides/slide33.xml><?xml version="1.0" encoding="utf-8"?>
+<file path=ppt/slides/slide47.xml><?xml version="1.0" encoding="utf-8"?>
 <p:sld xmlns:a="http://schemas.openxmlformats.org/drawingml/2006/main" xmlns:r="http://schemas.openxmlformats.org/officeDocument/2006/relationships" xmlns:p="http://schemas.openxmlformats.org/presentationml/2006/main">
   <p:cSld>
     <p:spTree>
@@ -8291,7 +12840,7 @@
 </p:sld>
 </file>
 
-<file path=ppt/slides/slide34.xml><?xml version="1.0" encoding="utf-8"?>
+<file path=ppt/slides/slide48.xml><?xml version="1.0" encoding="utf-8"?>
 <p:sld xmlns:a="http://schemas.openxmlformats.org/drawingml/2006/main" xmlns:r="http://schemas.openxmlformats.org/officeDocument/2006/relationships" xmlns:p="http://schemas.openxmlformats.org/presentationml/2006/main">
   <p:cSld>
     <p:spTree>
@@ -8413,7 +12962,7 @@
 </p:sld>
 </file>
 
-<file path=ppt/slides/slide4.xml><?xml version="1.0" encoding="utf-8"?>
+<file path=ppt/slides/slide5.xml><?xml version="1.0" encoding="utf-8"?>
 <p:sld xmlns:a="http://schemas.openxmlformats.org/drawingml/2006/main" xmlns:r="http://schemas.openxmlformats.org/officeDocument/2006/relationships" xmlns:p="http://schemas.openxmlformats.org/presentationml/2006/main">
   <p:cSld>
     <p:spTree>
@@ -8639,7 +13188,7 @@
 </p:sld>
 </file>
 
-<file path=ppt/slides/slide5.xml><?xml version="1.0" encoding="utf-8"?>
+<file path=ppt/slides/slide6.xml><?xml version="1.0" encoding="utf-8"?>
 <p:sld xmlns:a="http://schemas.openxmlformats.org/drawingml/2006/main" xmlns:r="http://schemas.openxmlformats.org/officeDocument/2006/relationships" xmlns:p="http://schemas.openxmlformats.org/presentationml/2006/main">
   <p:cSld>
     <p:spTree>
@@ -9025,7 +13574,7 @@
 </p:sld>
 </file>
 
-<file path=ppt/slides/slide6.xml><?xml version="1.0" encoding="utf-8"?>
+<file path=ppt/slides/slide7.xml><?xml version="1.0" encoding="utf-8"?>
 <p:sld xmlns:a="http://schemas.openxmlformats.org/drawingml/2006/main" xmlns:r="http://schemas.openxmlformats.org/officeDocument/2006/relationships" xmlns:p="http://schemas.openxmlformats.org/presentationml/2006/main">
   <p:cSld>
     <p:spTree>
@@ -9350,7 +13899,7 @@
 </p:sld>
 </file>
 
-<file path=ppt/slides/slide7.xml><?xml version="1.0" encoding="utf-8"?>
+<file path=ppt/slides/slide8.xml><?xml version="1.0" encoding="utf-8"?>
 <p:sld xmlns:a="http://schemas.openxmlformats.org/drawingml/2006/main" xmlns:r="http://schemas.openxmlformats.org/officeDocument/2006/relationships" xmlns:p="http://schemas.openxmlformats.org/presentationml/2006/main">
   <p:cSld>
     <p:spTree>
@@ -9442,7 +13991,7 @@
 </p:sld>
 </file>
 
-<file path=ppt/slides/slide8.xml><?xml version="1.0" encoding="utf-8"?>
+<file path=ppt/slides/slide9.xml><?xml version="1.0" encoding="utf-8"?>
 <p:sld xmlns:a="http://schemas.openxmlformats.org/drawingml/2006/main" xmlns:r="http://schemas.openxmlformats.org/officeDocument/2006/relationships" xmlns:p="http://schemas.openxmlformats.org/presentationml/2006/main">
   <p:cSld>
     <p:spTree>
@@ -9607,7 +14156,7 @@
                   </a:schemeClr>
                 </a:solidFill>
               </a:rPr>
-              <a:t>👉 抓圖的時候，避開圖片，</a:t>
+              <a:t>👉 抓圖時，避開非文字的區域，</a:t>
             </a:r>
             <a:br>
               <a:rPr lang="en-US" altLang="zh-TW" sz="2400" b="1" dirty="0">
@@ -9619,6 +14168,16 @@
               </a:rPr>
             </a:br>
             <a:r>
+              <a:rPr lang="en-US" altLang="zh-TW" sz="2400" b="1" dirty="0">
+                <a:solidFill>
+                  <a:schemeClr val="accent2">
+                    <a:lumMod val="75000"/>
+                  </a:schemeClr>
+                </a:solidFill>
+              </a:rPr>
+              <a:t>    </a:t>
+            </a:r>
+            <a:r>
               <a:rPr lang="zh-TW" altLang="en-US" sz="2400" b="1" dirty="0">
                 <a:solidFill>
                   <a:schemeClr val="accent2">
@@ -9626,7 +14185,7 @@
                   </a:schemeClr>
                 </a:solidFill>
               </a:rPr>
-              <a:t>      以獲得更準確的辨識結果。</a:t>
+              <a:t>  以獲得更準確的辨識結果。</a:t>
             </a:r>
           </a:p>
           <a:p>
@@ -9644,106 +14203,6 @@
     <p:extLst>
       <p:ext uri="{BB962C8B-B14F-4D97-AF65-F5344CB8AC3E}">
         <p14:creationId xmlns:p14="http://schemas.microsoft.com/office/powerpoint/2010/main" val="167210446"/>
-      </p:ext>
-    </p:extLst>
-  </p:cSld>
-  <p:clrMapOvr>
-    <a:masterClrMapping/>
-  </p:clrMapOvr>
-</p:sld>
-</file>
-
-<file path=ppt/slides/slide9.xml><?xml version="1.0" encoding="utf-8"?>
-<p:sld xmlns:a="http://schemas.openxmlformats.org/drawingml/2006/main" xmlns:r="http://schemas.openxmlformats.org/officeDocument/2006/relationships" xmlns:p="http://schemas.openxmlformats.org/presentationml/2006/main">
-  <p:cSld>
-    <p:spTree>
-      <p:nvGrpSpPr>
-        <p:cNvPr id="1" name=""/>
-        <p:cNvGrpSpPr/>
-        <p:nvPr/>
-      </p:nvGrpSpPr>
-      <p:grpSpPr>
-        <a:xfrm>
-          <a:off x="0" y="0"/>
-          <a:ext cx="0" cy="0"/>
-          <a:chOff x="0" y="0"/>
-          <a:chExt cx="0" cy="0"/>
-        </a:xfrm>
-      </p:grpSpPr>
-      <p:sp>
-        <p:nvSpPr>
-          <p:cNvPr id="2" name="標題 1">
-            <a:extLst>
-              <a:ext uri="{FF2B5EF4-FFF2-40B4-BE49-F238E27FC236}">
-                <a16:creationId xmlns:a16="http://schemas.microsoft.com/office/drawing/2014/main" id="{FEF559FC-62EF-4742-8320-C58A240436DC}"/>
-              </a:ext>
-            </a:extLst>
-          </p:cNvPr>
-          <p:cNvSpPr>
-            <a:spLocks noGrp="1"/>
-          </p:cNvSpPr>
-          <p:nvPr>
-            <p:ph type="title"/>
-          </p:nvPr>
-        </p:nvSpPr>
-        <p:spPr/>
-        <p:txBody>
-          <a:bodyPr/>
-          <a:lstStyle/>
-          <a:p>
-            <a:r>
-              <a:rPr lang="en-US" altLang="zh-TW" dirty="0">
-                <a:hlinkClick r:id="rId2"/>
-              </a:rPr>
-              <a:t>Adobe </a:t>
-            </a:r>
-            <a:r>
-              <a:rPr lang="zh-TW" altLang="en-US" dirty="0">
-                <a:hlinkClick r:id="rId2"/>
-              </a:rPr>
-              <a:t>線上轉檔服務</a:t>
-            </a:r>
-            <a:r>
-              <a:rPr lang="zh-TW" altLang="en-US" dirty="0"/>
-              <a:t>（非必要）</a:t>
-            </a:r>
-          </a:p>
-        </p:txBody>
-      </p:sp>
-      <p:pic>
-        <p:nvPicPr>
-          <p:cNvPr id="9" name="圖片 8">
-            <a:extLst>
-              <a:ext uri="{FF2B5EF4-FFF2-40B4-BE49-F238E27FC236}">
-                <a16:creationId xmlns:a16="http://schemas.microsoft.com/office/drawing/2014/main" id="{5AE68BE0-6A64-463D-8E2C-1C6F2181DAAF}"/>
-              </a:ext>
-            </a:extLst>
-          </p:cNvPr>
-          <p:cNvPicPr>
-            <a:picLocks noChangeAspect="1"/>
-          </p:cNvPicPr>
-          <p:nvPr/>
-        </p:nvPicPr>
-        <p:blipFill>
-          <a:blip r:embed="rId3"/>
-          <a:stretch>
-            <a:fillRect/>
-          </a:stretch>
-        </p:blipFill>
-        <p:spPr>
-          <a:xfrm>
-            <a:off x="769897" y="1573880"/>
-            <a:ext cx="9809524" cy="4714286"/>
-          </a:xfrm>
-          <a:prstGeom prst="rect">
-            <a:avLst/>
-          </a:prstGeom>
-        </p:spPr>
-      </p:pic>
-    </p:spTree>
-    <p:extLst>
-      <p:ext uri="{BB962C8B-B14F-4D97-AF65-F5344CB8AC3E}">
-        <p14:creationId xmlns:p14="http://schemas.microsoft.com/office/powerpoint/2010/main" val="3800768225"/>
       </p:ext>
     </p:extLst>
   </p:cSld>

--- a/Seminar/視障輔助教材轉檔研討會/投影片.pptx
+++ b/Seminar/視障輔助教材轉檔研討會/投影片.pptx
@@ -7783,7 +7783,7 @@
           <a:graphicData uri="http://schemas.openxmlformats.org/presentationml/2006/ole">
             <mc:AlternateContent xmlns:mc="http://schemas.openxmlformats.org/markup-compatibility/2006">
               <mc:Choice xmlns:v="urn:schemas-microsoft-com:vml" Requires="v">
-                <p:oleObj spid="_x0000_s1026" name="封裝程式殼層物件" showAsIcon="1" r:id="rId4" imgW="642240" imgH="572400" progId="Package">
+                <p:oleObj spid="_x0000_s1028" name="封裝程式殼層物件" showAsIcon="1" r:id="rId4" imgW="642240" imgH="572400" progId="Package">
                   <p:embed/>
                 </p:oleObj>
               </mc:Choice>
@@ -8447,8 +8447,8 @@
               <a:t>總共有 </a:t>
             </a:r>
             <a:r>
-              <a:rPr lang="en-US" altLang="zh-TW" sz="3200" dirty="0"/>
-              <a:t>N </a:t>
+              <a:rPr lang="en-US" altLang="zh-TW" sz="3200"/>
+              <a:t>6 </a:t>
             </a:r>
             <a:r>
               <a:rPr lang="zh-TW" altLang="en-US" sz="3200" dirty="0"/>
@@ -12822,6 +12822,21 @@
                 <a:hlinkClick r:id="rId3"/>
               </a:rPr>
               <a:t>視覺障礙輔助科技筆記本</a:t>
+            </a:r>
+            <a:endParaRPr lang="en-US" altLang="zh-TW" dirty="0"/>
+          </a:p>
+          <a:p>
+            <a:r>
+              <a:rPr lang="en-US" altLang="zh-TW" dirty="0">
+                <a:hlinkClick r:id="rId4"/>
+              </a:rPr>
+              <a:t>Microsoft Word 2021 Office Math </a:t>
+            </a:r>
+            <a:r>
+              <a:rPr lang="zh-TW" altLang="en-US" dirty="0">
+                <a:hlinkClick r:id="rId4"/>
+              </a:rPr>
+              <a:t>報讀效果</a:t>
             </a:r>
             <a:endParaRPr lang="zh-TW" altLang="en-US" dirty="0"/>
           </a:p>
